--- a/slides.pptx
+++ b/slides.pptx
@@ -10,7 +10,14 @@
     <p:sldId id="274" r:id="rId7"/>
     <p:sldId id="275" r:id="rId8"/>
     <p:sldId id="276" r:id="rId9"/>
-    <p:sldId id="272" r:id="rId10"/>
+    <p:sldId id="277" r:id="rId10"/>
+    <p:sldId id="278" r:id="rId11"/>
+    <p:sldId id="279" r:id="rId12"/>
+    <p:sldId id="280" r:id="rId13"/>
+    <p:sldId id="281" r:id="rId14"/>
+    <p:sldId id="282" r:id="rId15"/>
+    <p:sldId id="283" r:id="rId16"/>
+    <p:sldId id="272" r:id="rId17"/>
   </p:sldIdLst>
   <p:sldSz cx="10080625" cy="5670550"/>
   <p:notesSz cx="7559675" cy="10691813"/>
@@ -2432,6 +2439,2153 @@
 </p:sld>
 </file>
 
+<file path=ppt/slides/slide10.xml><?xml version="1.0" encoding="utf-8"?>
+<p:sld xmlns:a="http://schemas.openxmlformats.org/drawingml/2006/main" xmlns:r="http://schemas.openxmlformats.org/officeDocument/2006/relationships" xmlns:p="http://schemas.openxmlformats.org/presentationml/2006/main">
+  <p:cSld>
+    <p:spTree>
+      <p:nvGrpSpPr>
+        <p:cNvPr id="1" name=""/>
+        <p:cNvGrpSpPr/>
+        <p:nvPr/>
+      </p:nvGrpSpPr>
+      <p:grpSpPr>
+        <a:xfrm>
+          <a:off x="0" y="0"/>
+          <a:ext cx="0" cy="0"/>
+          <a:chOff x="0" y="0"/>
+          <a:chExt cx="0" cy="0"/>
+        </a:xfrm>
+      </p:grpSpPr>
+      <p:pic>
+        <p:nvPicPr>
+          <p:cNvPr id="40" name="Immagine 42"/>
+          <p:cNvPicPr/>
+          <p:nvPr/>
+        </p:nvPicPr>
+        <p:blipFill>
+          <a:blip r:embed="rId2"/>
+          <a:stretch/>
+        </p:blipFill>
+        <p:spPr>
+          <a:xfrm>
+            <a:off x="0" y="0"/>
+            <a:ext cx="1455276" cy="801045"/>
+          </a:xfrm>
+          <a:prstGeom prst="rect">
+            <a:avLst/>
+          </a:prstGeom>
+          <a:ln>
+            <a:noFill/>
+          </a:ln>
+        </p:spPr>
+      </p:pic>
+      <p:sp>
+        <p:nvSpPr>
+          <p:cNvPr id="2" name="Titolo 1">
+            <a:extLst>
+              <a:ext uri="{FF2B5EF4-FFF2-40B4-BE49-F238E27FC236}">
+                <a16:creationId xmlns:a16="http://schemas.microsoft.com/office/drawing/2014/main" id="{52AA3639-CF5B-EE61-DD4C-CEDC7A0140CC}"/>
+              </a:ext>
+            </a:extLst>
+          </p:cNvPr>
+          <p:cNvSpPr>
+            <a:spLocks noGrp="1"/>
+          </p:cNvSpPr>
+          <p:nvPr>
+            <p:ph type="title"/>
+          </p:nvPr>
+        </p:nvSpPr>
+        <p:spPr>
+          <a:xfrm>
+            <a:off x="1455276" y="0"/>
+            <a:ext cx="8625349" cy="801045"/>
+          </a:xfrm>
+        </p:spPr>
+        <p:txBody>
+          <a:bodyPr/>
+          <a:lstStyle/>
+          <a:p>
+            <a:pPr algn="ctr"/>
+            <a:r>
+              <a:rPr lang="it-IT" sz="3200" b="1" dirty="0">
+                <a:latin typeface="TeX Gyre Cursor"/>
+              </a:rPr>
+              <a:t>Algoritmo di Heath e </a:t>
+            </a:r>
+            <a:r>
+              <a:rPr lang="it-IT" sz="3200" b="1" dirty="0" err="1">
+                <a:latin typeface="TeX Gyre Cursor"/>
+              </a:rPr>
+              <a:t>Pemmaraju</a:t>
+            </a:r>
+            <a:r>
+              <a:rPr lang="it-IT" sz="3200" b="1" dirty="0">
+                <a:latin typeface="TeX Gyre Cursor"/>
+              </a:rPr>
+              <a:t>: fase 2</a:t>
+            </a:r>
+            <a:endParaRPr lang="it-IT" sz="3200" dirty="0"/>
+          </a:p>
+        </p:txBody>
+      </p:sp>
+      <p:sp>
+        <p:nvSpPr>
+          <p:cNvPr id="19" name="Rettangolo 18">
+            <a:extLst>
+              <a:ext uri="{FF2B5EF4-FFF2-40B4-BE49-F238E27FC236}">
+                <a16:creationId xmlns:a16="http://schemas.microsoft.com/office/drawing/2014/main" id="{27A0A061-A527-1863-2156-155AA134331C}"/>
+              </a:ext>
+            </a:extLst>
+          </p:cNvPr>
+          <p:cNvSpPr/>
+          <p:nvPr/>
+        </p:nvSpPr>
+        <p:spPr>
+          <a:xfrm>
+            <a:off x="0" y="5343979"/>
+            <a:ext cx="10080625" cy="326571"/>
+          </a:xfrm>
+          <a:prstGeom prst="rect">
+            <a:avLst/>
+          </a:prstGeom>
+          <a:solidFill>
+            <a:srgbClr val="062C56"/>
+          </a:solidFill>
+          <a:ln>
+            <a:noFill/>
+          </a:ln>
+        </p:spPr>
+        <p:style>
+          <a:lnRef idx="2">
+            <a:schemeClr val="accent1">
+              <a:shade val="15000"/>
+            </a:schemeClr>
+          </a:lnRef>
+          <a:fillRef idx="1">
+            <a:schemeClr val="accent1"/>
+          </a:fillRef>
+          <a:effectRef idx="0">
+            <a:schemeClr val="accent1"/>
+          </a:effectRef>
+          <a:fontRef idx="minor">
+            <a:schemeClr val="lt1"/>
+          </a:fontRef>
+        </p:style>
+        <p:txBody>
+          <a:bodyPr rtlCol="0" anchor="ctr"/>
+          <a:lstStyle/>
+          <a:p>
+            <a:pPr algn="ctr"/>
+            <a:r>
+              <a:rPr lang="it-IT" sz="1400" dirty="0">
+                <a:latin typeface="TeX Gyre Cursor"/>
+              </a:rPr>
+              <a:t>Enumerazione di 1-Page Book Embedding di Grafi Diretti Aciclici - Ivan Carlini</a:t>
+            </a:r>
+          </a:p>
+        </p:txBody>
+      </p:sp>
+      <p:sp>
+        <p:nvSpPr>
+          <p:cNvPr id="20" name="Rettangolo 19">
+            <a:extLst>
+              <a:ext uri="{FF2B5EF4-FFF2-40B4-BE49-F238E27FC236}">
+                <a16:creationId xmlns:a16="http://schemas.microsoft.com/office/drawing/2014/main" id="{396607E9-3F2D-16CB-C677-39126F093E3D}"/>
+              </a:ext>
+            </a:extLst>
+          </p:cNvPr>
+          <p:cNvSpPr/>
+          <p:nvPr/>
+        </p:nvSpPr>
+        <p:spPr>
+          <a:xfrm>
+            <a:off x="0" y="5308026"/>
+            <a:ext cx="10080625" cy="71906"/>
+          </a:xfrm>
+          <a:prstGeom prst="rect">
+            <a:avLst/>
+          </a:prstGeom>
+          <a:solidFill>
+            <a:srgbClr val="0A5898"/>
+          </a:solidFill>
+          <a:ln>
+            <a:noFill/>
+          </a:ln>
+        </p:spPr>
+        <p:style>
+          <a:lnRef idx="2">
+            <a:schemeClr val="accent1">
+              <a:shade val="15000"/>
+            </a:schemeClr>
+          </a:lnRef>
+          <a:fillRef idx="1">
+            <a:schemeClr val="accent1"/>
+          </a:fillRef>
+          <a:effectRef idx="0">
+            <a:schemeClr val="accent1"/>
+          </a:effectRef>
+          <a:fontRef idx="minor">
+            <a:schemeClr val="lt1"/>
+          </a:fontRef>
+        </p:style>
+        <p:txBody>
+          <a:bodyPr rtlCol="0" anchor="ctr"/>
+          <a:lstStyle/>
+          <a:p>
+            <a:pPr algn="ctr"/>
+            <a:endParaRPr lang="it-IT"/>
+          </a:p>
+        </p:txBody>
+      </p:sp>
+      <p:sp>
+        <p:nvSpPr>
+          <p:cNvPr id="6" name="CasellaDiTesto 5">
+            <a:extLst>
+              <a:ext uri="{FF2B5EF4-FFF2-40B4-BE49-F238E27FC236}">
+                <a16:creationId xmlns:a16="http://schemas.microsoft.com/office/drawing/2014/main" id="{6B48D4ED-FFB4-8B52-CE7E-E230E88E9F05}"/>
+              </a:ext>
+            </a:extLst>
+          </p:cNvPr>
+          <p:cNvSpPr txBox="1"/>
+          <p:nvPr/>
+        </p:nvSpPr>
+        <p:spPr>
+          <a:xfrm>
+            <a:off x="527409" y="1118386"/>
+            <a:ext cx="9025804" cy="707886"/>
+          </a:xfrm>
+          <a:prstGeom prst="rect">
+            <a:avLst/>
+          </a:prstGeom>
+          <a:noFill/>
+        </p:spPr>
+        <p:txBody>
+          <a:bodyPr wrap="square" rtlCol="0">
+            <a:spAutoFit/>
+          </a:bodyPr>
+          <a:lstStyle/>
+          <a:p>
+            <a:pPr marL="800100" lvl="1" indent="-342900">
+              <a:buFont typeface="Arial" panose="020B0604020202020204" pitchFamily="34" charset="0"/>
+              <a:buChar char="•"/>
+            </a:pPr>
+            <a:r>
+              <a:rPr lang="it-IT" sz="2000" dirty="0">
+                <a:latin typeface="TeX Gyre Cursor"/>
+              </a:rPr>
+              <a:t>Costruzione del </a:t>
+            </a:r>
+            <a:r>
+              <a:rPr lang="it-IT" sz="2000" dirty="0" err="1">
+                <a:latin typeface="TeX Gyre Cursor"/>
+              </a:rPr>
+              <a:t>block-cutpoint</a:t>
+            </a:r>
+            <a:r>
+              <a:rPr lang="it-IT" sz="2000" dirty="0">
+                <a:latin typeface="TeX Gyre Cursor"/>
+              </a:rPr>
+              <a:t> </a:t>
+            </a:r>
+            <a:r>
+              <a:rPr lang="it-IT" sz="2000" dirty="0" err="1">
+                <a:latin typeface="TeX Gyre Cursor"/>
+              </a:rPr>
+              <a:t>tree</a:t>
+            </a:r>
+            <a:endParaRPr lang="it-IT" sz="2000" dirty="0">
+              <a:latin typeface="TeX Gyre Cursor"/>
+            </a:endParaRPr>
+          </a:p>
+          <a:p>
+            <a:pPr marL="914400" lvl="1" indent="-457200">
+              <a:buFont typeface="+mj-lt"/>
+              <a:buAutoNum type="arabicPeriod"/>
+            </a:pPr>
+            <a:endParaRPr lang="it-IT" sz="2000" dirty="0">
+              <a:latin typeface="TeX Gyre Cursor"/>
+            </a:endParaRPr>
+          </a:p>
+        </p:txBody>
+      </p:sp>
+      <p:pic>
+        <p:nvPicPr>
+          <p:cNvPr id="7" name="Immagine 6" descr="Immagine che contiene disegno, schizzo, cerchio, diagramma&#10;&#10;Descrizione generata automaticamente">
+            <a:extLst>
+              <a:ext uri="{FF2B5EF4-FFF2-40B4-BE49-F238E27FC236}">
+                <a16:creationId xmlns:a16="http://schemas.microsoft.com/office/drawing/2014/main" id="{9B66E418-C69E-FC67-D968-7B1039F1ED04}"/>
+              </a:ext>
+            </a:extLst>
+          </p:cNvPr>
+          <p:cNvPicPr>
+            <a:picLocks noChangeAspect="1"/>
+          </p:cNvPicPr>
+          <p:nvPr/>
+        </p:nvPicPr>
+        <p:blipFill>
+          <a:blip r:embed="rId3">
+            <a:extLst>
+              <a:ext uri="{28A0092B-C50C-407E-A947-70E740481C1C}">
+                <a14:useLocalDpi xmlns:a14="http://schemas.microsoft.com/office/drawing/2010/main" val="0"/>
+              </a:ext>
+            </a:extLst>
+          </a:blip>
+          <a:stretch>
+            <a:fillRect/>
+          </a:stretch>
+        </p:blipFill>
+        <p:spPr>
+          <a:xfrm>
+            <a:off x="869757" y="1654200"/>
+            <a:ext cx="3713372" cy="3019824"/>
+          </a:xfrm>
+          <a:prstGeom prst="rect">
+            <a:avLst/>
+          </a:prstGeom>
+        </p:spPr>
+      </p:pic>
+      <p:sp>
+        <p:nvSpPr>
+          <p:cNvPr id="9" name="Freccia a destra 8">
+            <a:extLst>
+              <a:ext uri="{FF2B5EF4-FFF2-40B4-BE49-F238E27FC236}">
+                <a16:creationId xmlns:a16="http://schemas.microsoft.com/office/drawing/2014/main" id="{DD0B9B9D-FA46-F6A7-14C7-0F53F2FBD016}"/>
+              </a:ext>
+            </a:extLst>
+          </p:cNvPr>
+          <p:cNvSpPr/>
+          <p:nvPr/>
+        </p:nvSpPr>
+        <p:spPr>
+          <a:xfrm>
+            <a:off x="4740519" y="2592474"/>
+            <a:ext cx="599583" cy="657674"/>
+          </a:xfrm>
+          <a:prstGeom prst="rightArrow">
+            <a:avLst>
+              <a:gd name="adj1" fmla="val 32938"/>
+              <a:gd name="adj2" fmla="val 50000"/>
+            </a:avLst>
+          </a:prstGeom>
+          <a:solidFill>
+            <a:srgbClr val="0A5898"/>
+          </a:solidFill>
+          <a:ln>
+            <a:solidFill>
+              <a:schemeClr val="tx1"/>
+            </a:solidFill>
+          </a:ln>
+        </p:spPr>
+        <p:style>
+          <a:lnRef idx="2">
+            <a:schemeClr val="accent1">
+              <a:shade val="15000"/>
+            </a:schemeClr>
+          </a:lnRef>
+          <a:fillRef idx="1">
+            <a:schemeClr val="accent1"/>
+          </a:fillRef>
+          <a:effectRef idx="0">
+            <a:schemeClr val="accent1"/>
+          </a:effectRef>
+          <a:fontRef idx="minor">
+            <a:schemeClr val="lt1"/>
+          </a:fontRef>
+        </p:style>
+        <p:txBody>
+          <a:bodyPr rtlCol="0" anchor="ctr"/>
+          <a:lstStyle/>
+          <a:p>
+            <a:pPr algn="ctr"/>
+            <a:endParaRPr lang="it-IT"/>
+          </a:p>
+        </p:txBody>
+      </p:sp>
+      <p:pic>
+        <p:nvPicPr>
+          <p:cNvPr id="12" name="Immagine 11" descr="Immagine che contiene cerchio, diagramma, schizzo&#10;&#10;Descrizione generata automaticamente">
+            <a:extLst>
+              <a:ext uri="{FF2B5EF4-FFF2-40B4-BE49-F238E27FC236}">
+                <a16:creationId xmlns:a16="http://schemas.microsoft.com/office/drawing/2014/main" id="{2ABEA7C8-B40D-0C74-8798-5A37BD48578E}"/>
+              </a:ext>
+            </a:extLst>
+          </p:cNvPr>
+          <p:cNvPicPr>
+            <a:picLocks noChangeAspect="1"/>
+          </p:cNvPicPr>
+          <p:nvPr/>
+        </p:nvPicPr>
+        <p:blipFill>
+          <a:blip r:embed="rId4">
+            <a:extLst>
+              <a:ext uri="{28A0092B-C50C-407E-A947-70E740481C1C}">
+                <a14:useLocalDpi xmlns:a14="http://schemas.microsoft.com/office/drawing/2010/main" val="0"/>
+              </a:ext>
+            </a:extLst>
+          </a:blip>
+          <a:stretch>
+            <a:fillRect/>
+          </a:stretch>
+        </p:blipFill>
+        <p:spPr>
+          <a:xfrm>
+            <a:off x="5767153" y="873654"/>
+            <a:ext cx="3059745" cy="4361763"/>
+          </a:xfrm>
+          <a:prstGeom prst="rect">
+            <a:avLst/>
+          </a:prstGeom>
+        </p:spPr>
+      </p:pic>
+    </p:spTree>
+    <p:extLst>
+      <p:ext uri="{BB962C8B-B14F-4D97-AF65-F5344CB8AC3E}">
+        <p14:creationId xmlns:p14="http://schemas.microsoft.com/office/powerpoint/2010/main" val="3337034991"/>
+      </p:ext>
+    </p:extLst>
+  </p:cSld>
+  <p:clrMapOvr>
+    <a:masterClrMapping/>
+  </p:clrMapOvr>
+</p:sld>
+</file>
+
+<file path=ppt/slides/slide11.xml><?xml version="1.0" encoding="utf-8"?>
+<p:sld xmlns:a="http://schemas.openxmlformats.org/drawingml/2006/main" xmlns:r="http://schemas.openxmlformats.org/officeDocument/2006/relationships" xmlns:p="http://schemas.openxmlformats.org/presentationml/2006/main">
+  <p:cSld>
+    <p:spTree>
+      <p:nvGrpSpPr>
+        <p:cNvPr id="1" name=""/>
+        <p:cNvGrpSpPr/>
+        <p:nvPr/>
+      </p:nvGrpSpPr>
+      <p:grpSpPr>
+        <a:xfrm>
+          <a:off x="0" y="0"/>
+          <a:ext cx="0" cy="0"/>
+          <a:chOff x="0" y="0"/>
+          <a:chExt cx="0" cy="0"/>
+        </a:xfrm>
+      </p:grpSpPr>
+      <p:pic>
+        <p:nvPicPr>
+          <p:cNvPr id="40" name="Immagine 42"/>
+          <p:cNvPicPr/>
+          <p:nvPr/>
+        </p:nvPicPr>
+        <p:blipFill>
+          <a:blip r:embed="rId2"/>
+          <a:stretch/>
+        </p:blipFill>
+        <p:spPr>
+          <a:xfrm>
+            <a:off x="0" y="0"/>
+            <a:ext cx="1455276" cy="801045"/>
+          </a:xfrm>
+          <a:prstGeom prst="rect">
+            <a:avLst/>
+          </a:prstGeom>
+          <a:ln>
+            <a:noFill/>
+          </a:ln>
+        </p:spPr>
+      </p:pic>
+      <p:sp>
+        <p:nvSpPr>
+          <p:cNvPr id="2" name="Titolo 1">
+            <a:extLst>
+              <a:ext uri="{FF2B5EF4-FFF2-40B4-BE49-F238E27FC236}">
+                <a16:creationId xmlns:a16="http://schemas.microsoft.com/office/drawing/2014/main" id="{52AA3639-CF5B-EE61-DD4C-CEDC7A0140CC}"/>
+              </a:ext>
+            </a:extLst>
+          </p:cNvPr>
+          <p:cNvSpPr>
+            <a:spLocks noGrp="1"/>
+          </p:cNvSpPr>
+          <p:nvPr>
+            <p:ph type="title"/>
+          </p:nvPr>
+        </p:nvSpPr>
+        <p:spPr>
+          <a:xfrm>
+            <a:off x="1455276" y="0"/>
+            <a:ext cx="8625349" cy="801045"/>
+          </a:xfrm>
+        </p:spPr>
+        <p:txBody>
+          <a:bodyPr/>
+          <a:lstStyle/>
+          <a:p>
+            <a:pPr algn="ctr"/>
+            <a:r>
+              <a:rPr lang="it-IT" sz="3200" b="1" dirty="0">
+                <a:latin typeface="TeX Gyre Cursor"/>
+              </a:rPr>
+              <a:t>Algoritmo di Heath e </a:t>
+            </a:r>
+            <a:r>
+              <a:rPr lang="it-IT" sz="3200" b="1" dirty="0" err="1">
+                <a:latin typeface="TeX Gyre Cursor"/>
+              </a:rPr>
+              <a:t>Pemmaraju</a:t>
+            </a:r>
+            <a:r>
+              <a:rPr lang="it-IT" sz="3200" b="1" dirty="0">
+                <a:latin typeface="TeX Gyre Cursor"/>
+              </a:rPr>
+              <a:t>: fase 2</a:t>
+            </a:r>
+            <a:endParaRPr lang="it-IT" sz="3200" dirty="0"/>
+          </a:p>
+        </p:txBody>
+      </p:sp>
+      <p:sp>
+        <p:nvSpPr>
+          <p:cNvPr id="19" name="Rettangolo 18">
+            <a:extLst>
+              <a:ext uri="{FF2B5EF4-FFF2-40B4-BE49-F238E27FC236}">
+                <a16:creationId xmlns:a16="http://schemas.microsoft.com/office/drawing/2014/main" id="{27A0A061-A527-1863-2156-155AA134331C}"/>
+              </a:ext>
+            </a:extLst>
+          </p:cNvPr>
+          <p:cNvSpPr/>
+          <p:nvPr/>
+        </p:nvSpPr>
+        <p:spPr>
+          <a:xfrm>
+            <a:off x="0" y="5343979"/>
+            <a:ext cx="10080625" cy="326571"/>
+          </a:xfrm>
+          <a:prstGeom prst="rect">
+            <a:avLst/>
+          </a:prstGeom>
+          <a:solidFill>
+            <a:srgbClr val="062C56"/>
+          </a:solidFill>
+          <a:ln>
+            <a:noFill/>
+          </a:ln>
+        </p:spPr>
+        <p:style>
+          <a:lnRef idx="2">
+            <a:schemeClr val="accent1">
+              <a:shade val="15000"/>
+            </a:schemeClr>
+          </a:lnRef>
+          <a:fillRef idx="1">
+            <a:schemeClr val="accent1"/>
+          </a:fillRef>
+          <a:effectRef idx="0">
+            <a:schemeClr val="accent1"/>
+          </a:effectRef>
+          <a:fontRef idx="minor">
+            <a:schemeClr val="lt1"/>
+          </a:fontRef>
+        </p:style>
+        <p:txBody>
+          <a:bodyPr rtlCol="0" anchor="ctr"/>
+          <a:lstStyle/>
+          <a:p>
+            <a:pPr algn="ctr"/>
+            <a:r>
+              <a:rPr lang="it-IT" sz="1400" dirty="0">
+                <a:latin typeface="TeX Gyre Cursor"/>
+              </a:rPr>
+              <a:t>Enumerazione di 1-Page Book Embedding di Grafi Diretti Aciclici - Ivan Carlini</a:t>
+            </a:r>
+          </a:p>
+        </p:txBody>
+      </p:sp>
+      <p:sp>
+        <p:nvSpPr>
+          <p:cNvPr id="20" name="Rettangolo 19">
+            <a:extLst>
+              <a:ext uri="{FF2B5EF4-FFF2-40B4-BE49-F238E27FC236}">
+                <a16:creationId xmlns:a16="http://schemas.microsoft.com/office/drawing/2014/main" id="{396607E9-3F2D-16CB-C677-39126F093E3D}"/>
+              </a:ext>
+            </a:extLst>
+          </p:cNvPr>
+          <p:cNvSpPr/>
+          <p:nvPr/>
+        </p:nvSpPr>
+        <p:spPr>
+          <a:xfrm>
+            <a:off x="0" y="5308026"/>
+            <a:ext cx="10080625" cy="71906"/>
+          </a:xfrm>
+          <a:prstGeom prst="rect">
+            <a:avLst/>
+          </a:prstGeom>
+          <a:solidFill>
+            <a:srgbClr val="0A5898"/>
+          </a:solidFill>
+          <a:ln>
+            <a:noFill/>
+          </a:ln>
+        </p:spPr>
+        <p:style>
+          <a:lnRef idx="2">
+            <a:schemeClr val="accent1">
+              <a:shade val="15000"/>
+            </a:schemeClr>
+          </a:lnRef>
+          <a:fillRef idx="1">
+            <a:schemeClr val="accent1"/>
+          </a:fillRef>
+          <a:effectRef idx="0">
+            <a:schemeClr val="accent1"/>
+          </a:effectRef>
+          <a:fontRef idx="minor">
+            <a:schemeClr val="lt1"/>
+          </a:fontRef>
+        </p:style>
+        <p:txBody>
+          <a:bodyPr rtlCol="0" anchor="ctr"/>
+          <a:lstStyle/>
+          <a:p>
+            <a:pPr algn="ctr"/>
+            <a:endParaRPr lang="it-IT"/>
+          </a:p>
+        </p:txBody>
+      </p:sp>
+      <mc:AlternateContent xmlns:mc="http://schemas.openxmlformats.org/markup-compatibility/2006">
+        <mc:Choice xmlns:a14="http://schemas.microsoft.com/office/drawing/2010/main" Requires="a14">
+          <p:sp>
+            <p:nvSpPr>
+              <p:cNvPr id="6" name="CasellaDiTesto 5">
+                <a:extLst>
+                  <a:ext uri="{FF2B5EF4-FFF2-40B4-BE49-F238E27FC236}">
+                    <a16:creationId xmlns:a16="http://schemas.microsoft.com/office/drawing/2014/main" id="{6B48D4ED-FFB4-8B52-CE7E-E230E88E9F05}"/>
+                  </a:ext>
+                </a:extLst>
+              </p:cNvPr>
+              <p:cNvSpPr txBox="1"/>
+              <p:nvPr/>
+            </p:nvSpPr>
+            <p:spPr>
+              <a:xfrm>
+                <a:off x="0" y="1254412"/>
+                <a:ext cx="5040312" cy="2592313"/>
+              </a:xfrm>
+              <a:prstGeom prst="rect">
+                <a:avLst/>
+              </a:prstGeom>
+              <a:noFill/>
+            </p:spPr>
+            <p:txBody>
+              <a:bodyPr wrap="square" rtlCol="0">
+                <a:spAutoFit/>
+              </a:bodyPr>
+              <a:lstStyle/>
+              <a:p>
+                <a:pPr marL="800100" lvl="1" indent="-342900">
+                  <a:buFont typeface="Arial" panose="020B0604020202020204" pitchFamily="34" charset="0"/>
+                  <a:buChar char="•"/>
+                </a:pPr>
+                <a:r>
+                  <a:rPr lang="it-IT" sz="2000" dirty="0">
+                    <a:latin typeface="TeX Gyre Cursor"/>
+                  </a:rPr>
+                  <a:t>Se non sono presenti conflitti, le componenti </a:t>
+                </a:r>
+                <a:r>
+                  <a:rPr lang="it-IT" sz="2000" dirty="0" err="1">
+                    <a:latin typeface="TeX Gyre Cursor"/>
+                  </a:rPr>
+                  <a:t>biconnesse</a:t>
+                </a:r>
+                <a:r>
+                  <a:rPr lang="it-IT" sz="2000" dirty="0">
+                    <a:latin typeface="TeX Gyre Cursor"/>
+                  </a:rPr>
+                  <a:t> vengono elaborate seguendo l’ordine di una visita in ampiezza del </a:t>
+                </a:r>
+                <a:r>
+                  <a:rPr lang="it-IT" sz="2000" dirty="0" err="1">
+                    <a:latin typeface="TeX Gyre Cursor"/>
+                  </a:rPr>
+                  <a:t>block-cutpoint</a:t>
+                </a:r>
+                <a:r>
+                  <a:rPr lang="it-IT" sz="2000" dirty="0">
+                    <a:latin typeface="TeX Gyre Cursor"/>
+                  </a:rPr>
+                  <a:t> </a:t>
+                </a:r>
+                <a:r>
+                  <a:rPr lang="it-IT" sz="2000" dirty="0" err="1">
+                    <a:latin typeface="TeX Gyre Cursor"/>
+                  </a:rPr>
+                  <a:t>tree</a:t>
+                </a:r>
+                <a:endParaRPr lang="it-IT" sz="2000" dirty="0">
+                  <a:latin typeface="TeX Gyre Cursor"/>
+                </a:endParaRPr>
+              </a:p>
+              <a:p>
+                <a:pPr marL="800100" lvl="1" indent="-342900">
+                  <a:buFont typeface="Arial" panose="020B0604020202020204" pitchFamily="34" charset="0"/>
+                  <a:buChar char="•"/>
+                </a:pPr>
+                <a:endParaRPr lang="it-IT" sz="2000" dirty="0">
+                  <a:latin typeface="TeX Gyre Cursor"/>
+                </a:endParaRPr>
+              </a:p>
+              <a:p>
+                <a:pPr marL="800100" lvl="1" indent="-342900">
+                  <a:buFont typeface="Arial" panose="020B0604020202020204" pitchFamily="34" charset="0"/>
+                  <a:buChar char="•"/>
+                </a:pPr>
+                <a:r>
+                  <a:rPr lang="it-IT" sz="2000" dirty="0">
+                    <a:latin typeface="TeX Gyre Cursor"/>
+                  </a:rPr>
+                  <a:t>BFS </a:t>
+                </a:r>
+                <a:r>
+                  <a:rPr lang="it-IT" sz="2000" dirty="0" err="1">
+                    <a:latin typeface="TeX Gyre Cursor"/>
+                  </a:rPr>
+                  <a:t>ordering</a:t>
+                </a:r>
+                <a:r>
+                  <a:rPr lang="it-IT" sz="2000" dirty="0">
+                    <a:latin typeface="TeX Gyre Cursor"/>
+                  </a:rPr>
+                  <a:t> dei blocchi:</a:t>
+                </a:r>
+              </a:p>
+              <a:p>
+                <a:pPr marL="1257300" lvl="2" indent="-342900">
+                  <a:buFont typeface="Arial" panose="020B0604020202020204" pitchFamily="34" charset="0"/>
+                  <a:buChar char="•"/>
+                </a:pPr>
+                <a14:m>
+                  <m:oMath xmlns:m="http://schemas.openxmlformats.org/officeDocument/2006/math">
+                    <m:r>
+                      <a:rPr lang="it-IT" sz="2000" b="0" i="1" smtClean="0">
+                        <a:latin typeface="Cambria Math" panose="02040503050406030204" pitchFamily="18" charset="0"/>
+                      </a:rPr>
+                      <m:t>{</m:t>
+                    </m:r>
+                    <m:sSub>
+                      <m:sSubPr>
+                        <m:ctrlPr>
+                          <a:rPr lang="it-IT" sz="2000" b="0" i="1" smtClean="0">
+                            <a:latin typeface="Cambria Math" panose="02040503050406030204" pitchFamily="18" charset="0"/>
+                          </a:rPr>
+                        </m:ctrlPr>
+                      </m:sSubPr>
+                      <m:e>
+                        <m:acc>
+                          <m:accPr>
+                            <m:chr m:val="⃗"/>
+                            <m:ctrlPr>
+                              <a:rPr lang="it-IT" sz="2000" b="0" i="1" smtClean="0">
+                                <a:latin typeface="Cambria Math" panose="02040503050406030204" pitchFamily="18" charset="0"/>
+                              </a:rPr>
+                            </m:ctrlPr>
+                          </m:accPr>
+                          <m:e>
+                            <m:r>
+                              <a:rPr lang="it-IT" sz="2000" b="0" i="1" smtClean="0">
+                                <a:latin typeface="Cambria Math" panose="02040503050406030204" pitchFamily="18" charset="0"/>
+                              </a:rPr>
+                              <m:t>𝐵</m:t>
+                            </m:r>
+                          </m:e>
+                        </m:acc>
+                      </m:e>
+                      <m:sub>
+                        <m:r>
+                          <a:rPr lang="it-IT" sz="2000" b="0" i="1" smtClean="0">
+                            <a:latin typeface="Cambria Math" panose="02040503050406030204" pitchFamily="18" charset="0"/>
+                          </a:rPr>
+                          <m:t>0</m:t>
+                        </m:r>
+                      </m:sub>
+                    </m:sSub>
+                    <m:r>
+                      <a:rPr lang="it-IT" sz="2000" b="0" i="1" smtClean="0">
+                        <a:latin typeface="Cambria Math" panose="02040503050406030204" pitchFamily="18" charset="0"/>
+                      </a:rPr>
+                      <m:t>,</m:t>
+                    </m:r>
+                    <m:sSub>
+                      <m:sSubPr>
+                        <m:ctrlPr>
+                          <a:rPr lang="it-IT" sz="2000" i="1">
+                            <a:latin typeface="Cambria Math" panose="02040503050406030204" pitchFamily="18" charset="0"/>
+                          </a:rPr>
+                        </m:ctrlPr>
+                      </m:sSubPr>
+                      <m:e>
+                        <m:acc>
+                          <m:accPr>
+                            <m:chr m:val="⃗"/>
+                            <m:ctrlPr>
+                              <a:rPr lang="it-IT" sz="2000" i="1">
+                                <a:latin typeface="Cambria Math" panose="02040503050406030204" pitchFamily="18" charset="0"/>
+                              </a:rPr>
+                            </m:ctrlPr>
+                          </m:accPr>
+                          <m:e>
+                            <m:r>
+                              <a:rPr lang="it-IT" sz="2000" i="1">
+                                <a:latin typeface="Cambria Math" panose="02040503050406030204" pitchFamily="18" charset="0"/>
+                              </a:rPr>
+                              <m:t>𝐵</m:t>
+                            </m:r>
+                          </m:e>
+                        </m:acc>
+                      </m:e>
+                      <m:sub>
+                        <m:r>
+                          <a:rPr lang="it-IT" sz="2000" b="0" i="1" smtClean="0">
+                            <a:latin typeface="Cambria Math" panose="02040503050406030204" pitchFamily="18" charset="0"/>
+                          </a:rPr>
+                          <m:t>1</m:t>
+                        </m:r>
+                      </m:sub>
+                    </m:sSub>
+                    <m:r>
+                      <a:rPr lang="it-IT" sz="2000" b="0" i="1" smtClean="0">
+                        <a:latin typeface="Cambria Math" panose="02040503050406030204" pitchFamily="18" charset="0"/>
+                      </a:rPr>
+                      <m:t>,</m:t>
+                    </m:r>
+                    <m:sSub>
+                      <m:sSubPr>
+                        <m:ctrlPr>
+                          <a:rPr lang="it-IT" sz="2000" i="1">
+                            <a:latin typeface="Cambria Math" panose="02040503050406030204" pitchFamily="18" charset="0"/>
+                          </a:rPr>
+                        </m:ctrlPr>
+                      </m:sSubPr>
+                      <m:e>
+                        <m:acc>
+                          <m:accPr>
+                            <m:chr m:val="⃗"/>
+                            <m:ctrlPr>
+                              <a:rPr lang="it-IT" sz="2000" i="1">
+                                <a:latin typeface="Cambria Math" panose="02040503050406030204" pitchFamily="18" charset="0"/>
+                              </a:rPr>
+                            </m:ctrlPr>
+                          </m:accPr>
+                          <m:e>
+                            <m:r>
+                              <a:rPr lang="it-IT" sz="2000" i="1">
+                                <a:latin typeface="Cambria Math" panose="02040503050406030204" pitchFamily="18" charset="0"/>
+                              </a:rPr>
+                              <m:t>𝐵</m:t>
+                            </m:r>
+                          </m:e>
+                        </m:acc>
+                      </m:e>
+                      <m:sub>
+                        <m:r>
+                          <a:rPr lang="it-IT" sz="2000" b="0" i="1" smtClean="0">
+                            <a:latin typeface="Cambria Math" panose="02040503050406030204" pitchFamily="18" charset="0"/>
+                          </a:rPr>
+                          <m:t>3</m:t>
+                        </m:r>
+                      </m:sub>
+                    </m:sSub>
+                    <m:r>
+                      <a:rPr lang="it-IT" sz="2000" b="0" i="1" smtClean="0">
+                        <a:latin typeface="Cambria Math" panose="02040503050406030204" pitchFamily="18" charset="0"/>
+                      </a:rPr>
+                      <m:t>,</m:t>
+                    </m:r>
+                    <m:sSub>
+                      <m:sSubPr>
+                        <m:ctrlPr>
+                          <a:rPr lang="it-IT" sz="2000" i="1">
+                            <a:latin typeface="Cambria Math" panose="02040503050406030204" pitchFamily="18" charset="0"/>
+                          </a:rPr>
+                        </m:ctrlPr>
+                      </m:sSubPr>
+                      <m:e>
+                        <m:acc>
+                          <m:accPr>
+                            <m:chr m:val="⃗"/>
+                            <m:ctrlPr>
+                              <a:rPr lang="it-IT" sz="2000" i="1">
+                                <a:latin typeface="Cambria Math" panose="02040503050406030204" pitchFamily="18" charset="0"/>
+                              </a:rPr>
+                            </m:ctrlPr>
+                          </m:accPr>
+                          <m:e>
+                            <m:r>
+                              <a:rPr lang="it-IT" sz="2000" i="1">
+                                <a:latin typeface="Cambria Math" panose="02040503050406030204" pitchFamily="18" charset="0"/>
+                              </a:rPr>
+                              <m:t>𝐵</m:t>
+                            </m:r>
+                          </m:e>
+                        </m:acc>
+                      </m:e>
+                      <m:sub>
+                        <m:r>
+                          <a:rPr lang="it-IT" sz="2000" b="0" i="1" smtClean="0">
+                            <a:latin typeface="Cambria Math" panose="02040503050406030204" pitchFamily="18" charset="0"/>
+                          </a:rPr>
+                          <m:t>4</m:t>
+                        </m:r>
+                      </m:sub>
+                    </m:sSub>
+                    <m:r>
+                      <a:rPr lang="it-IT" sz="2000" b="0" i="1" smtClean="0">
+                        <a:latin typeface="Cambria Math" panose="02040503050406030204" pitchFamily="18" charset="0"/>
+                      </a:rPr>
+                      <m:t>,</m:t>
+                    </m:r>
+                    <m:sSub>
+                      <m:sSubPr>
+                        <m:ctrlPr>
+                          <a:rPr lang="it-IT" sz="2000" i="1">
+                            <a:latin typeface="Cambria Math" panose="02040503050406030204" pitchFamily="18" charset="0"/>
+                          </a:rPr>
+                        </m:ctrlPr>
+                      </m:sSubPr>
+                      <m:e>
+                        <m:acc>
+                          <m:accPr>
+                            <m:chr m:val="⃗"/>
+                            <m:ctrlPr>
+                              <a:rPr lang="it-IT" sz="2000" i="1">
+                                <a:latin typeface="Cambria Math" panose="02040503050406030204" pitchFamily="18" charset="0"/>
+                              </a:rPr>
+                            </m:ctrlPr>
+                          </m:accPr>
+                          <m:e>
+                            <m:r>
+                              <a:rPr lang="it-IT" sz="2000" i="1">
+                                <a:latin typeface="Cambria Math" panose="02040503050406030204" pitchFamily="18" charset="0"/>
+                              </a:rPr>
+                              <m:t>𝐵</m:t>
+                            </m:r>
+                          </m:e>
+                        </m:acc>
+                      </m:e>
+                      <m:sub>
+                        <m:r>
+                          <a:rPr lang="it-IT" sz="2000" b="0" i="1" smtClean="0">
+                            <a:latin typeface="Cambria Math" panose="02040503050406030204" pitchFamily="18" charset="0"/>
+                          </a:rPr>
+                          <m:t>2</m:t>
+                        </m:r>
+                      </m:sub>
+                    </m:sSub>
+                    <m:r>
+                      <a:rPr lang="it-IT" sz="2000" b="0" i="1" smtClean="0">
+                        <a:latin typeface="Cambria Math" panose="02040503050406030204" pitchFamily="18" charset="0"/>
+                      </a:rPr>
+                      <m:t>,</m:t>
+                    </m:r>
+                    <m:sSub>
+                      <m:sSubPr>
+                        <m:ctrlPr>
+                          <a:rPr lang="it-IT" sz="2000" i="1">
+                            <a:latin typeface="Cambria Math" panose="02040503050406030204" pitchFamily="18" charset="0"/>
+                          </a:rPr>
+                        </m:ctrlPr>
+                      </m:sSubPr>
+                      <m:e>
+                        <m:acc>
+                          <m:accPr>
+                            <m:chr m:val="⃗"/>
+                            <m:ctrlPr>
+                              <a:rPr lang="it-IT" sz="2000" i="1">
+                                <a:latin typeface="Cambria Math" panose="02040503050406030204" pitchFamily="18" charset="0"/>
+                              </a:rPr>
+                            </m:ctrlPr>
+                          </m:accPr>
+                          <m:e>
+                            <m:r>
+                              <a:rPr lang="it-IT" sz="2000" i="1">
+                                <a:latin typeface="Cambria Math" panose="02040503050406030204" pitchFamily="18" charset="0"/>
+                              </a:rPr>
+                              <m:t>𝐵</m:t>
+                            </m:r>
+                          </m:e>
+                        </m:acc>
+                      </m:e>
+                      <m:sub>
+                        <m:r>
+                          <a:rPr lang="it-IT" sz="2000" b="0" i="1" smtClean="0">
+                            <a:latin typeface="Cambria Math" panose="02040503050406030204" pitchFamily="18" charset="0"/>
+                          </a:rPr>
+                          <m:t>5</m:t>
+                        </m:r>
+                      </m:sub>
+                    </m:sSub>
+                    <m:r>
+                      <a:rPr lang="it-IT" sz="2000" b="0" i="1" smtClean="0">
+                        <a:latin typeface="Cambria Math" panose="02040503050406030204" pitchFamily="18" charset="0"/>
+                      </a:rPr>
+                      <m:t>,</m:t>
+                    </m:r>
+                    <m:sSub>
+                      <m:sSubPr>
+                        <m:ctrlPr>
+                          <a:rPr lang="it-IT" sz="2000" i="1">
+                            <a:latin typeface="Cambria Math" panose="02040503050406030204" pitchFamily="18" charset="0"/>
+                          </a:rPr>
+                        </m:ctrlPr>
+                      </m:sSubPr>
+                      <m:e>
+                        <m:acc>
+                          <m:accPr>
+                            <m:chr m:val="⃗"/>
+                            <m:ctrlPr>
+                              <a:rPr lang="it-IT" sz="2000" i="1">
+                                <a:latin typeface="Cambria Math" panose="02040503050406030204" pitchFamily="18" charset="0"/>
+                              </a:rPr>
+                            </m:ctrlPr>
+                          </m:accPr>
+                          <m:e>
+                            <m:r>
+                              <a:rPr lang="it-IT" sz="2000" i="1">
+                                <a:latin typeface="Cambria Math" panose="02040503050406030204" pitchFamily="18" charset="0"/>
+                              </a:rPr>
+                              <m:t>𝐵</m:t>
+                            </m:r>
+                          </m:e>
+                        </m:acc>
+                      </m:e>
+                      <m:sub>
+                        <m:r>
+                          <a:rPr lang="it-IT" sz="2000" b="0" i="1" smtClean="0">
+                            <a:latin typeface="Cambria Math" panose="02040503050406030204" pitchFamily="18" charset="0"/>
+                          </a:rPr>
+                          <m:t>6</m:t>
+                        </m:r>
+                      </m:sub>
+                    </m:sSub>
+                    <m:r>
+                      <a:rPr lang="it-IT" sz="2000" b="0" i="1" smtClean="0">
+                        <a:latin typeface="Cambria Math" panose="02040503050406030204" pitchFamily="18" charset="0"/>
+                      </a:rPr>
+                      <m:t>,</m:t>
+                    </m:r>
+                    <m:sSub>
+                      <m:sSubPr>
+                        <m:ctrlPr>
+                          <a:rPr lang="it-IT" sz="2000" i="1">
+                            <a:latin typeface="Cambria Math" panose="02040503050406030204" pitchFamily="18" charset="0"/>
+                          </a:rPr>
+                        </m:ctrlPr>
+                      </m:sSubPr>
+                      <m:e>
+                        <m:acc>
+                          <m:accPr>
+                            <m:chr m:val="⃗"/>
+                            <m:ctrlPr>
+                              <a:rPr lang="it-IT" sz="2000" i="1">
+                                <a:latin typeface="Cambria Math" panose="02040503050406030204" pitchFamily="18" charset="0"/>
+                              </a:rPr>
+                            </m:ctrlPr>
+                          </m:accPr>
+                          <m:e>
+                            <m:r>
+                              <a:rPr lang="it-IT" sz="2000" i="1">
+                                <a:latin typeface="Cambria Math" panose="02040503050406030204" pitchFamily="18" charset="0"/>
+                              </a:rPr>
+                              <m:t>𝐵</m:t>
+                            </m:r>
+                          </m:e>
+                        </m:acc>
+                      </m:e>
+                      <m:sub>
+                        <m:r>
+                          <a:rPr lang="it-IT" sz="2000" b="0" i="1" smtClean="0">
+                            <a:latin typeface="Cambria Math" panose="02040503050406030204" pitchFamily="18" charset="0"/>
+                          </a:rPr>
+                          <m:t>7</m:t>
+                        </m:r>
+                      </m:sub>
+                    </m:sSub>
+                    <m:r>
+                      <a:rPr lang="it-IT" sz="2000" b="0" i="1" smtClean="0">
+                        <a:latin typeface="Cambria Math" panose="02040503050406030204" pitchFamily="18" charset="0"/>
+                      </a:rPr>
+                      <m:t>}</m:t>
+                    </m:r>
+                  </m:oMath>
+                </a14:m>
+                <a:endParaRPr lang="it-IT" sz="2000" dirty="0">
+                  <a:latin typeface="TeX Gyre Cursor"/>
+                </a:endParaRPr>
+              </a:p>
+            </p:txBody>
+          </p:sp>
+        </mc:Choice>
+        <mc:Fallback>
+          <p:sp>
+            <p:nvSpPr>
+              <p:cNvPr id="6" name="CasellaDiTesto 5">
+                <a:extLst>
+                  <a:ext uri="{FF2B5EF4-FFF2-40B4-BE49-F238E27FC236}">
+                    <a16:creationId xmlns:a16="http://schemas.microsoft.com/office/drawing/2014/main" id="{6B48D4ED-FFB4-8B52-CE7E-E230E88E9F05}"/>
+                  </a:ext>
+                </a:extLst>
+              </p:cNvPr>
+              <p:cNvSpPr txBox="1">
+                <a:spLocks noRot="1" noChangeAspect="1" noMove="1" noResize="1" noEditPoints="1" noAdjustHandles="1" noChangeArrowheads="1" noChangeShapeType="1" noTextEdit="1"/>
+              </p:cNvSpPr>
+              <p:nvPr/>
+            </p:nvSpPr>
+            <p:spPr>
+              <a:xfrm>
+                <a:off x="0" y="1254412"/>
+                <a:ext cx="5040312" cy="2592313"/>
+              </a:xfrm>
+              <a:prstGeom prst="rect">
+                <a:avLst/>
+              </a:prstGeom>
+              <a:blipFill>
+                <a:blip r:embed="rId3"/>
+                <a:stretch>
+                  <a:fillRect t="-1412" b="-2353"/>
+                </a:stretch>
+              </a:blipFill>
+            </p:spPr>
+            <p:txBody>
+              <a:bodyPr/>
+              <a:lstStyle/>
+              <a:p>
+                <a:r>
+                  <a:rPr lang="it-IT">
+                    <a:noFill/>
+                  </a:rPr>
+                  <a:t> </a:t>
+                </a:r>
+              </a:p>
+            </p:txBody>
+          </p:sp>
+        </mc:Fallback>
+      </mc:AlternateContent>
+      <p:pic>
+        <p:nvPicPr>
+          <p:cNvPr id="12" name="Immagine 11" descr="Immagine che contiene cerchio, diagramma, schizzo&#10;&#10;Descrizione generata automaticamente">
+            <a:extLst>
+              <a:ext uri="{FF2B5EF4-FFF2-40B4-BE49-F238E27FC236}">
+                <a16:creationId xmlns:a16="http://schemas.microsoft.com/office/drawing/2014/main" id="{2ABEA7C8-B40D-0C74-8798-5A37BD48578E}"/>
+              </a:ext>
+            </a:extLst>
+          </p:cNvPr>
+          <p:cNvPicPr>
+            <a:picLocks noChangeAspect="1"/>
+          </p:cNvPicPr>
+          <p:nvPr/>
+        </p:nvPicPr>
+        <p:blipFill>
+          <a:blip r:embed="rId4">
+            <a:extLst>
+              <a:ext uri="{28A0092B-C50C-407E-A947-70E740481C1C}">
+                <a14:useLocalDpi xmlns:a14="http://schemas.microsoft.com/office/drawing/2010/main" val="0"/>
+              </a:ext>
+            </a:extLst>
+          </a:blip>
+          <a:stretch>
+            <a:fillRect/>
+          </a:stretch>
+        </p:blipFill>
+        <p:spPr>
+          <a:xfrm>
+            <a:off x="5767153" y="873654"/>
+            <a:ext cx="3059745" cy="4361763"/>
+          </a:xfrm>
+          <a:prstGeom prst="rect">
+            <a:avLst/>
+          </a:prstGeom>
+        </p:spPr>
+      </p:pic>
+    </p:spTree>
+    <p:extLst>
+      <p:ext uri="{BB962C8B-B14F-4D97-AF65-F5344CB8AC3E}">
+        <p14:creationId xmlns:p14="http://schemas.microsoft.com/office/powerpoint/2010/main" val="3506370903"/>
+      </p:ext>
+    </p:extLst>
+  </p:cSld>
+  <p:clrMapOvr>
+    <a:masterClrMapping/>
+  </p:clrMapOvr>
+</p:sld>
+</file>
+
+<file path=ppt/slides/slide12.xml><?xml version="1.0" encoding="utf-8"?>
+<p:sld xmlns:a="http://schemas.openxmlformats.org/drawingml/2006/main" xmlns:r="http://schemas.openxmlformats.org/officeDocument/2006/relationships" xmlns:p="http://schemas.openxmlformats.org/presentationml/2006/main">
+  <p:cSld>
+    <p:spTree>
+      <p:nvGrpSpPr>
+        <p:cNvPr id="1" name=""/>
+        <p:cNvGrpSpPr/>
+        <p:nvPr/>
+      </p:nvGrpSpPr>
+      <p:grpSpPr>
+        <a:xfrm>
+          <a:off x="0" y="0"/>
+          <a:ext cx="0" cy="0"/>
+          <a:chOff x="0" y="0"/>
+          <a:chExt cx="0" cy="0"/>
+        </a:xfrm>
+      </p:grpSpPr>
+      <p:pic>
+        <p:nvPicPr>
+          <p:cNvPr id="40" name="Immagine 42"/>
+          <p:cNvPicPr/>
+          <p:nvPr/>
+        </p:nvPicPr>
+        <p:blipFill>
+          <a:blip r:embed="rId2"/>
+          <a:stretch/>
+        </p:blipFill>
+        <p:spPr>
+          <a:xfrm>
+            <a:off x="0" y="0"/>
+            <a:ext cx="1455276" cy="801045"/>
+          </a:xfrm>
+          <a:prstGeom prst="rect">
+            <a:avLst/>
+          </a:prstGeom>
+          <a:ln>
+            <a:noFill/>
+          </a:ln>
+        </p:spPr>
+      </p:pic>
+      <p:sp>
+        <p:nvSpPr>
+          <p:cNvPr id="2" name="Titolo 1">
+            <a:extLst>
+              <a:ext uri="{FF2B5EF4-FFF2-40B4-BE49-F238E27FC236}">
+                <a16:creationId xmlns:a16="http://schemas.microsoft.com/office/drawing/2014/main" id="{52AA3639-CF5B-EE61-DD4C-CEDC7A0140CC}"/>
+              </a:ext>
+            </a:extLst>
+          </p:cNvPr>
+          <p:cNvSpPr>
+            <a:spLocks noGrp="1"/>
+          </p:cNvSpPr>
+          <p:nvPr>
+            <p:ph type="title"/>
+          </p:nvPr>
+        </p:nvSpPr>
+        <p:spPr>
+          <a:xfrm>
+            <a:off x="1455276" y="0"/>
+            <a:ext cx="8625349" cy="801045"/>
+          </a:xfrm>
+        </p:spPr>
+        <p:txBody>
+          <a:bodyPr/>
+          <a:lstStyle/>
+          <a:p>
+            <a:pPr algn="ctr"/>
+            <a:r>
+              <a:rPr lang="it-IT" sz="3200" b="1" dirty="0">
+                <a:latin typeface="TeX Gyre Cursor"/>
+              </a:rPr>
+              <a:t>Algoritmo di Heath e </a:t>
+            </a:r>
+            <a:r>
+              <a:rPr lang="it-IT" sz="3200" b="1" dirty="0" err="1">
+                <a:latin typeface="TeX Gyre Cursor"/>
+              </a:rPr>
+              <a:t>Pemmaraju</a:t>
+            </a:r>
+            <a:r>
+              <a:rPr lang="it-IT" sz="3200" b="1" dirty="0">
+                <a:latin typeface="TeX Gyre Cursor"/>
+              </a:rPr>
+              <a:t>: fase 2</a:t>
+            </a:r>
+            <a:endParaRPr lang="it-IT" sz="3200" dirty="0"/>
+          </a:p>
+        </p:txBody>
+      </p:sp>
+      <p:sp>
+        <p:nvSpPr>
+          <p:cNvPr id="19" name="Rettangolo 18">
+            <a:extLst>
+              <a:ext uri="{FF2B5EF4-FFF2-40B4-BE49-F238E27FC236}">
+                <a16:creationId xmlns:a16="http://schemas.microsoft.com/office/drawing/2014/main" id="{27A0A061-A527-1863-2156-155AA134331C}"/>
+              </a:ext>
+            </a:extLst>
+          </p:cNvPr>
+          <p:cNvSpPr/>
+          <p:nvPr/>
+        </p:nvSpPr>
+        <p:spPr>
+          <a:xfrm>
+            <a:off x="0" y="5343979"/>
+            <a:ext cx="10080625" cy="326571"/>
+          </a:xfrm>
+          <a:prstGeom prst="rect">
+            <a:avLst/>
+          </a:prstGeom>
+          <a:solidFill>
+            <a:srgbClr val="062C56"/>
+          </a:solidFill>
+          <a:ln>
+            <a:noFill/>
+          </a:ln>
+        </p:spPr>
+        <p:style>
+          <a:lnRef idx="2">
+            <a:schemeClr val="accent1">
+              <a:shade val="15000"/>
+            </a:schemeClr>
+          </a:lnRef>
+          <a:fillRef idx="1">
+            <a:schemeClr val="accent1"/>
+          </a:fillRef>
+          <a:effectRef idx="0">
+            <a:schemeClr val="accent1"/>
+          </a:effectRef>
+          <a:fontRef idx="minor">
+            <a:schemeClr val="lt1"/>
+          </a:fontRef>
+        </p:style>
+        <p:txBody>
+          <a:bodyPr rtlCol="0" anchor="ctr"/>
+          <a:lstStyle/>
+          <a:p>
+            <a:pPr algn="ctr"/>
+            <a:r>
+              <a:rPr lang="it-IT" sz="1400" dirty="0">
+                <a:latin typeface="TeX Gyre Cursor"/>
+              </a:rPr>
+              <a:t>Enumerazione di 1-Page Book Embedding di Grafi Diretti Aciclici - Ivan Carlini</a:t>
+            </a:r>
+          </a:p>
+        </p:txBody>
+      </p:sp>
+      <p:sp>
+        <p:nvSpPr>
+          <p:cNvPr id="20" name="Rettangolo 19">
+            <a:extLst>
+              <a:ext uri="{FF2B5EF4-FFF2-40B4-BE49-F238E27FC236}">
+                <a16:creationId xmlns:a16="http://schemas.microsoft.com/office/drawing/2014/main" id="{396607E9-3F2D-16CB-C677-39126F093E3D}"/>
+              </a:ext>
+            </a:extLst>
+          </p:cNvPr>
+          <p:cNvSpPr/>
+          <p:nvPr/>
+        </p:nvSpPr>
+        <p:spPr>
+          <a:xfrm>
+            <a:off x="0" y="5308026"/>
+            <a:ext cx="10080625" cy="71906"/>
+          </a:xfrm>
+          <a:prstGeom prst="rect">
+            <a:avLst/>
+          </a:prstGeom>
+          <a:solidFill>
+            <a:srgbClr val="0A5898"/>
+          </a:solidFill>
+          <a:ln>
+            <a:noFill/>
+          </a:ln>
+        </p:spPr>
+        <p:style>
+          <a:lnRef idx="2">
+            <a:schemeClr val="accent1">
+              <a:shade val="15000"/>
+            </a:schemeClr>
+          </a:lnRef>
+          <a:fillRef idx="1">
+            <a:schemeClr val="accent1"/>
+          </a:fillRef>
+          <a:effectRef idx="0">
+            <a:schemeClr val="accent1"/>
+          </a:effectRef>
+          <a:fontRef idx="minor">
+            <a:schemeClr val="lt1"/>
+          </a:fontRef>
+        </p:style>
+        <p:txBody>
+          <a:bodyPr rtlCol="0" anchor="ctr"/>
+          <a:lstStyle/>
+          <a:p>
+            <a:pPr algn="ctr"/>
+            <a:endParaRPr lang="it-IT"/>
+          </a:p>
+        </p:txBody>
+      </p:sp>
+      <mc:AlternateContent xmlns:mc="http://schemas.openxmlformats.org/markup-compatibility/2006">
+        <mc:Choice xmlns:a14="http://schemas.microsoft.com/office/drawing/2010/main" Requires="a14">
+          <p:sp>
+            <p:nvSpPr>
+              <p:cNvPr id="6" name="CasellaDiTesto 5">
+                <a:extLst>
+                  <a:ext uri="{FF2B5EF4-FFF2-40B4-BE49-F238E27FC236}">
+                    <a16:creationId xmlns:a16="http://schemas.microsoft.com/office/drawing/2014/main" id="{6B48D4ED-FFB4-8B52-CE7E-E230E88E9F05}"/>
+                  </a:ext>
+                </a:extLst>
+              </p:cNvPr>
+              <p:cNvSpPr txBox="1"/>
+              <p:nvPr/>
+            </p:nvSpPr>
+            <p:spPr>
+              <a:xfrm>
+                <a:off x="0" y="1254412"/>
+                <a:ext cx="5040312" cy="745653"/>
+              </a:xfrm>
+              <a:prstGeom prst="rect">
+                <a:avLst/>
+              </a:prstGeom>
+              <a:noFill/>
+            </p:spPr>
+            <p:txBody>
+              <a:bodyPr wrap="square" rtlCol="0">
+                <a:spAutoFit/>
+              </a:bodyPr>
+              <a:lstStyle/>
+              <a:p>
+                <a:pPr marL="800100" lvl="1" indent="-342900">
+                  <a:buFont typeface="Arial" panose="020B0604020202020204" pitchFamily="34" charset="0"/>
+                  <a:buChar char="•"/>
+                </a:pPr>
+                <a:r>
+                  <a:rPr lang="it-IT" sz="2000" dirty="0">
+                    <a:latin typeface="TeX Gyre Cursor"/>
+                  </a:rPr>
+                  <a:t>BFS </a:t>
+                </a:r>
+                <a:r>
+                  <a:rPr lang="it-IT" sz="2000" dirty="0" err="1">
+                    <a:latin typeface="TeX Gyre Cursor"/>
+                  </a:rPr>
+                  <a:t>ordering</a:t>
+                </a:r>
+                <a:r>
+                  <a:rPr lang="it-IT" sz="2000" dirty="0">
+                    <a:latin typeface="TeX Gyre Cursor"/>
+                  </a:rPr>
+                  <a:t> dei blocchi:</a:t>
+                </a:r>
+              </a:p>
+              <a:p>
+                <a:pPr marL="1257300" lvl="2" indent="-342900">
+                  <a:buFont typeface="Arial" panose="020B0604020202020204" pitchFamily="34" charset="0"/>
+                  <a:buChar char="•"/>
+                </a:pPr>
+                <a14:m>
+                  <m:oMath xmlns:m="http://schemas.openxmlformats.org/officeDocument/2006/math">
+                    <m:r>
+                      <a:rPr lang="it-IT" sz="2000" b="0" i="1" smtClean="0">
+                        <a:latin typeface="Cambria Math" panose="02040503050406030204" pitchFamily="18" charset="0"/>
+                      </a:rPr>
+                      <m:t>{</m:t>
+                    </m:r>
+                    <m:sSub>
+                      <m:sSubPr>
+                        <m:ctrlPr>
+                          <a:rPr lang="it-IT" sz="2000" b="0" i="1" smtClean="0">
+                            <a:latin typeface="Cambria Math" panose="02040503050406030204" pitchFamily="18" charset="0"/>
+                          </a:rPr>
+                        </m:ctrlPr>
+                      </m:sSubPr>
+                      <m:e>
+                        <m:acc>
+                          <m:accPr>
+                            <m:chr m:val="⃗"/>
+                            <m:ctrlPr>
+                              <a:rPr lang="it-IT" sz="2000" b="0" i="1" smtClean="0">
+                                <a:latin typeface="Cambria Math" panose="02040503050406030204" pitchFamily="18" charset="0"/>
+                              </a:rPr>
+                            </m:ctrlPr>
+                          </m:accPr>
+                          <m:e>
+                            <m:r>
+                              <a:rPr lang="it-IT" sz="2000" b="0" i="1" smtClean="0">
+                                <a:latin typeface="Cambria Math" panose="02040503050406030204" pitchFamily="18" charset="0"/>
+                              </a:rPr>
+                              <m:t>𝐵</m:t>
+                            </m:r>
+                          </m:e>
+                        </m:acc>
+                      </m:e>
+                      <m:sub>
+                        <m:r>
+                          <a:rPr lang="it-IT" sz="2000" b="0" i="1" smtClean="0">
+                            <a:latin typeface="Cambria Math" panose="02040503050406030204" pitchFamily="18" charset="0"/>
+                          </a:rPr>
+                          <m:t>0</m:t>
+                        </m:r>
+                      </m:sub>
+                    </m:sSub>
+                    <m:r>
+                      <a:rPr lang="it-IT" sz="2000" b="0" i="1" smtClean="0">
+                        <a:latin typeface="Cambria Math" panose="02040503050406030204" pitchFamily="18" charset="0"/>
+                      </a:rPr>
+                      <m:t>,</m:t>
+                    </m:r>
+                    <m:sSub>
+                      <m:sSubPr>
+                        <m:ctrlPr>
+                          <a:rPr lang="it-IT" sz="2000" i="1">
+                            <a:latin typeface="Cambria Math" panose="02040503050406030204" pitchFamily="18" charset="0"/>
+                          </a:rPr>
+                        </m:ctrlPr>
+                      </m:sSubPr>
+                      <m:e>
+                        <m:acc>
+                          <m:accPr>
+                            <m:chr m:val="⃗"/>
+                            <m:ctrlPr>
+                              <a:rPr lang="it-IT" sz="2000" i="1">
+                                <a:latin typeface="Cambria Math" panose="02040503050406030204" pitchFamily="18" charset="0"/>
+                              </a:rPr>
+                            </m:ctrlPr>
+                          </m:accPr>
+                          <m:e>
+                            <m:r>
+                              <a:rPr lang="it-IT" sz="2000" i="1">
+                                <a:latin typeface="Cambria Math" panose="02040503050406030204" pitchFamily="18" charset="0"/>
+                              </a:rPr>
+                              <m:t>𝐵</m:t>
+                            </m:r>
+                          </m:e>
+                        </m:acc>
+                      </m:e>
+                      <m:sub>
+                        <m:r>
+                          <a:rPr lang="it-IT" sz="2000" b="0" i="1" smtClean="0">
+                            <a:latin typeface="Cambria Math" panose="02040503050406030204" pitchFamily="18" charset="0"/>
+                          </a:rPr>
+                          <m:t>1</m:t>
+                        </m:r>
+                      </m:sub>
+                    </m:sSub>
+                    <m:r>
+                      <a:rPr lang="it-IT" sz="2000" b="0" i="1" smtClean="0">
+                        <a:latin typeface="Cambria Math" panose="02040503050406030204" pitchFamily="18" charset="0"/>
+                      </a:rPr>
+                      <m:t>,</m:t>
+                    </m:r>
+                    <m:sSub>
+                      <m:sSubPr>
+                        <m:ctrlPr>
+                          <a:rPr lang="it-IT" sz="2000" i="1">
+                            <a:latin typeface="Cambria Math" panose="02040503050406030204" pitchFamily="18" charset="0"/>
+                          </a:rPr>
+                        </m:ctrlPr>
+                      </m:sSubPr>
+                      <m:e>
+                        <m:acc>
+                          <m:accPr>
+                            <m:chr m:val="⃗"/>
+                            <m:ctrlPr>
+                              <a:rPr lang="it-IT" sz="2000" i="1">
+                                <a:latin typeface="Cambria Math" panose="02040503050406030204" pitchFamily="18" charset="0"/>
+                              </a:rPr>
+                            </m:ctrlPr>
+                          </m:accPr>
+                          <m:e>
+                            <m:r>
+                              <a:rPr lang="it-IT" sz="2000" i="1">
+                                <a:latin typeface="Cambria Math" panose="02040503050406030204" pitchFamily="18" charset="0"/>
+                              </a:rPr>
+                              <m:t>𝐵</m:t>
+                            </m:r>
+                          </m:e>
+                        </m:acc>
+                      </m:e>
+                      <m:sub>
+                        <m:r>
+                          <a:rPr lang="it-IT" sz="2000" b="0" i="1" smtClean="0">
+                            <a:latin typeface="Cambria Math" panose="02040503050406030204" pitchFamily="18" charset="0"/>
+                          </a:rPr>
+                          <m:t>3</m:t>
+                        </m:r>
+                      </m:sub>
+                    </m:sSub>
+                    <m:r>
+                      <a:rPr lang="it-IT" sz="2000" b="0" i="1" smtClean="0">
+                        <a:latin typeface="Cambria Math" panose="02040503050406030204" pitchFamily="18" charset="0"/>
+                      </a:rPr>
+                      <m:t>,</m:t>
+                    </m:r>
+                    <m:sSub>
+                      <m:sSubPr>
+                        <m:ctrlPr>
+                          <a:rPr lang="it-IT" sz="2000" i="1">
+                            <a:latin typeface="Cambria Math" panose="02040503050406030204" pitchFamily="18" charset="0"/>
+                          </a:rPr>
+                        </m:ctrlPr>
+                      </m:sSubPr>
+                      <m:e>
+                        <m:acc>
+                          <m:accPr>
+                            <m:chr m:val="⃗"/>
+                            <m:ctrlPr>
+                              <a:rPr lang="it-IT" sz="2000" i="1">
+                                <a:latin typeface="Cambria Math" panose="02040503050406030204" pitchFamily="18" charset="0"/>
+                              </a:rPr>
+                            </m:ctrlPr>
+                          </m:accPr>
+                          <m:e>
+                            <m:r>
+                              <a:rPr lang="it-IT" sz="2000" i="1">
+                                <a:latin typeface="Cambria Math" panose="02040503050406030204" pitchFamily="18" charset="0"/>
+                              </a:rPr>
+                              <m:t>𝐵</m:t>
+                            </m:r>
+                          </m:e>
+                        </m:acc>
+                      </m:e>
+                      <m:sub>
+                        <m:r>
+                          <a:rPr lang="it-IT" sz="2000" b="0" i="1" smtClean="0">
+                            <a:latin typeface="Cambria Math" panose="02040503050406030204" pitchFamily="18" charset="0"/>
+                          </a:rPr>
+                          <m:t>4</m:t>
+                        </m:r>
+                      </m:sub>
+                    </m:sSub>
+                    <m:r>
+                      <a:rPr lang="it-IT" sz="2000" b="0" i="1" smtClean="0">
+                        <a:latin typeface="Cambria Math" panose="02040503050406030204" pitchFamily="18" charset="0"/>
+                      </a:rPr>
+                      <m:t>,</m:t>
+                    </m:r>
+                    <m:sSub>
+                      <m:sSubPr>
+                        <m:ctrlPr>
+                          <a:rPr lang="it-IT" sz="2000" i="1">
+                            <a:latin typeface="Cambria Math" panose="02040503050406030204" pitchFamily="18" charset="0"/>
+                          </a:rPr>
+                        </m:ctrlPr>
+                      </m:sSubPr>
+                      <m:e>
+                        <m:acc>
+                          <m:accPr>
+                            <m:chr m:val="⃗"/>
+                            <m:ctrlPr>
+                              <a:rPr lang="it-IT" sz="2000" i="1">
+                                <a:latin typeface="Cambria Math" panose="02040503050406030204" pitchFamily="18" charset="0"/>
+                              </a:rPr>
+                            </m:ctrlPr>
+                          </m:accPr>
+                          <m:e>
+                            <m:r>
+                              <a:rPr lang="it-IT" sz="2000" i="1">
+                                <a:latin typeface="Cambria Math" panose="02040503050406030204" pitchFamily="18" charset="0"/>
+                              </a:rPr>
+                              <m:t>𝐵</m:t>
+                            </m:r>
+                          </m:e>
+                        </m:acc>
+                      </m:e>
+                      <m:sub>
+                        <m:r>
+                          <a:rPr lang="it-IT" sz="2000" b="0" i="1" smtClean="0">
+                            <a:latin typeface="Cambria Math" panose="02040503050406030204" pitchFamily="18" charset="0"/>
+                          </a:rPr>
+                          <m:t>2</m:t>
+                        </m:r>
+                      </m:sub>
+                    </m:sSub>
+                    <m:r>
+                      <a:rPr lang="it-IT" sz="2000" b="0" i="1" smtClean="0">
+                        <a:latin typeface="Cambria Math" panose="02040503050406030204" pitchFamily="18" charset="0"/>
+                      </a:rPr>
+                      <m:t>,</m:t>
+                    </m:r>
+                    <m:sSub>
+                      <m:sSubPr>
+                        <m:ctrlPr>
+                          <a:rPr lang="it-IT" sz="2000" i="1">
+                            <a:latin typeface="Cambria Math" panose="02040503050406030204" pitchFamily="18" charset="0"/>
+                          </a:rPr>
+                        </m:ctrlPr>
+                      </m:sSubPr>
+                      <m:e>
+                        <m:acc>
+                          <m:accPr>
+                            <m:chr m:val="⃗"/>
+                            <m:ctrlPr>
+                              <a:rPr lang="it-IT" sz="2000" i="1">
+                                <a:latin typeface="Cambria Math" panose="02040503050406030204" pitchFamily="18" charset="0"/>
+                              </a:rPr>
+                            </m:ctrlPr>
+                          </m:accPr>
+                          <m:e>
+                            <m:r>
+                              <a:rPr lang="it-IT" sz="2000" i="1">
+                                <a:latin typeface="Cambria Math" panose="02040503050406030204" pitchFamily="18" charset="0"/>
+                              </a:rPr>
+                              <m:t>𝐵</m:t>
+                            </m:r>
+                          </m:e>
+                        </m:acc>
+                      </m:e>
+                      <m:sub>
+                        <m:r>
+                          <a:rPr lang="it-IT" sz="2000" b="0" i="1" smtClean="0">
+                            <a:latin typeface="Cambria Math" panose="02040503050406030204" pitchFamily="18" charset="0"/>
+                          </a:rPr>
+                          <m:t>5</m:t>
+                        </m:r>
+                      </m:sub>
+                    </m:sSub>
+                    <m:r>
+                      <a:rPr lang="it-IT" sz="2000" b="0" i="1" smtClean="0">
+                        <a:latin typeface="Cambria Math" panose="02040503050406030204" pitchFamily="18" charset="0"/>
+                      </a:rPr>
+                      <m:t>,</m:t>
+                    </m:r>
+                    <m:sSub>
+                      <m:sSubPr>
+                        <m:ctrlPr>
+                          <a:rPr lang="it-IT" sz="2000" i="1">
+                            <a:latin typeface="Cambria Math" panose="02040503050406030204" pitchFamily="18" charset="0"/>
+                          </a:rPr>
+                        </m:ctrlPr>
+                      </m:sSubPr>
+                      <m:e>
+                        <m:acc>
+                          <m:accPr>
+                            <m:chr m:val="⃗"/>
+                            <m:ctrlPr>
+                              <a:rPr lang="it-IT" sz="2000" i="1">
+                                <a:latin typeface="Cambria Math" panose="02040503050406030204" pitchFamily="18" charset="0"/>
+                              </a:rPr>
+                            </m:ctrlPr>
+                          </m:accPr>
+                          <m:e>
+                            <m:r>
+                              <a:rPr lang="it-IT" sz="2000" i="1">
+                                <a:latin typeface="Cambria Math" panose="02040503050406030204" pitchFamily="18" charset="0"/>
+                              </a:rPr>
+                              <m:t>𝐵</m:t>
+                            </m:r>
+                          </m:e>
+                        </m:acc>
+                      </m:e>
+                      <m:sub>
+                        <m:r>
+                          <a:rPr lang="it-IT" sz="2000" b="0" i="1" smtClean="0">
+                            <a:latin typeface="Cambria Math" panose="02040503050406030204" pitchFamily="18" charset="0"/>
+                          </a:rPr>
+                          <m:t>6</m:t>
+                        </m:r>
+                      </m:sub>
+                    </m:sSub>
+                    <m:r>
+                      <a:rPr lang="it-IT" sz="2000" b="0" i="1" smtClean="0">
+                        <a:latin typeface="Cambria Math" panose="02040503050406030204" pitchFamily="18" charset="0"/>
+                      </a:rPr>
+                      <m:t>,</m:t>
+                    </m:r>
+                    <m:sSub>
+                      <m:sSubPr>
+                        <m:ctrlPr>
+                          <a:rPr lang="it-IT" sz="2000" i="1">
+                            <a:latin typeface="Cambria Math" panose="02040503050406030204" pitchFamily="18" charset="0"/>
+                          </a:rPr>
+                        </m:ctrlPr>
+                      </m:sSubPr>
+                      <m:e>
+                        <m:acc>
+                          <m:accPr>
+                            <m:chr m:val="⃗"/>
+                            <m:ctrlPr>
+                              <a:rPr lang="it-IT" sz="2000" i="1">
+                                <a:latin typeface="Cambria Math" panose="02040503050406030204" pitchFamily="18" charset="0"/>
+                              </a:rPr>
+                            </m:ctrlPr>
+                          </m:accPr>
+                          <m:e>
+                            <m:r>
+                              <a:rPr lang="it-IT" sz="2000" i="1">
+                                <a:latin typeface="Cambria Math" panose="02040503050406030204" pitchFamily="18" charset="0"/>
+                              </a:rPr>
+                              <m:t>𝐵</m:t>
+                            </m:r>
+                          </m:e>
+                        </m:acc>
+                      </m:e>
+                      <m:sub>
+                        <m:r>
+                          <a:rPr lang="it-IT" sz="2000" b="0" i="1" smtClean="0">
+                            <a:latin typeface="Cambria Math" panose="02040503050406030204" pitchFamily="18" charset="0"/>
+                          </a:rPr>
+                          <m:t>7</m:t>
+                        </m:r>
+                      </m:sub>
+                    </m:sSub>
+                    <m:r>
+                      <a:rPr lang="it-IT" sz="2000" b="0" i="1" smtClean="0">
+                        <a:latin typeface="Cambria Math" panose="02040503050406030204" pitchFamily="18" charset="0"/>
+                      </a:rPr>
+                      <m:t>}</m:t>
+                    </m:r>
+                  </m:oMath>
+                </a14:m>
+                <a:endParaRPr lang="it-IT" sz="2000" dirty="0">
+                  <a:latin typeface="TeX Gyre Cursor"/>
+                </a:endParaRPr>
+              </a:p>
+            </p:txBody>
+          </p:sp>
+        </mc:Choice>
+        <mc:Fallback>
+          <p:sp>
+            <p:nvSpPr>
+              <p:cNvPr id="6" name="CasellaDiTesto 5">
+                <a:extLst>
+                  <a:ext uri="{FF2B5EF4-FFF2-40B4-BE49-F238E27FC236}">
+                    <a16:creationId xmlns:a16="http://schemas.microsoft.com/office/drawing/2014/main" id="{6B48D4ED-FFB4-8B52-CE7E-E230E88E9F05}"/>
+                  </a:ext>
+                </a:extLst>
+              </p:cNvPr>
+              <p:cNvSpPr txBox="1">
+                <a:spLocks noRot="1" noChangeAspect="1" noMove="1" noResize="1" noEditPoints="1" noAdjustHandles="1" noChangeArrowheads="1" noChangeShapeType="1" noTextEdit="1"/>
+              </p:cNvSpPr>
+              <p:nvPr/>
+            </p:nvSpPr>
+            <p:spPr>
+              <a:xfrm>
+                <a:off x="0" y="1254412"/>
+                <a:ext cx="5040312" cy="745653"/>
+              </a:xfrm>
+              <a:prstGeom prst="rect">
+                <a:avLst/>
+              </a:prstGeom>
+              <a:blipFill>
+                <a:blip r:embed="rId3"/>
+                <a:stretch>
+                  <a:fillRect t="-4918" b="-10656"/>
+                </a:stretch>
+              </a:blipFill>
+            </p:spPr>
+            <p:txBody>
+              <a:bodyPr/>
+              <a:lstStyle/>
+              <a:p>
+                <a:r>
+                  <a:rPr lang="it-IT">
+                    <a:noFill/>
+                  </a:rPr>
+                  <a:t> </a:t>
+                </a:r>
+              </a:p>
+            </p:txBody>
+          </p:sp>
+        </mc:Fallback>
+      </mc:AlternateContent>
+      <p:pic>
+        <p:nvPicPr>
+          <p:cNvPr id="4" name="Immagine 3" descr="Immagine che contiene disegno, testo, schizzo, illustrazione&#10;&#10;Descrizione generata automaticamente">
+            <a:extLst>
+              <a:ext uri="{FF2B5EF4-FFF2-40B4-BE49-F238E27FC236}">
+                <a16:creationId xmlns:a16="http://schemas.microsoft.com/office/drawing/2014/main" id="{23060A32-06DF-79AB-2873-1BCC9695DE4D}"/>
+              </a:ext>
+            </a:extLst>
+          </p:cNvPr>
+          <p:cNvPicPr>
+            <a:picLocks noChangeAspect="1"/>
+          </p:cNvPicPr>
+          <p:nvPr/>
+        </p:nvPicPr>
+        <p:blipFill>
+          <a:blip r:embed="rId4">
+            <a:extLst>
+              <a:ext uri="{28A0092B-C50C-407E-A947-70E740481C1C}">
+                <a14:useLocalDpi xmlns:a14="http://schemas.microsoft.com/office/drawing/2010/main" val="0"/>
+              </a:ext>
+            </a:extLst>
+          </a:blip>
+          <a:srcRect t="39738" r="5816"/>
+          <a:stretch/>
+        </p:blipFill>
+        <p:spPr>
+          <a:xfrm>
+            <a:off x="5176562" y="1465022"/>
+            <a:ext cx="4904063" cy="3592528"/>
+          </a:xfrm>
+          <a:prstGeom prst="rect">
+            <a:avLst/>
+          </a:prstGeom>
+        </p:spPr>
+      </p:pic>
+      <p:pic>
+        <p:nvPicPr>
+          <p:cNvPr id="5" name="Immagine 4" descr="Immagine che contiene disegno, testo, schizzo, illustrazione&#10;&#10;Descrizione generata automaticamente">
+            <a:extLst>
+              <a:ext uri="{FF2B5EF4-FFF2-40B4-BE49-F238E27FC236}">
+                <a16:creationId xmlns:a16="http://schemas.microsoft.com/office/drawing/2014/main" id="{C9338A03-D86F-4DE8-8628-BF52AF98B525}"/>
+              </a:ext>
+            </a:extLst>
+          </p:cNvPr>
+          <p:cNvPicPr>
+            <a:picLocks noChangeAspect="1"/>
+          </p:cNvPicPr>
+          <p:nvPr/>
+        </p:nvPicPr>
+        <p:blipFill>
+          <a:blip r:embed="rId5">
+            <a:extLst>
+              <a:ext uri="{28A0092B-C50C-407E-A947-70E740481C1C}">
+                <a14:useLocalDpi xmlns:a14="http://schemas.microsoft.com/office/drawing/2010/main" val="0"/>
+              </a:ext>
+            </a:extLst>
+          </a:blip>
+          <a:srcRect b="59974"/>
+          <a:stretch/>
+        </p:blipFill>
+        <p:spPr>
+          <a:xfrm>
+            <a:off x="0" y="2370305"/>
+            <a:ext cx="5040312" cy="2309788"/>
+          </a:xfrm>
+          <a:prstGeom prst="rect">
+            <a:avLst/>
+          </a:prstGeom>
+        </p:spPr>
+      </p:pic>
+    </p:spTree>
+    <p:extLst>
+      <p:ext uri="{BB962C8B-B14F-4D97-AF65-F5344CB8AC3E}">
+        <p14:creationId xmlns:p14="http://schemas.microsoft.com/office/powerpoint/2010/main" val="3224446307"/>
+      </p:ext>
+    </p:extLst>
+  </p:cSld>
+  <p:clrMapOvr>
+    <a:masterClrMapping/>
+  </p:clrMapOvr>
+</p:sld>
+</file>
+
+<file path=ppt/slides/slide13.xml><?xml version="1.0" encoding="utf-8"?>
+<p:sld xmlns:a="http://schemas.openxmlformats.org/drawingml/2006/main" xmlns:r="http://schemas.openxmlformats.org/officeDocument/2006/relationships" xmlns:p="http://schemas.openxmlformats.org/presentationml/2006/main">
+  <p:cSld>
+    <p:spTree>
+      <p:nvGrpSpPr>
+        <p:cNvPr id="1" name=""/>
+        <p:cNvGrpSpPr/>
+        <p:nvPr/>
+      </p:nvGrpSpPr>
+      <p:grpSpPr>
+        <a:xfrm>
+          <a:off x="0" y="0"/>
+          <a:ext cx="0" cy="0"/>
+          <a:chOff x="0" y="0"/>
+          <a:chExt cx="0" cy="0"/>
+        </a:xfrm>
+      </p:grpSpPr>
+      <p:pic>
+        <p:nvPicPr>
+          <p:cNvPr id="40" name="Immagine 42"/>
+          <p:cNvPicPr/>
+          <p:nvPr/>
+        </p:nvPicPr>
+        <p:blipFill>
+          <a:blip r:embed="rId2"/>
+          <a:stretch/>
+        </p:blipFill>
+        <p:spPr>
+          <a:xfrm>
+            <a:off x="0" y="0"/>
+            <a:ext cx="1455276" cy="801045"/>
+          </a:xfrm>
+          <a:prstGeom prst="rect">
+            <a:avLst/>
+          </a:prstGeom>
+          <a:ln>
+            <a:noFill/>
+          </a:ln>
+        </p:spPr>
+      </p:pic>
+      <p:sp>
+        <p:nvSpPr>
+          <p:cNvPr id="2" name="CustomShape 1">
+            <a:extLst>
+              <a:ext uri="{FF2B5EF4-FFF2-40B4-BE49-F238E27FC236}">
+                <a16:creationId xmlns:a16="http://schemas.microsoft.com/office/drawing/2014/main" id="{0D7590DB-0FCB-CEC5-0308-901E7991F4F3}"/>
+              </a:ext>
+            </a:extLst>
+          </p:cNvPr>
+          <p:cNvSpPr/>
+          <p:nvPr/>
+        </p:nvSpPr>
+        <p:spPr>
+          <a:xfrm>
+            <a:off x="1" y="2463521"/>
+            <a:ext cx="10080624" cy="743508"/>
+          </a:xfrm>
+          <a:prstGeom prst="rect">
+            <a:avLst/>
+          </a:prstGeom>
+          <a:noFill/>
+          <a:ln>
+            <a:noFill/>
+          </a:ln>
+        </p:spPr>
+        <p:style>
+          <a:lnRef idx="0">
+            <a:scrgbClr r="0" g="0" b="0"/>
+          </a:lnRef>
+          <a:fillRef idx="0">
+            <a:scrgbClr r="0" g="0" b="0"/>
+          </a:fillRef>
+          <a:effectRef idx="0">
+            <a:scrgbClr r="0" g="0" b="0"/>
+          </a:effectRef>
+          <a:fontRef idx="minor"/>
+        </p:style>
+        <p:txBody>
+          <a:bodyPr lIns="90000" tIns="45000" rIns="90000" bIns="45000">
+            <a:noAutofit/>
+          </a:bodyPr>
+          <a:lstStyle/>
+          <a:p>
+            <a:pPr algn="ctr">
+              <a:lnSpc>
+                <a:spcPct val="100000"/>
+              </a:lnSpc>
+            </a:pPr>
+            <a:r>
+              <a:rPr lang="it-IT" sz="3200" b="1" strike="noStrike" spc="-1" dirty="0">
+                <a:solidFill>
+                  <a:srgbClr val="000000"/>
+                </a:solidFill>
+                <a:latin typeface="TeX Gyre Cursor"/>
+                <a:ea typeface="DejaVu Sans"/>
+              </a:rPr>
+              <a:t>Grazie per l’attenzione!</a:t>
+            </a:r>
+            <a:endParaRPr lang="it-IT" sz="3200" b="0" strike="noStrike" spc="-1" dirty="0">
+              <a:latin typeface="Arial"/>
+            </a:endParaRPr>
+          </a:p>
+        </p:txBody>
+      </p:sp>
+      <p:sp>
+        <p:nvSpPr>
+          <p:cNvPr id="11" name="Rettangolo 10">
+            <a:extLst>
+              <a:ext uri="{FF2B5EF4-FFF2-40B4-BE49-F238E27FC236}">
+                <a16:creationId xmlns:a16="http://schemas.microsoft.com/office/drawing/2014/main" id="{D27A6600-4CB0-34D3-1A86-615A6C6EA8D3}"/>
+              </a:ext>
+            </a:extLst>
+          </p:cNvPr>
+          <p:cNvSpPr/>
+          <p:nvPr/>
+        </p:nvSpPr>
+        <p:spPr>
+          <a:xfrm>
+            <a:off x="0" y="5343979"/>
+            <a:ext cx="10080625" cy="326571"/>
+          </a:xfrm>
+          <a:prstGeom prst="rect">
+            <a:avLst/>
+          </a:prstGeom>
+          <a:solidFill>
+            <a:srgbClr val="062C56"/>
+          </a:solidFill>
+          <a:ln>
+            <a:noFill/>
+          </a:ln>
+        </p:spPr>
+        <p:style>
+          <a:lnRef idx="2">
+            <a:schemeClr val="accent1">
+              <a:shade val="15000"/>
+            </a:schemeClr>
+          </a:lnRef>
+          <a:fillRef idx="1">
+            <a:schemeClr val="accent1"/>
+          </a:fillRef>
+          <a:effectRef idx="0">
+            <a:schemeClr val="accent1"/>
+          </a:effectRef>
+          <a:fontRef idx="minor">
+            <a:schemeClr val="lt1"/>
+          </a:fontRef>
+        </p:style>
+        <p:txBody>
+          <a:bodyPr rtlCol="0" anchor="ctr"/>
+          <a:lstStyle/>
+          <a:p>
+            <a:pPr algn="ctr"/>
+            <a:r>
+              <a:rPr lang="it-IT" sz="1400" dirty="0">
+                <a:latin typeface="TeX Gyre Cursor"/>
+              </a:rPr>
+              <a:t>Enumerazione di 1-Page Book Embedding di Grafi Diretti Aciclici - Ivan Carlini</a:t>
+            </a:r>
+          </a:p>
+        </p:txBody>
+      </p:sp>
+      <p:sp>
+        <p:nvSpPr>
+          <p:cNvPr id="12" name="Rettangolo 11">
+            <a:extLst>
+              <a:ext uri="{FF2B5EF4-FFF2-40B4-BE49-F238E27FC236}">
+                <a16:creationId xmlns:a16="http://schemas.microsoft.com/office/drawing/2014/main" id="{969E6AD7-810B-13CA-7A8A-59C0BFBA35F6}"/>
+              </a:ext>
+            </a:extLst>
+          </p:cNvPr>
+          <p:cNvSpPr/>
+          <p:nvPr/>
+        </p:nvSpPr>
+        <p:spPr>
+          <a:xfrm>
+            <a:off x="0" y="5308026"/>
+            <a:ext cx="10080625" cy="71906"/>
+          </a:xfrm>
+          <a:prstGeom prst="rect">
+            <a:avLst/>
+          </a:prstGeom>
+          <a:solidFill>
+            <a:srgbClr val="0A5898"/>
+          </a:solidFill>
+          <a:ln>
+            <a:noFill/>
+          </a:ln>
+        </p:spPr>
+        <p:style>
+          <a:lnRef idx="2">
+            <a:schemeClr val="accent1">
+              <a:shade val="15000"/>
+            </a:schemeClr>
+          </a:lnRef>
+          <a:fillRef idx="1">
+            <a:schemeClr val="accent1"/>
+          </a:fillRef>
+          <a:effectRef idx="0">
+            <a:schemeClr val="accent1"/>
+          </a:effectRef>
+          <a:fontRef idx="minor">
+            <a:schemeClr val="lt1"/>
+          </a:fontRef>
+        </p:style>
+        <p:txBody>
+          <a:bodyPr rtlCol="0" anchor="ctr"/>
+          <a:lstStyle/>
+          <a:p>
+            <a:pPr algn="ctr"/>
+            <a:endParaRPr lang="it-IT"/>
+          </a:p>
+        </p:txBody>
+      </p:sp>
+    </p:spTree>
+    <p:extLst>
+      <p:ext uri="{BB962C8B-B14F-4D97-AF65-F5344CB8AC3E}">
+        <p14:creationId xmlns:p14="http://schemas.microsoft.com/office/powerpoint/2010/main" val="456234082"/>
+      </p:ext>
+    </p:extLst>
+  </p:cSld>
+  <p:clrMapOvr>
+    <a:masterClrMapping/>
+  </p:clrMapOvr>
+</p:sld>
+</file>
+
 <file path=ppt/slides/slide2.xml><?xml version="1.0" encoding="utf-8"?>
 <p:sld xmlns:a="http://schemas.openxmlformats.org/drawingml/2006/main" xmlns:r="http://schemas.openxmlformats.org/officeDocument/2006/relationships" xmlns:p="http://schemas.openxmlformats.org/presentationml/2006/main">
   <p:cSld>
@@ -2500,12 +4654,12 @@
           <a:p>
             <a:pPr algn="ctr"/>
             <a:r>
-              <a:rPr lang="it-IT" sz="4000" b="1" dirty="0">
+              <a:rPr lang="it-IT" sz="3200" b="1" dirty="0">
                 <a:latin typeface="TeX Gyre Cursor"/>
               </a:rPr>
               <a:t>Obiettivi della tesi</a:t>
             </a:r>
-            <a:endParaRPr lang="it-IT" dirty="0"/>
+            <a:endParaRPr lang="it-IT" sz="3200" dirty="0"/>
           </a:p>
         </p:txBody>
       </p:sp>
@@ -2549,6 +4703,23 @@
             </a:r>
           </a:p>
           <a:p>
+            <a:endParaRPr lang="it-IT" sz="2000" dirty="0">
+              <a:latin typeface="TeX Gyre Cursor"/>
+            </a:endParaRPr>
+          </a:p>
+          <a:p>
+            <a:pPr marL="342900" indent="-342900">
+              <a:buFont typeface="Arial" panose="020B0604020202020204" pitchFamily="34" charset="0"/>
+              <a:buChar char="•"/>
+            </a:pPr>
+            <a:r>
+              <a:rPr lang="it-IT" sz="2000" dirty="0">
+                <a:latin typeface="TeX Gyre Cursor"/>
+              </a:rPr>
+              <a:t>Sviluppare un tool che consente di utilizzare l’algoritmo su una pagina web</a:t>
+            </a:r>
+          </a:p>
+          <a:p>
             <a:pPr marL="342900" indent="-342900">
               <a:buFont typeface="Arial" panose="020B0604020202020204" pitchFamily="34" charset="0"/>
               <a:buChar char="•"/>
@@ -2566,28 +4737,19 @@
               <a:rPr lang="it-IT" sz="2000" dirty="0">
                 <a:latin typeface="TeX Gyre Cursor"/>
               </a:rPr>
-              <a:t>Ricavare una formula per contare quanti sono i 1-page book embedding ammessi da un determinato DAG</a:t>
-            </a:r>
-          </a:p>
-          <a:p>
-            <a:pPr marL="342900" indent="-342900">
-              <a:buFont typeface="Arial" panose="020B0604020202020204" pitchFamily="34" charset="0"/>
-              <a:buChar char="•"/>
-            </a:pPr>
-            <a:endParaRPr lang="it-IT" sz="2000" dirty="0">
-              <a:latin typeface="TeX Gyre Cursor"/>
-            </a:endParaRPr>
-          </a:p>
-          <a:p>
-            <a:pPr marL="342900" indent="-342900">
-              <a:buFont typeface="Arial" panose="020B0604020202020204" pitchFamily="34" charset="0"/>
-              <a:buChar char="•"/>
-            </a:pPr>
+              <a:t>Ricavare una formula per contare quanti sono i 1-page book </a:t>
+            </a:r>
+            <a:r>
+              <a:rPr lang="it-IT" sz="2000" dirty="0" err="1">
+                <a:latin typeface="TeX Gyre Cursor"/>
+              </a:rPr>
+              <a:t>embedding</a:t>
+            </a:r>
             <a:r>
               <a:rPr lang="it-IT" sz="2000" dirty="0">
                 <a:latin typeface="TeX Gyre Cursor"/>
               </a:rPr>
-              <a:t>Sviluppare un tool che consente di utilizzare l’algoritmo su una pagina web</a:t>
+              <a:t> ammessi da un determinato DAG</a:t>
             </a:r>
           </a:p>
         </p:txBody>
@@ -2782,12 +4944,12 @@
           <a:p>
             <a:pPr algn="ctr"/>
             <a:r>
-              <a:rPr lang="it-IT" sz="4000" b="1" dirty="0">
-                <a:latin typeface="TeX Gyre Cursor"/>
-              </a:rPr>
-              <a:t>DAG</a:t>
-            </a:r>
-            <a:endParaRPr lang="it-IT" dirty="0"/>
+              <a:rPr lang="it-IT" sz="3200" b="1" dirty="0">
+                <a:latin typeface="TeX Gyre Cursor"/>
+              </a:rPr>
+              <a:t>Grafi diretti aciclici (DAG)</a:t>
+            </a:r>
+            <a:endParaRPr lang="it-IT" sz="3200" dirty="0"/>
           </a:p>
         </p:txBody>
       </p:sp>
@@ -3058,12 +5220,12 @@
           <a:p>
             <a:pPr algn="ctr"/>
             <a:r>
-              <a:rPr lang="it-IT" sz="4000" b="1" dirty="0">
+              <a:rPr lang="it-IT" sz="3200" b="1" dirty="0">
                 <a:latin typeface="TeX Gyre Cursor"/>
               </a:rPr>
               <a:t>Book embedding di un DAG</a:t>
             </a:r>
-            <a:endParaRPr lang="it-IT" dirty="0"/>
+            <a:endParaRPr lang="it-IT" sz="3200" dirty="0"/>
           </a:p>
         </p:txBody>
       </p:sp>
@@ -3386,12 +5548,12 @@
           <a:p>
             <a:pPr algn="ctr"/>
             <a:r>
-              <a:rPr lang="it-IT" sz="4000" b="1" dirty="0">
+              <a:rPr lang="it-IT" sz="3200" b="1" dirty="0">
                 <a:latin typeface="TeX Gyre Cursor"/>
               </a:rPr>
               <a:t>1-page book embedding di un DAG</a:t>
             </a:r>
-            <a:endParaRPr lang="it-IT" dirty="0"/>
+            <a:endParaRPr lang="it-IT" sz="3200" dirty="0"/>
           </a:p>
         </p:txBody>
       </p:sp>
@@ -3688,74 +5850,59 @@
       </p:pic>
       <p:sp>
         <p:nvSpPr>
-          <p:cNvPr id="2" name="CustomShape 1">
+          <p:cNvPr id="2" name="Titolo 1">
             <a:extLst>
               <a:ext uri="{FF2B5EF4-FFF2-40B4-BE49-F238E27FC236}">
-                <a16:creationId xmlns:a16="http://schemas.microsoft.com/office/drawing/2014/main" id="{0D7590DB-0FCB-CEC5-0308-901E7991F4F3}"/>
+                <a16:creationId xmlns:a16="http://schemas.microsoft.com/office/drawing/2014/main" id="{52AA3639-CF5B-EE61-DD4C-CEDC7A0140CC}"/>
               </a:ext>
             </a:extLst>
           </p:cNvPr>
-          <p:cNvSpPr/>
-          <p:nvPr/>
-        </p:nvSpPr>
-        <p:spPr>
-          <a:xfrm>
-            <a:off x="1" y="2463521"/>
-            <a:ext cx="10080624" cy="743508"/>
-          </a:xfrm>
-          <a:prstGeom prst="rect">
-            <a:avLst/>
-          </a:prstGeom>
-          <a:noFill/>
-          <a:ln>
-            <a:noFill/>
-          </a:ln>
-        </p:spPr>
-        <p:style>
-          <a:lnRef idx="0">
-            <a:scrgbClr r="0" g="0" b="0"/>
-          </a:lnRef>
-          <a:fillRef idx="0">
-            <a:scrgbClr r="0" g="0" b="0"/>
-          </a:fillRef>
-          <a:effectRef idx="0">
-            <a:scrgbClr r="0" g="0" b="0"/>
-          </a:effectRef>
-          <a:fontRef idx="minor"/>
-        </p:style>
-        <p:txBody>
-          <a:bodyPr lIns="90000" tIns="45000" rIns="90000" bIns="45000">
-            <a:noAutofit/>
-          </a:bodyPr>
-          <a:lstStyle/>
-          <a:p>
-            <a:pPr algn="ctr">
-              <a:lnSpc>
-                <a:spcPct val="100000"/>
-              </a:lnSpc>
-            </a:pPr>
-            <a:r>
-              <a:rPr lang="it-IT" sz="3200" b="1" strike="noStrike" spc="-1" dirty="0">
-                <a:solidFill>
-                  <a:srgbClr val="000000"/>
-                </a:solidFill>
-                <a:latin typeface="TeX Gyre Cursor"/>
-                <a:ea typeface="DejaVu Sans"/>
-              </a:rPr>
-              <a:t>Grazie per l’attenzione!</a:t>
-            </a:r>
-            <a:endParaRPr lang="it-IT" sz="3200" b="0" strike="noStrike" spc="-1" dirty="0">
-              <a:latin typeface="Arial"/>
-            </a:endParaRPr>
-          </a:p>
-        </p:txBody>
-      </p:sp>
-      <p:sp>
-        <p:nvSpPr>
-          <p:cNvPr id="11" name="Rettangolo 10">
+          <p:cNvSpPr>
+            <a:spLocks noGrp="1"/>
+          </p:cNvSpPr>
+          <p:nvPr>
+            <p:ph type="title"/>
+          </p:nvPr>
+        </p:nvSpPr>
+        <p:spPr>
+          <a:xfrm>
+            <a:off x="1455276" y="0"/>
+            <a:ext cx="8625349" cy="801045"/>
+          </a:xfrm>
+        </p:spPr>
+        <p:txBody>
+          <a:bodyPr/>
+          <a:lstStyle/>
+          <a:p>
+            <a:pPr algn="ctr"/>
+            <a:r>
+              <a:rPr lang="it-IT" sz="3200" b="1" dirty="0">
+                <a:latin typeface="TeX Gyre Cursor"/>
+              </a:rPr>
+              <a:t>Algoritmo di Heath e </a:t>
+            </a:r>
+            <a:r>
+              <a:rPr lang="it-IT" sz="3200" b="1" dirty="0" err="1">
+                <a:latin typeface="TeX Gyre Cursor"/>
+              </a:rPr>
+              <a:t>Pemmaraju</a:t>
+            </a:r>
+            <a:r>
+              <a:rPr lang="it-IT" sz="3200" b="1" dirty="0">
+                <a:latin typeface="TeX Gyre Cursor"/>
+              </a:rPr>
+              <a:t> (1999)</a:t>
+            </a:r>
+            <a:endParaRPr lang="it-IT" sz="3200" dirty="0"/>
+          </a:p>
+        </p:txBody>
+      </p:sp>
+      <p:sp>
+        <p:nvSpPr>
+          <p:cNvPr id="19" name="Rettangolo 18">
             <a:extLst>
               <a:ext uri="{FF2B5EF4-FFF2-40B4-BE49-F238E27FC236}">
-                <a16:creationId xmlns:a16="http://schemas.microsoft.com/office/drawing/2014/main" id="{D27A6600-4CB0-34D3-1A86-615A6C6EA8D3}"/>
+                <a16:creationId xmlns:a16="http://schemas.microsoft.com/office/drawing/2014/main" id="{27A0A061-A527-1863-2156-155AA134331C}"/>
               </a:ext>
             </a:extLst>
           </p:cNvPr>
@@ -3809,10 +5956,10 @@
       </p:sp>
       <p:sp>
         <p:nvSpPr>
-          <p:cNvPr id="12" name="Rettangolo 11">
+          <p:cNvPr id="20" name="Rettangolo 19">
             <a:extLst>
               <a:ext uri="{FF2B5EF4-FFF2-40B4-BE49-F238E27FC236}">
-                <a16:creationId xmlns:a16="http://schemas.microsoft.com/office/drawing/2014/main" id="{969E6AD7-810B-13CA-7A8A-59C0BFBA35F6}"/>
+                <a16:creationId xmlns:a16="http://schemas.microsoft.com/office/drawing/2014/main" id="{396607E9-3F2D-16CB-C677-39126F093E3D}"/>
               </a:ext>
             </a:extLst>
           </p:cNvPr>
@@ -3859,10 +6006,1168 @@
           </a:p>
         </p:txBody>
       </p:sp>
+      <p:sp>
+        <p:nvSpPr>
+          <p:cNvPr id="3" name="CasellaDiTesto 2">
+            <a:extLst>
+              <a:ext uri="{FF2B5EF4-FFF2-40B4-BE49-F238E27FC236}">
+                <a16:creationId xmlns:a16="http://schemas.microsoft.com/office/drawing/2014/main" id="{7BABB1F0-55CB-2F8F-3D60-82FE75A5F98A}"/>
+              </a:ext>
+            </a:extLst>
+          </p:cNvPr>
+          <p:cNvSpPr txBox="1"/>
+          <p:nvPr/>
+        </p:nvSpPr>
+        <p:spPr>
+          <a:xfrm>
+            <a:off x="527409" y="1118386"/>
+            <a:ext cx="9025804" cy="2554545"/>
+          </a:xfrm>
+          <a:prstGeom prst="rect">
+            <a:avLst/>
+          </a:prstGeom>
+          <a:noFill/>
+        </p:spPr>
+        <p:txBody>
+          <a:bodyPr wrap="square" rtlCol="0">
+            <a:spAutoFit/>
+          </a:bodyPr>
+          <a:lstStyle/>
+          <a:p>
+            <a:pPr marL="342900" indent="-342900">
+              <a:buFont typeface="Arial" panose="020B0604020202020204" pitchFamily="34" charset="0"/>
+              <a:buChar char="•"/>
+            </a:pPr>
+            <a:r>
+              <a:rPr lang="it-IT" sz="2000" dirty="0">
+                <a:latin typeface="TeX Gyre Cursor"/>
+              </a:rPr>
+              <a:t>Algoritmo che determina se un DAG ammette un 1-page book </a:t>
+            </a:r>
+            <a:r>
+              <a:rPr lang="it-IT" sz="2000" dirty="0" err="1">
+                <a:latin typeface="TeX Gyre Cursor"/>
+              </a:rPr>
+              <a:t>embedding</a:t>
+            </a:r>
+            <a:endParaRPr lang="it-IT" sz="2000" dirty="0">
+              <a:latin typeface="TeX Gyre Cursor"/>
+            </a:endParaRPr>
+          </a:p>
+          <a:p>
+            <a:pPr marL="342900" indent="-342900">
+              <a:buFont typeface="Arial" panose="020B0604020202020204" pitchFamily="34" charset="0"/>
+              <a:buChar char="•"/>
+            </a:pPr>
+            <a:endParaRPr lang="it-IT" sz="2000" dirty="0">
+              <a:latin typeface="TeX Gyre Cursor"/>
+            </a:endParaRPr>
+          </a:p>
+          <a:p>
+            <a:pPr marL="342900" indent="-342900">
+              <a:buFont typeface="Arial" panose="020B0604020202020204" pitchFamily="34" charset="0"/>
+              <a:buChar char="•"/>
+            </a:pPr>
+            <a:r>
+              <a:rPr lang="it-IT" sz="2000" dirty="0">
+                <a:latin typeface="TeX Gyre Cursor"/>
+              </a:rPr>
+              <a:t>L’algoritmo è composto da due fasi:</a:t>
+            </a:r>
+          </a:p>
+          <a:p>
+            <a:pPr marL="914400" lvl="1" indent="-457200">
+              <a:buFont typeface="+mj-lt"/>
+              <a:buAutoNum type="arabicPeriod"/>
+            </a:pPr>
+            <a:r>
+              <a:rPr lang="it-IT" sz="2000" dirty="0">
+                <a:latin typeface="TeX Gyre Cursor"/>
+              </a:rPr>
+              <a:t>Verifica se ogni componente </a:t>
+            </a:r>
+            <a:r>
+              <a:rPr lang="it-IT" sz="2000" dirty="0" err="1">
+                <a:latin typeface="TeX Gyre Cursor"/>
+              </a:rPr>
+              <a:t>biconnessa</a:t>
+            </a:r>
+            <a:r>
+              <a:rPr lang="it-IT" sz="2000" dirty="0">
+                <a:latin typeface="TeX Gyre Cursor"/>
+              </a:rPr>
+              <a:t> del DAG ammette un 1-page book </a:t>
+            </a:r>
+            <a:r>
+              <a:rPr lang="it-IT" sz="2000" dirty="0" err="1">
+                <a:latin typeface="TeX Gyre Cursor"/>
+              </a:rPr>
+              <a:t>embedding</a:t>
+            </a:r>
+            <a:endParaRPr lang="it-IT" sz="2000" dirty="0">
+              <a:latin typeface="TeX Gyre Cursor"/>
+            </a:endParaRPr>
+          </a:p>
+          <a:p>
+            <a:pPr marL="914400" lvl="1" indent="-457200">
+              <a:buFont typeface="+mj-lt"/>
+              <a:buAutoNum type="arabicPeriod"/>
+            </a:pPr>
+            <a:r>
+              <a:rPr lang="it-IT" sz="2000" dirty="0">
+                <a:latin typeface="TeX Gyre Cursor"/>
+              </a:rPr>
+              <a:t>Prova a costruire un 1-page book </a:t>
+            </a:r>
+            <a:r>
+              <a:rPr lang="it-IT" sz="2000" dirty="0" err="1">
+                <a:latin typeface="TeX Gyre Cursor"/>
+              </a:rPr>
+              <a:t>embedding</a:t>
+            </a:r>
+            <a:r>
+              <a:rPr lang="it-IT" sz="2000" dirty="0">
+                <a:latin typeface="TeX Gyre Cursor"/>
+              </a:rPr>
+              <a:t> dell’intero DAG</a:t>
+            </a:r>
+          </a:p>
+          <a:p>
+            <a:pPr marL="914400" lvl="1" indent="-457200">
+              <a:buFont typeface="+mj-lt"/>
+              <a:buAutoNum type="arabicPeriod"/>
+            </a:pPr>
+            <a:endParaRPr lang="it-IT" sz="2000" dirty="0">
+              <a:latin typeface="TeX Gyre Cursor"/>
+            </a:endParaRPr>
+          </a:p>
+          <a:p>
+            <a:pPr marL="914400" lvl="1" indent="-457200">
+              <a:buFont typeface="+mj-lt"/>
+              <a:buAutoNum type="arabicPeriod"/>
+            </a:pPr>
+            <a:endParaRPr lang="it-IT" sz="2000" dirty="0">
+              <a:latin typeface="TeX Gyre Cursor"/>
+            </a:endParaRPr>
+          </a:p>
+        </p:txBody>
+      </p:sp>
     </p:spTree>
     <p:extLst>
       <p:ext uri="{BB962C8B-B14F-4D97-AF65-F5344CB8AC3E}">
-        <p14:creationId xmlns:p14="http://schemas.microsoft.com/office/powerpoint/2010/main" val="456234082"/>
+        <p14:creationId xmlns:p14="http://schemas.microsoft.com/office/powerpoint/2010/main" val="4183343118"/>
+      </p:ext>
+    </p:extLst>
+  </p:cSld>
+  <p:clrMapOvr>
+    <a:masterClrMapping/>
+  </p:clrMapOvr>
+</p:sld>
+</file>
+
+<file path=ppt/slides/slide7.xml><?xml version="1.0" encoding="utf-8"?>
+<p:sld xmlns:a="http://schemas.openxmlformats.org/drawingml/2006/main" xmlns:r="http://schemas.openxmlformats.org/officeDocument/2006/relationships" xmlns:p="http://schemas.openxmlformats.org/presentationml/2006/main">
+  <p:cSld>
+    <p:spTree>
+      <p:nvGrpSpPr>
+        <p:cNvPr id="1" name=""/>
+        <p:cNvGrpSpPr/>
+        <p:nvPr/>
+      </p:nvGrpSpPr>
+      <p:grpSpPr>
+        <a:xfrm>
+          <a:off x="0" y="0"/>
+          <a:ext cx="0" cy="0"/>
+          <a:chOff x="0" y="0"/>
+          <a:chExt cx="0" cy="0"/>
+        </a:xfrm>
+      </p:grpSpPr>
+      <p:pic>
+        <p:nvPicPr>
+          <p:cNvPr id="40" name="Immagine 42"/>
+          <p:cNvPicPr/>
+          <p:nvPr/>
+        </p:nvPicPr>
+        <p:blipFill>
+          <a:blip r:embed="rId2"/>
+          <a:stretch/>
+        </p:blipFill>
+        <p:spPr>
+          <a:xfrm>
+            <a:off x="0" y="0"/>
+            <a:ext cx="1455276" cy="801045"/>
+          </a:xfrm>
+          <a:prstGeom prst="rect">
+            <a:avLst/>
+          </a:prstGeom>
+          <a:ln>
+            <a:noFill/>
+          </a:ln>
+        </p:spPr>
+      </p:pic>
+      <p:sp>
+        <p:nvSpPr>
+          <p:cNvPr id="2" name="Titolo 1">
+            <a:extLst>
+              <a:ext uri="{FF2B5EF4-FFF2-40B4-BE49-F238E27FC236}">
+                <a16:creationId xmlns:a16="http://schemas.microsoft.com/office/drawing/2014/main" id="{52AA3639-CF5B-EE61-DD4C-CEDC7A0140CC}"/>
+              </a:ext>
+            </a:extLst>
+          </p:cNvPr>
+          <p:cNvSpPr>
+            <a:spLocks noGrp="1"/>
+          </p:cNvSpPr>
+          <p:nvPr>
+            <p:ph type="title"/>
+          </p:nvPr>
+        </p:nvSpPr>
+        <p:spPr>
+          <a:xfrm>
+            <a:off x="1455276" y="0"/>
+            <a:ext cx="8625349" cy="801045"/>
+          </a:xfrm>
+        </p:spPr>
+        <p:txBody>
+          <a:bodyPr/>
+          <a:lstStyle/>
+          <a:p>
+            <a:pPr algn="ctr"/>
+            <a:r>
+              <a:rPr lang="it-IT" sz="3200" b="1" dirty="0">
+                <a:latin typeface="TeX Gyre Cursor"/>
+              </a:rPr>
+              <a:t>Algoritmo di Heath e </a:t>
+            </a:r>
+            <a:r>
+              <a:rPr lang="it-IT" sz="3200" b="1" dirty="0" err="1">
+                <a:latin typeface="TeX Gyre Cursor"/>
+              </a:rPr>
+              <a:t>Pemmaraju</a:t>
+            </a:r>
+            <a:r>
+              <a:rPr lang="it-IT" sz="3200" b="1" dirty="0">
+                <a:latin typeface="TeX Gyre Cursor"/>
+              </a:rPr>
+              <a:t>: fase 1</a:t>
+            </a:r>
+            <a:endParaRPr lang="it-IT" sz="3200" dirty="0"/>
+          </a:p>
+        </p:txBody>
+      </p:sp>
+      <p:sp>
+        <p:nvSpPr>
+          <p:cNvPr id="19" name="Rettangolo 18">
+            <a:extLst>
+              <a:ext uri="{FF2B5EF4-FFF2-40B4-BE49-F238E27FC236}">
+                <a16:creationId xmlns:a16="http://schemas.microsoft.com/office/drawing/2014/main" id="{27A0A061-A527-1863-2156-155AA134331C}"/>
+              </a:ext>
+            </a:extLst>
+          </p:cNvPr>
+          <p:cNvSpPr/>
+          <p:nvPr/>
+        </p:nvSpPr>
+        <p:spPr>
+          <a:xfrm>
+            <a:off x="0" y="5343979"/>
+            <a:ext cx="10080625" cy="326571"/>
+          </a:xfrm>
+          <a:prstGeom prst="rect">
+            <a:avLst/>
+          </a:prstGeom>
+          <a:solidFill>
+            <a:srgbClr val="062C56"/>
+          </a:solidFill>
+          <a:ln>
+            <a:noFill/>
+          </a:ln>
+        </p:spPr>
+        <p:style>
+          <a:lnRef idx="2">
+            <a:schemeClr val="accent1">
+              <a:shade val="15000"/>
+            </a:schemeClr>
+          </a:lnRef>
+          <a:fillRef idx="1">
+            <a:schemeClr val="accent1"/>
+          </a:fillRef>
+          <a:effectRef idx="0">
+            <a:schemeClr val="accent1"/>
+          </a:effectRef>
+          <a:fontRef idx="minor">
+            <a:schemeClr val="lt1"/>
+          </a:fontRef>
+        </p:style>
+        <p:txBody>
+          <a:bodyPr rtlCol="0" anchor="ctr"/>
+          <a:lstStyle/>
+          <a:p>
+            <a:pPr algn="ctr"/>
+            <a:r>
+              <a:rPr lang="it-IT" sz="1400" dirty="0">
+                <a:latin typeface="TeX Gyre Cursor"/>
+              </a:rPr>
+              <a:t>Enumerazione di 1-Page Book Embedding di Grafi Diretti Aciclici - Ivan Carlini</a:t>
+            </a:r>
+          </a:p>
+        </p:txBody>
+      </p:sp>
+      <p:sp>
+        <p:nvSpPr>
+          <p:cNvPr id="20" name="Rettangolo 19">
+            <a:extLst>
+              <a:ext uri="{FF2B5EF4-FFF2-40B4-BE49-F238E27FC236}">
+                <a16:creationId xmlns:a16="http://schemas.microsoft.com/office/drawing/2014/main" id="{396607E9-3F2D-16CB-C677-39126F093E3D}"/>
+              </a:ext>
+            </a:extLst>
+          </p:cNvPr>
+          <p:cNvSpPr/>
+          <p:nvPr/>
+        </p:nvSpPr>
+        <p:spPr>
+          <a:xfrm>
+            <a:off x="0" y="5308026"/>
+            <a:ext cx="10080625" cy="71906"/>
+          </a:xfrm>
+          <a:prstGeom prst="rect">
+            <a:avLst/>
+          </a:prstGeom>
+          <a:solidFill>
+            <a:srgbClr val="0A5898"/>
+          </a:solidFill>
+          <a:ln>
+            <a:noFill/>
+          </a:ln>
+        </p:spPr>
+        <p:style>
+          <a:lnRef idx="2">
+            <a:schemeClr val="accent1">
+              <a:shade val="15000"/>
+            </a:schemeClr>
+          </a:lnRef>
+          <a:fillRef idx="1">
+            <a:schemeClr val="accent1"/>
+          </a:fillRef>
+          <a:effectRef idx="0">
+            <a:schemeClr val="accent1"/>
+          </a:effectRef>
+          <a:fontRef idx="minor">
+            <a:schemeClr val="lt1"/>
+          </a:fontRef>
+        </p:style>
+        <p:txBody>
+          <a:bodyPr rtlCol="0" anchor="ctr"/>
+          <a:lstStyle/>
+          <a:p>
+            <a:pPr algn="ctr"/>
+            <a:endParaRPr lang="it-IT"/>
+          </a:p>
+        </p:txBody>
+      </p:sp>
+      <p:sp>
+        <p:nvSpPr>
+          <p:cNvPr id="3" name="CasellaDiTesto 2">
+            <a:extLst>
+              <a:ext uri="{FF2B5EF4-FFF2-40B4-BE49-F238E27FC236}">
+                <a16:creationId xmlns:a16="http://schemas.microsoft.com/office/drawing/2014/main" id="{7BABB1F0-55CB-2F8F-3D60-82FE75A5F98A}"/>
+              </a:ext>
+            </a:extLst>
+          </p:cNvPr>
+          <p:cNvSpPr txBox="1"/>
+          <p:nvPr/>
+        </p:nvSpPr>
+        <p:spPr>
+          <a:xfrm>
+            <a:off x="527409" y="1118386"/>
+            <a:ext cx="9025804" cy="1015663"/>
+          </a:xfrm>
+          <a:prstGeom prst="rect">
+            <a:avLst/>
+          </a:prstGeom>
+          <a:noFill/>
+        </p:spPr>
+        <p:txBody>
+          <a:bodyPr wrap="square" rtlCol="0">
+            <a:spAutoFit/>
+          </a:bodyPr>
+          <a:lstStyle/>
+          <a:p>
+            <a:pPr marL="800100" lvl="1" indent="-342900">
+              <a:buFont typeface="Arial" panose="020B0604020202020204" pitchFamily="34" charset="0"/>
+              <a:buChar char="•"/>
+            </a:pPr>
+            <a:r>
+              <a:rPr lang="it-IT" sz="2000" dirty="0">
+                <a:latin typeface="TeX Gyre Cursor"/>
+              </a:rPr>
+              <a:t>Verifica se ogni componente </a:t>
+            </a:r>
+            <a:r>
+              <a:rPr lang="it-IT" sz="2000" dirty="0" err="1">
+                <a:latin typeface="TeX Gyre Cursor"/>
+              </a:rPr>
+              <a:t>biconnessa</a:t>
+            </a:r>
+            <a:r>
+              <a:rPr lang="it-IT" sz="2000" dirty="0">
+                <a:latin typeface="TeX Gyre Cursor"/>
+              </a:rPr>
+              <a:t> del DAG ammette un 1-page book </a:t>
+            </a:r>
+            <a:r>
+              <a:rPr lang="it-IT" sz="2000" dirty="0" err="1">
+                <a:latin typeface="TeX Gyre Cursor"/>
+              </a:rPr>
+              <a:t>embedding</a:t>
+            </a:r>
+            <a:endParaRPr lang="it-IT" sz="2000" dirty="0">
+              <a:latin typeface="TeX Gyre Cursor"/>
+            </a:endParaRPr>
+          </a:p>
+          <a:p>
+            <a:pPr marL="914400" lvl="1" indent="-457200">
+              <a:buFont typeface="+mj-lt"/>
+              <a:buAutoNum type="arabicPeriod"/>
+            </a:pPr>
+            <a:endParaRPr lang="it-IT" sz="2000" dirty="0">
+              <a:latin typeface="TeX Gyre Cursor"/>
+            </a:endParaRPr>
+          </a:p>
+        </p:txBody>
+      </p:sp>
+      <p:pic>
+        <p:nvPicPr>
+          <p:cNvPr id="5" name="Immagine 4" descr="Immagine che contiene cerchio, diagramma, disegno, schizzo&#10;&#10;Descrizione generata automaticamente">
+            <a:extLst>
+              <a:ext uri="{FF2B5EF4-FFF2-40B4-BE49-F238E27FC236}">
+                <a16:creationId xmlns:a16="http://schemas.microsoft.com/office/drawing/2014/main" id="{A532D2B5-6AFF-D2F7-F270-9737445E0C80}"/>
+              </a:ext>
+            </a:extLst>
+          </p:cNvPr>
+          <p:cNvPicPr>
+            <a:picLocks noChangeAspect="1"/>
+          </p:cNvPicPr>
+          <p:nvPr/>
+        </p:nvPicPr>
+        <p:blipFill>
+          <a:blip r:embed="rId3">
+            <a:extLst>
+              <a:ext uri="{28A0092B-C50C-407E-A947-70E740481C1C}">
+                <a14:useLocalDpi xmlns:a14="http://schemas.microsoft.com/office/drawing/2010/main" val="0"/>
+              </a:ext>
+            </a:extLst>
+          </a:blip>
+          <a:stretch>
+            <a:fillRect/>
+          </a:stretch>
+        </p:blipFill>
+        <p:spPr>
+          <a:xfrm>
+            <a:off x="3183625" y="2026590"/>
+            <a:ext cx="3713372" cy="3019824"/>
+          </a:xfrm>
+          <a:prstGeom prst="rect">
+            <a:avLst/>
+          </a:prstGeom>
+        </p:spPr>
+      </p:pic>
+    </p:spTree>
+    <p:extLst>
+      <p:ext uri="{BB962C8B-B14F-4D97-AF65-F5344CB8AC3E}">
+        <p14:creationId xmlns:p14="http://schemas.microsoft.com/office/powerpoint/2010/main" val="3461268483"/>
+      </p:ext>
+    </p:extLst>
+  </p:cSld>
+  <p:clrMapOvr>
+    <a:masterClrMapping/>
+  </p:clrMapOvr>
+</p:sld>
+</file>
+
+<file path=ppt/slides/slide8.xml><?xml version="1.0" encoding="utf-8"?>
+<p:sld xmlns:a="http://schemas.openxmlformats.org/drawingml/2006/main" xmlns:r="http://schemas.openxmlformats.org/officeDocument/2006/relationships" xmlns:p="http://schemas.openxmlformats.org/presentationml/2006/main" show="0">
+  <p:cSld>
+    <p:spTree>
+      <p:nvGrpSpPr>
+        <p:cNvPr id="1" name=""/>
+        <p:cNvGrpSpPr/>
+        <p:nvPr/>
+      </p:nvGrpSpPr>
+      <p:grpSpPr>
+        <a:xfrm>
+          <a:off x="0" y="0"/>
+          <a:ext cx="0" cy="0"/>
+          <a:chOff x="0" y="0"/>
+          <a:chExt cx="0" cy="0"/>
+        </a:xfrm>
+      </p:grpSpPr>
+      <p:pic>
+        <p:nvPicPr>
+          <p:cNvPr id="40" name="Immagine 42"/>
+          <p:cNvPicPr/>
+          <p:nvPr/>
+        </p:nvPicPr>
+        <p:blipFill>
+          <a:blip r:embed="rId2"/>
+          <a:stretch/>
+        </p:blipFill>
+        <p:spPr>
+          <a:xfrm>
+            <a:off x="0" y="0"/>
+            <a:ext cx="1455276" cy="801045"/>
+          </a:xfrm>
+          <a:prstGeom prst="rect">
+            <a:avLst/>
+          </a:prstGeom>
+          <a:ln>
+            <a:noFill/>
+          </a:ln>
+        </p:spPr>
+      </p:pic>
+      <p:sp>
+        <p:nvSpPr>
+          <p:cNvPr id="2" name="Titolo 1">
+            <a:extLst>
+              <a:ext uri="{FF2B5EF4-FFF2-40B4-BE49-F238E27FC236}">
+                <a16:creationId xmlns:a16="http://schemas.microsoft.com/office/drawing/2014/main" id="{52AA3639-CF5B-EE61-DD4C-CEDC7A0140CC}"/>
+              </a:ext>
+            </a:extLst>
+          </p:cNvPr>
+          <p:cNvSpPr>
+            <a:spLocks noGrp="1"/>
+          </p:cNvSpPr>
+          <p:nvPr>
+            <p:ph type="title"/>
+          </p:nvPr>
+        </p:nvSpPr>
+        <p:spPr>
+          <a:xfrm>
+            <a:off x="1455276" y="0"/>
+            <a:ext cx="8625349" cy="801045"/>
+          </a:xfrm>
+        </p:spPr>
+        <p:txBody>
+          <a:bodyPr/>
+          <a:lstStyle/>
+          <a:p>
+            <a:pPr algn="ctr"/>
+            <a:r>
+              <a:rPr lang="it-IT" sz="3200" b="1" dirty="0">
+                <a:latin typeface="TeX Gyre Cursor"/>
+              </a:rPr>
+              <a:t>Algoritmo di Heath e </a:t>
+            </a:r>
+            <a:r>
+              <a:rPr lang="it-IT" sz="3200" b="1" dirty="0" err="1">
+                <a:latin typeface="TeX Gyre Cursor"/>
+              </a:rPr>
+              <a:t>Pemmaraju</a:t>
+            </a:r>
+            <a:r>
+              <a:rPr lang="it-IT" sz="3200" b="1" dirty="0">
+                <a:latin typeface="TeX Gyre Cursor"/>
+              </a:rPr>
+              <a:t>: fase 1</a:t>
+            </a:r>
+            <a:endParaRPr lang="it-IT" sz="3200" dirty="0"/>
+          </a:p>
+        </p:txBody>
+      </p:sp>
+      <p:sp>
+        <p:nvSpPr>
+          <p:cNvPr id="19" name="Rettangolo 18">
+            <a:extLst>
+              <a:ext uri="{FF2B5EF4-FFF2-40B4-BE49-F238E27FC236}">
+                <a16:creationId xmlns:a16="http://schemas.microsoft.com/office/drawing/2014/main" id="{27A0A061-A527-1863-2156-155AA134331C}"/>
+              </a:ext>
+            </a:extLst>
+          </p:cNvPr>
+          <p:cNvSpPr/>
+          <p:nvPr/>
+        </p:nvSpPr>
+        <p:spPr>
+          <a:xfrm>
+            <a:off x="0" y="5343979"/>
+            <a:ext cx="10080625" cy="326571"/>
+          </a:xfrm>
+          <a:prstGeom prst="rect">
+            <a:avLst/>
+          </a:prstGeom>
+          <a:solidFill>
+            <a:srgbClr val="062C56"/>
+          </a:solidFill>
+          <a:ln>
+            <a:noFill/>
+          </a:ln>
+        </p:spPr>
+        <p:style>
+          <a:lnRef idx="2">
+            <a:schemeClr val="accent1">
+              <a:shade val="15000"/>
+            </a:schemeClr>
+          </a:lnRef>
+          <a:fillRef idx="1">
+            <a:schemeClr val="accent1"/>
+          </a:fillRef>
+          <a:effectRef idx="0">
+            <a:schemeClr val="accent1"/>
+          </a:effectRef>
+          <a:fontRef idx="minor">
+            <a:schemeClr val="lt1"/>
+          </a:fontRef>
+        </p:style>
+        <p:txBody>
+          <a:bodyPr rtlCol="0" anchor="ctr"/>
+          <a:lstStyle/>
+          <a:p>
+            <a:pPr algn="ctr"/>
+            <a:r>
+              <a:rPr lang="it-IT" sz="1400" dirty="0">
+                <a:latin typeface="TeX Gyre Cursor"/>
+              </a:rPr>
+              <a:t>Enumerazione di 1-Page Book Embedding di Grafi Diretti Aciclici - Ivan Carlini</a:t>
+            </a:r>
+          </a:p>
+        </p:txBody>
+      </p:sp>
+      <p:sp>
+        <p:nvSpPr>
+          <p:cNvPr id="20" name="Rettangolo 19">
+            <a:extLst>
+              <a:ext uri="{FF2B5EF4-FFF2-40B4-BE49-F238E27FC236}">
+                <a16:creationId xmlns:a16="http://schemas.microsoft.com/office/drawing/2014/main" id="{396607E9-3F2D-16CB-C677-39126F093E3D}"/>
+              </a:ext>
+            </a:extLst>
+          </p:cNvPr>
+          <p:cNvSpPr/>
+          <p:nvPr/>
+        </p:nvSpPr>
+        <p:spPr>
+          <a:xfrm>
+            <a:off x="0" y="5308026"/>
+            <a:ext cx="10080625" cy="71906"/>
+          </a:xfrm>
+          <a:prstGeom prst="rect">
+            <a:avLst/>
+          </a:prstGeom>
+          <a:solidFill>
+            <a:srgbClr val="0A5898"/>
+          </a:solidFill>
+          <a:ln>
+            <a:noFill/>
+          </a:ln>
+        </p:spPr>
+        <p:style>
+          <a:lnRef idx="2">
+            <a:schemeClr val="accent1">
+              <a:shade val="15000"/>
+            </a:schemeClr>
+          </a:lnRef>
+          <a:fillRef idx="1">
+            <a:schemeClr val="accent1"/>
+          </a:fillRef>
+          <a:effectRef idx="0">
+            <a:schemeClr val="accent1"/>
+          </a:effectRef>
+          <a:fontRef idx="minor">
+            <a:schemeClr val="lt1"/>
+          </a:fontRef>
+        </p:style>
+        <p:txBody>
+          <a:bodyPr rtlCol="0" anchor="ctr"/>
+          <a:lstStyle/>
+          <a:p>
+            <a:pPr algn="ctr"/>
+            <a:endParaRPr lang="it-IT"/>
+          </a:p>
+        </p:txBody>
+      </p:sp>
+      <p:sp>
+        <p:nvSpPr>
+          <p:cNvPr id="3" name="CasellaDiTesto 2">
+            <a:extLst>
+              <a:ext uri="{FF2B5EF4-FFF2-40B4-BE49-F238E27FC236}">
+                <a16:creationId xmlns:a16="http://schemas.microsoft.com/office/drawing/2014/main" id="{7BABB1F0-55CB-2F8F-3D60-82FE75A5F98A}"/>
+              </a:ext>
+            </a:extLst>
+          </p:cNvPr>
+          <p:cNvSpPr txBox="1"/>
+          <p:nvPr/>
+        </p:nvSpPr>
+        <p:spPr>
+          <a:xfrm>
+            <a:off x="527409" y="1118386"/>
+            <a:ext cx="9025804" cy="1323439"/>
+          </a:xfrm>
+          <a:prstGeom prst="rect">
+            <a:avLst/>
+          </a:prstGeom>
+          <a:noFill/>
+        </p:spPr>
+        <p:txBody>
+          <a:bodyPr wrap="square" rtlCol="0">
+            <a:spAutoFit/>
+          </a:bodyPr>
+          <a:lstStyle/>
+          <a:p>
+            <a:pPr marL="800100" lvl="1" indent="-342900">
+              <a:buFont typeface="Arial" panose="020B0604020202020204" pitchFamily="34" charset="0"/>
+              <a:buChar char="•"/>
+            </a:pPr>
+            <a:r>
+              <a:rPr lang="it-IT" sz="2000" dirty="0">
+                <a:latin typeface="TeX Gyre Cursor"/>
+              </a:rPr>
+              <a:t>Ogni componente </a:t>
+            </a:r>
+            <a:r>
+              <a:rPr lang="it-IT" sz="2000" dirty="0" err="1">
+                <a:latin typeface="TeX Gyre Cursor"/>
+              </a:rPr>
+              <a:t>biconnessa</a:t>
+            </a:r>
+            <a:r>
+              <a:rPr lang="it-IT" sz="2000" dirty="0">
+                <a:latin typeface="TeX Gyre Cursor"/>
+              </a:rPr>
+              <a:t> deve essere </a:t>
+            </a:r>
+            <a:r>
+              <a:rPr lang="it-IT" sz="2000" dirty="0" err="1">
+                <a:latin typeface="TeX Gyre Cursor"/>
+              </a:rPr>
+              <a:t>outerplanare</a:t>
+            </a:r>
+            <a:r>
+              <a:rPr lang="it-IT" sz="2000" dirty="0">
+                <a:latin typeface="TeX Gyre Cursor"/>
+              </a:rPr>
+              <a:t> e deve contenere un cammino Hamiltoniano che attraversa la </a:t>
+            </a:r>
+            <a:r>
+              <a:rPr lang="it-IT" sz="2000" dirty="0" err="1">
+                <a:latin typeface="TeX Gyre Cursor"/>
+              </a:rPr>
+              <a:t>outer</a:t>
+            </a:r>
+            <a:r>
+              <a:rPr lang="it-IT" sz="2000" dirty="0">
+                <a:latin typeface="TeX Gyre Cursor"/>
+              </a:rPr>
+              <a:t> face di un suo </a:t>
+            </a:r>
+            <a:r>
+              <a:rPr lang="it-IT" sz="2000" dirty="0" err="1">
+                <a:latin typeface="TeX Gyre Cursor"/>
+              </a:rPr>
+              <a:t>embedding</a:t>
+            </a:r>
+            <a:r>
+              <a:rPr lang="it-IT" sz="2000" dirty="0">
+                <a:latin typeface="TeX Gyre Cursor"/>
+              </a:rPr>
+              <a:t> </a:t>
+            </a:r>
+            <a:r>
+              <a:rPr lang="it-IT" sz="2000" dirty="0" err="1">
+                <a:latin typeface="TeX Gyre Cursor"/>
+              </a:rPr>
+              <a:t>outerplanare</a:t>
+            </a:r>
+            <a:endParaRPr lang="it-IT" sz="2000" dirty="0">
+              <a:latin typeface="TeX Gyre Cursor"/>
+            </a:endParaRPr>
+          </a:p>
+          <a:p>
+            <a:pPr marL="914400" lvl="1" indent="-457200">
+              <a:buFont typeface="+mj-lt"/>
+              <a:buAutoNum type="arabicPeriod"/>
+            </a:pPr>
+            <a:endParaRPr lang="it-IT" sz="2000" dirty="0">
+              <a:latin typeface="TeX Gyre Cursor"/>
+            </a:endParaRPr>
+          </a:p>
+        </p:txBody>
+      </p:sp>
+      <p:pic>
+        <p:nvPicPr>
+          <p:cNvPr id="6" name="Immagine 5" descr="Immagine che contiene diagramma, cerchio, linea&#10;&#10;Descrizione generata automaticamente">
+            <a:extLst>
+              <a:ext uri="{FF2B5EF4-FFF2-40B4-BE49-F238E27FC236}">
+                <a16:creationId xmlns:a16="http://schemas.microsoft.com/office/drawing/2014/main" id="{A311B99D-D354-9328-E0CB-5E1003B944F9}"/>
+              </a:ext>
+            </a:extLst>
+          </p:cNvPr>
+          <p:cNvPicPr>
+            <a:picLocks noChangeAspect="1"/>
+          </p:cNvPicPr>
+          <p:nvPr/>
+        </p:nvPicPr>
+        <p:blipFill>
+          <a:blip r:embed="rId3">
+            <a:extLst>
+              <a:ext uri="{28A0092B-C50C-407E-A947-70E740481C1C}">
+                <a14:useLocalDpi xmlns:a14="http://schemas.microsoft.com/office/drawing/2010/main" val="0"/>
+              </a:ext>
+            </a:extLst>
+          </a:blip>
+          <a:stretch>
+            <a:fillRect/>
+          </a:stretch>
+        </p:blipFill>
+        <p:spPr>
+          <a:xfrm>
+            <a:off x="2911147" y="2144944"/>
+            <a:ext cx="4258330" cy="3044603"/>
+          </a:xfrm>
+          <a:prstGeom prst="rect">
+            <a:avLst/>
+          </a:prstGeom>
+        </p:spPr>
+      </p:pic>
+    </p:spTree>
+    <p:extLst>
+      <p:ext uri="{BB962C8B-B14F-4D97-AF65-F5344CB8AC3E}">
+        <p14:creationId xmlns:p14="http://schemas.microsoft.com/office/powerpoint/2010/main" val="3080334902"/>
+      </p:ext>
+    </p:extLst>
+  </p:cSld>
+  <p:clrMapOvr>
+    <a:masterClrMapping/>
+  </p:clrMapOvr>
+</p:sld>
+</file>
+
+<file path=ppt/slides/slide9.xml><?xml version="1.0" encoding="utf-8"?>
+<p:sld xmlns:a="http://schemas.openxmlformats.org/drawingml/2006/main" xmlns:r="http://schemas.openxmlformats.org/officeDocument/2006/relationships" xmlns:p="http://schemas.openxmlformats.org/presentationml/2006/main">
+  <p:cSld>
+    <p:spTree>
+      <p:nvGrpSpPr>
+        <p:cNvPr id="1" name=""/>
+        <p:cNvGrpSpPr/>
+        <p:nvPr/>
+      </p:nvGrpSpPr>
+      <p:grpSpPr>
+        <a:xfrm>
+          <a:off x="0" y="0"/>
+          <a:ext cx="0" cy="0"/>
+          <a:chOff x="0" y="0"/>
+          <a:chExt cx="0" cy="0"/>
+        </a:xfrm>
+      </p:grpSpPr>
+      <p:pic>
+        <p:nvPicPr>
+          <p:cNvPr id="10" name="Immagine 9" descr="Immagine che contiene disegno, schizzo, cerchio, diagramma&#10;&#10;Descrizione generata automaticamente">
+            <a:extLst>
+              <a:ext uri="{FF2B5EF4-FFF2-40B4-BE49-F238E27FC236}">
+                <a16:creationId xmlns:a16="http://schemas.microsoft.com/office/drawing/2014/main" id="{259BE0E1-46BB-CDB6-4326-56F7308EF7EB}"/>
+              </a:ext>
+            </a:extLst>
+          </p:cNvPr>
+          <p:cNvPicPr>
+            <a:picLocks noChangeAspect="1"/>
+          </p:cNvPicPr>
+          <p:nvPr/>
+        </p:nvPicPr>
+        <p:blipFill>
+          <a:blip r:embed="rId2">
+            <a:extLst>
+              <a:ext uri="{28A0092B-C50C-407E-A947-70E740481C1C}">
+                <a14:useLocalDpi xmlns:a14="http://schemas.microsoft.com/office/drawing/2010/main" val="0"/>
+              </a:ext>
+            </a:extLst>
+          </a:blip>
+          <a:stretch>
+            <a:fillRect/>
+          </a:stretch>
+        </p:blipFill>
+        <p:spPr>
+          <a:xfrm>
+            <a:off x="100359" y="1544623"/>
+            <a:ext cx="3713372" cy="3019824"/>
+          </a:xfrm>
+          <a:prstGeom prst="rect">
+            <a:avLst/>
+          </a:prstGeom>
+        </p:spPr>
+      </p:pic>
+      <p:pic>
+        <p:nvPicPr>
+          <p:cNvPr id="40" name="Immagine 42"/>
+          <p:cNvPicPr/>
+          <p:nvPr/>
+        </p:nvPicPr>
+        <p:blipFill>
+          <a:blip r:embed="rId3"/>
+          <a:stretch/>
+        </p:blipFill>
+        <p:spPr>
+          <a:xfrm>
+            <a:off x="0" y="0"/>
+            <a:ext cx="1455276" cy="801045"/>
+          </a:xfrm>
+          <a:prstGeom prst="rect">
+            <a:avLst/>
+          </a:prstGeom>
+          <a:ln>
+            <a:noFill/>
+          </a:ln>
+        </p:spPr>
+      </p:pic>
+      <p:sp>
+        <p:nvSpPr>
+          <p:cNvPr id="2" name="Titolo 1">
+            <a:extLst>
+              <a:ext uri="{FF2B5EF4-FFF2-40B4-BE49-F238E27FC236}">
+                <a16:creationId xmlns:a16="http://schemas.microsoft.com/office/drawing/2014/main" id="{52AA3639-CF5B-EE61-DD4C-CEDC7A0140CC}"/>
+              </a:ext>
+            </a:extLst>
+          </p:cNvPr>
+          <p:cNvSpPr>
+            <a:spLocks noGrp="1"/>
+          </p:cNvSpPr>
+          <p:nvPr>
+            <p:ph type="title"/>
+          </p:nvPr>
+        </p:nvSpPr>
+        <p:spPr>
+          <a:xfrm>
+            <a:off x="1455276" y="0"/>
+            <a:ext cx="8625349" cy="801045"/>
+          </a:xfrm>
+        </p:spPr>
+        <p:txBody>
+          <a:bodyPr/>
+          <a:lstStyle/>
+          <a:p>
+            <a:pPr algn="ctr"/>
+            <a:r>
+              <a:rPr lang="it-IT" sz="3200" b="1" dirty="0">
+                <a:latin typeface="TeX Gyre Cursor"/>
+              </a:rPr>
+              <a:t>Algoritmo di Heath e </a:t>
+            </a:r>
+            <a:r>
+              <a:rPr lang="it-IT" sz="3200" b="1" dirty="0" err="1">
+                <a:latin typeface="TeX Gyre Cursor"/>
+              </a:rPr>
+              <a:t>Pemmaraju</a:t>
+            </a:r>
+            <a:r>
+              <a:rPr lang="it-IT" sz="3200" b="1" dirty="0">
+                <a:latin typeface="TeX Gyre Cursor"/>
+              </a:rPr>
+              <a:t>: fase 1</a:t>
+            </a:r>
+            <a:endParaRPr lang="it-IT" sz="3200" dirty="0"/>
+          </a:p>
+        </p:txBody>
+      </p:sp>
+      <p:sp>
+        <p:nvSpPr>
+          <p:cNvPr id="19" name="Rettangolo 18">
+            <a:extLst>
+              <a:ext uri="{FF2B5EF4-FFF2-40B4-BE49-F238E27FC236}">
+                <a16:creationId xmlns:a16="http://schemas.microsoft.com/office/drawing/2014/main" id="{27A0A061-A527-1863-2156-155AA134331C}"/>
+              </a:ext>
+            </a:extLst>
+          </p:cNvPr>
+          <p:cNvSpPr/>
+          <p:nvPr/>
+        </p:nvSpPr>
+        <p:spPr>
+          <a:xfrm>
+            <a:off x="0" y="5343979"/>
+            <a:ext cx="10080625" cy="326571"/>
+          </a:xfrm>
+          <a:prstGeom prst="rect">
+            <a:avLst/>
+          </a:prstGeom>
+          <a:solidFill>
+            <a:srgbClr val="062C56"/>
+          </a:solidFill>
+          <a:ln>
+            <a:noFill/>
+          </a:ln>
+        </p:spPr>
+        <p:style>
+          <a:lnRef idx="2">
+            <a:schemeClr val="accent1">
+              <a:shade val="15000"/>
+            </a:schemeClr>
+          </a:lnRef>
+          <a:fillRef idx="1">
+            <a:schemeClr val="accent1"/>
+          </a:fillRef>
+          <a:effectRef idx="0">
+            <a:schemeClr val="accent1"/>
+          </a:effectRef>
+          <a:fontRef idx="minor">
+            <a:schemeClr val="lt1"/>
+          </a:fontRef>
+        </p:style>
+        <p:txBody>
+          <a:bodyPr rtlCol="0" anchor="ctr"/>
+          <a:lstStyle/>
+          <a:p>
+            <a:pPr algn="ctr"/>
+            <a:r>
+              <a:rPr lang="it-IT" sz="1400" dirty="0">
+                <a:latin typeface="TeX Gyre Cursor"/>
+              </a:rPr>
+              <a:t>Enumerazione di 1-Page Book Embedding di Grafi Diretti Aciclici - Ivan Carlini</a:t>
+            </a:r>
+          </a:p>
+        </p:txBody>
+      </p:sp>
+      <p:sp>
+        <p:nvSpPr>
+          <p:cNvPr id="20" name="Rettangolo 19">
+            <a:extLst>
+              <a:ext uri="{FF2B5EF4-FFF2-40B4-BE49-F238E27FC236}">
+                <a16:creationId xmlns:a16="http://schemas.microsoft.com/office/drawing/2014/main" id="{396607E9-3F2D-16CB-C677-39126F093E3D}"/>
+              </a:ext>
+            </a:extLst>
+          </p:cNvPr>
+          <p:cNvSpPr/>
+          <p:nvPr/>
+        </p:nvSpPr>
+        <p:spPr>
+          <a:xfrm>
+            <a:off x="0" y="5308026"/>
+            <a:ext cx="10080625" cy="71906"/>
+          </a:xfrm>
+          <a:prstGeom prst="rect">
+            <a:avLst/>
+          </a:prstGeom>
+          <a:solidFill>
+            <a:srgbClr val="0A5898"/>
+          </a:solidFill>
+          <a:ln>
+            <a:noFill/>
+          </a:ln>
+        </p:spPr>
+        <p:style>
+          <a:lnRef idx="2">
+            <a:schemeClr val="accent1">
+              <a:shade val="15000"/>
+            </a:schemeClr>
+          </a:lnRef>
+          <a:fillRef idx="1">
+            <a:schemeClr val="accent1"/>
+          </a:fillRef>
+          <a:effectRef idx="0">
+            <a:schemeClr val="accent1"/>
+          </a:effectRef>
+          <a:fontRef idx="minor">
+            <a:schemeClr val="lt1"/>
+          </a:fontRef>
+        </p:style>
+        <p:txBody>
+          <a:bodyPr rtlCol="0" anchor="ctr"/>
+          <a:lstStyle/>
+          <a:p>
+            <a:pPr algn="ctr"/>
+            <a:endParaRPr lang="it-IT"/>
+          </a:p>
+        </p:txBody>
+      </p:sp>
+      <p:sp>
+        <p:nvSpPr>
+          <p:cNvPr id="5" name="Freccia a destra 4">
+            <a:extLst>
+              <a:ext uri="{FF2B5EF4-FFF2-40B4-BE49-F238E27FC236}">
+                <a16:creationId xmlns:a16="http://schemas.microsoft.com/office/drawing/2014/main" id="{EE9908AF-B2AA-092A-88C5-8190C266252C}"/>
+              </a:ext>
+            </a:extLst>
+          </p:cNvPr>
+          <p:cNvSpPr/>
+          <p:nvPr/>
+        </p:nvSpPr>
+        <p:spPr>
+          <a:xfrm>
+            <a:off x="3971122" y="2506437"/>
+            <a:ext cx="599583" cy="657674"/>
+          </a:xfrm>
+          <a:prstGeom prst="rightArrow">
+            <a:avLst>
+              <a:gd name="adj1" fmla="val 32938"/>
+              <a:gd name="adj2" fmla="val 50000"/>
+            </a:avLst>
+          </a:prstGeom>
+          <a:solidFill>
+            <a:srgbClr val="0A5898"/>
+          </a:solidFill>
+          <a:ln>
+            <a:solidFill>
+              <a:schemeClr val="tx1"/>
+            </a:solidFill>
+          </a:ln>
+        </p:spPr>
+        <p:style>
+          <a:lnRef idx="2">
+            <a:schemeClr val="accent1">
+              <a:shade val="15000"/>
+            </a:schemeClr>
+          </a:lnRef>
+          <a:fillRef idx="1">
+            <a:schemeClr val="accent1"/>
+          </a:fillRef>
+          <a:effectRef idx="0">
+            <a:schemeClr val="accent1"/>
+          </a:effectRef>
+          <a:fontRef idx="minor">
+            <a:schemeClr val="lt1"/>
+          </a:fontRef>
+        </p:style>
+        <p:txBody>
+          <a:bodyPr rtlCol="0" anchor="ctr"/>
+          <a:lstStyle/>
+          <a:p>
+            <a:pPr algn="ctr"/>
+            <a:endParaRPr lang="it-IT"/>
+          </a:p>
+        </p:txBody>
+      </p:sp>
+      <p:pic>
+        <p:nvPicPr>
+          <p:cNvPr id="8" name="Immagine 7" descr="Immagine che contiene disegno, schizzo, cerchio, cartone animato&#10;&#10;Descrizione generata automaticamente">
+            <a:extLst>
+              <a:ext uri="{FF2B5EF4-FFF2-40B4-BE49-F238E27FC236}">
+                <a16:creationId xmlns:a16="http://schemas.microsoft.com/office/drawing/2014/main" id="{59B08FFE-EC53-4970-0E16-48AA2625D400}"/>
+              </a:ext>
+            </a:extLst>
+          </p:cNvPr>
+          <p:cNvPicPr>
+            <a:picLocks noChangeAspect="1"/>
+          </p:cNvPicPr>
+          <p:nvPr/>
+        </p:nvPicPr>
+        <p:blipFill>
+          <a:blip r:embed="rId4">
+            <a:extLst>
+              <a:ext uri="{28A0092B-C50C-407E-A947-70E740481C1C}">
+                <a14:useLocalDpi xmlns:a14="http://schemas.microsoft.com/office/drawing/2010/main" val="0"/>
+              </a:ext>
+            </a:extLst>
+          </a:blip>
+          <a:stretch>
+            <a:fillRect/>
+          </a:stretch>
+        </p:blipFill>
+        <p:spPr>
+          <a:xfrm>
+            <a:off x="4921680" y="1396833"/>
+            <a:ext cx="4849554" cy="3096254"/>
+          </a:xfrm>
+          <a:prstGeom prst="rect">
+            <a:avLst/>
+          </a:prstGeom>
+        </p:spPr>
+      </p:pic>
+    </p:spTree>
+    <p:extLst>
+      <p:ext uri="{BB962C8B-B14F-4D97-AF65-F5344CB8AC3E}">
+        <p14:creationId xmlns:p14="http://schemas.microsoft.com/office/powerpoint/2010/main" val="441323574"/>
       </p:ext>
     </p:extLst>
   </p:cSld>
@@ -4101,12 +7406,9 @@
 </file>
 
 <file path=customXml/item1.xml><?xml version="1.0" encoding="utf-8"?>
-<?mso-contentType ?>
-<FormTemplates xmlns="http://schemas.microsoft.com/sharepoint/v3/contenttype/forms">
-  <Display>DocumentLibraryForm</Display>
-  <Edit>DocumentLibraryForm</Edit>
-  <New>DocumentLibraryForm</New>
-</FormTemplates>
+<p:properties xmlns:p="http://schemas.microsoft.com/office/2006/metadata/properties" xmlns:xsi="http://www.w3.org/2001/XMLSchema-instance" xmlns:pc="http://schemas.microsoft.com/office/infopath/2007/PartnerControls">
+  <documentManagement/>
+</p:properties>
 </file>
 
 <file path=customXml/item2.xml><?xml version="1.0" encoding="utf-8"?>
@@ -4299,15 +7601,27 @@
 </file>
 
 <file path=customXml/item3.xml><?xml version="1.0" encoding="utf-8"?>
-<p:properties xmlns:p="http://schemas.microsoft.com/office/2006/metadata/properties" xmlns:xsi="http://www.w3.org/2001/XMLSchema-instance" xmlns:pc="http://schemas.microsoft.com/office/infopath/2007/PartnerControls">
-  <documentManagement/>
-</p:properties>
+<?mso-contentType ?>
+<FormTemplates xmlns="http://schemas.microsoft.com/sharepoint/v3/contenttype/forms">
+  <Display>DocumentLibraryForm</Display>
+  <Edit>DocumentLibraryForm</Edit>
+  <New>DocumentLibraryForm</New>
+</FormTemplates>
 </file>
 
 <file path=customXml/itemProps1.xml><?xml version="1.0" encoding="utf-8"?>
-<ds:datastoreItem xmlns:ds="http://schemas.openxmlformats.org/officeDocument/2006/customXml" ds:itemID="{B0E49FA3-402E-4649-B24F-B0ECF50FD8FF}">
+<ds:datastoreItem xmlns:ds="http://schemas.openxmlformats.org/officeDocument/2006/customXml" ds:itemID="{8A345D12-53A4-4083-9E18-7AF0C28962D0}">
   <ds:schemaRefs>
-    <ds:schemaRef ds:uri="http://schemas.microsoft.com/sharepoint/v3/contenttype/forms"/>
+    <ds:schemaRef ds:uri="c8d8867b-9144-4820-a959-3365945bb6b6"/>
+    <ds:schemaRef ds:uri="http://schemas.microsoft.com/office/2006/metadata/properties"/>
+    <ds:schemaRef ds:uri="http://schemas.openxmlformats.org/package/2006/metadata/core-properties"/>
+    <ds:schemaRef ds:uri="b7d7a78c-ebd1-4b8e-b94b-7acbb09560d1"/>
+    <ds:schemaRef ds:uri="http://schemas.microsoft.com/office/infopath/2007/PartnerControls"/>
+    <ds:schemaRef ds:uri="http://schemas.microsoft.com/office/2006/documentManagement/types"/>
+    <ds:schemaRef ds:uri="http://purl.org/dc/dcmitype/"/>
+    <ds:schemaRef ds:uri="http://www.w3.org/XML/1998/namespace"/>
+    <ds:schemaRef ds:uri="http://purl.org/dc/terms/"/>
+    <ds:schemaRef ds:uri="http://purl.org/dc/elements/1.1/"/>
   </ds:schemaRefs>
 </ds:datastoreItem>
 </file>
@@ -4332,18 +7646,9 @@
 </file>
 
 <file path=customXml/itemProps3.xml><?xml version="1.0" encoding="utf-8"?>
-<ds:datastoreItem xmlns:ds="http://schemas.openxmlformats.org/officeDocument/2006/customXml" ds:itemID="{8A345D12-53A4-4083-9E18-7AF0C28962D0}">
+<ds:datastoreItem xmlns:ds="http://schemas.openxmlformats.org/officeDocument/2006/customXml" ds:itemID="{B0E49FA3-402E-4649-B24F-B0ECF50FD8FF}">
   <ds:schemaRefs>
-    <ds:schemaRef ds:uri="c8d8867b-9144-4820-a959-3365945bb6b6"/>
-    <ds:schemaRef ds:uri="http://schemas.microsoft.com/office/2006/metadata/properties"/>
-    <ds:schemaRef ds:uri="http://schemas.openxmlformats.org/package/2006/metadata/core-properties"/>
-    <ds:schemaRef ds:uri="b7d7a78c-ebd1-4b8e-b94b-7acbb09560d1"/>
-    <ds:schemaRef ds:uri="http://schemas.microsoft.com/office/infopath/2007/PartnerControls"/>
-    <ds:schemaRef ds:uri="http://schemas.microsoft.com/office/2006/documentManagement/types"/>
-    <ds:schemaRef ds:uri="http://purl.org/dc/dcmitype/"/>
-    <ds:schemaRef ds:uri="http://www.w3.org/XML/1998/namespace"/>
-    <ds:schemaRef ds:uri="http://purl.org/dc/terms/"/>
-    <ds:schemaRef ds:uri="http://purl.org/dc/elements/1.1/"/>
+    <ds:schemaRef ds:uri="http://schemas.microsoft.com/sharepoint/v3/contenttype/forms"/>
   </ds:schemaRefs>
 </ds:datastoreItem>
 </file>
--- a/slides.pptx
+++ b/slides.pptx
@@ -3099,8 +3099,8 @@
           </a:p>
         </p:txBody>
       </p:sp>
-      <mc:AlternateContent xmlns:mc="http://schemas.openxmlformats.org/markup-compatibility/2006">
-        <mc:Choice xmlns:a14="http://schemas.microsoft.com/office/drawing/2010/main" Requires="a14">
+      <mc:AlternateContent xmlns:mc="http://schemas.openxmlformats.org/markup-compatibility/2006" xmlns:a14="http://schemas.microsoft.com/office/drawing/2010/main">
+        <mc:Choice Requires="a14">
           <p:sp>
             <p:nvSpPr>
               <p:cNvPr id="6" name="CasellaDiTesto 5">
@@ -3560,7 +3560,7 @@
             </p:txBody>
           </p:sp>
         </mc:Choice>
-        <mc:Fallback>
+        <mc:Fallback xmlns="">
           <p:sp>
             <p:nvSpPr>
               <p:cNvPr id="6" name="CasellaDiTesto 5">
@@ -13473,8 +13473,8 @@
           </a:p>
         </p:txBody>
       </p:sp>
-      <mc:AlternateContent xmlns:mc="http://schemas.openxmlformats.org/markup-compatibility/2006">
-        <mc:Choice xmlns:a14="http://schemas.microsoft.com/office/drawing/2010/main" Requires="a14">
+      <mc:AlternateContent xmlns:mc="http://schemas.openxmlformats.org/markup-compatibility/2006" xmlns:a14="http://schemas.microsoft.com/office/drawing/2010/main">
+        <mc:Choice Requires="a14">
           <p:sp>
             <p:nvSpPr>
               <p:cNvPr id="4" name="CasellaDiTesto 3">
@@ -13630,7 +13630,7 @@
             </p:txBody>
           </p:sp>
         </mc:Choice>
-        <mc:Fallback>
+        <mc:Fallback xmlns="">
           <p:sp>
             <p:nvSpPr>
               <p:cNvPr id="4" name="CasellaDiTesto 3">
@@ -13921,8 +13921,8 @@
           </a:p>
         </p:txBody>
       </p:sp>
-      <mc:AlternateContent xmlns:mc="http://schemas.openxmlformats.org/markup-compatibility/2006">
-        <mc:Choice xmlns:a14="http://schemas.microsoft.com/office/drawing/2010/main" Requires="a14">
+      <mc:AlternateContent xmlns:mc="http://schemas.openxmlformats.org/markup-compatibility/2006" xmlns:a14="http://schemas.microsoft.com/office/drawing/2010/main">
+        <mc:Choice Requires="a14">
           <p:sp>
             <p:nvSpPr>
               <p:cNvPr id="3" name="CasellaDiTesto 2">
@@ -14167,7 +14167,7 @@
             </p:txBody>
           </p:sp>
         </mc:Choice>
-        <mc:Fallback>
+        <mc:Fallback xmlns="">
           <p:sp>
             <p:nvSpPr>
               <p:cNvPr id="3" name="CasellaDiTesto 2">
@@ -16544,8 +16544,8 @@
           </a:p>
         </p:txBody>
       </p:sp>
-      <mc:AlternateContent xmlns:mc="http://schemas.openxmlformats.org/markup-compatibility/2006">
-        <mc:Choice xmlns:a14="http://schemas.microsoft.com/office/drawing/2010/main" Requires="a14">
+      <mc:AlternateContent xmlns:mc="http://schemas.openxmlformats.org/markup-compatibility/2006" xmlns:a14="http://schemas.microsoft.com/office/drawing/2010/main">
+        <mc:Choice Requires="a14">
           <p:sp>
             <p:nvSpPr>
               <p:cNvPr id="3" name="CasellaDiTesto 2">
@@ -16773,7 +16773,7 @@
             </p:txBody>
           </p:sp>
         </mc:Choice>
-        <mc:Fallback>
+        <mc:Fallback xmlns="">
           <p:sp>
             <p:nvSpPr>
               <p:cNvPr id="3" name="CasellaDiTesto 2">
@@ -17796,7 +17796,7 @@
       </p:sp>
       <p:pic>
         <p:nvPicPr>
-          <p:cNvPr id="7" name="Immagine 6" descr="Immagine che contiene disegno, schizzo, cerchio, diagramma&#10;&#10;Descrizione generata automaticamente">
+          <p:cNvPr id="7" name="Immagine 6">
             <a:extLst>
               <a:ext uri="{FF2B5EF4-FFF2-40B4-BE49-F238E27FC236}">
                 <a16:creationId xmlns:a16="http://schemas.microsoft.com/office/drawing/2014/main" id="{9B66E418-C69E-FC67-D968-7B1039F1ED04}"/>
@@ -17816,14 +17816,13 @@
               </a:ext>
             </a:extLst>
           </a:blip>
-          <a:stretch>
-            <a:fillRect/>
-          </a:stretch>
+          <a:srcRect/>
+          <a:stretch/>
         </p:blipFill>
         <p:spPr>
           <a:xfrm>
             <a:off x="869757" y="1654200"/>
-            <a:ext cx="3713372" cy="3019824"/>
+            <a:ext cx="3713372" cy="3019823"/>
           </a:xfrm>
           <a:prstGeom prst="rect">
             <a:avLst/>
@@ -18444,21 +18443,6 @@
 </file>
 
 <file path=customXml/item1.xml><?xml version="1.0" encoding="utf-8"?>
-<?mso-contentType ?>
-<FormTemplates xmlns="http://schemas.microsoft.com/sharepoint/v3/contenttype/forms">
-  <Display>DocumentLibraryForm</Display>
-  <Edit>DocumentLibraryForm</Edit>
-  <New>DocumentLibraryForm</New>
-</FormTemplates>
-</file>
-
-<file path=customXml/item2.xml><?xml version="1.0" encoding="utf-8"?>
-<p:properties xmlns:p="http://schemas.microsoft.com/office/2006/metadata/properties" xmlns:xsi="http://www.w3.org/2001/XMLSchema-instance" xmlns:pc="http://schemas.microsoft.com/office/infopath/2007/PartnerControls">
-  <documentManagement/>
-</p:properties>
-</file>
-
-<file path=customXml/item3.xml><?xml version="1.0" encoding="utf-8"?>
 <ct:contentTypeSchema xmlns:ct="http://schemas.microsoft.com/office/2006/metadata/contentType" xmlns:ma="http://schemas.microsoft.com/office/2006/metadata/properties/metaAttributes" ct:_="" ma:_="" ma:contentTypeName="Documento" ma:contentTypeID="0x01010090E25A177DBE194CA7DDF0CC303C92DA" ma:contentTypeVersion="10" ma:contentTypeDescription="Creare un nuovo documento." ma:contentTypeScope="" ma:versionID="05058989819870a140977de707ec0a06">
   <xsd:schema xmlns:xsd="http://www.w3.org/2001/XMLSchema" xmlns:xs="http://www.w3.org/2001/XMLSchema" xmlns:p="http://schemas.microsoft.com/office/2006/metadata/properties" xmlns:ns3="c8d8867b-9144-4820-a959-3365945bb6b6" xmlns:ns4="b7d7a78c-ebd1-4b8e-b94b-7acbb09560d1" targetNamespace="http://schemas.microsoft.com/office/2006/metadata/properties" ma:root="true" ma:fieldsID="cb63b33f685a06f3c93a2c5945a88841" ns3:_="" ns4:_="">
     <xsd:import namespace="c8d8867b-9144-4820-a959-3365945bb6b6"/>
@@ -18659,10 +18643,36 @@
 </ct:contentTypeSchema>
 </file>
 
+<file path=customXml/item2.xml><?xml version="1.0" encoding="utf-8"?>
+<p:properties xmlns:p="http://schemas.microsoft.com/office/2006/metadata/properties" xmlns:xsi="http://www.w3.org/2001/XMLSchema-instance" xmlns:pc="http://schemas.microsoft.com/office/infopath/2007/PartnerControls">
+  <documentManagement/>
+</p:properties>
+</file>
+
+<file path=customXml/item3.xml><?xml version="1.0" encoding="utf-8"?>
+<?mso-contentType ?>
+<FormTemplates xmlns="http://schemas.microsoft.com/sharepoint/v3/contenttype/forms">
+  <Display>DocumentLibraryForm</Display>
+  <Edit>DocumentLibraryForm</Edit>
+  <New>DocumentLibraryForm</New>
+</FormTemplates>
+</file>
+
 <file path=customXml/itemProps1.xml><?xml version="1.0" encoding="utf-8"?>
-<ds:datastoreItem xmlns:ds="http://schemas.openxmlformats.org/officeDocument/2006/customXml" ds:itemID="{B0E49FA3-402E-4649-B24F-B0ECF50FD8FF}">
+<ds:datastoreItem xmlns:ds="http://schemas.openxmlformats.org/officeDocument/2006/customXml" ds:itemID="{B62EAF85-E27C-4CFA-987C-F2FFC8626EBB}">
   <ds:schemaRefs>
-    <ds:schemaRef ds:uri="http://schemas.microsoft.com/sharepoint/v3/contenttype/forms"/>
+    <ds:schemaRef ds:uri="http://schemas.microsoft.com/office/2006/metadata/contentType"/>
+    <ds:schemaRef ds:uri="http://schemas.microsoft.com/office/2006/metadata/properties/metaAttributes"/>
+    <ds:schemaRef ds:uri="http://www.w3.org/2001/XMLSchema"/>
+    <ds:schemaRef ds:uri="http://schemas.microsoft.com/office/2006/metadata/properties"/>
+    <ds:schemaRef ds:uri="c8d8867b-9144-4820-a959-3365945bb6b6"/>
+    <ds:schemaRef ds:uri="b7d7a78c-ebd1-4b8e-b94b-7acbb09560d1"/>
+    <ds:schemaRef ds:uri="http://schemas.microsoft.com/office/2006/documentManagement/types"/>
+    <ds:schemaRef ds:uri="http://schemas.microsoft.com/office/infopath/2007/PartnerControls"/>
+    <ds:schemaRef ds:uri="http://schemas.openxmlformats.org/package/2006/metadata/core-properties"/>
+    <ds:schemaRef ds:uri="http://purl.org/dc/elements/1.1/"/>
+    <ds:schemaRef ds:uri="http://purl.org/dc/terms/"/>
+    <ds:schemaRef ds:uri="http://schemas.microsoft.com/internal/obd"/>
   </ds:schemaRefs>
 </ds:datastoreItem>
 </file>
@@ -18685,20 +18695,9 @@
 </file>
 
 <file path=customXml/itemProps3.xml><?xml version="1.0" encoding="utf-8"?>
-<ds:datastoreItem xmlns:ds="http://schemas.openxmlformats.org/officeDocument/2006/customXml" ds:itemID="{B62EAF85-E27C-4CFA-987C-F2FFC8626EBB}">
+<ds:datastoreItem xmlns:ds="http://schemas.openxmlformats.org/officeDocument/2006/customXml" ds:itemID="{B0E49FA3-402E-4649-B24F-B0ECF50FD8FF}">
   <ds:schemaRefs>
-    <ds:schemaRef ds:uri="http://schemas.microsoft.com/office/2006/metadata/contentType"/>
-    <ds:schemaRef ds:uri="http://schemas.microsoft.com/office/2006/metadata/properties/metaAttributes"/>
-    <ds:schemaRef ds:uri="http://www.w3.org/2001/XMLSchema"/>
-    <ds:schemaRef ds:uri="http://schemas.microsoft.com/office/2006/metadata/properties"/>
-    <ds:schemaRef ds:uri="c8d8867b-9144-4820-a959-3365945bb6b6"/>
-    <ds:schemaRef ds:uri="b7d7a78c-ebd1-4b8e-b94b-7acbb09560d1"/>
-    <ds:schemaRef ds:uri="http://schemas.microsoft.com/office/2006/documentManagement/types"/>
-    <ds:schemaRef ds:uri="http://schemas.microsoft.com/office/infopath/2007/PartnerControls"/>
-    <ds:schemaRef ds:uri="http://schemas.openxmlformats.org/package/2006/metadata/core-properties"/>
-    <ds:schemaRef ds:uri="http://purl.org/dc/elements/1.1/"/>
-    <ds:schemaRef ds:uri="http://purl.org/dc/terms/"/>
-    <ds:schemaRef ds:uri="http://schemas.microsoft.com/internal/obd"/>
+    <ds:schemaRef ds:uri="http://schemas.microsoft.com/sharepoint/v3/contenttype/forms"/>
   </ds:schemaRefs>
 </ds:datastoreItem>
 </file>
--- a/slides.pptx
+++ b/slides.pptx
@@ -235,7 +235,7 @@
           <a:p>
             <a:fld id="{F41CC1B3-0E05-47AD-B589-A831B22A6A40}" type="datetimeFigureOut">
               <a:rPr lang="it-IT" smtClean="0"/>
-              <a:t>21/10/2024</a:t>
+              <a:t>22/10/2024</a:t>
             </a:fld>
             <a:endParaRPr lang="it-IT"/>
           </a:p>
@@ -547,6 +547,2961 @@
           <a:lstStyle/>
           <a:p>
             <a:endParaRPr lang="it-IT" dirty="0"/>
+          </a:p>
+        </p:txBody>
+      </p:sp>
+      <p:sp>
+        <p:nvSpPr>
+          <p:cNvPr id="4" name="Segnaposto numero diapositiva 3"/>
+          <p:cNvSpPr>
+            <a:spLocks noGrp="1"/>
+          </p:cNvSpPr>
+          <p:nvPr>
+            <p:ph type="sldNum" sz="quarter" idx="5"/>
+          </p:nvPr>
+        </p:nvSpPr>
+        <p:spPr/>
+        <p:txBody>
+          <a:bodyPr/>
+          <a:lstStyle/>
+          <a:p>
+            <a:fld id="{F2EE8B71-78E8-46A3-80BB-3D549D7B777C}" type="slidenum">
+              <a:rPr lang="it-IT" smtClean="0"/>
+              <a:t>1</a:t>
+            </a:fld>
+            <a:endParaRPr lang="it-IT"/>
+          </a:p>
+        </p:txBody>
+      </p:sp>
+    </p:spTree>
+    <p:extLst>
+      <p:ext uri="{BB962C8B-B14F-4D97-AF65-F5344CB8AC3E}">
+        <p14:creationId xmlns:p14="http://schemas.microsoft.com/office/powerpoint/2010/main" val="3934317255"/>
+      </p:ext>
+    </p:extLst>
+  </p:cSld>
+  <p:clrMapOvr>
+    <a:masterClrMapping/>
+  </p:clrMapOvr>
+</p:notes>
+</file>
+
+<file path=ppt/notesSlides/notesSlide10.xml><?xml version="1.0" encoding="utf-8"?>
+<p:notes xmlns:a="http://schemas.openxmlformats.org/drawingml/2006/main" xmlns:r="http://schemas.openxmlformats.org/officeDocument/2006/relationships" xmlns:p="http://schemas.openxmlformats.org/presentationml/2006/main">
+  <p:cSld>
+    <p:spTree>
+      <p:nvGrpSpPr>
+        <p:cNvPr id="1" name=""/>
+        <p:cNvGrpSpPr/>
+        <p:nvPr/>
+      </p:nvGrpSpPr>
+      <p:grpSpPr>
+        <a:xfrm>
+          <a:off x="0" y="0"/>
+          <a:ext cx="0" cy="0"/>
+          <a:chOff x="0" y="0"/>
+          <a:chExt cx="0" cy="0"/>
+        </a:xfrm>
+      </p:grpSpPr>
+      <p:sp>
+        <p:nvSpPr>
+          <p:cNvPr id="2" name="Segnaposto immagine diapositiva 1"/>
+          <p:cNvSpPr>
+            <a:spLocks noGrp="1" noRot="1" noChangeAspect="1"/>
+          </p:cNvSpPr>
+          <p:nvPr>
+            <p:ph type="sldImg"/>
+          </p:nvPr>
+        </p:nvSpPr>
+        <p:spPr/>
+      </p:sp>
+      <p:sp>
+        <p:nvSpPr>
+          <p:cNvPr id="3" name="Segnaposto note 2"/>
+          <p:cNvSpPr>
+            <a:spLocks noGrp="1"/>
+          </p:cNvSpPr>
+          <p:nvPr>
+            <p:ph type="body" idx="1"/>
+          </p:nvPr>
+        </p:nvSpPr>
+        <p:spPr/>
+        <p:txBody>
+          <a:bodyPr/>
+          <a:lstStyle/>
+          <a:p>
+            <a:r>
+              <a:rPr lang="it-IT" dirty="0"/>
+              <a:t>Se non vengono trovati conflitti, l’algoritmo elabora i blocchi in base a un ordinamento derivato da una visita in ampiezza del </a:t>
+            </a:r>
+            <a:r>
+              <a:rPr lang="it-IT" dirty="0" err="1"/>
+              <a:t>block-cutpoint</a:t>
+            </a:r>
+            <a:r>
+              <a:rPr lang="it-IT" dirty="0"/>
+              <a:t> </a:t>
+            </a:r>
+            <a:r>
+              <a:rPr lang="it-IT" dirty="0" err="1"/>
+              <a:t>tree</a:t>
+            </a:r>
+            <a:r>
+              <a:rPr lang="it-IT" dirty="0"/>
+              <a:t>, detto BFS </a:t>
+            </a:r>
+            <a:r>
+              <a:rPr lang="it-IT" dirty="0" err="1"/>
+              <a:t>ordering</a:t>
+            </a:r>
+            <a:r>
+              <a:rPr lang="it-IT" dirty="0"/>
+              <a:t>.</a:t>
+            </a:r>
+          </a:p>
+        </p:txBody>
+      </p:sp>
+      <p:sp>
+        <p:nvSpPr>
+          <p:cNvPr id="4" name="Segnaposto numero diapositiva 3"/>
+          <p:cNvSpPr>
+            <a:spLocks noGrp="1"/>
+          </p:cNvSpPr>
+          <p:nvPr>
+            <p:ph type="sldNum" sz="quarter" idx="5"/>
+          </p:nvPr>
+        </p:nvSpPr>
+        <p:spPr/>
+        <p:txBody>
+          <a:bodyPr/>
+          <a:lstStyle/>
+          <a:p>
+            <a:fld id="{F2EE8B71-78E8-46A3-80BB-3D549D7B777C}" type="slidenum">
+              <a:rPr lang="it-IT" smtClean="0"/>
+              <a:t>10</a:t>
+            </a:fld>
+            <a:endParaRPr lang="it-IT"/>
+          </a:p>
+        </p:txBody>
+      </p:sp>
+    </p:spTree>
+    <p:extLst>
+      <p:ext uri="{BB962C8B-B14F-4D97-AF65-F5344CB8AC3E}">
+        <p14:creationId xmlns:p14="http://schemas.microsoft.com/office/powerpoint/2010/main" val="602026826"/>
+      </p:ext>
+    </p:extLst>
+  </p:cSld>
+  <p:clrMapOvr>
+    <a:masterClrMapping/>
+  </p:clrMapOvr>
+</p:notes>
+</file>
+
+<file path=ppt/notesSlides/notesSlide11.xml><?xml version="1.0" encoding="utf-8"?>
+<p:notes xmlns:a="http://schemas.openxmlformats.org/drawingml/2006/main" xmlns:r="http://schemas.openxmlformats.org/officeDocument/2006/relationships" xmlns:p="http://schemas.openxmlformats.org/presentationml/2006/main">
+  <p:cSld>
+    <p:spTree>
+      <p:nvGrpSpPr>
+        <p:cNvPr id="1" name=""/>
+        <p:cNvGrpSpPr/>
+        <p:nvPr/>
+      </p:nvGrpSpPr>
+      <p:grpSpPr>
+        <a:xfrm>
+          <a:off x="0" y="0"/>
+          <a:ext cx="0" cy="0"/>
+          <a:chOff x="0" y="0"/>
+          <a:chExt cx="0" cy="0"/>
+        </a:xfrm>
+      </p:grpSpPr>
+      <p:sp>
+        <p:nvSpPr>
+          <p:cNvPr id="2" name="Segnaposto immagine diapositiva 1"/>
+          <p:cNvSpPr>
+            <a:spLocks noGrp="1" noRot="1" noChangeAspect="1"/>
+          </p:cNvSpPr>
+          <p:nvPr>
+            <p:ph type="sldImg"/>
+          </p:nvPr>
+        </p:nvSpPr>
+        <p:spPr/>
+      </p:sp>
+      <p:sp>
+        <p:nvSpPr>
+          <p:cNvPr id="3" name="Segnaposto note 2"/>
+          <p:cNvSpPr>
+            <a:spLocks noGrp="1"/>
+          </p:cNvSpPr>
+          <p:nvPr>
+            <p:ph type="body" idx="1"/>
+          </p:nvPr>
+        </p:nvSpPr>
+        <p:spPr/>
+        <p:txBody>
+          <a:bodyPr/>
+          <a:lstStyle/>
+          <a:p>
+            <a:r>
+              <a:rPr lang="it-IT" dirty="0"/>
+              <a:t>L'elaborazione consiste nel combinare gli embedding dei blocchi passo dopo passo, aggiungendo l'embedding di ogni blocco a quello costruito finora. Quando tutti i blocchi sono stati elaborati, si ottiene un 1-page book embedding dell'intero DAG.</a:t>
+            </a:r>
+          </a:p>
+        </p:txBody>
+      </p:sp>
+      <p:sp>
+        <p:nvSpPr>
+          <p:cNvPr id="4" name="Segnaposto numero diapositiva 3"/>
+          <p:cNvSpPr>
+            <a:spLocks noGrp="1"/>
+          </p:cNvSpPr>
+          <p:nvPr>
+            <p:ph type="sldNum" sz="quarter" idx="5"/>
+          </p:nvPr>
+        </p:nvSpPr>
+        <p:spPr/>
+        <p:txBody>
+          <a:bodyPr/>
+          <a:lstStyle/>
+          <a:p>
+            <a:fld id="{F2EE8B71-78E8-46A3-80BB-3D549D7B777C}" type="slidenum">
+              <a:rPr lang="it-IT" smtClean="0"/>
+              <a:t>11</a:t>
+            </a:fld>
+            <a:endParaRPr lang="it-IT"/>
+          </a:p>
+        </p:txBody>
+      </p:sp>
+    </p:spTree>
+    <p:extLst>
+      <p:ext uri="{BB962C8B-B14F-4D97-AF65-F5344CB8AC3E}">
+        <p14:creationId xmlns:p14="http://schemas.microsoft.com/office/powerpoint/2010/main" val="3476949405"/>
+      </p:ext>
+    </p:extLst>
+  </p:cSld>
+  <p:clrMapOvr>
+    <a:masterClrMapping/>
+  </p:clrMapOvr>
+</p:notes>
+</file>
+
+<file path=ppt/notesSlides/notesSlide12.xml><?xml version="1.0" encoding="utf-8"?>
+<p:notes xmlns:a="http://schemas.openxmlformats.org/drawingml/2006/main" xmlns:r="http://schemas.openxmlformats.org/officeDocument/2006/relationships" xmlns:p="http://schemas.openxmlformats.org/presentationml/2006/main">
+  <p:cSld>
+    <p:spTree>
+      <p:nvGrpSpPr>
+        <p:cNvPr id="1" name=""/>
+        <p:cNvGrpSpPr/>
+        <p:nvPr/>
+      </p:nvGrpSpPr>
+      <p:grpSpPr>
+        <a:xfrm>
+          <a:off x="0" y="0"/>
+          <a:ext cx="0" cy="0"/>
+          <a:chOff x="0" y="0"/>
+          <a:chExt cx="0" cy="0"/>
+        </a:xfrm>
+      </p:grpSpPr>
+      <p:sp>
+        <p:nvSpPr>
+          <p:cNvPr id="2" name="Segnaposto immagine diapositiva 1"/>
+          <p:cNvSpPr>
+            <a:spLocks noGrp="1" noRot="1" noChangeAspect="1"/>
+          </p:cNvSpPr>
+          <p:nvPr>
+            <p:ph type="sldImg"/>
+          </p:nvPr>
+        </p:nvSpPr>
+        <p:spPr/>
+      </p:sp>
+      <p:sp>
+        <p:nvSpPr>
+          <p:cNvPr id="3" name="Segnaposto note 2"/>
+          <p:cNvSpPr>
+            <a:spLocks noGrp="1"/>
+          </p:cNvSpPr>
+          <p:nvPr>
+            <p:ph type="body" idx="1"/>
+          </p:nvPr>
+        </p:nvSpPr>
+        <p:spPr/>
+        <p:txBody>
+          <a:bodyPr/>
+          <a:lstStyle/>
+          <a:p>
+            <a:r>
+              <a:rPr lang="it-IT" dirty="0"/>
+              <a:t>L'elaborazione consiste nel combinare gli embedding dei blocchi passo dopo passo, aggiungendo l'embedding di ogni blocco a quello costruito finora. Quando tutti i blocchi sono stati elaborati, si ottiene un 1-page book embedding dell'intero DAG.</a:t>
+            </a:r>
+          </a:p>
+        </p:txBody>
+      </p:sp>
+      <p:sp>
+        <p:nvSpPr>
+          <p:cNvPr id="4" name="Segnaposto numero diapositiva 3"/>
+          <p:cNvSpPr>
+            <a:spLocks noGrp="1"/>
+          </p:cNvSpPr>
+          <p:nvPr>
+            <p:ph type="sldNum" sz="quarter" idx="5"/>
+          </p:nvPr>
+        </p:nvSpPr>
+        <p:spPr/>
+        <p:txBody>
+          <a:bodyPr/>
+          <a:lstStyle/>
+          <a:p>
+            <a:fld id="{F2EE8B71-78E8-46A3-80BB-3D549D7B777C}" type="slidenum">
+              <a:rPr lang="it-IT" smtClean="0"/>
+              <a:t>12</a:t>
+            </a:fld>
+            <a:endParaRPr lang="it-IT"/>
+          </a:p>
+        </p:txBody>
+      </p:sp>
+    </p:spTree>
+    <p:extLst>
+      <p:ext uri="{BB962C8B-B14F-4D97-AF65-F5344CB8AC3E}">
+        <p14:creationId xmlns:p14="http://schemas.microsoft.com/office/powerpoint/2010/main" val="797581504"/>
+      </p:ext>
+    </p:extLst>
+  </p:cSld>
+  <p:clrMapOvr>
+    <a:masterClrMapping/>
+  </p:clrMapOvr>
+</p:notes>
+</file>
+
+<file path=ppt/notesSlides/notesSlide13.xml><?xml version="1.0" encoding="utf-8"?>
+<p:notes xmlns:a="http://schemas.openxmlformats.org/drawingml/2006/main" xmlns:r="http://schemas.openxmlformats.org/officeDocument/2006/relationships" xmlns:p="http://schemas.openxmlformats.org/presentationml/2006/main">
+  <p:cSld>
+    <p:spTree>
+      <p:nvGrpSpPr>
+        <p:cNvPr id="1" name=""/>
+        <p:cNvGrpSpPr/>
+        <p:nvPr/>
+      </p:nvGrpSpPr>
+      <p:grpSpPr>
+        <a:xfrm>
+          <a:off x="0" y="0"/>
+          <a:ext cx="0" cy="0"/>
+          <a:chOff x="0" y="0"/>
+          <a:chExt cx="0" cy="0"/>
+        </a:xfrm>
+      </p:grpSpPr>
+      <p:sp>
+        <p:nvSpPr>
+          <p:cNvPr id="2" name="Segnaposto immagine diapositiva 1"/>
+          <p:cNvSpPr>
+            <a:spLocks noGrp="1" noRot="1" noChangeAspect="1"/>
+          </p:cNvSpPr>
+          <p:nvPr>
+            <p:ph type="sldImg"/>
+          </p:nvPr>
+        </p:nvSpPr>
+        <p:spPr/>
+      </p:sp>
+      <p:sp>
+        <p:nvSpPr>
+          <p:cNvPr id="3" name="Segnaposto note 2"/>
+          <p:cNvSpPr>
+            <a:spLocks noGrp="1"/>
+          </p:cNvSpPr>
+          <p:nvPr>
+            <p:ph type="body" idx="1"/>
+          </p:nvPr>
+        </p:nvSpPr>
+        <p:spPr/>
+        <p:txBody>
+          <a:bodyPr/>
+          <a:lstStyle/>
+          <a:p>
+            <a:r>
+              <a:rPr lang="it-IT" dirty="0"/>
+              <a:t>L'elaborazione consiste nel combinare gli embedding dei blocchi passo dopo passo, aggiungendo l'embedding di ogni blocco a quello costruito finora. Quando tutti i blocchi sono stati elaborati, si ottiene un 1-page book embedding dell'intero DAG.</a:t>
+            </a:r>
+          </a:p>
+        </p:txBody>
+      </p:sp>
+      <p:sp>
+        <p:nvSpPr>
+          <p:cNvPr id="4" name="Segnaposto numero diapositiva 3"/>
+          <p:cNvSpPr>
+            <a:spLocks noGrp="1"/>
+          </p:cNvSpPr>
+          <p:nvPr>
+            <p:ph type="sldNum" sz="quarter" idx="5"/>
+          </p:nvPr>
+        </p:nvSpPr>
+        <p:spPr/>
+        <p:txBody>
+          <a:bodyPr/>
+          <a:lstStyle/>
+          <a:p>
+            <a:fld id="{F2EE8B71-78E8-46A3-80BB-3D549D7B777C}" type="slidenum">
+              <a:rPr lang="it-IT" smtClean="0"/>
+              <a:t>13</a:t>
+            </a:fld>
+            <a:endParaRPr lang="it-IT"/>
+          </a:p>
+        </p:txBody>
+      </p:sp>
+    </p:spTree>
+    <p:extLst>
+      <p:ext uri="{BB962C8B-B14F-4D97-AF65-F5344CB8AC3E}">
+        <p14:creationId xmlns:p14="http://schemas.microsoft.com/office/powerpoint/2010/main" val="793573810"/>
+      </p:ext>
+    </p:extLst>
+  </p:cSld>
+  <p:clrMapOvr>
+    <a:masterClrMapping/>
+  </p:clrMapOvr>
+</p:notes>
+</file>
+
+<file path=ppt/notesSlides/notesSlide14.xml><?xml version="1.0" encoding="utf-8"?>
+<p:notes xmlns:a="http://schemas.openxmlformats.org/drawingml/2006/main" xmlns:r="http://schemas.openxmlformats.org/officeDocument/2006/relationships" xmlns:p="http://schemas.openxmlformats.org/presentationml/2006/main">
+  <p:cSld>
+    <p:spTree>
+      <p:nvGrpSpPr>
+        <p:cNvPr id="1" name=""/>
+        <p:cNvGrpSpPr/>
+        <p:nvPr/>
+      </p:nvGrpSpPr>
+      <p:grpSpPr>
+        <a:xfrm>
+          <a:off x="0" y="0"/>
+          <a:ext cx="0" cy="0"/>
+          <a:chOff x="0" y="0"/>
+          <a:chExt cx="0" cy="0"/>
+        </a:xfrm>
+      </p:grpSpPr>
+      <p:sp>
+        <p:nvSpPr>
+          <p:cNvPr id="2" name="Segnaposto immagine diapositiva 1"/>
+          <p:cNvSpPr>
+            <a:spLocks noGrp="1" noRot="1" noChangeAspect="1"/>
+          </p:cNvSpPr>
+          <p:nvPr>
+            <p:ph type="sldImg"/>
+          </p:nvPr>
+        </p:nvSpPr>
+        <p:spPr/>
+      </p:sp>
+      <p:sp>
+        <p:nvSpPr>
+          <p:cNvPr id="3" name="Segnaposto note 2"/>
+          <p:cNvSpPr>
+            <a:spLocks noGrp="1"/>
+          </p:cNvSpPr>
+          <p:nvPr>
+            <p:ph type="body" idx="1"/>
+          </p:nvPr>
+        </p:nvSpPr>
+        <p:spPr/>
+        <p:txBody>
+          <a:bodyPr/>
+          <a:lstStyle/>
+          <a:p>
+            <a:r>
+              <a:rPr lang="it-IT" dirty="0"/>
+              <a:t>L'elaborazione consiste nel combinare gli embedding dei blocchi passo dopo passo, aggiungendo l'embedding di ogni blocco a quello costruito finora. Quando tutti i blocchi sono stati elaborati, si ottiene un 1-page book embedding dell'intero DAG.</a:t>
+            </a:r>
+          </a:p>
+        </p:txBody>
+      </p:sp>
+      <p:sp>
+        <p:nvSpPr>
+          <p:cNvPr id="4" name="Segnaposto numero diapositiva 3"/>
+          <p:cNvSpPr>
+            <a:spLocks noGrp="1"/>
+          </p:cNvSpPr>
+          <p:nvPr>
+            <p:ph type="sldNum" sz="quarter" idx="5"/>
+          </p:nvPr>
+        </p:nvSpPr>
+        <p:spPr/>
+        <p:txBody>
+          <a:bodyPr/>
+          <a:lstStyle/>
+          <a:p>
+            <a:fld id="{F2EE8B71-78E8-46A3-80BB-3D549D7B777C}" type="slidenum">
+              <a:rPr lang="it-IT" smtClean="0"/>
+              <a:t>14</a:t>
+            </a:fld>
+            <a:endParaRPr lang="it-IT"/>
+          </a:p>
+        </p:txBody>
+      </p:sp>
+    </p:spTree>
+    <p:extLst>
+      <p:ext uri="{BB962C8B-B14F-4D97-AF65-F5344CB8AC3E}">
+        <p14:creationId xmlns:p14="http://schemas.microsoft.com/office/powerpoint/2010/main" val="2956917544"/>
+      </p:ext>
+    </p:extLst>
+  </p:cSld>
+  <p:clrMapOvr>
+    <a:masterClrMapping/>
+  </p:clrMapOvr>
+</p:notes>
+</file>
+
+<file path=ppt/notesSlides/notesSlide15.xml><?xml version="1.0" encoding="utf-8"?>
+<p:notes xmlns:a="http://schemas.openxmlformats.org/drawingml/2006/main" xmlns:r="http://schemas.openxmlformats.org/officeDocument/2006/relationships" xmlns:p="http://schemas.openxmlformats.org/presentationml/2006/main">
+  <p:cSld>
+    <p:spTree>
+      <p:nvGrpSpPr>
+        <p:cNvPr id="1" name=""/>
+        <p:cNvGrpSpPr/>
+        <p:nvPr/>
+      </p:nvGrpSpPr>
+      <p:grpSpPr>
+        <a:xfrm>
+          <a:off x="0" y="0"/>
+          <a:ext cx="0" cy="0"/>
+          <a:chOff x="0" y="0"/>
+          <a:chExt cx="0" cy="0"/>
+        </a:xfrm>
+      </p:grpSpPr>
+      <p:sp>
+        <p:nvSpPr>
+          <p:cNvPr id="2" name="Segnaposto immagine diapositiva 1"/>
+          <p:cNvSpPr>
+            <a:spLocks noGrp="1" noRot="1" noChangeAspect="1"/>
+          </p:cNvSpPr>
+          <p:nvPr>
+            <p:ph type="sldImg"/>
+          </p:nvPr>
+        </p:nvSpPr>
+        <p:spPr/>
+      </p:sp>
+      <p:sp>
+        <p:nvSpPr>
+          <p:cNvPr id="3" name="Segnaposto note 2"/>
+          <p:cNvSpPr>
+            <a:spLocks noGrp="1"/>
+          </p:cNvSpPr>
+          <p:nvPr>
+            <p:ph type="body" idx="1"/>
+          </p:nvPr>
+        </p:nvSpPr>
+        <p:spPr/>
+        <p:txBody>
+          <a:bodyPr/>
+          <a:lstStyle/>
+          <a:p>
+            <a:r>
+              <a:rPr lang="it-IT" dirty="0"/>
+              <a:t>L'elaborazione consiste nel combinare gli embedding dei blocchi passo dopo passo, aggiungendo l'embedding di ogni blocco a quello costruito finora. Quando tutti i blocchi sono stati elaborati, si ottiene un 1-page book embedding dell'intero DAG.</a:t>
+            </a:r>
+          </a:p>
+        </p:txBody>
+      </p:sp>
+      <p:sp>
+        <p:nvSpPr>
+          <p:cNvPr id="4" name="Segnaposto numero diapositiva 3"/>
+          <p:cNvSpPr>
+            <a:spLocks noGrp="1"/>
+          </p:cNvSpPr>
+          <p:nvPr>
+            <p:ph type="sldNum" sz="quarter" idx="5"/>
+          </p:nvPr>
+        </p:nvSpPr>
+        <p:spPr/>
+        <p:txBody>
+          <a:bodyPr/>
+          <a:lstStyle/>
+          <a:p>
+            <a:fld id="{F2EE8B71-78E8-46A3-80BB-3D549D7B777C}" type="slidenum">
+              <a:rPr lang="it-IT" smtClean="0"/>
+              <a:t>15</a:t>
+            </a:fld>
+            <a:endParaRPr lang="it-IT"/>
+          </a:p>
+        </p:txBody>
+      </p:sp>
+    </p:spTree>
+    <p:extLst>
+      <p:ext uri="{BB962C8B-B14F-4D97-AF65-F5344CB8AC3E}">
+        <p14:creationId xmlns:p14="http://schemas.microsoft.com/office/powerpoint/2010/main" val="1048853137"/>
+      </p:ext>
+    </p:extLst>
+  </p:cSld>
+  <p:clrMapOvr>
+    <a:masterClrMapping/>
+  </p:clrMapOvr>
+</p:notes>
+</file>
+
+<file path=ppt/notesSlides/notesSlide16.xml><?xml version="1.0" encoding="utf-8"?>
+<p:notes xmlns:a="http://schemas.openxmlformats.org/drawingml/2006/main" xmlns:r="http://schemas.openxmlformats.org/officeDocument/2006/relationships" xmlns:p="http://schemas.openxmlformats.org/presentationml/2006/main">
+  <p:cSld>
+    <p:spTree>
+      <p:nvGrpSpPr>
+        <p:cNvPr id="1" name=""/>
+        <p:cNvGrpSpPr/>
+        <p:nvPr/>
+      </p:nvGrpSpPr>
+      <p:grpSpPr>
+        <a:xfrm>
+          <a:off x="0" y="0"/>
+          <a:ext cx="0" cy="0"/>
+          <a:chOff x="0" y="0"/>
+          <a:chExt cx="0" cy="0"/>
+        </a:xfrm>
+      </p:grpSpPr>
+      <p:sp>
+        <p:nvSpPr>
+          <p:cNvPr id="2" name="Segnaposto immagine diapositiva 1"/>
+          <p:cNvSpPr>
+            <a:spLocks noGrp="1" noRot="1" noChangeAspect="1"/>
+          </p:cNvSpPr>
+          <p:nvPr>
+            <p:ph type="sldImg"/>
+          </p:nvPr>
+        </p:nvSpPr>
+        <p:spPr/>
+      </p:sp>
+      <p:sp>
+        <p:nvSpPr>
+          <p:cNvPr id="3" name="Segnaposto note 2"/>
+          <p:cNvSpPr>
+            <a:spLocks noGrp="1"/>
+          </p:cNvSpPr>
+          <p:nvPr>
+            <p:ph type="body" idx="1"/>
+          </p:nvPr>
+        </p:nvSpPr>
+        <p:spPr/>
+        <p:txBody>
+          <a:bodyPr/>
+          <a:lstStyle/>
+          <a:p>
+            <a:r>
+              <a:rPr lang="it-IT" dirty="0"/>
+              <a:t>L'elaborazione consiste nel combinare gli embedding dei blocchi passo dopo passo, aggiungendo l'embedding di ogni blocco a quello costruito finora. Quando tutti i blocchi sono stati elaborati, si ottiene un 1-page book embedding dell'intero DAG.</a:t>
+            </a:r>
+          </a:p>
+        </p:txBody>
+      </p:sp>
+      <p:sp>
+        <p:nvSpPr>
+          <p:cNvPr id="4" name="Segnaposto numero diapositiva 3"/>
+          <p:cNvSpPr>
+            <a:spLocks noGrp="1"/>
+          </p:cNvSpPr>
+          <p:nvPr>
+            <p:ph type="sldNum" sz="quarter" idx="5"/>
+          </p:nvPr>
+        </p:nvSpPr>
+        <p:spPr/>
+        <p:txBody>
+          <a:bodyPr/>
+          <a:lstStyle/>
+          <a:p>
+            <a:fld id="{F2EE8B71-78E8-46A3-80BB-3D549D7B777C}" type="slidenum">
+              <a:rPr lang="it-IT" smtClean="0"/>
+              <a:t>16</a:t>
+            </a:fld>
+            <a:endParaRPr lang="it-IT"/>
+          </a:p>
+        </p:txBody>
+      </p:sp>
+    </p:spTree>
+    <p:extLst>
+      <p:ext uri="{BB962C8B-B14F-4D97-AF65-F5344CB8AC3E}">
+        <p14:creationId xmlns:p14="http://schemas.microsoft.com/office/powerpoint/2010/main" val="160652862"/>
+      </p:ext>
+    </p:extLst>
+  </p:cSld>
+  <p:clrMapOvr>
+    <a:masterClrMapping/>
+  </p:clrMapOvr>
+</p:notes>
+</file>
+
+<file path=ppt/notesSlides/notesSlide17.xml><?xml version="1.0" encoding="utf-8"?>
+<p:notes xmlns:a="http://schemas.openxmlformats.org/drawingml/2006/main" xmlns:r="http://schemas.openxmlformats.org/officeDocument/2006/relationships" xmlns:p="http://schemas.openxmlformats.org/presentationml/2006/main">
+  <p:cSld>
+    <p:spTree>
+      <p:nvGrpSpPr>
+        <p:cNvPr id="1" name=""/>
+        <p:cNvGrpSpPr/>
+        <p:nvPr/>
+      </p:nvGrpSpPr>
+      <p:grpSpPr>
+        <a:xfrm>
+          <a:off x="0" y="0"/>
+          <a:ext cx="0" cy="0"/>
+          <a:chOff x="0" y="0"/>
+          <a:chExt cx="0" cy="0"/>
+        </a:xfrm>
+      </p:grpSpPr>
+      <p:sp>
+        <p:nvSpPr>
+          <p:cNvPr id="2" name="Segnaposto immagine diapositiva 1"/>
+          <p:cNvSpPr>
+            <a:spLocks noGrp="1" noRot="1" noChangeAspect="1"/>
+          </p:cNvSpPr>
+          <p:nvPr>
+            <p:ph type="sldImg"/>
+          </p:nvPr>
+        </p:nvSpPr>
+        <p:spPr/>
+      </p:sp>
+      <p:sp>
+        <p:nvSpPr>
+          <p:cNvPr id="3" name="Segnaposto note 2"/>
+          <p:cNvSpPr>
+            <a:spLocks noGrp="1"/>
+          </p:cNvSpPr>
+          <p:nvPr>
+            <p:ph type="body" idx="1"/>
+          </p:nvPr>
+        </p:nvSpPr>
+        <p:spPr/>
+        <p:txBody>
+          <a:bodyPr/>
+          <a:lstStyle/>
+          <a:p>
+            <a:r>
+              <a:rPr lang="it-IT" dirty="0"/>
+              <a:t>L'elaborazione consiste nel combinare gli embedding dei blocchi passo dopo passo, aggiungendo l'embedding di ogni blocco a quello costruito finora. Quando tutti i blocchi sono stati elaborati, si ottiene un 1-page book embedding dell'intero DAG.</a:t>
+            </a:r>
+          </a:p>
+        </p:txBody>
+      </p:sp>
+      <p:sp>
+        <p:nvSpPr>
+          <p:cNvPr id="4" name="Segnaposto numero diapositiva 3"/>
+          <p:cNvSpPr>
+            <a:spLocks noGrp="1"/>
+          </p:cNvSpPr>
+          <p:nvPr>
+            <p:ph type="sldNum" sz="quarter" idx="5"/>
+          </p:nvPr>
+        </p:nvSpPr>
+        <p:spPr/>
+        <p:txBody>
+          <a:bodyPr/>
+          <a:lstStyle/>
+          <a:p>
+            <a:fld id="{F2EE8B71-78E8-46A3-80BB-3D549D7B777C}" type="slidenum">
+              <a:rPr lang="it-IT" smtClean="0"/>
+              <a:t>17</a:t>
+            </a:fld>
+            <a:endParaRPr lang="it-IT"/>
+          </a:p>
+        </p:txBody>
+      </p:sp>
+    </p:spTree>
+    <p:extLst>
+      <p:ext uri="{BB962C8B-B14F-4D97-AF65-F5344CB8AC3E}">
+        <p14:creationId xmlns:p14="http://schemas.microsoft.com/office/powerpoint/2010/main" val="1556898422"/>
+      </p:ext>
+    </p:extLst>
+  </p:cSld>
+  <p:clrMapOvr>
+    <a:masterClrMapping/>
+  </p:clrMapOvr>
+</p:notes>
+</file>
+
+<file path=ppt/notesSlides/notesSlide18.xml><?xml version="1.0" encoding="utf-8"?>
+<p:notes xmlns:a="http://schemas.openxmlformats.org/drawingml/2006/main" xmlns:r="http://schemas.openxmlformats.org/officeDocument/2006/relationships" xmlns:p="http://schemas.openxmlformats.org/presentationml/2006/main">
+  <p:cSld>
+    <p:spTree>
+      <p:nvGrpSpPr>
+        <p:cNvPr id="1" name=""/>
+        <p:cNvGrpSpPr/>
+        <p:nvPr/>
+      </p:nvGrpSpPr>
+      <p:grpSpPr>
+        <a:xfrm>
+          <a:off x="0" y="0"/>
+          <a:ext cx="0" cy="0"/>
+          <a:chOff x="0" y="0"/>
+          <a:chExt cx="0" cy="0"/>
+        </a:xfrm>
+      </p:grpSpPr>
+      <p:sp>
+        <p:nvSpPr>
+          <p:cNvPr id="2" name="Segnaposto immagine diapositiva 1"/>
+          <p:cNvSpPr>
+            <a:spLocks noGrp="1" noRot="1" noChangeAspect="1"/>
+          </p:cNvSpPr>
+          <p:nvPr>
+            <p:ph type="sldImg"/>
+          </p:nvPr>
+        </p:nvSpPr>
+        <p:spPr/>
+      </p:sp>
+      <p:sp>
+        <p:nvSpPr>
+          <p:cNvPr id="3" name="Segnaposto note 2"/>
+          <p:cNvSpPr>
+            <a:spLocks noGrp="1"/>
+          </p:cNvSpPr>
+          <p:nvPr>
+            <p:ph type="body" idx="1"/>
+          </p:nvPr>
+        </p:nvSpPr>
+        <p:spPr/>
+        <p:txBody>
+          <a:bodyPr/>
+          <a:lstStyle/>
+          <a:p>
+            <a:r>
+              <a:rPr lang="it-IT" dirty="0"/>
+              <a:t>L'elaborazione consiste nel combinare gli embedding dei blocchi passo dopo passo, aggiungendo l'embedding di ogni blocco a quello costruito finora. Quando tutti i blocchi sono stati elaborati, si ottiene un 1-page book embedding dell'intero DAG.</a:t>
+            </a:r>
+          </a:p>
+        </p:txBody>
+      </p:sp>
+      <p:sp>
+        <p:nvSpPr>
+          <p:cNvPr id="4" name="Segnaposto numero diapositiva 3"/>
+          <p:cNvSpPr>
+            <a:spLocks noGrp="1"/>
+          </p:cNvSpPr>
+          <p:nvPr>
+            <p:ph type="sldNum" sz="quarter" idx="5"/>
+          </p:nvPr>
+        </p:nvSpPr>
+        <p:spPr/>
+        <p:txBody>
+          <a:bodyPr/>
+          <a:lstStyle/>
+          <a:p>
+            <a:fld id="{F2EE8B71-78E8-46A3-80BB-3D549D7B777C}" type="slidenum">
+              <a:rPr lang="it-IT" smtClean="0"/>
+              <a:t>18</a:t>
+            </a:fld>
+            <a:endParaRPr lang="it-IT"/>
+          </a:p>
+        </p:txBody>
+      </p:sp>
+    </p:spTree>
+    <p:extLst>
+      <p:ext uri="{BB962C8B-B14F-4D97-AF65-F5344CB8AC3E}">
+        <p14:creationId xmlns:p14="http://schemas.microsoft.com/office/powerpoint/2010/main" val="1361327175"/>
+      </p:ext>
+    </p:extLst>
+  </p:cSld>
+  <p:clrMapOvr>
+    <a:masterClrMapping/>
+  </p:clrMapOvr>
+</p:notes>
+</file>
+
+<file path=ppt/notesSlides/notesSlide19.xml><?xml version="1.0" encoding="utf-8"?>
+<p:notes xmlns:a="http://schemas.openxmlformats.org/drawingml/2006/main" xmlns:r="http://schemas.openxmlformats.org/officeDocument/2006/relationships" xmlns:p="http://schemas.openxmlformats.org/presentationml/2006/main">
+  <p:cSld>
+    <p:spTree>
+      <p:nvGrpSpPr>
+        <p:cNvPr id="1" name=""/>
+        <p:cNvGrpSpPr/>
+        <p:nvPr/>
+      </p:nvGrpSpPr>
+      <p:grpSpPr>
+        <a:xfrm>
+          <a:off x="0" y="0"/>
+          <a:ext cx="0" cy="0"/>
+          <a:chOff x="0" y="0"/>
+          <a:chExt cx="0" cy="0"/>
+        </a:xfrm>
+      </p:grpSpPr>
+      <p:sp>
+        <p:nvSpPr>
+          <p:cNvPr id="2" name="Segnaposto immagine diapositiva 1"/>
+          <p:cNvSpPr>
+            <a:spLocks noGrp="1" noRot="1" noChangeAspect="1"/>
+          </p:cNvSpPr>
+          <p:nvPr>
+            <p:ph type="sldImg"/>
+          </p:nvPr>
+        </p:nvSpPr>
+        <p:spPr/>
+      </p:sp>
+      <p:sp>
+        <p:nvSpPr>
+          <p:cNvPr id="3" name="Segnaposto note 2"/>
+          <p:cNvSpPr>
+            <a:spLocks noGrp="1"/>
+          </p:cNvSpPr>
+          <p:nvPr>
+            <p:ph type="body" idx="1"/>
+          </p:nvPr>
+        </p:nvSpPr>
+        <p:spPr/>
+        <p:txBody>
+          <a:bodyPr/>
+          <a:lstStyle/>
+          <a:p>
+            <a:r>
+              <a:rPr lang="it-IT" dirty="0"/>
+              <a:t>L'algoritmo di enumerazione proposto nella tesi si basa sull'algoritmo appena descritto. Le prime fasi sono analoghe, dunque l'algoritmo verifica che ogni blocco ammetta un 1-page book embedding, radica il </a:t>
+            </a:r>
+            <a:r>
+              <a:rPr lang="it-IT" dirty="0" err="1"/>
+              <a:t>block-cutpoint</a:t>
+            </a:r>
+            <a:r>
+              <a:rPr lang="it-IT" dirty="0"/>
+              <a:t> </a:t>
+            </a:r>
+            <a:r>
+              <a:rPr lang="it-IT" dirty="0" err="1"/>
+              <a:t>tree</a:t>
+            </a:r>
+            <a:r>
+              <a:rPr lang="it-IT" dirty="0"/>
+              <a:t> a un blocco arbitrario e verifica che non ci siano conflitti. Successivamente però, l'algoritmo introduce delle modifiche. Per prima cosa viene ricercato un radicamento migliore per il </a:t>
+            </a:r>
+            <a:r>
+              <a:rPr lang="it-IT" dirty="0" err="1"/>
+              <a:t>block-cutpoint</a:t>
+            </a:r>
+            <a:r>
+              <a:rPr lang="it-IT" dirty="0"/>
+              <a:t> </a:t>
+            </a:r>
+            <a:r>
+              <a:rPr lang="it-IT" dirty="0" err="1"/>
+              <a:t>tree</a:t>
+            </a:r>
+            <a:r>
+              <a:rPr lang="it-IT" dirty="0"/>
+              <a:t> iniziale. Poi vengono individuati gli insiemi di blocchi del DAG che, se scambiati di posizione nel BFS </a:t>
+            </a:r>
+            <a:r>
+              <a:rPr lang="it-IT" dirty="0" err="1"/>
+              <a:t>ordering</a:t>
+            </a:r>
+            <a:r>
+              <a:rPr lang="it-IT" dirty="0"/>
+              <a:t>, producono risultati differenti e, una volta individuati questi insiemi di blocchi, vengono generati i diversi BFS </a:t>
+            </a:r>
+            <a:r>
+              <a:rPr lang="it-IT" dirty="0" err="1"/>
+              <a:t>ordering</a:t>
+            </a:r>
+            <a:r>
+              <a:rPr lang="it-IT" dirty="0"/>
+              <a:t> e, di conseguenza, costruiti i 1-page book embedding corrispondenti.</a:t>
+            </a:r>
+          </a:p>
+        </p:txBody>
+      </p:sp>
+      <p:sp>
+        <p:nvSpPr>
+          <p:cNvPr id="4" name="Segnaposto numero diapositiva 3"/>
+          <p:cNvSpPr>
+            <a:spLocks noGrp="1"/>
+          </p:cNvSpPr>
+          <p:nvPr>
+            <p:ph type="sldNum" sz="quarter" idx="5"/>
+          </p:nvPr>
+        </p:nvSpPr>
+        <p:spPr/>
+        <p:txBody>
+          <a:bodyPr/>
+          <a:lstStyle/>
+          <a:p>
+            <a:fld id="{F2EE8B71-78E8-46A3-80BB-3D549D7B777C}" type="slidenum">
+              <a:rPr lang="it-IT" smtClean="0"/>
+              <a:t>19</a:t>
+            </a:fld>
+            <a:endParaRPr lang="it-IT"/>
+          </a:p>
+        </p:txBody>
+      </p:sp>
+    </p:spTree>
+    <p:extLst>
+      <p:ext uri="{BB962C8B-B14F-4D97-AF65-F5344CB8AC3E}">
+        <p14:creationId xmlns:p14="http://schemas.microsoft.com/office/powerpoint/2010/main" val="1617200876"/>
+      </p:ext>
+    </p:extLst>
+  </p:cSld>
+  <p:clrMapOvr>
+    <a:masterClrMapping/>
+  </p:clrMapOvr>
+</p:notes>
+</file>
+
+<file path=ppt/notesSlides/notesSlide2.xml><?xml version="1.0" encoding="utf-8"?>
+<p:notes xmlns:a="http://schemas.openxmlformats.org/drawingml/2006/main" xmlns:r="http://schemas.openxmlformats.org/officeDocument/2006/relationships" xmlns:p="http://schemas.openxmlformats.org/presentationml/2006/main">
+  <p:cSld>
+    <p:spTree>
+      <p:nvGrpSpPr>
+        <p:cNvPr id="1" name=""/>
+        <p:cNvGrpSpPr/>
+        <p:nvPr/>
+      </p:nvGrpSpPr>
+      <p:grpSpPr>
+        <a:xfrm>
+          <a:off x="0" y="0"/>
+          <a:ext cx="0" cy="0"/>
+          <a:chOff x="0" y="0"/>
+          <a:chExt cx="0" cy="0"/>
+        </a:xfrm>
+      </p:grpSpPr>
+      <p:sp>
+        <p:nvSpPr>
+          <p:cNvPr id="2" name="Segnaposto immagine diapositiva 1"/>
+          <p:cNvSpPr>
+            <a:spLocks noGrp="1" noRot="1" noChangeAspect="1"/>
+          </p:cNvSpPr>
+          <p:nvPr>
+            <p:ph type="sldImg"/>
+          </p:nvPr>
+        </p:nvSpPr>
+        <p:spPr/>
+      </p:sp>
+      <p:sp>
+        <p:nvSpPr>
+          <p:cNvPr id="3" name="Segnaposto note 2"/>
+          <p:cNvSpPr>
+            <a:spLocks noGrp="1"/>
+          </p:cNvSpPr>
+          <p:nvPr>
+            <p:ph type="body" idx="1"/>
+          </p:nvPr>
+        </p:nvSpPr>
+        <p:spPr/>
+        <p:txBody>
+          <a:bodyPr/>
+          <a:lstStyle/>
+          <a:p>
+            <a:r>
+              <a:rPr lang="it-IT" dirty="0"/>
+              <a:t>L'obiettivo principale della tesi è la realizzazione di un algoritmo per enumerare, ovvero elencare, tutti i possibili 1-page book embedding ammessi da un grafo diretto aciclico, anche detto DAG. Tale algoritmo è stato poi implementato in C++ e compilato in </a:t>
+            </a:r>
+            <a:r>
+              <a:rPr lang="it-IT" dirty="0" err="1"/>
+              <a:t>WebAssembly</a:t>
+            </a:r>
+            <a:r>
+              <a:rPr lang="it-IT" dirty="0"/>
+              <a:t> così da poter realizzare un tool efficiente che consente di eseguire l'algoritmo su una pagina web. Un altro obiettivo della tesi consiste nel ricavare una formula per contare quanti sono i 1-page book embedding ammessi da un certo DAG.</a:t>
+            </a:r>
+          </a:p>
+        </p:txBody>
+      </p:sp>
+      <p:sp>
+        <p:nvSpPr>
+          <p:cNvPr id="4" name="Segnaposto numero diapositiva 3"/>
+          <p:cNvSpPr>
+            <a:spLocks noGrp="1"/>
+          </p:cNvSpPr>
+          <p:nvPr>
+            <p:ph type="sldNum" sz="quarter" idx="5"/>
+          </p:nvPr>
+        </p:nvSpPr>
+        <p:spPr/>
+        <p:txBody>
+          <a:bodyPr/>
+          <a:lstStyle/>
+          <a:p>
+            <a:fld id="{F2EE8B71-78E8-46A3-80BB-3D549D7B777C}" type="slidenum">
+              <a:rPr lang="it-IT" smtClean="0"/>
+              <a:t>2</a:t>
+            </a:fld>
+            <a:endParaRPr lang="it-IT"/>
+          </a:p>
+        </p:txBody>
+      </p:sp>
+    </p:spTree>
+    <p:extLst>
+      <p:ext uri="{BB962C8B-B14F-4D97-AF65-F5344CB8AC3E}">
+        <p14:creationId xmlns:p14="http://schemas.microsoft.com/office/powerpoint/2010/main" val="42619036"/>
+      </p:ext>
+    </p:extLst>
+  </p:cSld>
+  <p:clrMapOvr>
+    <a:masterClrMapping/>
+  </p:clrMapOvr>
+</p:notes>
+</file>
+
+<file path=ppt/notesSlides/notesSlide20.xml><?xml version="1.0" encoding="utf-8"?>
+<p:notes xmlns:a="http://schemas.openxmlformats.org/drawingml/2006/main" xmlns:r="http://schemas.openxmlformats.org/officeDocument/2006/relationships" xmlns:p="http://schemas.openxmlformats.org/presentationml/2006/main">
+  <p:cSld>
+    <p:spTree>
+      <p:nvGrpSpPr>
+        <p:cNvPr id="1" name=""/>
+        <p:cNvGrpSpPr/>
+        <p:nvPr/>
+      </p:nvGrpSpPr>
+      <p:grpSpPr>
+        <a:xfrm>
+          <a:off x="0" y="0"/>
+          <a:ext cx="0" cy="0"/>
+          <a:chOff x="0" y="0"/>
+          <a:chExt cx="0" cy="0"/>
+        </a:xfrm>
+      </p:grpSpPr>
+      <p:sp>
+        <p:nvSpPr>
+          <p:cNvPr id="2" name="Segnaposto immagine diapositiva 1"/>
+          <p:cNvSpPr>
+            <a:spLocks noGrp="1" noRot="1" noChangeAspect="1"/>
+          </p:cNvSpPr>
+          <p:nvPr>
+            <p:ph type="sldImg"/>
+          </p:nvPr>
+        </p:nvSpPr>
+        <p:spPr/>
+      </p:sp>
+      <p:sp>
+        <p:nvSpPr>
+          <p:cNvPr id="3" name="Segnaposto note 2"/>
+          <p:cNvSpPr>
+            <a:spLocks noGrp="1"/>
+          </p:cNvSpPr>
+          <p:nvPr>
+            <p:ph type="body" idx="1"/>
+          </p:nvPr>
+        </p:nvSpPr>
+        <p:spPr/>
+        <p:txBody>
+          <a:bodyPr/>
+          <a:lstStyle/>
+          <a:p>
+            <a:r>
+              <a:rPr lang="it-IT" dirty="0"/>
+              <a:t>Prima di descrivere queste fasi, è utile definire le diverse tipologie di vertici nei blocchi. Ogni blocco che ammette un 1-page book embedding contiene un vertice senza archi in ingresso detto sorgente, un vertice senza archi in uscita detto pozzo ed eventuali vertici con archi sia in ingresso che in uscita detti intermedi.</a:t>
+            </a:r>
+          </a:p>
+        </p:txBody>
+      </p:sp>
+      <p:sp>
+        <p:nvSpPr>
+          <p:cNvPr id="4" name="Segnaposto numero diapositiva 3"/>
+          <p:cNvSpPr>
+            <a:spLocks noGrp="1"/>
+          </p:cNvSpPr>
+          <p:nvPr>
+            <p:ph type="sldNum" sz="quarter" idx="5"/>
+          </p:nvPr>
+        </p:nvSpPr>
+        <p:spPr/>
+        <p:txBody>
+          <a:bodyPr/>
+          <a:lstStyle/>
+          <a:p>
+            <a:fld id="{F2EE8B71-78E8-46A3-80BB-3D549D7B777C}" type="slidenum">
+              <a:rPr lang="it-IT" smtClean="0"/>
+              <a:t>20</a:t>
+            </a:fld>
+            <a:endParaRPr lang="it-IT"/>
+          </a:p>
+        </p:txBody>
+      </p:sp>
+    </p:spTree>
+    <p:extLst>
+      <p:ext uri="{BB962C8B-B14F-4D97-AF65-F5344CB8AC3E}">
+        <p14:creationId xmlns:p14="http://schemas.microsoft.com/office/powerpoint/2010/main" val="2857991321"/>
+      </p:ext>
+    </p:extLst>
+  </p:cSld>
+  <p:clrMapOvr>
+    <a:masterClrMapping/>
+  </p:clrMapOvr>
+</p:notes>
+</file>
+
+<file path=ppt/notesSlides/notesSlide21.xml><?xml version="1.0" encoding="utf-8"?>
+<p:notes xmlns:a="http://schemas.openxmlformats.org/drawingml/2006/main" xmlns:r="http://schemas.openxmlformats.org/officeDocument/2006/relationships" xmlns:p="http://schemas.openxmlformats.org/presentationml/2006/main">
+  <p:cSld>
+    <p:spTree>
+      <p:nvGrpSpPr>
+        <p:cNvPr id="1" name=""/>
+        <p:cNvGrpSpPr/>
+        <p:nvPr/>
+      </p:nvGrpSpPr>
+      <p:grpSpPr>
+        <a:xfrm>
+          <a:off x="0" y="0"/>
+          <a:ext cx="0" cy="0"/>
+          <a:chOff x="0" y="0"/>
+          <a:chExt cx="0" cy="0"/>
+        </a:xfrm>
+      </p:grpSpPr>
+      <p:sp>
+        <p:nvSpPr>
+          <p:cNvPr id="2" name="Segnaposto immagine diapositiva 1"/>
+          <p:cNvSpPr>
+            <a:spLocks noGrp="1" noRot="1" noChangeAspect="1"/>
+          </p:cNvSpPr>
+          <p:nvPr>
+            <p:ph type="sldImg"/>
+          </p:nvPr>
+        </p:nvSpPr>
+        <p:spPr/>
+      </p:sp>
+      <p:sp>
+        <p:nvSpPr>
+          <p:cNvPr id="3" name="Segnaposto note 2"/>
+          <p:cNvSpPr>
+            <a:spLocks noGrp="1"/>
+          </p:cNvSpPr>
+          <p:nvPr>
+            <p:ph type="body" idx="1"/>
+          </p:nvPr>
+        </p:nvSpPr>
+        <p:spPr/>
+        <p:txBody>
+          <a:bodyPr/>
+          <a:lstStyle/>
+          <a:p>
+            <a:r>
+              <a:rPr lang="it-IT" dirty="0"/>
+              <a:t>L'algoritmo etichetta gli archi del </a:t>
+            </a:r>
+            <a:r>
+              <a:rPr lang="it-IT" dirty="0" err="1"/>
+              <a:t>block-cutpoint</a:t>
+            </a:r>
+            <a:r>
+              <a:rPr lang="it-IT" dirty="0"/>
+              <a:t> </a:t>
+            </a:r>
+            <a:r>
+              <a:rPr lang="it-IT" dirty="0" err="1"/>
+              <a:t>tree</a:t>
+            </a:r>
+            <a:r>
+              <a:rPr lang="it-IT" dirty="0"/>
+              <a:t> in base al ruolo del </a:t>
+            </a:r>
+            <a:r>
+              <a:rPr lang="it-IT" dirty="0" err="1"/>
+              <a:t>cutpoint</a:t>
+            </a:r>
+            <a:r>
+              <a:rPr lang="it-IT" dirty="0"/>
+              <a:t> nel blocco a cui il </a:t>
+            </a:r>
+            <a:r>
+              <a:rPr lang="it-IT" dirty="0" err="1"/>
+              <a:t>cutpoint</a:t>
+            </a:r>
+            <a:r>
+              <a:rPr lang="it-IT" dirty="0"/>
+              <a:t> è collegato. 0 se il </a:t>
+            </a:r>
+            <a:r>
+              <a:rPr lang="it-IT" dirty="0" err="1"/>
+              <a:t>cutpoint</a:t>
+            </a:r>
+            <a:r>
+              <a:rPr lang="it-IT" dirty="0"/>
+              <a:t> è sorgente del blocco, 1 se intermedio e 2 se pozzo</a:t>
+            </a:r>
+          </a:p>
+        </p:txBody>
+      </p:sp>
+      <p:sp>
+        <p:nvSpPr>
+          <p:cNvPr id="4" name="Segnaposto numero diapositiva 3"/>
+          <p:cNvSpPr>
+            <a:spLocks noGrp="1"/>
+          </p:cNvSpPr>
+          <p:nvPr>
+            <p:ph type="sldNum" sz="quarter" idx="5"/>
+          </p:nvPr>
+        </p:nvSpPr>
+        <p:spPr/>
+        <p:txBody>
+          <a:bodyPr/>
+          <a:lstStyle/>
+          <a:p>
+            <a:fld id="{F2EE8B71-78E8-46A3-80BB-3D549D7B777C}" type="slidenum">
+              <a:rPr lang="it-IT" smtClean="0"/>
+              <a:t>21</a:t>
+            </a:fld>
+            <a:endParaRPr lang="it-IT"/>
+          </a:p>
+        </p:txBody>
+      </p:sp>
+    </p:spTree>
+    <p:extLst>
+      <p:ext uri="{BB962C8B-B14F-4D97-AF65-F5344CB8AC3E}">
+        <p14:creationId xmlns:p14="http://schemas.microsoft.com/office/powerpoint/2010/main" val="2495886211"/>
+      </p:ext>
+    </p:extLst>
+  </p:cSld>
+  <p:clrMapOvr>
+    <a:masterClrMapping/>
+  </p:clrMapOvr>
+</p:notes>
+</file>
+
+<file path=ppt/notesSlides/notesSlide22.xml><?xml version="1.0" encoding="utf-8"?>
+<p:notes xmlns:a="http://schemas.openxmlformats.org/drawingml/2006/main" xmlns:r="http://schemas.openxmlformats.org/officeDocument/2006/relationships" xmlns:p="http://schemas.openxmlformats.org/presentationml/2006/main">
+  <p:cSld>
+    <p:spTree>
+      <p:nvGrpSpPr>
+        <p:cNvPr id="1" name=""/>
+        <p:cNvGrpSpPr/>
+        <p:nvPr/>
+      </p:nvGrpSpPr>
+      <p:grpSpPr>
+        <a:xfrm>
+          <a:off x="0" y="0"/>
+          <a:ext cx="0" cy="0"/>
+          <a:chOff x="0" y="0"/>
+          <a:chExt cx="0" cy="0"/>
+        </a:xfrm>
+      </p:grpSpPr>
+      <p:sp>
+        <p:nvSpPr>
+          <p:cNvPr id="2" name="Segnaposto immagine diapositiva 1"/>
+          <p:cNvSpPr>
+            <a:spLocks noGrp="1" noRot="1" noChangeAspect="1"/>
+          </p:cNvSpPr>
+          <p:nvPr>
+            <p:ph type="sldImg"/>
+          </p:nvPr>
+        </p:nvSpPr>
+        <p:spPr/>
+      </p:sp>
+      <p:sp>
+        <p:nvSpPr>
+          <p:cNvPr id="3" name="Segnaposto note 2"/>
+          <p:cNvSpPr>
+            <a:spLocks noGrp="1"/>
+          </p:cNvSpPr>
+          <p:nvPr>
+            <p:ph type="body" idx="1"/>
+          </p:nvPr>
+        </p:nvSpPr>
+        <p:spPr/>
+        <p:txBody>
+          <a:bodyPr/>
+          <a:lstStyle/>
+          <a:p>
+            <a:r>
+              <a:rPr lang="it-IT" dirty="0"/>
+              <a:t>La ricerca di conflitti nel </a:t>
+            </a:r>
+            <a:r>
+              <a:rPr lang="it-IT" dirty="0" err="1"/>
+              <a:t>block-cutpoint</a:t>
+            </a:r>
+            <a:r>
+              <a:rPr lang="it-IT" dirty="0"/>
+              <a:t> </a:t>
+            </a:r>
+            <a:r>
+              <a:rPr lang="it-IT" dirty="0" err="1"/>
+              <a:t>tree</a:t>
+            </a:r>
+            <a:r>
+              <a:rPr lang="it-IT" dirty="0"/>
+              <a:t> può ora essere descritta poiché questa riguarda la ricerca di cammini tra blocchi in cui il primo e l'ultimo arco sono etichettati con 1. se un tale cammino esiste, allora il DAG non ammette un 1-page book embedding. Durante lo sviluppo della tesi è stata trovata un'imprecisione nell'algoritmo di </a:t>
+            </a:r>
+            <a:r>
+              <a:rPr lang="it-IT" dirty="0" err="1"/>
+              <a:t>Heat</a:t>
+            </a:r>
+            <a:r>
+              <a:rPr lang="it-IT" dirty="0"/>
+              <a:t> e </a:t>
+            </a:r>
+            <a:r>
+              <a:rPr lang="it-IT" dirty="0" err="1"/>
+              <a:t>Pemmaraju</a:t>
+            </a:r>
+            <a:r>
+              <a:rPr lang="it-IT" dirty="0"/>
+              <a:t> nella procedura che ricerca questi conflitti. La procedura è stata quindi corretta attraverso l'introduzione di una condizione aggiuntiva.</a:t>
+            </a:r>
+          </a:p>
+        </p:txBody>
+      </p:sp>
+      <p:sp>
+        <p:nvSpPr>
+          <p:cNvPr id="4" name="Segnaposto numero diapositiva 3"/>
+          <p:cNvSpPr>
+            <a:spLocks noGrp="1"/>
+          </p:cNvSpPr>
+          <p:nvPr>
+            <p:ph type="sldNum" sz="quarter" idx="5"/>
+          </p:nvPr>
+        </p:nvSpPr>
+        <p:spPr/>
+        <p:txBody>
+          <a:bodyPr/>
+          <a:lstStyle/>
+          <a:p>
+            <a:fld id="{F2EE8B71-78E8-46A3-80BB-3D549D7B777C}" type="slidenum">
+              <a:rPr lang="it-IT" smtClean="0"/>
+              <a:t>22</a:t>
+            </a:fld>
+            <a:endParaRPr lang="it-IT"/>
+          </a:p>
+        </p:txBody>
+      </p:sp>
+    </p:spTree>
+    <p:extLst>
+      <p:ext uri="{BB962C8B-B14F-4D97-AF65-F5344CB8AC3E}">
+        <p14:creationId xmlns:p14="http://schemas.microsoft.com/office/powerpoint/2010/main" val="199273160"/>
+      </p:ext>
+    </p:extLst>
+  </p:cSld>
+  <p:clrMapOvr>
+    <a:masterClrMapping/>
+  </p:clrMapOvr>
+</p:notes>
+</file>
+
+<file path=ppt/notesSlides/notesSlide23.xml><?xml version="1.0" encoding="utf-8"?>
+<p:notes xmlns:a="http://schemas.openxmlformats.org/drawingml/2006/main" xmlns:r="http://schemas.openxmlformats.org/officeDocument/2006/relationships" xmlns:p="http://schemas.openxmlformats.org/presentationml/2006/main">
+  <p:cSld>
+    <p:spTree>
+      <p:nvGrpSpPr>
+        <p:cNvPr id="1" name=""/>
+        <p:cNvGrpSpPr/>
+        <p:nvPr/>
+      </p:nvGrpSpPr>
+      <p:grpSpPr>
+        <a:xfrm>
+          <a:off x="0" y="0"/>
+          <a:ext cx="0" cy="0"/>
+          <a:chOff x="0" y="0"/>
+          <a:chExt cx="0" cy="0"/>
+        </a:xfrm>
+      </p:grpSpPr>
+      <p:sp>
+        <p:nvSpPr>
+          <p:cNvPr id="2" name="Segnaposto immagine diapositiva 1"/>
+          <p:cNvSpPr>
+            <a:spLocks noGrp="1" noRot="1" noChangeAspect="1"/>
+          </p:cNvSpPr>
+          <p:nvPr>
+            <p:ph type="sldImg"/>
+          </p:nvPr>
+        </p:nvSpPr>
+        <p:spPr/>
+      </p:sp>
+      <p:sp>
+        <p:nvSpPr>
+          <p:cNvPr id="3" name="Segnaposto note 2"/>
+          <p:cNvSpPr>
+            <a:spLocks noGrp="1"/>
+          </p:cNvSpPr>
+          <p:nvPr>
+            <p:ph type="body" idx="1"/>
+          </p:nvPr>
+        </p:nvSpPr>
+        <p:spPr/>
+        <p:txBody>
+          <a:bodyPr/>
+          <a:lstStyle/>
+          <a:p>
+            <a:r>
+              <a:rPr lang="it-IT" dirty="0"/>
+              <a:t>L'algoritmo procede con la ricerca di un radicamento migliore. La proprietà principale di questo radicamento risiede nel fatto che non sono presenti </a:t>
+            </a:r>
+            <a:r>
+              <a:rPr lang="it-IT" dirty="0" err="1"/>
+              <a:t>cutpoint</a:t>
+            </a:r>
+            <a:r>
+              <a:rPr lang="it-IT" dirty="0"/>
+              <a:t> che hanno blocchi figli raggiungibili attraverso un arco di tipo 1. Questo radicamento esiste sempre nei </a:t>
+            </a:r>
+            <a:r>
+              <a:rPr lang="it-IT" dirty="0" err="1"/>
+              <a:t>block-cutpoint</a:t>
+            </a:r>
+            <a:r>
+              <a:rPr lang="it-IT" dirty="0"/>
+              <a:t> </a:t>
+            </a:r>
+            <a:r>
+              <a:rPr lang="it-IT" dirty="0" err="1"/>
+              <a:t>tree</a:t>
+            </a:r>
+            <a:r>
+              <a:rPr lang="it-IT" dirty="0"/>
+              <a:t> in cui non ci sono conflitti e può essere trovato in tempo lineare.</a:t>
+            </a:r>
+          </a:p>
+        </p:txBody>
+      </p:sp>
+      <p:sp>
+        <p:nvSpPr>
+          <p:cNvPr id="4" name="Segnaposto numero diapositiva 3"/>
+          <p:cNvSpPr>
+            <a:spLocks noGrp="1"/>
+          </p:cNvSpPr>
+          <p:nvPr>
+            <p:ph type="sldNum" sz="quarter" idx="5"/>
+          </p:nvPr>
+        </p:nvSpPr>
+        <p:spPr/>
+        <p:txBody>
+          <a:bodyPr/>
+          <a:lstStyle/>
+          <a:p>
+            <a:fld id="{F2EE8B71-78E8-46A3-80BB-3D549D7B777C}" type="slidenum">
+              <a:rPr lang="it-IT" smtClean="0"/>
+              <a:t>23</a:t>
+            </a:fld>
+            <a:endParaRPr lang="it-IT"/>
+          </a:p>
+        </p:txBody>
+      </p:sp>
+    </p:spTree>
+    <p:extLst>
+      <p:ext uri="{BB962C8B-B14F-4D97-AF65-F5344CB8AC3E}">
+        <p14:creationId xmlns:p14="http://schemas.microsoft.com/office/powerpoint/2010/main" val="108779746"/>
+      </p:ext>
+    </p:extLst>
+  </p:cSld>
+  <p:clrMapOvr>
+    <a:masterClrMapping/>
+  </p:clrMapOvr>
+</p:notes>
+</file>
+
+<file path=ppt/notesSlides/notesSlide24.xml><?xml version="1.0" encoding="utf-8"?>
+<p:notes xmlns:a="http://schemas.openxmlformats.org/drawingml/2006/main" xmlns:r="http://schemas.openxmlformats.org/officeDocument/2006/relationships" xmlns:p="http://schemas.openxmlformats.org/presentationml/2006/main">
+  <p:cSld>
+    <p:spTree>
+      <p:nvGrpSpPr>
+        <p:cNvPr id="1" name=""/>
+        <p:cNvGrpSpPr/>
+        <p:nvPr/>
+      </p:nvGrpSpPr>
+      <p:grpSpPr>
+        <a:xfrm>
+          <a:off x="0" y="0"/>
+          <a:ext cx="0" cy="0"/>
+          <a:chOff x="0" y="0"/>
+          <a:chExt cx="0" cy="0"/>
+        </a:xfrm>
+      </p:grpSpPr>
+      <p:sp>
+        <p:nvSpPr>
+          <p:cNvPr id="2" name="Segnaposto immagine diapositiva 1"/>
+          <p:cNvSpPr>
+            <a:spLocks noGrp="1" noRot="1" noChangeAspect="1"/>
+          </p:cNvSpPr>
+          <p:nvPr>
+            <p:ph type="sldImg"/>
+          </p:nvPr>
+        </p:nvSpPr>
+        <p:spPr/>
+      </p:sp>
+      <p:sp>
+        <p:nvSpPr>
+          <p:cNvPr id="3" name="Segnaposto note 2"/>
+          <p:cNvSpPr>
+            <a:spLocks noGrp="1"/>
+          </p:cNvSpPr>
+          <p:nvPr>
+            <p:ph type="body" idx="1"/>
+          </p:nvPr>
+        </p:nvSpPr>
+        <p:spPr/>
+        <p:txBody>
+          <a:bodyPr/>
+          <a:lstStyle/>
+          <a:p>
+            <a:r>
+              <a:rPr lang="it-IT" dirty="0"/>
+              <a:t>Un'ultima definizione è quella di cammino ristretto, un cammino ristretto è un cammino che ha origine in un </a:t>
+            </a:r>
+            <a:r>
+              <a:rPr lang="it-IT" dirty="0" err="1"/>
+              <a:t>cutpoint</a:t>
+            </a:r>
+            <a:r>
+              <a:rPr lang="it-IT" dirty="0"/>
+              <a:t> e che termina in un blocco attraverso un arco etichettato con 1</a:t>
+            </a:r>
+          </a:p>
+        </p:txBody>
+      </p:sp>
+      <p:sp>
+        <p:nvSpPr>
+          <p:cNvPr id="4" name="Segnaposto numero diapositiva 3"/>
+          <p:cNvSpPr>
+            <a:spLocks noGrp="1"/>
+          </p:cNvSpPr>
+          <p:nvPr>
+            <p:ph type="sldNum" sz="quarter" idx="5"/>
+          </p:nvPr>
+        </p:nvSpPr>
+        <p:spPr/>
+        <p:txBody>
+          <a:bodyPr/>
+          <a:lstStyle/>
+          <a:p>
+            <a:fld id="{F2EE8B71-78E8-46A3-80BB-3D549D7B777C}" type="slidenum">
+              <a:rPr lang="it-IT" smtClean="0"/>
+              <a:t>24</a:t>
+            </a:fld>
+            <a:endParaRPr lang="it-IT"/>
+          </a:p>
+        </p:txBody>
+      </p:sp>
+    </p:spTree>
+    <p:extLst>
+      <p:ext uri="{BB962C8B-B14F-4D97-AF65-F5344CB8AC3E}">
+        <p14:creationId xmlns:p14="http://schemas.microsoft.com/office/powerpoint/2010/main" val="3654338795"/>
+      </p:ext>
+    </p:extLst>
+  </p:cSld>
+  <p:clrMapOvr>
+    <a:masterClrMapping/>
+  </p:clrMapOvr>
+</p:notes>
+</file>
+
+<file path=ppt/notesSlides/notesSlide25.xml><?xml version="1.0" encoding="utf-8"?>
+<p:notes xmlns:a="http://schemas.openxmlformats.org/drawingml/2006/main" xmlns:r="http://schemas.openxmlformats.org/officeDocument/2006/relationships" xmlns:p="http://schemas.openxmlformats.org/presentationml/2006/main">
+  <p:cSld>
+    <p:spTree>
+      <p:nvGrpSpPr>
+        <p:cNvPr id="1" name=""/>
+        <p:cNvGrpSpPr/>
+        <p:nvPr/>
+      </p:nvGrpSpPr>
+      <p:grpSpPr>
+        <a:xfrm>
+          <a:off x="0" y="0"/>
+          <a:ext cx="0" cy="0"/>
+          <a:chOff x="0" y="0"/>
+          <a:chExt cx="0" cy="0"/>
+        </a:xfrm>
+      </p:grpSpPr>
+      <p:sp>
+        <p:nvSpPr>
+          <p:cNvPr id="2" name="Segnaposto immagine diapositiva 1"/>
+          <p:cNvSpPr>
+            <a:spLocks noGrp="1" noRot="1" noChangeAspect="1"/>
+          </p:cNvSpPr>
+          <p:nvPr>
+            <p:ph type="sldImg"/>
+          </p:nvPr>
+        </p:nvSpPr>
+        <p:spPr/>
+      </p:sp>
+      <p:sp>
+        <p:nvSpPr>
+          <p:cNvPr id="3" name="Segnaposto note 2"/>
+          <p:cNvSpPr>
+            <a:spLocks noGrp="1"/>
+          </p:cNvSpPr>
+          <p:nvPr>
+            <p:ph type="body" idx="1"/>
+          </p:nvPr>
+        </p:nvSpPr>
+        <p:spPr/>
+        <p:txBody>
+          <a:bodyPr/>
+          <a:lstStyle/>
+          <a:p>
+            <a:r>
+              <a:rPr lang="it-IT" dirty="0"/>
+              <a:t>A questo punto è possibile individuare i blocchi che possono essere permutati tra loro per ottenere risultati differenti. Tali blocchi permutabili risultano essere i blocchi collegati ad uno stesso </a:t>
+            </a:r>
+            <a:r>
+              <a:rPr lang="it-IT" dirty="0" err="1"/>
+              <a:t>cutpoint</a:t>
+            </a:r>
+            <a:r>
+              <a:rPr lang="it-IT" dirty="0"/>
+              <a:t> nel </a:t>
+            </a:r>
+            <a:r>
+              <a:rPr lang="it-IT" dirty="0" err="1"/>
+              <a:t>block-cutpoint</a:t>
+            </a:r>
+            <a:r>
+              <a:rPr lang="it-IT" dirty="0"/>
+              <a:t> </a:t>
+            </a:r>
+            <a:r>
+              <a:rPr lang="it-IT" dirty="0" err="1"/>
+              <a:t>tree</a:t>
+            </a:r>
+            <a:r>
+              <a:rPr lang="it-IT" dirty="0"/>
+              <a:t> attraverso archi dello stesso tipo, di tipo 0 o di tipo 2. Ad eccezione dei blocchi che si trovano su un cammino ristretto che ha origine nel </a:t>
+            </a:r>
+            <a:r>
+              <a:rPr lang="it-IT" dirty="0" err="1"/>
+              <a:t>cutpoint</a:t>
+            </a:r>
+            <a:r>
+              <a:rPr lang="it-IT" dirty="0"/>
+              <a:t> considerato. Questi insiemi di blocchi possono essere individuati in tempo lineare.</a:t>
+            </a:r>
+          </a:p>
+        </p:txBody>
+      </p:sp>
+      <p:sp>
+        <p:nvSpPr>
+          <p:cNvPr id="4" name="Segnaposto numero diapositiva 3"/>
+          <p:cNvSpPr>
+            <a:spLocks noGrp="1"/>
+          </p:cNvSpPr>
+          <p:nvPr>
+            <p:ph type="sldNum" sz="quarter" idx="5"/>
+          </p:nvPr>
+        </p:nvSpPr>
+        <p:spPr/>
+        <p:txBody>
+          <a:bodyPr/>
+          <a:lstStyle/>
+          <a:p>
+            <a:fld id="{F2EE8B71-78E8-46A3-80BB-3D549D7B777C}" type="slidenum">
+              <a:rPr lang="it-IT" smtClean="0"/>
+              <a:t>25</a:t>
+            </a:fld>
+            <a:endParaRPr lang="it-IT"/>
+          </a:p>
+        </p:txBody>
+      </p:sp>
+    </p:spTree>
+    <p:extLst>
+      <p:ext uri="{BB962C8B-B14F-4D97-AF65-F5344CB8AC3E}">
+        <p14:creationId xmlns:p14="http://schemas.microsoft.com/office/powerpoint/2010/main" val="3721157160"/>
+      </p:ext>
+    </p:extLst>
+  </p:cSld>
+  <p:clrMapOvr>
+    <a:masterClrMapping/>
+  </p:clrMapOvr>
+</p:notes>
+</file>
+
+<file path=ppt/notesSlides/notesSlide26.xml><?xml version="1.0" encoding="utf-8"?>
+<p:notes xmlns:a="http://schemas.openxmlformats.org/drawingml/2006/main" xmlns:r="http://schemas.openxmlformats.org/officeDocument/2006/relationships" xmlns:p="http://schemas.openxmlformats.org/presentationml/2006/main">
+  <p:cSld>
+    <p:spTree>
+      <p:nvGrpSpPr>
+        <p:cNvPr id="1" name=""/>
+        <p:cNvGrpSpPr/>
+        <p:nvPr/>
+      </p:nvGrpSpPr>
+      <p:grpSpPr>
+        <a:xfrm>
+          <a:off x="0" y="0"/>
+          <a:ext cx="0" cy="0"/>
+          <a:chOff x="0" y="0"/>
+          <a:chExt cx="0" cy="0"/>
+        </a:xfrm>
+      </p:grpSpPr>
+      <p:sp>
+        <p:nvSpPr>
+          <p:cNvPr id="2" name="Segnaposto immagine diapositiva 1"/>
+          <p:cNvSpPr>
+            <a:spLocks noGrp="1" noRot="1" noChangeAspect="1"/>
+          </p:cNvSpPr>
+          <p:nvPr>
+            <p:ph type="sldImg"/>
+          </p:nvPr>
+        </p:nvSpPr>
+        <p:spPr/>
+      </p:sp>
+      <p:sp>
+        <p:nvSpPr>
+          <p:cNvPr id="3" name="Segnaposto note 2"/>
+          <p:cNvSpPr>
+            <a:spLocks noGrp="1"/>
+          </p:cNvSpPr>
+          <p:nvPr>
+            <p:ph type="body" idx="1"/>
+          </p:nvPr>
+        </p:nvSpPr>
+        <p:spPr/>
+        <p:txBody>
+          <a:bodyPr/>
+          <a:lstStyle/>
+          <a:p>
+            <a:r>
+              <a:rPr lang="it-IT" dirty="0"/>
+              <a:t>L'algoritmo quindi procede con la generazione di tutti i BFS </a:t>
+            </a:r>
+            <a:r>
+              <a:rPr lang="it-IT" dirty="0" err="1"/>
+              <a:t>ordering</a:t>
+            </a:r>
+            <a:r>
+              <a:rPr lang="it-IT" dirty="0"/>
+              <a:t> che contengono le diverse permutazioni dei blocchi individuati. questo viene fatto attraverso radicamenti alternativi del </a:t>
+            </a:r>
+            <a:r>
+              <a:rPr lang="it-IT" dirty="0" err="1"/>
+              <a:t>block-cutpoint</a:t>
+            </a:r>
+            <a:r>
+              <a:rPr lang="it-IT" dirty="0"/>
+              <a:t> </a:t>
+            </a:r>
+            <a:r>
+              <a:rPr lang="it-IT" dirty="0" err="1"/>
+              <a:t>tree</a:t>
+            </a:r>
+            <a:r>
+              <a:rPr lang="it-IT" dirty="0"/>
+              <a:t> e permutazioni di blocchi figli di uno stesso </a:t>
+            </a:r>
+            <a:r>
+              <a:rPr lang="it-IT" dirty="0" err="1"/>
+              <a:t>cutpoint</a:t>
+            </a:r>
+            <a:r>
+              <a:rPr lang="it-IT" dirty="0"/>
+              <a:t> e permutabili fra loro. La generazione del BFS </a:t>
+            </a:r>
+            <a:r>
+              <a:rPr lang="it-IT" dirty="0" err="1"/>
+              <a:t>ordering</a:t>
+            </a:r>
+            <a:r>
+              <a:rPr lang="it-IT" dirty="0"/>
+              <a:t> successivo richiede tempo lineare e, come visto nell'algoritmo di </a:t>
+            </a:r>
+            <a:r>
+              <a:rPr lang="it-IT" dirty="0" err="1"/>
+              <a:t>Heat</a:t>
+            </a:r>
+            <a:r>
+              <a:rPr lang="it-IT" dirty="0"/>
+              <a:t> e </a:t>
+            </a:r>
+            <a:r>
+              <a:rPr lang="it-IT" dirty="0" err="1"/>
+              <a:t>Pemmaraju</a:t>
+            </a:r>
+            <a:r>
+              <a:rPr lang="it-IT" dirty="0"/>
+              <a:t>, anche la costruzione di un 1-page book embedding a partire da un BFS </a:t>
+            </a:r>
+            <a:r>
+              <a:rPr lang="it-IT" dirty="0" err="1"/>
+              <a:t>ordering</a:t>
+            </a:r>
+            <a:r>
+              <a:rPr lang="it-IT" dirty="0"/>
+              <a:t> richiede tempo lineare. Dunque il delay temporale tra un risultato e il successivo nell'algoritmo di enumerazione è lineare rispetto al numero di vertici del DAG.</a:t>
+            </a:r>
+          </a:p>
+        </p:txBody>
+      </p:sp>
+      <p:sp>
+        <p:nvSpPr>
+          <p:cNvPr id="4" name="Segnaposto numero diapositiva 3"/>
+          <p:cNvSpPr>
+            <a:spLocks noGrp="1"/>
+          </p:cNvSpPr>
+          <p:nvPr>
+            <p:ph type="sldNum" sz="quarter" idx="5"/>
+          </p:nvPr>
+        </p:nvSpPr>
+        <p:spPr/>
+        <p:txBody>
+          <a:bodyPr/>
+          <a:lstStyle/>
+          <a:p>
+            <a:fld id="{F2EE8B71-78E8-46A3-80BB-3D549D7B777C}" type="slidenum">
+              <a:rPr lang="it-IT" smtClean="0"/>
+              <a:t>26</a:t>
+            </a:fld>
+            <a:endParaRPr lang="it-IT"/>
+          </a:p>
+        </p:txBody>
+      </p:sp>
+    </p:spTree>
+    <p:extLst>
+      <p:ext uri="{BB962C8B-B14F-4D97-AF65-F5344CB8AC3E}">
+        <p14:creationId xmlns:p14="http://schemas.microsoft.com/office/powerpoint/2010/main" val="1566476157"/>
+      </p:ext>
+    </p:extLst>
+  </p:cSld>
+  <p:clrMapOvr>
+    <a:masterClrMapping/>
+  </p:clrMapOvr>
+</p:notes>
+</file>
+
+<file path=ppt/notesSlides/notesSlide27.xml><?xml version="1.0" encoding="utf-8"?>
+<p:notes xmlns:a="http://schemas.openxmlformats.org/drawingml/2006/main" xmlns:r="http://schemas.openxmlformats.org/officeDocument/2006/relationships" xmlns:p="http://schemas.openxmlformats.org/presentationml/2006/main">
+  <p:cSld>
+    <p:spTree>
+      <p:nvGrpSpPr>
+        <p:cNvPr id="1" name=""/>
+        <p:cNvGrpSpPr/>
+        <p:nvPr/>
+      </p:nvGrpSpPr>
+      <p:grpSpPr>
+        <a:xfrm>
+          <a:off x="0" y="0"/>
+          <a:ext cx="0" cy="0"/>
+          <a:chOff x="0" y="0"/>
+          <a:chExt cx="0" cy="0"/>
+        </a:xfrm>
+      </p:grpSpPr>
+      <p:sp>
+        <p:nvSpPr>
+          <p:cNvPr id="2" name="Segnaposto immagine diapositiva 1"/>
+          <p:cNvSpPr>
+            <a:spLocks noGrp="1" noRot="1" noChangeAspect="1"/>
+          </p:cNvSpPr>
+          <p:nvPr>
+            <p:ph type="sldImg"/>
+          </p:nvPr>
+        </p:nvSpPr>
+        <p:spPr/>
+      </p:sp>
+      <p:sp>
+        <p:nvSpPr>
+          <p:cNvPr id="3" name="Segnaposto note 2"/>
+          <p:cNvSpPr>
+            <a:spLocks noGrp="1"/>
+          </p:cNvSpPr>
+          <p:nvPr>
+            <p:ph type="body" idx="1"/>
+          </p:nvPr>
+        </p:nvSpPr>
+        <p:spPr/>
+        <p:txBody>
+          <a:bodyPr/>
+          <a:lstStyle/>
+          <a:p>
+            <a:r>
+              <a:rPr lang="it-IT" dirty="0"/>
+              <a:t>Un altro risultato della tesi riguarda la formula che consente di contare quanti sono i possibili 1-page book embedding di un DAG, qui riportata. Tale formula consiste in una moltiplicazione del numero di permutazioni per ogni insieme di blocchi permutabili per ogni radicamento del </a:t>
+            </a:r>
+            <a:r>
+              <a:rPr lang="it-IT" dirty="0" err="1"/>
+              <a:t>block-cutpoint</a:t>
+            </a:r>
+            <a:r>
+              <a:rPr lang="it-IT" dirty="0"/>
+              <a:t> </a:t>
+            </a:r>
+            <a:r>
+              <a:rPr lang="it-IT" dirty="0" err="1"/>
+              <a:t>tree</a:t>
+            </a:r>
+            <a:r>
+              <a:rPr lang="it-IT" dirty="0"/>
+              <a:t> trovato dall'algoritmo.</a:t>
+            </a:r>
+          </a:p>
+        </p:txBody>
+      </p:sp>
+      <p:sp>
+        <p:nvSpPr>
+          <p:cNvPr id="4" name="Segnaposto numero diapositiva 3"/>
+          <p:cNvSpPr>
+            <a:spLocks noGrp="1"/>
+          </p:cNvSpPr>
+          <p:nvPr>
+            <p:ph type="sldNum" sz="quarter" idx="5"/>
+          </p:nvPr>
+        </p:nvSpPr>
+        <p:spPr/>
+        <p:txBody>
+          <a:bodyPr/>
+          <a:lstStyle/>
+          <a:p>
+            <a:fld id="{F2EE8B71-78E8-46A3-80BB-3D549D7B777C}" type="slidenum">
+              <a:rPr lang="it-IT" smtClean="0"/>
+              <a:t>27</a:t>
+            </a:fld>
+            <a:endParaRPr lang="it-IT"/>
+          </a:p>
+        </p:txBody>
+      </p:sp>
+    </p:spTree>
+    <p:extLst>
+      <p:ext uri="{BB962C8B-B14F-4D97-AF65-F5344CB8AC3E}">
+        <p14:creationId xmlns:p14="http://schemas.microsoft.com/office/powerpoint/2010/main" val="1095930288"/>
+      </p:ext>
+    </p:extLst>
+  </p:cSld>
+  <p:clrMapOvr>
+    <a:masterClrMapping/>
+  </p:clrMapOvr>
+</p:notes>
+</file>
+
+<file path=ppt/notesSlides/notesSlide28.xml><?xml version="1.0" encoding="utf-8"?>
+<p:notes xmlns:a="http://schemas.openxmlformats.org/drawingml/2006/main" xmlns:r="http://schemas.openxmlformats.org/officeDocument/2006/relationships" xmlns:p="http://schemas.openxmlformats.org/presentationml/2006/main">
+  <p:cSld>
+    <p:spTree>
+      <p:nvGrpSpPr>
+        <p:cNvPr id="1" name=""/>
+        <p:cNvGrpSpPr/>
+        <p:nvPr/>
+      </p:nvGrpSpPr>
+      <p:grpSpPr>
+        <a:xfrm>
+          <a:off x="0" y="0"/>
+          <a:ext cx="0" cy="0"/>
+          <a:chOff x="0" y="0"/>
+          <a:chExt cx="0" cy="0"/>
+        </a:xfrm>
+      </p:grpSpPr>
+      <p:sp>
+        <p:nvSpPr>
+          <p:cNvPr id="2" name="Segnaposto immagine diapositiva 1"/>
+          <p:cNvSpPr>
+            <a:spLocks noGrp="1" noRot="1" noChangeAspect="1"/>
+          </p:cNvSpPr>
+          <p:nvPr>
+            <p:ph type="sldImg"/>
+          </p:nvPr>
+        </p:nvSpPr>
+        <p:spPr/>
+      </p:sp>
+      <p:sp>
+        <p:nvSpPr>
+          <p:cNvPr id="3" name="Segnaposto note 2"/>
+          <p:cNvSpPr>
+            <a:spLocks noGrp="1"/>
+          </p:cNvSpPr>
+          <p:nvPr>
+            <p:ph type="body" idx="1"/>
+          </p:nvPr>
+        </p:nvSpPr>
+        <p:spPr/>
+        <p:txBody>
+          <a:bodyPr/>
+          <a:lstStyle/>
+          <a:p>
+            <a:r>
+              <a:rPr lang="it-IT" dirty="0"/>
+              <a:t>infine, un risultato pratico della tesi riguarda un tool web che consente di eseguire l'algoritmo di enumerazione su una pagina web e di esplorare i diversi risultati. Questo strumento utilizza la tecnologia </a:t>
+            </a:r>
+            <a:r>
+              <a:rPr lang="it-IT" dirty="0" err="1"/>
+              <a:t>WebAssembly</a:t>
+            </a:r>
+            <a:r>
+              <a:rPr lang="it-IT" dirty="0"/>
+              <a:t> ed è quindi molto efficiente. Inoltre, il numero di possibili risultati è calcolato attraverso la formula di </a:t>
+            </a:r>
+            <a:r>
+              <a:rPr lang="it-IT" dirty="0" err="1"/>
+              <a:t>counting</a:t>
+            </a:r>
+            <a:r>
+              <a:rPr lang="it-IT" dirty="0"/>
+              <a:t> e riportato a schermo.</a:t>
+            </a:r>
+          </a:p>
+        </p:txBody>
+      </p:sp>
+      <p:sp>
+        <p:nvSpPr>
+          <p:cNvPr id="4" name="Segnaposto numero diapositiva 3"/>
+          <p:cNvSpPr>
+            <a:spLocks noGrp="1"/>
+          </p:cNvSpPr>
+          <p:nvPr>
+            <p:ph type="sldNum" sz="quarter" idx="5"/>
+          </p:nvPr>
+        </p:nvSpPr>
+        <p:spPr/>
+        <p:txBody>
+          <a:bodyPr/>
+          <a:lstStyle/>
+          <a:p>
+            <a:fld id="{F2EE8B71-78E8-46A3-80BB-3D549D7B777C}" type="slidenum">
+              <a:rPr lang="it-IT" smtClean="0"/>
+              <a:t>28</a:t>
+            </a:fld>
+            <a:endParaRPr lang="it-IT"/>
+          </a:p>
+        </p:txBody>
+      </p:sp>
+    </p:spTree>
+    <p:extLst>
+      <p:ext uri="{BB962C8B-B14F-4D97-AF65-F5344CB8AC3E}">
+        <p14:creationId xmlns:p14="http://schemas.microsoft.com/office/powerpoint/2010/main" val="216813825"/>
+      </p:ext>
+    </p:extLst>
+  </p:cSld>
+  <p:clrMapOvr>
+    <a:masterClrMapping/>
+  </p:clrMapOvr>
+</p:notes>
+</file>
+
+<file path=ppt/notesSlides/notesSlide29.xml><?xml version="1.0" encoding="utf-8"?>
+<p:notes xmlns:a="http://schemas.openxmlformats.org/drawingml/2006/main" xmlns:r="http://schemas.openxmlformats.org/officeDocument/2006/relationships" xmlns:p="http://schemas.openxmlformats.org/presentationml/2006/main">
+  <p:cSld>
+    <p:spTree>
+      <p:nvGrpSpPr>
+        <p:cNvPr id="1" name=""/>
+        <p:cNvGrpSpPr/>
+        <p:nvPr/>
+      </p:nvGrpSpPr>
+      <p:grpSpPr>
+        <a:xfrm>
+          <a:off x="0" y="0"/>
+          <a:ext cx="0" cy="0"/>
+          <a:chOff x="0" y="0"/>
+          <a:chExt cx="0" cy="0"/>
+        </a:xfrm>
+      </p:grpSpPr>
+      <p:sp>
+        <p:nvSpPr>
+          <p:cNvPr id="2" name="Segnaposto immagine diapositiva 1"/>
+          <p:cNvSpPr>
+            <a:spLocks noGrp="1" noRot="1" noChangeAspect="1"/>
+          </p:cNvSpPr>
+          <p:nvPr>
+            <p:ph type="sldImg"/>
+          </p:nvPr>
+        </p:nvSpPr>
+        <p:spPr/>
+      </p:sp>
+      <p:sp>
+        <p:nvSpPr>
+          <p:cNvPr id="3" name="Segnaposto note 2"/>
+          <p:cNvSpPr>
+            <a:spLocks noGrp="1"/>
+          </p:cNvSpPr>
+          <p:nvPr>
+            <p:ph type="body" idx="1"/>
+          </p:nvPr>
+        </p:nvSpPr>
+        <p:spPr/>
+        <p:txBody>
+          <a:bodyPr/>
+          <a:lstStyle/>
+          <a:p>
+            <a:r>
+              <a:rPr lang="it-IT" dirty="0"/>
+              <a:t>infine, un risultato pratico della tesi riguarda un tool web che consente di eseguire l'algoritmo di enumerazione su una pagina web e di esplorare i diversi risultati. Questo strumento utilizza la tecnologia </a:t>
+            </a:r>
+            <a:r>
+              <a:rPr lang="it-IT" dirty="0" err="1"/>
+              <a:t>WebAssembly</a:t>
+            </a:r>
+            <a:r>
+              <a:rPr lang="it-IT" dirty="0"/>
+              <a:t> ed è quindi molto efficiente. Inoltre, il numero di possibili risultati è calcolato attraverso la formula di </a:t>
+            </a:r>
+            <a:r>
+              <a:rPr lang="it-IT" dirty="0" err="1"/>
+              <a:t>counting</a:t>
+            </a:r>
+            <a:r>
+              <a:rPr lang="it-IT" dirty="0"/>
+              <a:t> e riportato a schermo.</a:t>
+            </a:r>
+          </a:p>
+        </p:txBody>
+      </p:sp>
+      <p:sp>
+        <p:nvSpPr>
+          <p:cNvPr id="4" name="Segnaposto numero diapositiva 3"/>
+          <p:cNvSpPr>
+            <a:spLocks noGrp="1"/>
+          </p:cNvSpPr>
+          <p:nvPr>
+            <p:ph type="sldNum" sz="quarter" idx="5"/>
+          </p:nvPr>
+        </p:nvSpPr>
+        <p:spPr/>
+        <p:txBody>
+          <a:bodyPr/>
+          <a:lstStyle/>
+          <a:p>
+            <a:fld id="{F2EE8B71-78E8-46A3-80BB-3D549D7B777C}" type="slidenum">
+              <a:rPr lang="it-IT" smtClean="0"/>
+              <a:t>29</a:t>
+            </a:fld>
+            <a:endParaRPr lang="it-IT"/>
+          </a:p>
+        </p:txBody>
+      </p:sp>
+    </p:spTree>
+    <p:extLst>
+      <p:ext uri="{BB962C8B-B14F-4D97-AF65-F5344CB8AC3E}">
+        <p14:creationId xmlns:p14="http://schemas.microsoft.com/office/powerpoint/2010/main" val="3042209610"/>
+      </p:ext>
+    </p:extLst>
+  </p:cSld>
+  <p:clrMapOvr>
+    <a:masterClrMapping/>
+  </p:clrMapOvr>
+</p:notes>
+</file>
+
+<file path=ppt/notesSlides/notesSlide3.xml><?xml version="1.0" encoding="utf-8"?>
+<p:notes xmlns:a="http://schemas.openxmlformats.org/drawingml/2006/main" xmlns:r="http://schemas.openxmlformats.org/officeDocument/2006/relationships" xmlns:p="http://schemas.openxmlformats.org/presentationml/2006/main">
+  <p:cSld>
+    <p:spTree>
+      <p:nvGrpSpPr>
+        <p:cNvPr id="1" name=""/>
+        <p:cNvGrpSpPr/>
+        <p:nvPr/>
+      </p:nvGrpSpPr>
+      <p:grpSpPr>
+        <a:xfrm>
+          <a:off x="0" y="0"/>
+          <a:ext cx="0" cy="0"/>
+          <a:chOff x="0" y="0"/>
+          <a:chExt cx="0" cy="0"/>
+        </a:xfrm>
+      </p:grpSpPr>
+      <p:sp>
+        <p:nvSpPr>
+          <p:cNvPr id="2" name="Segnaposto immagine diapositiva 1"/>
+          <p:cNvSpPr>
+            <a:spLocks noGrp="1" noRot="1" noChangeAspect="1"/>
+          </p:cNvSpPr>
+          <p:nvPr>
+            <p:ph type="sldImg"/>
+          </p:nvPr>
+        </p:nvSpPr>
+        <p:spPr/>
+      </p:sp>
+      <p:sp>
+        <p:nvSpPr>
+          <p:cNvPr id="3" name="Segnaposto note 2"/>
+          <p:cNvSpPr>
+            <a:spLocks noGrp="1"/>
+          </p:cNvSpPr>
+          <p:nvPr>
+            <p:ph type="body" idx="1"/>
+          </p:nvPr>
+        </p:nvSpPr>
+        <p:spPr/>
+        <p:txBody>
+          <a:bodyPr/>
+          <a:lstStyle/>
+          <a:p>
+            <a:r>
+              <a:rPr lang="it-IT" dirty="0"/>
+              <a:t>Un DAG è un grafo diretto privo di cicli diretti, dove non è quindi possibile percorrere un cammino che attraversa più volte uno stesso vertice.</a:t>
+            </a:r>
+          </a:p>
+        </p:txBody>
+      </p:sp>
+      <p:sp>
+        <p:nvSpPr>
+          <p:cNvPr id="4" name="Segnaposto numero diapositiva 3"/>
+          <p:cNvSpPr>
+            <a:spLocks noGrp="1"/>
+          </p:cNvSpPr>
+          <p:nvPr>
+            <p:ph type="sldNum" sz="quarter" idx="5"/>
+          </p:nvPr>
+        </p:nvSpPr>
+        <p:spPr/>
+        <p:txBody>
+          <a:bodyPr/>
+          <a:lstStyle/>
+          <a:p>
+            <a:fld id="{F2EE8B71-78E8-46A3-80BB-3D549D7B777C}" type="slidenum">
+              <a:rPr lang="it-IT" smtClean="0"/>
+              <a:t>3</a:t>
+            </a:fld>
+            <a:endParaRPr lang="it-IT"/>
+          </a:p>
+        </p:txBody>
+      </p:sp>
+    </p:spTree>
+    <p:extLst>
+      <p:ext uri="{BB962C8B-B14F-4D97-AF65-F5344CB8AC3E}">
+        <p14:creationId xmlns:p14="http://schemas.microsoft.com/office/powerpoint/2010/main" val="182798636"/>
+      </p:ext>
+    </p:extLst>
+  </p:cSld>
+  <p:clrMapOvr>
+    <a:masterClrMapping/>
+  </p:clrMapOvr>
+</p:notes>
+</file>
+
+<file path=ppt/notesSlides/notesSlide30.xml><?xml version="1.0" encoding="utf-8"?>
+<p:notes xmlns:a="http://schemas.openxmlformats.org/drawingml/2006/main" xmlns:r="http://schemas.openxmlformats.org/officeDocument/2006/relationships" xmlns:p="http://schemas.openxmlformats.org/presentationml/2006/main">
+  <p:cSld>
+    <p:spTree>
+      <p:nvGrpSpPr>
+        <p:cNvPr id="1" name=""/>
+        <p:cNvGrpSpPr/>
+        <p:nvPr/>
+      </p:nvGrpSpPr>
+      <p:grpSpPr>
+        <a:xfrm>
+          <a:off x="0" y="0"/>
+          <a:ext cx="0" cy="0"/>
+          <a:chOff x="0" y="0"/>
+          <a:chExt cx="0" cy="0"/>
+        </a:xfrm>
+      </p:grpSpPr>
+      <p:sp>
+        <p:nvSpPr>
+          <p:cNvPr id="2" name="Segnaposto immagine diapositiva 1"/>
+          <p:cNvSpPr>
+            <a:spLocks noGrp="1" noRot="1" noChangeAspect="1"/>
+          </p:cNvSpPr>
+          <p:nvPr>
+            <p:ph type="sldImg"/>
+          </p:nvPr>
+        </p:nvSpPr>
+        <p:spPr/>
+      </p:sp>
+      <p:sp>
+        <p:nvSpPr>
+          <p:cNvPr id="3" name="Segnaposto note 2"/>
+          <p:cNvSpPr>
+            <a:spLocks noGrp="1"/>
+          </p:cNvSpPr>
+          <p:nvPr>
+            <p:ph type="body" idx="1"/>
+          </p:nvPr>
+        </p:nvSpPr>
+        <p:spPr/>
+        <p:txBody>
+          <a:bodyPr/>
+          <a:lstStyle/>
+          <a:p>
+            <a:r>
+              <a:rPr lang="it-IT" dirty="0"/>
+              <a:t>infine, un risultato pratico della tesi riguarda un tool web che consente di eseguire l'algoritmo di enumerazione su una pagina web e di esplorare i diversi risultati. Questo strumento utilizza la tecnologia </a:t>
+            </a:r>
+            <a:r>
+              <a:rPr lang="it-IT" dirty="0" err="1"/>
+              <a:t>WebAssembly</a:t>
+            </a:r>
+            <a:r>
+              <a:rPr lang="it-IT" dirty="0"/>
+              <a:t> ed è quindi molto efficiente. Inoltre, il numero di possibili risultati è calcolato attraverso la formula di </a:t>
+            </a:r>
+            <a:r>
+              <a:rPr lang="it-IT" dirty="0" err="1"/>
+              <a:t>counting</a:t>
+            </a:r>
+            <a:r>
+              <a:rPr lang="it-IT" dirty="0"/>
+              <a:t> e riportato a schermo.</a:t>
+            </a:r>
+          </a:p>
+        </p:txBody>
+      </p:sp>
+      <p:sp>
+        <p:nvSpPr>
+          <p:cNvPr id="4" name="Segnaposto numero diapositiva 3"/>
+          <p:cNvSpPr>
+            <a:spLocks noGrp="1"/>
+          </p:cNvSpPr>
+          <p:nvPr>
+            <p:ph type="sldNum" sz="quarter" idx="5"/>
+          </p:nvPr>
+        </p:nvSpPr>
+        <p:spPr/>
+        <p:txBody>
+          <a:bodyPr/>
+          <a:lstStyle/>
+          <a:p>
+            <a:fld id="{F2EE8B71-78E8-46A3-80BB-3D549D7B777C}" type="slidenum">
+              <a:rPr lang="it-IT" smtClean="0"/>
+              <a:t>30</a:t>
+            </a:fld>
+            <a:endParaRPr lang="it-IT"/>
+          </a:p>
+        </p:txBody>
+      </p:sp>
+    </p:spTree>
+    <p:extLst>
+      <p:ext uri="{BB962C8B-B14F-4D97-AF65-F5344CB8AC3E}">
+        <p14:creationId xmlns:p14="http://schemas.microsoft.com/office/powerpoint/2010/main" val="1881101102"/>
+      </p:ext>
+    </p:extLst>
+  </p:cSld>
+  <p:clrMapOvr>
+    <a:masterClrMapping/>
+  </p:clrMapOvr>
+</p:notes>
+</file>
+
+<file path=ppt/notesSlides/notesSlide4.xml><?xml version="1.0" encoding="utf-8"?>
+<p:notes xmlns:a="http://schemas.openxmlformats.org/drawingml/2006/main" xmlns:r="http://schemas.openxmlformats.org/officeDocument/2006/relationships" xmlns:p="http://schemas.openxmlformats.org/presentationml/2006/main">
+  <p:cSld>
+    <p:spTree>
+      <p:nvGrpSpPr>
+        <p:cNvPr id="1" name=""/>
+        <p:cNvGrpSpPr/>
+        <p:nvPr/>
+      </p:nvGrpSpPr>
+      <p:grpSpPr>
+        <a:xfrm>
+          <a:off x="0" y="0"/>
+          <a:ext cx="0" cy="0"/>
+          <a:chOff x="0" y="0"/>
+          <a:chExt cx="0" cy="0"/>
+        </a:xfrm>
+      </p:grpSpPr>
+      <p:sp>
+        <p:nvSpPr>
+          <p:cNvPr id="2" name="Segnaposto immagine diapositiva 1"/>
+          <p:cNvSpPr>
+            <a:spLocks noGrp="1" noRot="1" noChangeAspect="1"/>
+          </p:cNvSpPr>
+          <p:nvPr>
+            <p:ph type="sldImg"/>
+          </p:nvPr>
+        </p:nvSpPr>
+        <p:spPr/>
+      </p:sp>
+      <p:sp>
+        <p:nvSpPr>
+          <p:cNvPr id="3" name="Segnaposto note 2"/>
+          <p:cNvSpPr>
+            <a:spLocks noGrp="1"/>
+          </p:cNvSpPr>
+          <p:nvPr>
+            <p:ph type="body" idx="1"/>
+          </p:nvPr>
+        </p:nvSpPr>
+        <p:spPr/>
+        <p:txBody>
+          <a:bodyPr/>
+          <a:lstStyle/>
+          <a:p>
+            <a:r>
+              <a:rPr lang="it-IT" dirty="0"/>
+              <a:t>Un book embedding di un DAG consiste in un disegno in cui i vertici del DAG sono ordinati lungo una linea, detta spina, e gli archi sono assegnati a diverse pagine con l'obiettivo di non avere incroci tra di essi. Inoltre, poiché il DAG è un grafo diretto, l'ordinamento dei vertici deve anche rispettare la direzione degli archi.</a:t>
+            </a:r>
+          </a:p>
+        </p:txBody>
+      </p:sp>
+      <p:sp>
+        <p:nvSpPr>
+          <p:cNvPr id="4" name="Segnaposto numero diapositiva 3"/>
+          <p:cNvSpPr>
+            <a:spLocks noGrp="1"/>
+          </p:cNvSpPr>
+          <p:nvPr>
+            <p:ph type="sldNum" sz="quarter" idx="5"/>
+          </p:nvPr>
+        </p:nvSpPr>
+        <p:spPr/>
+        <p:txBody>
+          <a:bodyPr/>
+          <a:lstStyle/>
+          <a:p>
+            <a:fld id="{F2EE8B71-78E8-46A3-80BB-3D549D7B777C}" type="slidenum">
+              <a:rPr lang="it-IT" smtClean="0"/>
+              <a:t>4</a:t>
+            </a:fld>
+            <a:endParaRPr lang="it-IT"/>
+          </a:p>
+        </p:txBody>
+      </p:sp>
+    </p:spTree>
+    <p:extLst>
+      <p:ext uri="{BB962C8B-B14F-4D97-AF65-F5344CB8AC3E}">
+        <p14:creationId xmlns:p14="http://schemas.microsoft.com/office/powerpoint/2010/main" val="411421056"/>
+      </p:ext>
+    </p:extLst>
+  </p:cSld>
+  <p:clrMapOvr>
+    <a:masterClrMapping/>
+  </p:clrMapOvr>
+</p:notes>
+</file>
+
+<file path=ppt/notesSlides/notesSlide5.xml><?xml version="1.0" encoding="utf-8"?>
+<p:notes xmlns:a="http://schemas.openxmlformats.org/drawingml/2006/main" xmlns:r="http://schemas.openxmlformats.org/officeDocument/2006/relationships" xmlns:p="http://schemas.openxmlformats.org/presentationml/2006/main">
+  <p:cSld>
+    <p:spTree>
+      <p:nvGrpSpPr>
+        <p:cNvPr id="1" name=""/>
+        <p:cNvGrpSpPr/>
+        <p:nvPr/>
+      </p:nvGrpSpPr>
+      <p:grpSpPr>
+        <a:xfrm>
+          <a:off x="0" y="0"/>
+          <a:ext cx="0" cy="0"/>
+          <a:chOff x="0" y="0"/>
+          <a:chExt cx="0" cy="0"/>
+        </a:xfrm>
+      </p:grpSpPr>
+      <p:sp>
+        <p:nvSpPr>
+          <p:cNvPr id="2" name="Segnaposto immagine diapositiva 1"/>
+          <p:cNvSpPr>
+            <a:spLocks noGrp="1" noRot="1" noChangeAspect="1"/>
+          </p:cNvSpPr>
+          <p:nvPr>
+            <p:ph type="sldImg"/>
+          </p:nvPr>
+        </p:nvSpPr>
+        <p:spPr/>
+      </p:sp>
+      <p:sp>
+        <p:nvSpPr>
+          <p:cNvPr id="3" name="Segnaposto note 2"/>
+          <p:cNvSpPr>
+            <a:spLocks noGrp="1"/>
+          </p:cNvSpPr>
+          <p:nvPr>
+            <p:ph type="body" idx="1"/>
+          </p:nvPr>
+        </p:nvSpPr>
+        <p:spPr/>
+        <p:txBody>
+          <a:bodyPr/>
+          <a:lstStyle/>
+          <a:p>
+            <a:r>
+              <a:rPr lang="it-IT" dirty="0"/>
+              <a:t>Un 1-page book embedding è un caso particolare dove tutti gli archi devono essere disegnati su una singola pagina senza incroci, mantenendo la corretta direzione.</a:t>
+            </a:r>
+          </a:p>
+        </p:txBody>
+      </p:sp>
+      <p:sp>
+        <p:nvSpPr>
+          <p:cNvPr id="4" name="Segnaposto numero diapositiva 3"/>
+          <p:cNvSpPr>
+            <a:spLocks noGrp="1"/>
+          </p:cNvSpPr>
+          <p:nvPr>
+            <p:ph type="sldNum" sz="quarter" idx="5"/>
+          </p:nvPr>
+        </p:nvSpPr>
+        <p:spPr/>
+        <p:txBody>
+          <a:bodyPr/>
+          <a:lstStyle/>
+          <a:p>
+            <a:fld id="{F2EE8B71-78E8-46A3-80BB-3D549D7B777C}" type="slidenum">
+              <a:rPr lang="it-IT" smtClean="0"/>
+              <a:t>5</a:t>
+            </a:fld>
+            <a:endParaRPr lang="it-IT"/>
+          </a:p>
+        </p:txBody>
+      </p:sp>
+    </p:spTree>
+    <p:extLst>
+      <p:ext uri="{BB962C8B-B14F-4D97-AF65-F5344CB8AC3E}">
+        <p14:creationId xmlns:p14="http://schemas.microsoft.com/office/powerpoint/2010/main" val="1231608393"/>
+      </p:ext>
+    </p:extLst>
+  </p:cSld>
+  <p:clrMapOvr>
+    <a:masterClrMapping/>
+  </p:clrMapOvr>
+</p:notes>
+</file>
+
+<file path=ppt/notesSlides/notesSlide6.xml><?xml version="1.0" encoding="utf-8"?>
+<p:notes xmlns:a="http://schemas.openxmlformats.org/drawingml/2006/main" xmlns:r="http://schemas.openxmlformats.org/officeDocument/2006/relationships" xmlns:p="http://schemas.openxmlformats.org/presentationml/2006/main">
+  <p:cSld>
+    <p:spTree>
+      <p:nvGrpSpPr>
+        <p:cNvPr id="1" name=""/>
+        <p:cNvGrpSpPr/>
+        <p:nvPr/>
+      </p:nvGrpSpPr>
+      <p:grpSpPr>
+        <a:xfrm>
+          <a:off x="0" y="0"/>
+          <a:ext cx="0" cy="0"/>
+          <a:chOff x="0" y="0"/>
+          <a:chExt cx="0" cy="0"/>
+        </a:xfrm>
+      </p:grpSpPr>
+      <p:sp>
+        <p:nvSpPr>
+          <p:cNvPr id="2" name="Segnaposto immagine diapositiva 1"/>
+          <p:cNvSpPr>
+            <a:spLocks noGrp="1" noRot="1" noChangeAspect="1"/>
+          </p:cNvSpPr>
+          <p:nvPr>
+            <p:ph type="sldImg"/>
+          </p:nvPr>
+        </p:nvSpPr>
+        <p:spPr/>
+      </p:sp>
+      <p:sp>
+        <p:nvSpPr>
+          <p:cNvPr id="3" name="Segnaposto note 2"/>
+          <p:cNvSpPr>
+            <a:spLocks noGrp="1"/>
+          </p:cNvSpPr>
+          <p:nvPr>
+            <p:ph type="body" idx="1"/>
+          </p:nvPr>
+        </p:nvSpPr>
+        <p:spPr/>
+        <p:txBody>
+          <a:bodyPr/>
+          <a:lstStyle/>
+          <a:p>
+            <a:r>
+              <a:rPr lang="it-IT" dirty="0"/>
+              <a:t>Per poter realizzare l'algoritmo di enumerazione è stato necessario studiare un algoritmo descritto da </a:t>
+            </a:r>
+            <a:r>
+              <a:rPr lang="it-IT" dirty="0" err="1"/>
+              <a:t>Heat</a:t>
+            </a:r>
+            <a:r>
+              <a:rPr lang="it-IT" dirty="0"/>
+              <a:t> e </a:t>
+            </a:r>
+            <a:r>
+              <a:rPr lang="it-IT" dirty="0" err="1"/>
+              <a:t>Pemmaraju</a:t>
+            </a:r>
+            <a:r>
+              <a:rPr lang="it-IT" dirty="0"/>
+              <a:t> più di 20 anni fa che verifica se un DAG ammette un 1-page book embedding. L'algoritmo è suddiviso in due fasi: nella prima fase viene verificato che ogni blocco del grafo ammetta un 1-page book embedding, nella seconda fase l'algoritmo tenta di combinare gli embedding dei blocchi per costruire un 1-page book embedding dell'intero DAG.</a:t>
+            </a:r>
+          </a:p>
+        </p:txBody>
+      </p:sp>
+      <p:sp>
+        <p:nvSpPr>
+          <p:cNvPr id="4" name="Segnaposto numero diapositiva 3"/>
+          <p:cNvSpPr>
+            <a:spLocks noGrp="1"/>
+          </p:cNvSpPr>
+          <p:nvPr>
+            <p:ph type="sldNum" sz="quarter" idx="5"/>
+          </p:nvPr>
+        </p:nvSpPr>
+        <p:spPr/>
+        <p:txBody>
+          <a:bodyPr/>
+          <a:lstStyle/>
+          <a:p>
+            <a:fld id="{F2EE8B71-78E8-46A3-80BB-3D549D7B777C}" type="slidenum">
+              <a:rPr lang="it-IT" smtClean="0"/>
+              <a:t>6</a:t>
+            </a:fld>
+            <a:endParaRPr lang="it-IT"/>
+          </a:p>
+        </p:txBody>
+      </p:sp>
+    </p:spTree>
+    <p:extLst>
+      <p:ext uri="{BB962C8B-B14F-4D97-AF65-F5344CB8AC3E}">
+        <p14:creationId xmlns:p14="http://schemas.microsoft.com/office/powerpoint/2010/main" val="2859236105"/>
+      </p:ext>
+    </p:extLst>
+  </p:cSld>
+  <p:clrMapOvr>
+    <a:masterClrMapping/>
+  </p:clrMapOvr>
+</p:notes>
+</file>
+
+<file path=ppt/notesSlides/notesSlide7.xml><?xml version="1.0" encoding="utf-8"?>
+<p:notes xmlns:a="http://schemas.openxmlformats.org/drawingml/2006/main" xmlns:r="http://schemas.openxmlformats.org/officeDocument/2006/relationships" xmlns:p="http://schemas.openxmlformats.org/presentationml/2006/main">
+  <p:cSld>
+    <p:spTree>
+      <p:nvGrpSpPr>
+        <p:cNvPr id="1" name=""/>
+        <p:cNvGrpSpPr/>
+        <p:nvPr/>
+      </p:nvGrpSpPr>
+      <p:grpSpPr>
+        <a:xfrm>
+          <a:off x="0" y="0"/>
+          <a:ext cx="0" cy="0"/>
+          <a:chOff x="0" y="0"/>
+          <a:chExt cx="0" cy="0"/>
+        </a:xfrm>
+      </p:grpSpPr>
+      <p:sp>
+        <p:nvSpPr>
+          <p:cNvPr id="2" name="Segnaposto immagine diapositiva 1"/>
+          <p:cNvSpPr>
+            <a:spLocks noGrp="1" noRot="1" noChangeAspect="1"/>
+          </p:cNvSpPr>
+          <p:nvPr>
+            <p:ph type="sldImg"/>
+          </p:nvPr>
+        </p:nvSpPr>
+        <p:spPr/>
+      </p:sp>
+      <p:sp>
+        <p:nvSpPr>
+          <p:cNvPr id="3" name="Segnaposto note 2"/>
+          <p:cNvSpPr>
+            <a:spLocks noGrp="1"/>
+          </p:cNvSpPr>
+          <p:nvPr>
+            <p:ph type="body" idx="1"/>
+          </p:nvPr>
+        </p:nvSpPr>
+        <p:spPr/>
+        <p:txBody>
+          <a:bodyPr/>
+          <a:lstStyle/>
+          <a:p>
+            <a:r>
+              <a:rPr lang="it-IT" dirty="0"/>
+              <a:t>La prima fase suddivide il DAG nelle sue componenti </a:t>
+            </a:r>
+            <a:r>
+              <a:rPr lang="it-IT" dirty="0" err="1"/>
+              <a:t>biconnesse</a:t>
+            </a:r>
+            <a:r>
+              <a:rPr lang="it-IT" dirty="0"/>
+              <a:t>, chiamate anche blocchi. Un blocco è un </a:t>
+            </a:r>
+            <a:r>
+              <a:rPr lang="it-IT" dirty="0" err="1"/>
+              <a:t>sottografo</a:t>
+            </a:r>
+            <a:r>
+              <a:rPr lang="it-IT" dirty="0"/>
+              <a:t> massimale in cui la rimozione di un suo vertice non aumenta il numero di componenti connesse. I vertici che, se rimossi, aumentano il numero di componenti connesse del grafo sono detti </a:t>
+            </a:r>
+            <a:r>
+              <a:rPr lang="it-IT" dirty="0" err="1"/>
+              <a:t>cutpoint</a:t>
+            </a:r>
+            <a:r>
+              <a:rPr lang="it-IT" dirty="0"/>
+              <a:t> e sono qui evidenziati in rosso.</a:t>
+            </a:r>
+          </a:p>
+        </p:txBody>
+      </p:sp>
+      <p:sp>
+        <p:nvSpPr>
+          <p:cNvPr id="4" name="Segnaposto numero diapositiva 3"/>
+          <p:cNvSpPr>
+            <a:spLocks noGrp="1"/>
+          </p:cNvSpPr>
+          <p:nvPr>
+            <p:ph type="sldNum" sz="quarter" idx="5"/>
+          </p:nvPr>
+        </p:nvSpPr>
+        <p:spPr/>
+        <p:txBody>
+          <a:bodyPr/>
+          <a:lstStyle/>
+          <a:p>
+            <a:fld id="{F2EE8B71-78E8-46A3-80BB-3D549D7B777C}" type="slidenum">
+              <a:rPr lang="it-IT" smtClean="0"/>
+              <a:t>7</a:t>
+            </a:fld>
+            <a:endParaRPr lang="it-IT"/>
+          </a:p>
+        </p:txBody>
+      </p:sp>
+    </p:spTree>
+    <p:extLst>
+      <p:ext uri="{BB962C8B-B14F-4D97-AF65-F5344CB8AC3E}">
+        <p14:creationId xmlns:p14="http://schemas.microsoft.com/office/powerpoint/2010/main" val="607713293"/>
+      </p:ext>
+    </p:extLst>
+  </p:cSld>
+  <p:clrMapOvr>
+    <a:masterClrMapping/>
+  </p:clrMapOvr>
+</p:notes>
+</file>
+
+<file path=ppt/notesSlides/notesSlide8.xml><?xml version="1.0" encoding="utf-8"?>
+<p:notes xmlns:a="http://schemas.openxmlformats.org/drawingml/2006/main" xmlns:r="http://schemas.openxmlformats.org/officeDocument/2006/relationships" xmlns:p="http://schemas.openxmlformats.org/presentationml/2006/main">
+  <p:cSld>
+    <p:spTree>
+      <p:nvGrpSpPr>
+        <p:cNvPr id="1" name=""/>
+        <p:cNvGrpSpPr/>
+        <p:nvPr/>
+      </p:nvGrpSpPr>
+      <p:grpSpPr>
+        <a:xfrm>
+          <a:off x="0" y="0"/>
+          <a:ext cx="0" cy="0"/>
+          <a:chOff x="0" y="0"/>
+          <a:chExt cx="0" cy="0"/>
+        </a:xfrm>
+      </p:grpSpPr>
+      <p:sp>
+        <p:nvSpPr>
+          <p:cNvPr id="2" name="Segnaposto immagine diapositiva 1"/>
+          <p:cNvSpPr>
+            <a:spLocks noGrp="1" noRot="1" noChangeAspect="1"/>
+          </p:cNvSpPr>
+          <p:nvPr>
+            <p:ph type="sldImg"/>
+          </p:nvPr>
+        </p:nvSpPr>
+        <p:spPr/>
+      </p:sp>
+      <p:sp>
+        <p:nvSpPr>
+          <p:cNvPr id="3" name="Segnaposto note 2"/>
+          <p:cNvSpPr>
+            <a:spLocks noGrp="1"/>
+          </p:cNvSpPr>
+          <p:nvPr>
+            <p:ph type="body" idx="1"/>
+          </p:nvPr>
+        </p:nvSpPr>
+        <p:spPr/>
+        <p:txBody>
+          <a:bodyPr/>
+          <a:lstStyle/>
+          <a:p>
+            <a:r>
+              <a:rPr lang="it-IT" dirty="0"/>
+              <a:t>Nella prima fase, l'algoritmo cerca di ricavare il 1-page book embedding di ogni blocco del DAG. Se invece viene trovato un blocco che non ammette un 1-page book embedding allora l'algoritmo fallisce.</a:t>
+            </a:r>
+          </a:p>
+        </p:txBody>
+      </p:sp>
+      <p:sp>
+        <p:nvSpPr>
+          <p:cNvPr id="4" name="Segnaposto numero diapositiva 3"/>
+          <p:cNvSpPr>
+            <a:spLocks noGrp="1"/>
+          </p:cNvSpPr>
+          <p:nvPr>
+            <p:ph type="sldNum" sz="quarter" idx="5"/>
+          </p:nvPr>
+        </p:nvSpPr>
+        <p:spPr/>
+        <p:txBody>
+          <a:bodyPr/>
+          <a:lstStyle/>
+          <a:p>
+            <a:fld id="{F2EE8B71-78E8-46A3-80BB-3D549D7B777C}" type="slidenum">
+              <a:rPr lang="it-IT" smtClean="0"/>
+              <a:t>8</a:t>
+            </a:fld>
+            <a:endParaRPr lang="it-IT"/>
+          </a:p>
+        </p:txBody>
+      </p:sp>
+    </p:spTree>
+    <p:extLst>
+      <p:ext uri="{BB962C8B-B14F-4D97-AF65-F5344CB8AC3E}">
+        <p14:creationId xmlns:p14="http://schemas.microsoft.com/office/powerpoint/2010/main" val="559362560"/>
+      </p:ext>
+    </p:extLst>
+  </p:cSld>
+  <p:clrMapOvr>
+    <a:masterClrMapping/>
+  </p:clrMapOvr>
+</p:notes>
+</file>
+
+<file path=ppt/notesSlides/notesSlide9.xml><?xml version="1.0" encoding="utf-8"?>
+<p:notes xmlns:a="http://schemas.openxmlformats.org/drawingml/2006/main" xmlns:r="http://schemas.openxmlformats.org/officeDocument/2006/relationships" xmlns:p="http://schemas.openxmlformats.org/presentationml/2006/main">
+  <p:cSld>
+    <p:spTree>
+      <p:nvGrpSpPr>
+        <p:cNvPr id="1" name=""/>
+        <p:cNvGrpSpPr/>
+        <p:nvPr/>
+      </p:nvGrpSpPr>
+      <p:grpSpPr>
+        <a:xfrm>
+          <a:off x="0" y="0"/>
+          <a:ext cx="0" cy="0"/>
+          <a:chOff x="0" y="0"/>
+          <a:chExt cx="0" cy="0"/>
+        </a:xfrm>
+      </p:grpSpPr>
+      <p:sp>
+        <p:nvSpPr>
+          <p:cNvPr id="2" name="Segnaposto immagine diapositiva 1"/>
+          <p:cNvSpPr>
+            <a:spLocks noGrp="1" noRot="1" noChangeAspect="1"/>
+          </p:cNvSpPr>
+          <p:nvPr>
+            <p:ph type="sldImg"/>
+          </p:nvPr>
+        </p:nvSpPr>
+        <p:spPr/>
+      </p:sp>
+      <p:sp>
+        <p:nvSpPr>
+          <p:cNvPr id="3" name="Segnaposto note 2"/>
+          <p:cNvSpPr>
+            <a:spLocks noGrp="1"/>
+          </p:cNvSpPr>
+          <p:nvPr>
+            <p:ph type="body" idx="1"/>
+          </p:nvPr>
+        </p:nvSpPr>
+        <p:spPr/>
+        <p:txBody>
+          <a:bodyPr/>
+          <a:lstStyle/>
+          <a:p>
+            <a:r>
+              <a:rPr lang="it-IT" dirty="0"/>
+              <a:t>La seconda fase utilizza un albero chiamato </a:t>
+            </a:r>
+            <a:r>
+              <a:rPr lang="it-IT" dirty="0" err="1"/>
+              <a:t>block-cutpoint</a:t>
+            </a:r>
+            <a:r>
+              <a:rPr lang="it-IT" dirty="0"/>
+              <a:t> </a:t>
+            </a:r>
+            <a:r>
+              <a:rPr lang="it-IT" dirty="0" err="1"/>
+              <a:t>tree</a:t>
+            </a:r>
+            <a:r>
+              <a:rPr lang="it-IT" dirty="0"/>
+              <a:t>. Questo albero descrive la struttura del DAG ed è composto da nodi associati ai blocchi e ai </a:t>
+            </a:r>
+            <a:r>
+              <a:rPr lang="it-IT" dirty="0" err="1"/>
+              <a:t>cutpoint</a:t>
+            </a:r>
+            <a:r>
+              <a:rPr lang="it-IT" dirty="0"/>
+              <a:t> del DAG. Gli archi del </a:t>
+            </a:r>
+            <a:r>
+              <a:rPr lang="it-IT" dirty="0" err="1"/>
+              <a:t>block-cutpoint</a:t>
+            </a:r>
+            <a:r>
+              <a:rPr lang="it-IT" dirty="0"/>
+              <a:t> </a:t>
+            </a:r>
+            <a:r>
+              <a:rPr lang="it-IT" dirty="0" err="1"/>
+              <a:t>tree</a:t>
+            </a:r>
+            <a:r>
+              <a:rPr lang="it-IT" dirty="0"/>
+              <a:t> collegano i </a:t>
+            </a:r>
+            <a:r>
+              <a:rPr lang="it-IT" dirty="0" err="1"/>
+              <a:t>cutpoint</a:t>
+            </a:r>
+            <a:r>
+              <a:rPr lang="it-IT" dirty="0"/>
+              <a:t> ai blocchi a cui questi appartengono. L'albero viene radicato a un blocco arbitrario, e l'algoritmo cerca eventuali conflitti, vedremo più avanti in cosa consiste la ricerca di questi conflitti.</a:t>
+            </a:r>
           </a:p>
         </p:txBody>
       </p:sp>
@@ -2877,7 +5832,7 @@
           <p:nvPr/>
         </p:nvPicPr>
         <p:blipFill>
-          <a:blip r:embed="rId2"/>
+          <a:blip r:embed="rId3"/>
           <a:stretch/>
         </p:blipFill>
         <p:spPr>
@@ -2925,7 +5880,7 @@
           <p:nvPr/>
         </p:nvPicPr>
         <p:blipFill>
-          <a:blip r:embed="rId2"/>
+          <a:blip r:embed="rId3"/>
           <a:stretch/>
         </p:blipFill>
         <p:spPr>
@@ -3584,7 +6539,7 @@
                 <a:avLst/>
               </a:prstGeom>
               <a:blipFill>
-                <a:blip r:embed="rId3"/>
+                <a:blip r:embed="rId4"/>
                 <a:stretch>
                   <a:fillRect t="-1600" r="-1451" b="-2667"/>
                 </a:stretch>
@@ -3620,7 +6575,7 @@
           <p:nvPr/>
         </p:nvPicPr>
         <p:blipFill>
-          <a:blip r:embed="rId4">
+          <a:blip r:embed="rId5">
             <a:extLst>
               <a:ext uri="{28A0092B-C50C-407E-A947-70E740481C1C}">
                 <a14:useLocalDpi xmlns:a14="http://schemas.microsoft.com/office/drawing/2010/main" val="0"/>
@@ -3678,7 +6633,7 @@
           <p:nvPr/>
         </p:nvPicPr>
         <p:blipFill>
-          <a:blip r:embed="rId2"/>
+          <a:blip r:embed="rId3"/>
           <a:stretch/>
         </p:blipFill>
         <p:spPr>
@@ -4307,7 +7262,7 @@
                 <a:avLst/>
               </a:prstGeom>
               <a:blipFill>
-                <a:blip r:embed="rId3"/>
+                <a:blip r:embed="rId4"/>
                 <a:stretch>
                   <a:fillRect t="-4918" b="-10656"/>
                 </a:stretch>
@@ -4343,7 +7298,7 @@
           <p:nvPr/>
         </p:nvPicPr>
         <p:blipFill>
-          <a:blip r:embed="rId4">
+          <a:blip r:embed="rId5">
             <a:extLst>
               <a:ext uri="{28A0092B-C50C-407E-A947-70E740481C1C}">
                 <a14:useLocalDpi xmlns:a14="http://schemas.microsoft.com/office/drawing/2010/main" val="0"/>
@@ -4378,7 +7333,7 @@
           <p:nvPr/>
         </p:nvPicPr>
         <p:blipFill>
-          <a:blip r:embed="rId5">
+          <a:blip r:embed="rId6">
             <a:extLst>
               <a:ext uri="{28A0092B-C50C-407E-A947-70E740481C1C}">
                 <a14:useLocalDpi xmlns:a14="http://schemas.microsoft.com/office/drawing/2010/main" val="0"/>
@@ -4487,7 +7442,7 @@
           <p:nvPr/>
         </p:nvPicPr>
         <p:blipFill>
-          <a:blip r:embed="rId2"/>
+          <a:blip r:embed="rId3"/>
           <a:stretch/>
         </p:blipFill>
         <p:spPr>
@@ -5116,7 +8071,7 @@
                 <a:avLst/>
               </a:prstGeom>
               <a:blipFill>
-                <a:blip r:embed="rId3"/>
+                <a:blip r:embed="rId4"/>
                 <a:stretch>
                   <a:fillRect t="-4918" b="-10656"/>
                 </a:stretch>
@@ -5152,7 +8107,7 @@
           <p:nvPr/>
         </p:nvPicPr>
         <p:blipFill>
-          <a:blip r:embed="rId4">
+          <a:blip r:embed="rId5">
             <a:extLst>
               <a:ext uri="{28A0092B-C50C-407E-A947-70E740481C1C}">
                 <a14:useLocalDpi xmlns:a14="http://schemas.microsoft.com/office/drawing/2010/main" val="0"/>
@@ -5187,7 +8142,7 @@
           <p:nvPr/>
         </p:nvPicPr>
         <p:blipFill>
-          <a:blip r:embed="rId5">
+          <a:blip r:embed="rId6">
             <a:extLst>
               <a:ext uri="{28A0092B-C50C-407E-A947-70E740481C1C}">
                 <a14:useLocalDpi xmlns:a14="http://schemas.microsoft.com/office/drawing/2010/main" val="0"/>
@@ -5296,7 +8251,7 @@
           <p:nvPr/>
         </p:nvPicPr>
         <p:blipFill>
-          <a:blip r:embed="rId2"/>
+          <a:blip r:embed="rId3"/>
           <a:stretch/>
         </p:blipFill>
         <p:spPr>
@@ -5925,7 +8880,7 @@
                 <a:avLst/>
               </a:prstGeom>
               <a:blipFill>
-                <a:blip r:embed="rId3"/>
+                <a:blip r:embed="rId4"/>
                 <a:stretch>
                   <a:fillRect t="-4918" b="-10656"/>
                 </a:stretch>
@@ -5961,7 +8916,7 @@
           <p:nvPr/>
         </p:nvPicPr>
         <p:blipFill>
-          <a:blip r:embed="rId4">
+          <a:blip r:embed="rId5">
             <a:extLst>
               <a:ext uri="{28A0092B-C50C-407E-A947-70E740481C1C}">
                 <a14:useLocalDpi xmlns:a14="http://schemas.microsoft.com/office/drawing/2010/main" val="0"/>
@@ -5996,7 +8951,7 @@
           <p:nvPr/>
         </p:nvPicPr>
         <p:blipFill>
-          <a:blip r:embed="rId5">
+          <a:blip r:embed="rId6">
             <a:extLst>
               <a:ext uri="{28A0092B-C50C-407E-A947-70E740481C1C}">
                 <a14:useLocalDpi xmlns:a14="http://schemas.microsoft.com/office/drawing/2010/main" val="0"/>
@@ -6105,7 +9060,7 @@
           <p:nvPr/>
         </p:nvPicPr>
         <p:blipFill>
-          <a:blip r:embed="rId2"/>
+          <a:blip r:embed="rId3"/>
           <a:stretch/>
         </p:blipFill>
         <p:spPr>
@@ -6734,7 +9689,7 @@
                 <a:avLst/>
               </a:prstGeom>
               <a:blipFill>
-                <a:blip r:embed="rId3"/>
+                <a:blip r:embed="rId4"/>
                 <a:stretch>
                   <a:fillRect t="-4918" b="-10656"/>
                 </a:stretch>
@@ -6770,7 +9725,7 @@
           <p:nvPr/>
         </p:nvPicPr>
         <p:blipFill>
-          <a:blip r:embed="rId4">
+          <a:blip r:embed="rId5">
             <a:extLst>
               <a:ext uri="{28A0092B-C50C-407E-A947-70E740481C1C}">
                 <a14:useLocalDpi xmlns:a14="http://schemas.microsoft.com/office/drawing/2010/main" val="0"/>
@@ -6805,7 +9760,7 @@
           <p:nvPr/>
         </p:nvPicPr>
         <p:blipFill>
-          <a:blip r:embed="rId5">
+          <a:blip r:embed="rId6">
             <a:extLst>
               <a:ext uri="{28A0092B-C50C-407E-A947-70E740481C1C}">
                 <a14:useLocalDpi xmlns:a14="http://schemas.microsoft.com/office/drawing/2010/main" val="0"/>
@@ -6914,7 +9869,7 @@
           <p:nvPr/>
         </p:nvPicPr>
         <p:blipFill>
-          <a:blip r:embed="rId2"/>
+          <a:blip r:embed="rId3"/>
           <a:stretch/>
         </p:blipFill>
         <p:spPr>
@@ -7543,7 +10498,7 @@
                 <a:avLst/>
               </a:prstGeom>
               <a:blipFill>
-                <a:blip r:embed="rId3"/>
+                <a:blip r:embed="rId4"/>
                 <a:stretch>
                   <a:fillRect t="-4918" b="-10656"/>
                 </a:stretch>
@@ -7579,7 +10534,7 @@
           <p:nvPr/>
         </p:nvPicPr>
         <p:blipFill>
-          <a:blip r:embed="rId4">
+          <a:blip r:embed="rId5">
             <a:extLst>
               <a:ext uri="{28A0092B-C50C-407E-A947-70E740481C1C}">
                 <a14:useLocalDpi xmlns:a14="http://schemas.microsoft.com/office/drawing/2010/main" val="0"/>
@@ -7614,7 +10569,7 @@
           <p:nvPr/>
         </p:nvPicPr>
         <p:blipFill>
-          <a:blip r:embed="rId5">
+          <a:blip r:embed="rId6">
             <a:extLst>
               <a:ext uri="{28A0092B-C50C-407E-A947-70E740481C1C}">
                 <a14:useLocalDpi xmlns:a14="http://schemas.microsoft.com/office/drawing/2010/main" val="0"/>
@@ -7723,7 +10678,7 @@
           <p:nvPr/>
         </p:nvPicPr>
         <p:blipFill>
-          <a:blip r:embed="rId2"/>
+          <a:blip r:embed="rId3"/>
           <a:stretch/>
         </p:blipFill>
         <p:spPr>
@@ -8352,7 +11307,7 @@
                 <a:avLst/>
               </a:prstGeom>
               <a:blipFill>
-                <a:blip r:embed="rId3"/>
+                <a:blip r:embed="rId4"/>
                 <a:stretch>
                   <a:fillRect t="-4918" b="-10656"/>
                 </a:stretch>
@@ -8388,7 +11343,7 @@
           <p:nvPr/>
         </p:nvPicPr>
         <p:blipFill>
-          <a:blip r:embed="rId4">
+          <a:blip r:embed="rId5">
             <a:extLst>
               <a:ext uri="{28A0092B-C50C-407E-A947-70E740481C1C}">
                 <a14:useLocalDpi xmlns:a14="http://schemas.microsoft.com/office/drawing/2010/main" val="0"/>
@@ -8423,7 +11378,7 @@
           <p:nvPr/>
         </p:nvPicPr>
         <p:blipFill>
-          <a:blip r:embed="rId5">
+          <a:blip r:embed="rId6">
             <a:extLst>
               <a:ext uri="{28A0092B-C50C-407E-A947-70E740481C1C}">
                 <a14:useLocalDpi xmlns:a14="http://schemas.microsoft.com/office/drawing/2010/main" val="0"/>
@@ -8532,7 +11487,7 @@
           <p:nvPr/>
         </p:nvPicPr>
         <p:blipFill>
-          <a:blip r:embed="rId2"/>
+          <a:blip r:embed="rId3"/>
           <a:stretch/>
         </p:blipFill>
         <p:spPr>
@@ -9161,7 +12116,7 @@
                 <a:avLst/>
               </a:prstGeom>
               <a:blipFill>
-                <a:blip r:embed="rId3"/>
+                <a:blip r:embed="rId4"/>
                 <a:stretch>
                   <a:fillRect t="-4918" b="-10656"/>
                 </a:stretch>
@@ -9197,7 +12152,7 @@
           <p:nvPr/>
         </p:nvPicPr>
         <p:blipFill>
-          <a:blip r:embed="rId4">
+          <a:blip r:embed="rId5">
             <a:extLst>
               <a:ext uri="{28A0092B-C50C-407E-A947-70E740481C1C}">
                 <a14:useLocalDpi xmlns:a14="http://schemas.microsoft.com/office/drawing/2010/main" val="0"/>
@@ -9232,7 +12187,7 @@
           <p:nvPr/>
         </p:nvPicPr>
         <p:blipFill>
-          <a:blip r:embed="rId5">
+          <a:blip r:embed="rId6">
             <a:extLst>
               <a:ext uri="{28A0092B-C50C-407E-A947-70E740481C1C}">
                 <a14:useLocalDpi xmlns:a14="http://schemas.microsoft.com/office/drawing/2010/main" val="0"/>
@@ -9341,7 +12296,7 @@
           <p:nvPr/>
         </p:nvPicPr>
         <p:blipFill>
-          <a:blip r:embed="rId2"/>
+          <a:blip r:embed="rId3"/>
           <a:stretch/>
         </p:blipFill>
         <p:spPr>
@@ -9970,7 +12925,7 @@
                 <a:avLst/>
               </a:prstGeom>
               <a:blipFill>
-                <a:blip r:embed="rId3"/>
+                <a:blip r:embed="rId4"/>
                 <a:stretch>
                   <a:fillRect t="-4918" b="-10656"/>
                 </a:stretch>
@@ -10006,7 +12961,7 @@
           <p:nvPr/>
         </p:nvPicPr>
         <p:blipFill>
-          <a:blip r:embed="rId4">
+          <a:blip r:embed="rId5">
             <a:extLst>
               <a:ext uri="{28A0092B-C50C-407E-A947-70E740481C1C}">
                 <a14:useLocalDpi xmlns:a14="http://schemas.microsoft.com/office/drawing/2010/main" val="0"/>
@@ -10041,7 +12996,7 @@
           <p:nvPr/>
         </p:nvPicPr>
         <p:blipFill>
-          <a:blip r:embed="rId5">
+          <a:blip r:embed="rId6">
             <a:extLst>
               <a:ext uri="{28A0092B-C50C-407E-A947-70E740481C1C}">
                 <a14:useLocalDpi xmlns:a14="http://schemas.microsoft.com/office/drawing/2010/main" val="0"/>
@@ -10150,7 +13105,7 @@
           <p:nvPr/>
         </p:nvPicPr>
         <p:blipFill>
-          <a:blip r:embed="rId2"/>
+          <a:blip r:embed="rId3"/>
           <a:stretch/>
         </p:blipFill>
         <p:spPr>
@@ -10564,7 +13519,7 @@
           <p:nvPr/>
         </p:nvPicPr>
         <p:blipFill>
-          <a:blip r:embed="rId2"/>
+          <a:blip r:embed="rId3"/>
           <a:stretch/>
         </p:blipFill>
         <p:spPr>
@@ -10854,7 +13809,7 @@
           <p:nvPr/>
         </p:nvPicPr>
         <p:blipFill>
-          <a:blip r:embed="rId2"/>
+          <a:blip r:embed="rId3"/>
           <a:stretch/>
         </p:blipFill>
         <p:spPr>
@@ -11108,7 +14063,7 @@
           <p:nvPr/>
         </p:nvPicPr>
         <p:blipFill>
-          <a:blip r:embed="rId3">
+          <a:blip r:embed="rId4">
             <a:extLst>
               <a:ext uri="{28A0092B-C50C-407E-A947-70E740481C1C}">
                 <a14:useLocalDpi xmlns:a14="http://schemas.microsoft.com/office/drawing/2010/main" val="0"/>
@@ -11143,7 +14098,7 @@
           <p:nvPr/>
         </p:nvPicPr>
         <p:blipFill>
-          <a:blip r:embed="rId3">
+          <a:blip r:embed="rId4">
             <a:extLst>
               <a:ext uri="{28A0092B-C50C-407E-A947-70E740481C1C}">
                 <a14:useLocalDpi xmlns:a14="http://schemas.microsoft.com/office/drawing/2010/main" val="0"/>
@@ -11598,7 +14553,7 @@
           <p:nvPr/>
         </p:nvPicPr>
         <p:blipFill>
-          <a:blip r:embed="rId2"/>
+          <a:blip r:embed="rId3"/>
           <a:stretch/>
         </p:blipFill>
         <p:spPr>
@@ -11921,7 +14876,7 @@
           <p:nvPr/>
         </p:nvPicPr>
         <p:blipFill>
-          <a:blip r:embed="rId3">
+          <a:blip r:embed="rId4">
             <a:extLst>
               <a:ext uri="{28A0092B-C50C-407E-A947-70E740481C1C}">
                 <a14:useLocalDpi xmlns:a14="http://schemas.microsoft.com/office/drawing/2010/main" val="0"/>
@@ -11979,7 +14934,7 @@
           <p:nvPr/>
         </p:nvPicPr>
         <p:blipFill>
-          <a:blip r:embed="rId2"/>
+          <a:blip r:embed="rId3"/>
           <a:stretch/>
         </p:blipFill>
         <p:spPr>
@@ -12251,7 +15206,7 @@
           <p:nvPr/>
         </p:nvPicPr>
         <p:blipFill>
-          <a:blip r:embed="rId3">
+          <a:blip r:embed="rId4">
             <a:extLst>
               <a:ext uri="{28A0092B-C50C-407E-A947-70E740481C1C}">
                 <a14:useLocalDpi xmlns:a14="http://schemas.microsoft.com/office/drawing/2010/main" val="0"/>
@@ -12309,7 +15264,7 @@
           <p:nvPr/>
         </p:nvPicPr>
         <p:blipFill>
-          <a:blip r:embed="rId2"/>
+          <a:blip r:embed="rId3"/>
           <a:stretch/>
         </p:blipFill>
         <p:spPr>
@@ -12640,7 +15595,7 @@
                 <a:avLst/>
               </a:prstGeom>
               <a:blipFill>
-                <a:blip r:embed="rId3"/>
+                <a:blip r:embed="rId4"/>
                 <a:stretch>
                   <a:fillRect t="-1064" b="-2766"/>
                 </a:stretch>
@@ -12676,7 +15631,7 @@
           <p:nvPr/>
         </p:nvPicPr>
         <p:blipFill>
-          <a:blip r:embed="rId4">
+          <a:blip r:embed="rId5">
             <a:extLst>
               <a:ext uri="{28A0092B-C50C-407E-A947-70E740481C1C}">
                 <a14:useLocalDpi xmlns:a14="http://schemas.microsoft.com/office/drawing/2010/main" val="0"/>
@@ -12742,7 +15697,7 @@
           <p:nvPr/>
         </p:nvPicPr>
         <p:blipFill>
-          <a:blip r:embed="rId2">
+          <a:blip r:embed="rId3">
             <a:extLst>
               <a:ext uri="{28A0092B-C50C-407E-A947-70E740481C1C}">
                 <a14:useLocalDpi xmlns:a14="http://schemas.microsoft.com/office/drawing/2010/main" val="0"/>
@@ -12770,7 +15725,7 @@
           <p:nvPr/>
         </p:nvPicPr>
         <p:blipFill>
-          <a:blip r:embed="rId3"/>
+          <a:blip r:embed="rId4"/>
           <a:stretch/>
         </p:blipFill>
         <p:spPr>
@@ -12977,7 +15932,7 @@
           <p:nvPr/>
         </p:nvPicPr>
         <p:blipFill>
-          <a:blip r:embed="rId2">
+          <a:blip r:embed="rId3">
             <a:extLst>
               <a:ext uri="{28A0092B-C50C-407E-A947-70E740481C1C}">
                 <a14:useLocalDpi xmlns:a14="http://schemas.microsoft.com/office/drawing/2010/main" val="0"/>
@@ -13005,7 +15960,7 @@
           <p:nvPr/>
         </p:nvPicPr>
         <p:blipFill>
-          <a:blip r:embed="rId3"/>
+          <a:blip r:embed="rId4"/>
           <a:stretch/>
         </p:blipFill>
         <p:spPr>
@@ -13311,7 +16266,7 @@
           <p:nvPr/>
         </p:nvPicPr>
         <p:blipFill>
-          <a:blip r:embed="rId2"/>
+          <a:blip r:embed="rId3"/>
           <a:stretch/>
         </p:blipFill>
         <p:spPr>
@@ -13654,7 +16609,7 @@
                 <a:avLst/>
               </a:prstGeom>
               <a:blipFill>
-                <a:blip r:embed="rId3"/>
+                <a:blip r:embed="rId4"/>
                 <a:stretch>
                   <a:fillRect t="-1064" r="-270" b="-2766"/>
                 </a:stretch>
@@ -13712,7 +16667,7 @@
           <p:nvPr/>
         </p:nvPicPr>
         <p:blipFill>
-          <a:blip r:embed="rId2"/>
+          <a:blip r:embed="rId3"/>
           <a:stretch/>
         </p:blipFill>
         <p:spPr>
@@ -14191,7 +17146,7 @@
                 <a:avLst/>
               </a:prstGeom>
               <a:blipFill>
-                <a:blip r:embed="rId3"/>
+                <a:blip r:embed="rId4"/>
                 <a:stretch>
                   <a:fillRect t="-1825" b="-5474"/>
                 </a:stretch>
@@ -14471,7 +17426,7 @@
                 <a:avLst/>
               </a:prstGeom>
               <a:blipFill>
-                <a:blip r:embed="rId4"/>
+                <a:blip r:embed="rId5"/>
                 <a:stretch>
                   <a:fillRect/>
                 </a:stretch>
@@ -14529,7 +17484,7 @@
           <p:nvPr/>
         </p:nvPicPr>
         <p:blipFill>
-          <a:blip r:embed="rId2"/>
+          <a:blip r:embed="rId3"/>
           <a:stretch/>
         </p:blipFill>
         <p:spPr>
@@ -14706,7 +17661,7 @@
           <p:nvPr/>
         </p:nvPicPr>
         <p:blipFill>
-          <a:blip r:embed="rId3"/>
+          <a:blip r:embed="rId4"/>
           <a:srcRect b="28223"/>
           <a:stretch/>
         </p:blipFill>
@@ -14757,7 +17712,7 @@
           <p:nvPr/>
         </p:nvPicPr>
         <p:blipFill>
-          <a:blip r:embed="rId2"/>
+          <a:blip r:embed="rId3"/>
           <a:stretch/>
         </p:blipFill>
         <p:spPr>
@@ -14934,7 +17889,7 @@
           <p:nvPr/>
         </p:nvPicPr>
         <p:blipFill>
-          <a:blip r:embed="rId3"/>
+          <a:blip r:embed="rId4"/>
           <a:srcRect b="28223"/>
           <a:stretch/>
         </p:blipFill>
@@ -14985,7 +17940,7 @@
           <p:nvPr/>
         </p:nvPicPr>
         <p:blipFill>
-          <a:blip r:embed="rId2"/>
+          <a:blip r:embed="rId3"/>
           <a:stretch/>
         </p:blipFill>
         <p:spPr>
@@ -15094,7 +18049,7 @@
           <p:nvPr/>
         </p:nvPicPr>
         <p:blipFill>
-          <a:blip r:embed="rId3">
+          <a:blip r:embed="rId4">
             <a:extLst>
               <a:ext uri="{28A0092B-C50C-407E-A947-70E740481C1C}">
                 <a14:useLocalDpi xmlns:a14="http://schemas.microsoft.com/office/drawing/2010/main" val="0"/>
@@ -15261,7 +18216,7 @@
           <p:nvPr/>
         </p:nvPicPr>
         <p:blipFill>
-          <a:blip r:embed="rId2"/>
+          <a:blip r:embed="rId3"/>
           <a:stretch/>
         </p:blipFill>
         <p:spPr>
@@ -15438,7 +18393,7 @@
           <p:nvPr/>
         </p:nvPicPr>
         <p:blipFill>
-          <a:blip r:embed="rId3"/>
+          <a:blip r:embed="rId4"/>
           <a:srcRect b="28223"/>
           <a:stretch/>
         </p:blipFill>
@@ -15715,7 +18670,7 @@
           <p:nvPr/>
         </p:nvPicPr>
         <p:blipFill>
-          <a:blip r:embed="rId2"/>
+          <a:blip r:embed="rId3"/>
           <a:stretch/>
         </p:blipFill>
         <p:spPr>
@@ -15783,7 +18738,7 @@
           <p:nvPr/>
         </p:nvPicPr>
         <p:blipFill>
-          <a:blip r:embed="rId3">
+          <a:blip r:embed="rId4">
             <a:extLst>
               <a:ext uri="{28A0092B-C50C-407E-A947-70E740481C1C}">
                 <a14:useLocalDpi xmlns:a14="http://schemas.microsoft.com/office/drawing/2010/main" val="0"/>
@@ -15819,7 +18774,7 @@
           <p:nvPr/>
         </p:nvPicPr>
         <p:blipFill>
-          <a:blip r:embed="rId4">
+          <a:blip r:embed="rId5">
             <a:extLst>
               <a:ext uri="{28A0092B-C50C-407E-A947-70E740481C1C}">
                 <a14:useLocalDpi xmlns:a14="http://schemas.microsoft.com/office/drawing/2010/main" val="0"/>
@@ -16042,7 +18997,7 @@
           <p:nvPr/>
         </p:nvPicPr>
         <p:blipFill>
-          <a:blip r:embed="rId2"/>
+          <a:blip r:embed="rId3"/>
           <a:stretch/>
         </p:blipFill>
         <p:spPr>
@@ -16110,7 +19065,7 @@
           <p:nvPr/>
         </p:nvPicPr>
         <p:blipFill>
-          <a:blip r:embed="rId3">
+          <a:blip r:embed="rId4">
             <a:extLst>
               <a:ext uri="{28A0092B-C50C-407E-A947-70E740481C1C}">
                 <a14:useLocalDpi xmlns:a14="http://schemas.microsoft.com/office/drawing/2010/main" val="0"/>
@@ -16146,7 +19101,7 @@
           <p:nvPr/>
         </p:nvPicPr>
         <p:blipFill>
-          <a:blip r:embed="rId4">
+          <a:blip r:embed="rId5">
             <a:extLst>
               <a:ext uri="{28A0092B-C50C-407E-A947-70E740481C1C}">
                 <a14:useLocalDpi xmlns:a14="http://schemas.microsoft.com/office/drawing/2010/main" val="0"/>
@@ -16370,7 +19325,7 @@
           <p:nvPr/>
         </p:nvPicPr>
         <p:blipFill>
-          <a:blip r:embed="rId2"/>
+          <a:blip r:embed="rId3"/>
           <a:stretch/>
         </p:blipFill>
         <p:spPr>
@@ -16797,7 +19752,7 @@
                 <a:avLst/>
               </a:prstGeom>
               <a:blipFill>
-                <a:blip r:embed="rId3"/>
+                <a:blip r:embed="rId4"/>
                 <a:stretch>
                   <a:fillRect l="-608" t="-4000" b="-4615"/>
                 </a:stretch>
@@ -16855,7 +19810,7 @@
           <p:nvPr/>
         </p:nvPicPr>
         <p:blipFill>
-          <a:blip r:embed="rId2"/>
+          <a:blip r:embed="rId3"/>
           <a:stretch/>
         </p:blipFill>
         <p:spPr>
@@ -17115,7 +20070,7 @@
           <p:nvPr/>
         </p:nvPicPr>
         <p:blipFill>
-          <a:blip r:embed="rId3">
+          <a:blip r:embed="rId4">
             <a:extLst>
               <a:ext uri="{28A0092B-C50C-407E-A947-70E740481C1C}">
                 <a14:useLocalDpi xmlns:a14="http://schemas.microsoft.com/office/drawing/2010/main" val="0"/>
@@ -17181,7 +20136,7 @@
           <p:nvPr/>
         </p:nvPicPr>
         <p:blipFill>
-          <a:blip r:embed="rId2">
+          <a:blip r:embed="rId3">
             <a:extLst>
               <a:ext uri="{28A0092B-C50C-407E-A947-70E740481C1C}">
                 <a14:useLocalDpi xmlns:a14="http://schemas.microsoft.com/office/drawing/2010/main" val="0"/>
@@ -17209,7 +20164,7 @@
           <p:nvPr/>
         </p:nvPicPr>
         <p:blipFill>
-          <a:blip r:embed="rId3"/>
+          <a:blip r:embed="rId4"/>
           <a:stretch/>
         </p:blipFill>
         <p:spPr>
@@ -17455,7 +20410,7 @@
           <p:nvPr/>
         </p:nvPicPr>
         <p:blipFill>
-          <a:blip r:embed="rId4">
+          <a:blip r:embed="rId5">
             <a:extLst>
               <a:ext uri="{28A0092B-C50C-407E-A947-70E740481C1C}">
                 <a14:useLocalDpi xmlns:a14="http://schemas.microsoft.com/office/drawing/2010/main" val="0"/>
@@ -18443,6 +21398,21 @@
 </file>
 
 <file path=customXml/item1.xml><?xml version="1.0" encoding="utf-8"?>
+<?mso-contentType ?>
+<FormTemplates xmlns="http://schemas.microsoft.com/sharepoint/v3/contenttype/forms">
+  <Display>DocumentLibraryForm</Display>
+  <Edit>DocumentLibraryForm</Edit>
+  <New>DocumentLibraryForm</New>
+</FormTemplates>
+</file>
+
+<file path=customXml/item2.xml><?xml version="1.0" encoding="utf-8"?>
+<p:properties xmlns:p="http://schemas.microsoft.com/office/2006/metadata/properties" xmlns:xsi="http://www.w3.org/2001/XMLSchema-instance" xmlns:pc="http://schemas.microsoft.com/office/infopath/2007/PartnerControls">
+  <documentManagement/>
+</p:properties>
+</file>
+
+<file path=customXml/item3.xml><?xml version="1.0" encoding="utf-8"?>
 <ct:contentTypeSchema xmlns:ct="http://schemas.microsoft.com/office/2006/metadata/contentType" xmlns:ma="http://schemas.microsoft.com/office/2006/metadata/properties/metaAttributes" ct:_="" ma:_="" ma:contentTypeName="Documento" ma:contentTypeID="0x01010090E25A177DBE194CA7DDF0CC303C92DA" ma:contentTypeVersion="10" ma:contentTypeDescription="Creare un nuovo documento." ma:contentTypeScope="" ma:versionID="05058989819870a140977de707ec0a06">
   <xsd:schema xmlns:xsd="http://www.w3.org/2001/XMLSchema" xmlns:xs="http://www.w3.org/2001/XMLSchema" xmlns:p="http://schemas.microsoft.com/office/2006/metadata/properties" xmlns:ns3="c8d8867b-9144-4820-a959-3365945bb6b6" xmlns:ns4="b7d7a78c-ebd1-4b8e-b94b-7acbb09560d1" targetNamespace="http://schemas.microsoft.com/office/2006/metadata/properties" ma:root="true" ma:fieldsID="cb63b33f685a06f3c93a2c5945a88841" ns3:_="" ns4:_="">
     <xsd:import namespace="c8d8867b-9144-4820-a959-3365945bb6b6"/>
@@ -18643,36 +21613,10 @@
 </ct:contentTypeSchema>
 </file>
 
-<file path=customXml/item2.xml><?xml version="1.0" encoding="utf-8"?>
-<p:properties xmlns:p="http://schemas.microsoft.com/office/2006/metadata/properties" xmlns:xsi="http://www.w3.org/2001/XMLSchema-instance" xmlns:pc="http://schemas.microsoft.com/office/infopath/2007/PartnerControls">
-  <documentManagement/>
-</p:properties>
-</file>
-
-<file path=customXml/item3.xml><?xml version="1.0" encoding="utf-8"?>
-<?mso-contentType ?>
-<FormTemplates xmlns="http://schemas.microsoft.com/sharepoint/v3/contenttype/forms">
-  <Display>DocumentLibraryForm</Display>
-  <Edit>DocumentLibraryForm</Edit>
-  <New>DocumentLibraryForm</New>
-</FormTemplates>
-</file>
-
 <file path=customXml/itemProps1.xml><?xml version="1.0" encoding="utf-8"?>
-<ds:datastoreItem xmlns:ds="http://schemas.openxmlformats.org/officeDocument/2006/customXml" ds:itemID="{B62EAF85-E27C-4CFA-987C-F2FFC8626EBB}">
+<ds:datastoreItem xmlns:ds="http://schemas.openxmlformats.org/officeDocument/2006/customXml" ds:itemID="{B0E49FA3-402E-4649-B24F-B0ECF50FD8FF}">
   <ds:schemaRefs>
-    <ds:schemaRef ds:uri="http://schemas.microsoft.com/office/2006/metadata/contentType"/>
-    <ds:schemaRef ds:uri="http://schemas.microsoft.com/office/2006/metadata/properties/metaAttributes"/>
-    <ds:schemaRef ds:uri="http://www.w3.org/2001/XMLSchema"/>
-    <ds:schemaRef ds:uri="http://schemas.microsoft.com/office/2006/metadata/properties"/>
-    <ds:schemaRef ds:uri="c8d8867b-9144-4820-a959-3365945bb6b6"/>
-    <ds:schemaRef ds:uri="b7d7a78c-ebd1-4b8e-b94b-7acbb09560d1"/>
-    <ds:schemaRef ds:uri="http://schemas.microsoft.com/office/2006/documentManagement/types"/>
-    <ds:schemaRef ds:uri="http://schemas.microsoft.com/office/infopath/2007/PartnerControls"/>
-    <ds:schemaRef ds:uri="http://schemas.openxmlformats.org/package/2006/metadata/core-properties"/>
-    <ds:schemaRef ds:uri="http://purl.org/dc/elements/1.1/"/>
-    <ds:schemaRef ds:uri="http://purl.org/dc/terms/"/>
-    <ds:schemaRef ds:uri="http://schemas.microsoft.com/internal/obd"/>
+    <ds:schemaRef ds:uri="http://schemas.microsoft.com/sharepoint/v3/contenttype/forms"/>
   </ds:schemaRefs>
 </ds:datastoreItem>
 </file>
@@ -18695,9 +21639,20 @@
 </file>
 
 <file path=customXml/itemProps3.xml><?xml version="1.0" encoding="utf-8"?>
-<ds:datastoreItem xmlns:ds="http://schemas.openxmlformats.org/officeDocument/2006/customXml" ds:itemID="{B0E49FA3-402E-4649-B24F-B0ECF50FD8FF}">
+<ds:datastoreItem xmlns:ds="http://schemas.openxmlformats.org/officeDocument/2006/customXml" ds:itemID="{B62EAF85-E27C-4CFA-987C-F2FFC8626EBB}">
   <ds:schemaRefs>
-    <ds:schemaRef ds:uri="http://schemas.microsoft.com/sharepoint/v3/contenttype/forms"/>
+    <ds:schemaRef ds:uri="http://schemas.microsoft.com/office/2006/metadata/contentType"/>
+    <ds:schemaRef ds:uri="http://schemas.microsoft.com/office/2006/metadata/properties/metaAttributes"/>
+    <ds:schemaRef ds:uri="http://www.w3.org/2001/XMLSchema"/>
+    <ds:schemaRef ds:uri="http://schemas.microsoft.com/office/2006/metadata/properties"/>
+    <ds:schemaRef ds:uri="c8d8867b-9144-4820-a959-3365945bb6b6"/>
+    <ds:schemaRef ds:uri="b7d7a78c-ebd1-4b8e-b94b-7acbb09560d1"/>
+    <ds:schemaRef ds:uri="http://schemas.microsoft.com/office/2006/documentManagement/types"/>
+    <ds:schemaRef ds:uri="http://schemas.microsoft.com/office/infopath/2007/PartnerControls"/>
+    <ds:schemaRef ds:uri="http://schemas.openxmlformats.org/package/2006/metadata/core-properties"/>
+    <ds:schemaRef ds:uri="http://purl.org/dc/elements/1.1/"/>
+    <ds:schemaRef ds:uri="http://purl.org/dc/terms/"/>
+    <ds:schemaRef ds:uri="http://schemas.microsoft.com/internal/obd"/>
   </ds:schemaRefs>
 </ds:datastoreItem>
 </file>
--- a/slides.pptx
+++ b/slides.pptx
@@ -5,7 +5,7 @@
     <p:sldMasterId id="2147483648" r:id="rId4"/>
   </p:sldMasterIdLst>
   <p:notesMasterIdLst>
-    <p:notesMasterId r:id="rId36"/>
+    <p:notesMasterId r:id="rId37"/>
   </p:notesMasterIdLst>
   <p:sldIdLst>
     <p:sldId id="256" r:id="rId5"/>
@@ -34,11 +34,12 @@
     <p:sldId id="297" r:id="rId28"/>
     <p:sldId id="296" r:id="rId29"/>
     <p:sldId id="298" r:id="rId30"/>
-    <p:sldId id="299" r:id="rId31"/>
-    <p:sldId id="300" r:id="rId32"/>
-    <p:sldId id="301" r:id="rId33"/>
-    <p:sldId id="302" r:id="rId34"/>
-    <p:sldId id="272" r:id="rId35"/>
+    <p:sldId id="303" r:id="rId31"/>
+    <p:sldId id="299" r:id="rId32"/>
+    <p:sldId id="300" r:id="rId33"/>
+    <p:sldId id="301" r:id="rId34"/>
+    <p:sldId id="302" r:id="rId35"/>
+    <p:sldId id="272" r:id="rId36"/>
   </p:sldIdLst>
   <p:sldSz cx="10080625" cy="5670550"/>
   <p:notesSz cx="7559675" cy="10691813"/>
@@ -630,34 +631,7 @@
           <a:bodyPr/>
           <a:lstStyle/>
           <a:p>
-            <a:r>
-              <a:rPr lang="it-IT" dirty="0"/>
-              <a:t>Se non vengono trovati conflitti, l’algoritmo elabora i blocchi in base a un ordinamento derivato da una visita in ampiezza del </a:t>
-            </a:r>
-            <a:r>
-              <a:rPr lang="it-IT" dirty="0" err="1"/>
-              <a:t>block-cutpoint</a:t>
-            </a:r>
-            <a:r>
-              <a:rPr lang="it-IT" dirty="0"/>
-              <a:t> </a:t>
-            </a:r>
-            <a:r>
-              <a:rPr lang="it-IT" dirty="0" err="1"/>
-              <a:t>tree</a:t>
-            </a:r>
-            <a:r>
-              <a:rPr lang="it-IT" dirty="0"/>
-              <a:t>, detto BFS </a:t>
-            </a:r>
-            <a:r>
-              <a:rPr lang="it-IT" dirty="0" err="1"/>
-              <a:t>ordering</a:t>
-            </a:r>
-            <a:r>
-              <a:rPr lang="it-IT" dirty="0"/>
-              <a:t>.</a:t>
-            </a:r>
+            <a:endParaRPr lang="it-IT" dirty="0"/>
           </a:p>
         </p:txBody>
       </p:sp>
@@ -741,10 +715,7 @@
           <a:bodyPr/>
           <a:lstStyle/>
           <a:p>
-            <a:r>
-              <a:rPr lang="it-IT" dirty="0"/>
-              <a:t>L'elaborazione consiste nel combinare gli embedding dei blocchi passo dopo passo, aggiungendo l'embedding di ogni blocco a quello costruito finora. Quando tutti i blocchi sono stati elaborati, si ottiene un 1-page book embedding dell'intero DAG.</a:t>
-            </a:r>
+            <a:endParaRPr lang="it-IT" dirty="0"/>
           </a:p>
         </p:txBody>
       </p:sp>
@@ -828,10 +799,7 @@
           <a:bodyPr/>
           <a:lstStyle/>
           <a:p>
-            <a:r>
-              <a:rPr lang="it-IT" dirty="0"/>
-              <a:t>L'elaborazione consiste nel combinare gli embedding dei blocchi passo dopo passo, aggiungendo l'embedding di ogni blocco a quello costruito finora. Quando tutti i blocchi sono stati elaborati, si ottiene un 1-page book embedding dell'intero DAG.</a:t>
-            </a:r>
+            <a:endParaRPr lang="it-IT" dirty="0"/>
           </a:p>
         </p:txBody>
       </p:sp>
@@ -915,10 +883,7 @@
           <a:bodyPr/>
           <a:lstStyle/>
           <a:p>
-            <a:r>
-              <a:rPr lang="it-IT" dirty="0"/>
-              <a:t>L'elaborazione consiste nel combinare gli embedding dei blocchi passo dopo passo, aggiungendo l'embedding di ogni blocco a quello costruito finora. Quando tutti i blocchi sono stati elaborati, si ottiene un 1-page book embedding dell'intero DAG.</a:t>
-            </a:r>
+            <a:endParaRPr lang="it-IT" dirty="0"/>
           </a:p>
         </p:txBody>
       </p:sp>
@@ -1002,10 +967,7 @@
           <a:bodyPr/>
           <a:lstStyle/>
           <a:p>
-            <a:r>
-              <a:rPr lang="it-IT" dirty="0"/>
-              <a:t>L'elaborazione consiste nel combinare gli embedding dei blocchi passo dopo passo, aggiungendo l'embedding di ogni blocco a quello costruito finora. Quando tutti i blocchi sono stati elaborati, si ottiene un 1-page book embedding dell'intero DAG.</a:t>
-            </a:r>
+            <a:endParaRPr lang="it-IT" dirty="0"/>
           </a:p>
         </p:txBody>
       </p:sp>
@@ -1089,10 +1051,7 @@
           <a:bodyPr/>
           <a:lstStyle/>
           <a:p>
-            <a:r>
-              <a:rPr lang="it-IT" dirty="0"/>
-              <a:t>L'elaborazione consiste nel combinare gli embedding dei blocchi passo dopo passo, aggiungendo l'embedding di ogni blocco a quello costruito finora. Quando tutti i blocchi sono stati elaborati, si ottiene un 1-page book embedding dell'intero DAG.</a:t>
-            </a:r>
+            <a:endParaRPr lang="it-IT" dirty="0"/>
           </a:p>
         </p:txBody>
       </p:sp>
@@ -1176,10 +1135,7 @@
           <a:bodyPr/>
           <a:lstStyle/>
           <a:p>
-            <a:r>
-              <a:rPr lang="it-IT" dirty="0"/>
-              <a:t>L'elaborazione consiste nel combinare gli embedding dei blocchi passo dopo passo, aggiungendo l'embedding di ogni blocco a quello costruito finora. Quando tutti i blocchi sono stati elaborati, si ottiene un 1-page book embedding dell'intero DAG.</a:t>
-            </a:r>
+            <a:endParaRPr lang="it-IT" dirty="0"/>
           </a:p>
         </p:txBody>
       </p:sp>
@@ -1263,10 +1219,7 @@
           <a:bodyPr/>
           <a:lstStyle/>
           <a:p>
-            <a:r>
-              <a:rPr lang="it-IT" dirty="0"/>
-              <a:t>L'elaborazione consiste nel combinare gli embedding dei blocchi passo dopo passo, aggiungendo l'embedding di ogni blocco a quello costruito finora. Quando tutti i blocchi sono stati elaborati, si ottiene un 1-page book embedding dell'intero DAG.</a:t>
-            </a:r>
+            <a:endParaRPr lang="it-IT" dirty="0"/>
           </a:p>
         </p:txBody>
       </p:sp>
@@ -1350,10 +1303,7 @@
           <a:bodyPr/>
           <a:lstStyle/>
           <a:p>
-            <a:r>
-              <a:rPr lang="it-IT" dirty="0"/>
-              <a:t>L'elaborazione consiste nel combinare gli embedding dei blocchi passo dopo passo, aggiungendo l'embedding di ogni blocco a quello costruito finora. Quando tutti i blocchi sono stati elaborati, si ottiene un 1-page book embedding dell'intero DAG.</a:t>
-            </a:r>
+            <a:endParaRPr lang="it-IT" dirty="0"/>
           </a:p>
         </p:txBody>
       </p:sp>
@@ -1437,58 +1387,7 @@
           <a:bodyPr/>
           <a:lstStyle/>
           <a:p>
-            <a:r>
-              <a:rPr lang="it-IT" dirty="0"/>
-              <a:t>L'algoritmo di enumerazione proposto nella tesi si basa sull'algoritmo appena descritto. Le prime fasi sono analoghe, dunque l'algoritmo verifica che ogni blocco ammetta un 1-page book embedding, radica il </a:t>
-            </a:r>
-            <a:r>
-              <a:rPr lang="it-IT" dirty="0" err="1"/>
-              <a:t>block-cutpoint</a:t>
-            </a:r>
-            <a:r>
-              <a:rPr lang="it-IT" dirty="0"/>
-              <a:t> </a:t>
-            </a:r>
-            <a:r>
-              <a:rPr lang="it-IT" dirty="0" err="1"/>
-              <a:t>tree</a:t>
-            </a:r>
-            <a:r>
-              <a:rPr lang="it-IT" dirty="0"/>
-              <a:t> a un blocco arbitrario e verifica che non ci siano conflitti. Successivamente però, l'algoritmo introduce delle modifiche. Per prima cosa viene ricercato un radicamento migliore per il </a:t>
-            </a:r>
-            <a:r>
-              <a:rPr lang="it-IT" dirty="0" err="1"/>
-              <a:t>block-cutpoint</a:t>
-            </a:r>
-            <a:r>
-              <a:rPr lang="it-IT" dirty="0"/>
-              <a:t> </a:t>
-            </a:r>
-            <a:r>
-              <a:rPr lang="it-IT" dirty="0" err="1"/>
-              <a:t>tree</a:t>
-            </a:r>
-            <a:r>
-              <a:rPr lang="it-IT" dirty="0"/>
-              <a:t> iniziale. Poi vengono individuati gli insiemi di blocchi del DAG che, se scambiati di posizione nel BFS </a:t>
-            </a:r>
-            <a:r>
-              <a:rPr lang="it-IT" dirty="0" err="1"/>
-              <a:t>ordering</a:t>
-            </a:r>
-            <a:r>
-              <a:rPr lang="it-IT" dirty="0"/>
-              <a:t>, producono risultati differenti e, una volta individuati questi insiemi di blocchi, vengono generati i diversi BFS </a:t>
-            </a:r>
-            <a:r>
-              <a:rPr lang="it-IT" dirty="0" err="1"/>
-              <a:t>ordering</a:t>
-            </a:r>
-            <a:r>
-              <a:rPr lang="it-IT" dirty="0"/>
-              <a:t> e, di conseguenza, costruiti i 1-page book embedding corrispondenti.</a:t>
-            </a:r>
+            <a:endParaRPr lang="it-IT" dirty="0"/>
           </a:p>
         </p:txBody>
       </p:sp>
@@ -1572,18 +1471,7 @@
           <a:bodyPr/>
           <a:lstStyle/>
           <a:p>
-            <a:r>
-              <a:rPr lang="it-IT" dirty="0"/>
-              <a:t>L'obiettivo principale della tesi è la realizzazione di un algoritmo per enumerare, ovvero elencare, tutti i possibili 1-page book embedding ammessi da un grafo diretto aciclico, anche detto DAG. Tale algoritmo è stato poi implementato in C++ e compilato in </a:t>
-            </a:r>
-            <a:r>
-              <a:rPr lang="it-IT" dirty="0" err="1"/>
-              <a:t>WebAssembly</a:t>
-            </a:r>
-            <a:r>
-              <a:rPr lang="it-IT" dirty="0"/>
-              <a:t> così da poter realizzare un tool efficiente che consente di eseguire l'algoritmo su una pagina web. Un altro obiettivo della tesi consiste nel ricavare una formula per contare quanti sono i 1-page book embedding ammessi da un certo DAG.</a:t>
-            </a:r>
+            <a:endParaRPr lang="it-IT" dirty="0"/>
           </a:p>
         </p:txBody>
       </p:sp>
@@ -1667,10 +1555,7 @@
           <a:bodyPr/>
           <a:lstStyle/>
           <a:p>
-            <a:r>
-              <a:rPr lang="it-IT" dirty="0"/>
-              <a:t>Prima di descrivere queste fasi, è utile definire le diverse tipologie di vertici nei blocchi. Ogni blocco che ammette un 1-page book embedding contiene un vertice senza archi in ingresso detto sorgente, un vertice senza archi in uscita detto pozzo ed eventuali vertici con archi sia in ingresso che in uscita detti intermedi.</a:t>
-            </a:r>
+            <a:endParaRPr lang="it-IT" dirty="0"/>
           </a:p>
         </p:txBody>
       </p:sp>
@@ -1754,50 +1639,7 @@
           <a:bodyPr/>
           <a:lstStyle/>
           <a:p>
-            <a:r>
-              <a:rPr lang="it-IT" dirty="0"/>
-              <a:t>L'algoritmo etichetta gli archi del </a:t>
-            </a:r>
-            <a:r>
-              <a:rPr lang="it-IT" dirty="0" err="1"/>
-              <a:t>block-cutpoint</a:t>
-            </a:r>
-            <a:r>
-              <a:rPr lang="it-IT" dirty="0"/>
-              <a:t> </a:t>
-            </a:r>
-            <a:r>
-              <a:rPr lang="it-IT" dirty="0" err="1"/>
-              <a:t>tree</a:t>
-            </a:r>
-            <a:r>
-              <a:rPr lang="it-IT" dirty="0"/>
-              <a:t> in base al ruolo del </a:t>
-            </a:r>
-            <a:r>
-              <a:rPr lang="it-IT" dirty="0" err="1"/>
-              <a:t>cutpoint</a:t>
-            </a:r>
-            <a:r>
-              <a:rPr lang="it-IT" dirty="0"/>
-              <a:t> nel blocco a cui il </a:t>
-            </a:r>
-            <a:r>
-              <a:rPr lang="it-IT" dirty="0" err="1"/>
-              <a:t>cutpoint</a:t>
-            </a:r>
-            <a:r>
-              <a:rPr lang="it-IT" dirty="0"/>
-              <a:t> è collegato. 0 se il </a:t>
-            </a:r>
-            <a:r>
-              <a:rPr lang="it-IT" dirty="0" err="1"/>
-              <a:t>cutpoint</a:t>
-            </a:r>
-            <a:r>
-              <a:rPr lang="it-IT" dirty="0"/>
-              <a:t> è sorgente del blocco, 1 se intermedio e 2 se pozzo</a:t>
-            </a:r>
+            <a:endParaRPr lang="it-IT" dirty="0"/>
           </a:p>
         </p:txBody>
       </p:sp>
@@ -1881,42 +1723,7 @@
           <a:bodyPr/>
           <a:lstStyle/>
           <a:p>
-            <a:r>
-              <a:rPr lang="it-IT" dirty="0"/>
-              <a:t>La ricerca di conflitti nel </a:t>
-            </a:r>
-            <a:r>
-              <a:rPr lang="it-IT" dirty="0" err="1"/>
-              <a:t>block-cutpoint</a:t>
-            </a:r>
-            <a:r>
-              <a:rPr lang="it-IT" dirty="0"/>
-              <a:t> </a:t>
-            </a:r>
-            <a:r>
-              <a:rPr lang="it-IT" dirty="0" err="1"/>
-              <a:t>tree</a:t>
-            </a:r>
-            <a:r>
-              <a:rPr lang="it-IT" dirty="0"/>
-              <a:t> può ora essere descritta poiché questa riguarda la ricerca di cammini tra blocchi in cui il primo e l'ultimo arco sono etichettati con 1. se un tale cammino esiste, allora il DAG non ammette un 1-page book embedding. Durante lo sviluppo della tesi è stata trovata un'imprecisione nell'algoritmo di </a:t>
-            </a:r>
-            <a:r>
-              <a:rPr lang="it-IT" dirty="0" err="1"/>
-              <a:t>Heat</a:t>
-            </a:r>
-            <a:r>
-              <a:rPr lang="it-IT" dirty="0"/>
-              <a:t> e </a:t>
-            </a:r>
-            <a:r>
-              <a:rPr lang="it-IT" dirty="0" err="1"/>
-              <a:t>Pemmaraju</a:t>
-            </a:r>
-            <a:r>
-              <a:rPr lang="it-IT" dirty="0"/>
-              <a:t> nella procedura che ricerca questi conflitti. La procedura è stata quindi corretta attraverso l'introduzione di una condizione aggiuntiva.</a:t>
-            </a:r>
+            <a:endParaRPr lang="it-IT" dirty="0"/>
           </a:p>
         </p:txBody>
       </p:sp>
@@ -2000,34 +1807,7 @@
           <a:bodyPr/>
           <a:lstStyle/>
           <a:p>
-            <a:r>
-              <a:rPr lang="it-IT" dirty="0"/>
-              <a:t>L'algoritmo procede con la ricerca di un radicamento migliore. La proprietà principale di questo radicamento risiede nel fatto che non sono presenti </a:t>
-            </a:r>
-            <a:r>
-              <a:rPr lang="it-IT" dirty="0" err="1"/>
-              <a:t>cutpoint</a:t>
-            </a:r>
-            <a:r>
-              <a:rPr lang="it-IT" dirty="0"/>
-              <a:t> che hanno blocchi figli raggiungibili attraverso un arco di tipo 1. Questo radicamento esiste sempre nei </a:t>
-            </a:r>
-            <a:r>
-              <a:rPr lang="it-IT" dirty="0" err="1"/>
-              <a:t>block-cutpoint</a:t>
-            </a:r>
-            <a:r>
-              <a:rPr lang="it-IT" dirty="0"/>
-              <a:t> </a:t>
-            </a:r>
-            <a:r>
-              <a:rPr lang="it-IT" dirty="0" err="1"/>
-              <a:t>tree</a:t>
-            </a:r>
-            <a:r>
-              <a:rPr lang="it-IT" dirty="0"/>
-              <a:t> in cui non ci sono conflitti e può essere trovato in tempo lineare.</a:t>
-            </a:r>
+            <a:endParaRPr lang="it-IT" dirty="0"/>
           </a:p>
         </p:txBody>
       </p:sp>
@@ -2111,18 +1891,7 @@
           <a:bodyPr/>
           <a:lstStyle/>
           <a:p>
-            <a:r>
-              <a:rPr lang="it-IT" dirty="0"/>
-              <a:t>Un'ultima definizione è quella di cammino ristretto, un cammino ristretto è un cammino che ha origine in un </a:t>
-            </a:r>
-            <a:r>
-              <a:rPr lang="it-IT" dirty="0" err="1"/>
-              <a:t>cutpoint</a:t>
-            </a:r>
-            <a:r>
-              <a:rPr lang="it-IT" dirty="0"/>
-              <a:t> e che termina in un blocco attraverso un arco etichettato con 1</a:t>
-            </a:r>
+            <a:endParaRPr lang="it-IT" dirty="0"/>
           </a:p>
         </p:txBody>
       </p:sp>
@@ -2206,42 +1975,7 @@
           <a:bodyPr/>
           <a:lstStyle/>
           <a:p>
-            <a:r>
-              <a:rPr lang="it-IT" dirty="0"/>
-              <a:t>A questo punto è possibile individuare i blocchi che possono essere permutati tra loro per ottenere risultati differenti. Tali blocchi permutabili risultano essere i blocchi collegati ad uno stesso </a:t>
-            </a:r>
-            <a:r>
-              <a:rPr lang="it-IT" dirty="0" err="1"/>
-              <a:t>cutpoint</a:t>
-            </a:r>
-            <a:r>
-              <a:rPr lang="it-IT" dirty="0"/>
-              <a:t> nel </a:t>
-            </a:r>
-            <a:r>
-              <a:rPr lang="it-IT" dirty="0" err="1"/>
-              <a:t>block-cutpoint</a:t>
-            </a:r>
-            <a:r>
-              <a:rPr lang="it-IT" dirty="0"/>
-              <a:t> </a:t>
-            </a:r>
-            <a:r>
-              <a:rPr lang="it-IT" dirty="0" err="1"/>
-              <a:t>tree</a:t>
-            </a:r>
-            <a:r>
-              <a:rPr lang="it-IT" dirty="0"/>
-              <a:t> attraverso archi dello stesso tipo, di tipo 0 o di tipo 2. Ad eccezione dei blocchi che si trovano su un cammino ristretto che ha origine nel </a:t>
-            </a:r>
-            <a:r>
-              <a:rPr lang="it-IT" dirty="0" err="1"/>
-              <a:t>cutpoint</a:t>
-            </a:r>
-            <a:r>
-              <a:rPr lang="it-IT" dirty="0"/>
-              <a:t> considerato. Questi insiemi di blocchi possono essere individuati in tempo lineare.</a:t>
-            </a:r>
+            <a:endParaRPr lang="it-IT" dirty="0"/>
           </a:p>
         </p:txBody>
       </p:sp>
@@ -2325,74 +2059,7 @@
           <a:bodyPr/>
           <a:lstStyle/>
           <a:p>
-            <a:r>
-              <a:rPr lang="it-IT" dirty="0"/>
-              <a:t>L'algoritmo quindi procede con la generazione di tutti i BFS </a:t>
-            </a:r>
-            <a:r>
-              <a:rPr lang="it-IT" dirty="0" err="1"/>
-              <a:t>ordering</a:t>
-            </a:r>
-            <a:r>
-              <a:rPr lang="it-IT" dirty="0"/>
-              <a:t> che contengono le diverse permutazioni dei blocchi individuati. questo viene fatto attraverso radicamenti alternativi del </a:t>
-            </a:r>
-            <a:r>
-              <a:rPr lang="it-IT" dirty="0" err="1"/>
-              <a:t>block-cutpoint</a:t>
-            </a:r>
-            <a:r>
-              <a:rPr lang="it-IT" dirty="0"/>
-              <a:t> </a:t>
-            </a:r>
-            <a:r>
-              <a:rPr lang="it-IT" dirty="0" err="1"/>
-              <a:t>tree</a:t>
-            </a:r>
-            <a:r>
-              <a:rPr lang="it-IT" dirty="0"/>
-              <a:t> e permutazioni di blocchi figli di uno stesso </a:t>
-            </a:r>
-            <a:r>
-              <a:rPr lang="it-IT" dirty="0" err="1"/>
-              <a:t>cutpoint</a:t>
-            </a:r>
-            <a:r>
-              <a:rPr lang="it-IT" dirty="0"/>
-              <a:t> e permutabili fra loro. La generazione del BFS </a:t>
-            </a:r>
-            <a:r>
-              <a:rPr lang="it-IT" dirty="0" err="1"/>
-              <a:t>ordering</a:t>
-            </a:r>
-            <a:r>
-              <a:rPr lang="it-IT" dirty="0"/>
-              <a:t> successivo richiede tempo lineare e, come visto nell'algoritmo di </a:t>
-            </a:r>
-            <a:r>
-              <a:rPr lang="it-IT" dirty="0" err="1"/>
-              <a:t>Heat</a:t>
-            </a:r>
-            <a:r>
-              <a:rPr lang="it-IT" dirty="0"/>
-              <a:t> e </a:t>
-            </a:r>
-            <a:r>
-              <a:rPr lang="it-IT" dirty="0" err="1"/>
-              <a:t>Pemmaraju</a:t>
-            </a:r>
-            <a:r>
-              <a:rPr lang="it-IT" dirty="0"/>
-              <a:t>, anche la costruzione di un 1-page book embedding a partire da un BFS </a:t>
-            </a:r>
-            <a:r>
-              <a:rPr lang="it-IT" dirty="0" err="1"/>
-              <a:t>ordering</a:t>
-            </a:r>
-            <a:r>
-              <a:rPr lang="it-IT" dirty="0"/>
-              <a:t> richiede tempo lineare. Dunque il delay temporale tra un risultato e il successivo nell'algoritmo di enumerazione è lineare rispetto al numero di vertici del DAG.</a:t>
-            </a:r>
+            <a:endParaRPr lang="it-IT" dirty="0"/>
           </a:p>
         </p:txBody>
       </p:sp>
@@ -2476,26 +2143,7 @@
           <a:bodyPr/>
           <a:lstStyle/>
           <a:p>
-            <a:r>
-              <a:rPr lang="it-IT" dirty="0"/>
-              <a:t>Un altro risultato della tesi riguarda la formula che consente di contare quanti sono i possibili 1-page book embedding di un DAG, qui riportata. Tale formula consiste in una moltiplicazione del numero di permutazioni per ogni insieme di blocchi permutabili per ogni radicamento del </a:t>
-            </a:r>
-            <a:r>
-              <a:rPr lang="it-IT" dirty="0" err="1"/>
-              <a:t>block-cutpoint</a:t>
-            </a:r>
-            <a:r>
-              <a:rPr lang="it-IT" dirty="0"/>
-              <a:t> </a:t>
-            </a:r>
-            <a:r>
-              <a:rPr lang="it-IT" dirty="0" err="1"/>
-              <a:t>tree</a:t>
-            </a:r>
-            <a:r>
-              <a:rPr lang="it-IT" dirty="0"/>
-              <a:t> trovato dall'algoritmo.</a:t>
-            </a:r>
+            <a:endParaRPr lang="it-IT" dirty="0"/>
           </a:p>
         </p:txBody>
       </p:sp>
@@ -2525,7 +2173,7 @@
     </p:spTree>
     <p:extLst>
       <p:ext uri="{BB962C8B-B14F-4D97-AF65-F5344CB8AC3E}">
-        <p14:creationId xmlns:p14="http://schemas.microsoft.com/office/powerpoint/2010/main" val="1095930288"/>
+        <p14:creationId xmlns:p14="http://schemas.microsoft.com/office/powerpoint/2010/main" val="194732081"/>
       </p:ext>
     </p:extLst>
   </p:cSld>
@@ -2579,26 +2227,7 @@
           <a:bodyPr/>
           <a:lstStyle/>
           <a:p>
-            <a:r>
-              <a:rPr lang="it-IT" dirty="0"/>
-              <a:t>infine, un risultato pratico della tesi riguarda un tool web che consente di eseguire l'algoritmo di enumerazione su una pagina web e di esplorare i diversi risultati. Questo strumento utilizza la tecnologia </a:t>
-            </a:r>
-            <a:r>
-              <a:rPr lang="it-IT" dirty="0" err="1"/>
-              <a:t>WebAssembly</a:t>
-            </a:r>
-            <a:r>
-              <a:rPr lang="it-IT" dirty="0"/>
-              <a:t> ed è quindi molto efficiente. Inoltre, il numero di possibili risultati è calcolato attraverso la formula di </a:t>
-            </a:r>
-            <a:r>
-              <a:rPr lang="it-IT" dirty="0" err="1"/>
-              <a:t>counting</a:t>
-            </a:r>
-            <a:r>
-              <a:rPr lang="it-IT" dirty="0"/>
-              <a:t> e riportato a schermo.</a:t>
-            </a:r>
+            <a:endParaRPr lang="it-IT" dirty="0"/>
           </a:p>
         </p:txBody>
       </p:sp>
@@ -2628,7 +2257,7 @@
     </p:spTree>
     <p:extLst>
       <p:ext uri="{BB962C8B-B14F-4D97-AF65-F5344CB8AC3E}">
-        <p14:creationId xmlns:p14="http://schemas.microsoft.com/office/powerpoint/2010/main" val="216813825"/>
+        <p14:creationId xmlns:p14="http://schemas.microsoft.com/office/powerpoint/2010/main" val="1095930288"/>
       </p:ext>
     </p:extLst>
   </p:cSld>
@@ -2682,26 +2311,7 @@
           <a:bodyPr/>
           <a:lstStyle/>
           <a:p>
-            <a:r>
-              <a:rPr lang="it-IT" dirty="0"/>
-              <a:t>infine, un risultato pratico della tesi riguarda un tool web che consente di eseguire l'algoritmo di enumerazione su una pagina web e di esplorare i diversi risultati. Questo strumento utilizza la tecnologia </a:t>
-            </a:r>
-            <a:r>
-              <a:rPr lang="it-IT" dirty="0" err="1"/>
-              <a:t>WebAssembly</a:t>
-            </a:r>
-            <a:r>
-              <a:rPr lang="it-IT" dirty="0"/>
-              <a:t> ed è quindi molto efficiente. Inoltre, il numero di possibili risultati è calcolato attraverso la formula di </a:t>
-            </a:r>
-            <a:r>
-              <a:rPr lang="it-IT" dirty="0" err="1"/>
-              <a:t>counting</a:t>
-            </a:r>
-            <a:r>
-              <a:rPr lang="it-IT" dirty="0"/>
-              <a:t> e riportato a schermo.</a:t>
-            </a:r>
+            <a:endParaRPr lang="it-IT" dirty="0"/>
           </a:p>
         </p:txBody>
       </p:sp>
@@ -2731,7 +2341,7 @@
     </p:spTree>
     <p:extLst>
       <p:ext uri="{BB962C8B-B14F-4D97-AF65-F5344CB8AC3E}">
-        <p14:creationId xmlns:p14="http://schemas.microsoft.com/office/powerpoint/2010/main" val="3042209610"/>
+        <p14:creationId xmlns:p14="http://schemas.microsoft.com/office/powerpoint/2010/main" val="216813825"/>
       </p:ext>
     </p:extLst>
   </p:cSld>
@@ -2785,10 +2395,7 @@
           <a:bodyPr/>
           <a:lstStyle/>
           <a:p>
-            <a:r>
-              <a:rPr lang="it-IT" dirty="0"/>
-              <a:t>Un DAG è un grafo diretto privo di cicli diretti, dove non è quindi possibile percorrere un cammino che attraversa più volte uno stesso vertice.</a:t>
-            </a:r>
+            <a:endParaRPr lang="it-IT" dirty="0"/>
           </a:p>
         </p:txBody>
       </p:sp>
@@ -2872,26 +2479,7 @@
           <a:bodyPr/>
           <a:lstStyle/>
           <a:p>
-            <a:r>
-              <a:rPr lang="it-IT" dirty="0"/>
-              <a:t>infine, un risultato pratico della tesi riguarda un tool web che consente di eseguire l'algoritmo di enumerazione su una pagina web e di esplorare i diversi risultati. Questo strumento utilizza la tecnologia </a:t>
-            </a:r>
-            <a:r>
-              <a:rPr lang="it-IT" dirty="0" err="1"/>
-              <a:t>WebAssembly</a:t>
-            </a:r>
-            <a:r>
-              <a:rPr lang="it-IT" dirty="0"/>
-              <a:t> ed è quindi molto efficiente. Inoltre, il numero di possibili risultati è calcolato attraverso la formula di </a:t>
-            </a:r>
-            <a:r>
-              <a:rPr lang="it-IT" dirty="0" err="1"/>
-              <a:t>counting</a:t>
-            </a:r>
-            <a:r>
-              <a:rPr lang="it-IT" dirty="0"/>
-              <a:t> e riportato a schermo.</a:t>
-            </a:r>
+            <a:endParaRPr lang="it-IT" dirty="0"/>
           </a:p>
         </p:txBody>
       </p:sp>
@@ -2913,6 +2501,90 @@
             <a:fld id="{F2EE8B71-78E8-46A3-80BB-3D549D7B777C}" type="slidenum">
               <a:rPr lang="it-IT" smtClean="0"/>
               <a:t>30</a:t>
+            </a:fld>
+            <a:endParaRPr lang="it-IT"/>
+          </a:p>
+        </p:txBody>
+      </p:sp>
+    </p:spTree>
+    <p:extLst>
+      <p:ext uri="{BB962C8B-B14F-4D97-AF65-F5344CB8AC3E}">
+        <p14:creationId xmlns:p14="http://schemas.microsoft.com/office/powerpoint/2010/main" val="3042209610"/>
+      </p:ext>
+    </p:extLst>
+  </p:cSld>
+  <p:clrMapOvr>
+    <a:masterClrMapping/>
+  </p:clrMapOvr>
+</p:notes>
+</file>
+
+<file path=ppt/notesSlides/notesSlide31.xml><?xml version="1.0" encoding="utf-8"?>
+<p:notes xmlns:a="http://schemas.openxmlformats.org/drawingml/2006/main" xmlns:r="http://schemas.openxmlformats.org/officeDocument/2006/relationships" xmlns:p="http://schemas.openxmlformats.org/presentationml/2006/main">
+  <p:cSld>
+    <p:spTree>
+      <p:nvGrpSpPr>
+        <p:cNvPr id="1" name=""/>
+        <p:cNvGrpSpPr/>
+        <p:nvPr/>
+      </p:nvGrpSpPr>
+      <p:grpSpPr>
+        <a:xfrm>
+          <a:off x="0" y="0"/>
+          <a:ext cx="0" cy="0"/>
+          <a:chOff x="0" y="0"/>
+          <a:chExt cx="0" cy="0"/>
+        </a:xfrm>
+      </p:grpSpPr>
+      <p:sp>
+        <p:nvSpPr>
+          <p:cNvPr id="2" name="Segnaposto immagine diapositiva 1"/>
+          <p:cNvSpPr>
+            <a:spLocks noGrp="1" noRot="1" noChangeAspect="1"/>
+          </p:cNvSpPr>
+          <p:nvPr>
+            <p:ph type="sldImg"/>
+          </p:nvPr>
+        </p:nvSpPr>
+        <p:spPr/>
+      </p:sp>
+      <p:sp>
+        <p:nvSpPr>
+          <p:cNvPr id="3" name="Segnaposto note 2"/>
+          <p:cNvSpPr>
+            <a:spLocks noGrp="1"/>
+          </p:cNvSpPr>
+          <p:nvPr>
+            <p:ph type="body" idx="1"/>
+          </p:nvPr>
+        </p:nvSpPr>
+        <p:spPr/>
+        <p:txBody>
+          <a:bodyPr/>
+          <a:lstStyle/>
+          <a:p>
+            <a:endParaRPr lang="it-IT" dirty="0"/>
+          </a:p>
+        </p:txBody>
+      </p:sp>
+      <p:sp>
+        <p:nvSpPr>
+          <p:cNvPr id="4" name="Segnaposto numero diapositiva 3"/>
+          <p:cNvSpPr>
+            <a:spLocks noGrp="1"/>
+          </p:cNvSpPr>
+          <p:nvPr>
+            <p:ph type="sldNum" sz="quarter" idx="5"/>
+          </p:nvPr>
+        </p:nvSpPr>
+        <p:spPr/>
+        <p:txBody>
+          <a:bodyPr/>
+          <a:lstStyle/>
+          <a:p>
+            <a:fld id="{F2EE8B71-78E8-46A3-80BB-3D549D7B777C}" type="slidenum">
+              <a:rPr lang="it-IT" smtClean="0"/>
+              <a:t>31</a:t>
             </a:fld>
             <a:endParaRPr lang="it-IT"/>
           </a:p>
@@ -2975,10 +2647,7 @@
           <a:bodyPr/>
           <a:lstStyle/>
           <a:p>
-            <a:r>
-              <a:rPr lang="it-IT" dirty="0"/>
-              <a:t>Un book embedding di un DAG consiste in un disegno in cui i vertici del DAG sono ordinati lungo una linea, detta spina, e gli archi sono assegnati a diverse pagine con l'obiettivo di non avere incroci tra di essi. Inoltre, poiché il DAG è un grafo diretto, l'ordinamento dei vertici deve anche rispettare la direzione degli archi.</a:t>
-            </a:r>
+            <a:endParaRPr lang="it-IT" dirty="0"/>
           </a:p>
         </p:txBody>
       </p:sp>
@@ -3062,10 +2731,7 @@
           <a:bodyPr/>
           <a:lstStyle/>
           <a:p>
-            <a:r>
-              <a:rPr lang="it-IT" dirty="0"/>
-              <a:t>Un 1-page book embedding è un caso particolare dove tutti gli archi devono essere disegnati su una singola pagina senza incroci, mantenendo la corretta direzione.</a:t>
-            </a:r>
+            <a:endParaRPr lang="it-IT" dirty="0"/>
           </a:p>
         </p:txBody>
       </p:sp>
@@ -3149,26 +2815,7 @@
           <a:bodyPr/>
           <a:lstStyle/>
           <a:p>
-            <a:r>
-              <a:rPr lang="it-IT" dirty="0"/>
-              <a:t>Per poter realizzare l'algoritmo di enumerazione è stato necessario studiare un algoritmo descritto da </a:t>
-            </a:r>
-            <a:r>
-              <a:rPr lang="it-IT" dirty="0" err="1"/>
-              <a:t>Heat</a:t>
-            </a:r>
-            <a:r>
-              <a:rPr lang="it-IT" dirty="0"/>
-              <a:t> e </a:t>
-            </a:r>
-            <a:r>
-              <a:rPr lang="it-IT" dirty="0" err="1"/>
-              <a:t>Pemmaraju</a:t>
-            </a:r>
-            <a:r>
-              <a:rPr lang="it-IT" dirty="0"/>
-              <a:t> più di 20 anni fa che verifica se un DAG ammette un 1-page book embedding. L'algoritmo è suddiviso in due fasi: nella prima fase viene verificato che ogni blocco del grafo ammetta un 1-page book embedding, nella seconda fase l'algoritmo tenta di combinare gli embedding dei blocchi per costruire un 1-page book embedding dell'intero DAG.</a:t>
-            </a:r>
+            <a:endParaRPr lang="it-IT" dirty="0"/>
           </a:p>
         </p:txBody>
       </p:sp>
@@ -3252,34 +2899,7 @@
           <a:bodyPr/>
           <a:lstStyle/>
           <a:p>
-            <a:r>
-              <a:rPr lang="it-IT" dirty="0"/>
-              <a:t>La prima fase suddivide il DAG nelle sue componenti </a:t>
-            </a:r>
-            <a:r>
-              <a:rPr lang="it-IT" dirty="0" err="1"/>
-              <a:t>biconnesse</a:t>
-            </a:r>
-            <a:r>
-              <a:rPr lang="it-IT" dirty="0"/>
-              <a:t>, chiamate anche blocchi. Un blocco è un </a:t>
-            </a:r>
-            <a:r>
-              <a:rPr lang="it-IT" dirty="0" err="1"/>
-              <a:t>sottografo</a:t>
-            </a:r>
-            <a:r>
-              <a:rPr lang="it-IT" dirty="0"/>
-              <a:t> massimale in cui la rimozione di un suo vertice non aumenta il numero di componenti connesse. I vertici che, se rimossi, aumentano il numero di componenti connesse del grafo sono detti </a:t>
-            </a:r>
-            <a:r>
-              <a:rPr lang="it-IT" dirty="0" err="1"/>
-              <a:t>cutpoint</a:t>
-            </a:r>
-            <a:r>
-              <a:rPr lang="it-IT" dirty="0"/>
-              <a:t> e sono qui evidenziati in rosso.</a:t>
-            </a:r>
+            <a:endParaRPr lang="it-IT" dirty="0"/>
           </a:p>
         </p:txBody>
       </p:sp>
@@ -3363,10 +2983,7 @@
           <a:bodyPr/>
           <a:lstStyle/>
           <a:p>
-            <a:r>
-              <a:rPr lang="it-IT" dirty="0"/>
-              <a:t>Nella prima fase, l'algoritmo cerca di ricavare il 1-page book embedding di ogni blocco del DAG. Se invece viene trovato un blocco che non ammette un 1-page book embedding allora l'algoritmo fallisce.</a:t>
-            </a:r>
+            <a:endParaRPr lang="it-IT" dirty="0"/>
           </a:p>
         </p:txBody>
       </p:sp>
@@ -3450,58 +3067,7 @@
           <a:bodyPr/>
           <a:lstStyle/>
           <a:p>
-            <a:r>
-              <a:rPr lang="it-IT" dirty="0"/>
-              <a:t>La seconda fase utilizza un albero chiamato </a:t>
-            </a:r>
-            <a:r>
-              <a:rPr lang="it-IT" dirty="0" err="1"/>
-              <a:t>block-cutpoint</a:t>
-            </a:r>
-            <a:r>
-              <a:rPr lang="it-IT" dirty="0"/>
-              <a:t> </a:t>
-            </a:r>
-            <a:r>
-              <a:rPr lang="it-IT" dirty="0" err="1"/>
-              <a:t>tree</a:t>
-            </a:r>
-            <a:r>
-              <a:rPr lang="it-IT" dirty="0"/>
-              <a:t>. Questo albero descrive la struttura del DAG ed è composto da nodi associati ai blocchi e ai </a:t>
-            </a:r>
-            <a:r>
-              <a:rPr lang="it-IT" dirty="0" err="1"/>
-              <a:t>cutpoint</a:t>
-            </a:r>
-            <a:r>
-              <a:rPr lang="it-IT" dirty="0"/>
-              <a:t> del DAG. Gli archi del </a:t>
-            </a:r>
-            <a:r>
-              <a:rPr lang="it-IT" dirty="0" err="1"/>
-              <a:t>block-cutpoint</a:t>
-            </a:r>
-            <a:r>
-              <a:rPr lang="it-IT" dirty="0"/>
-              <a:t> </a:t>
-            </a:r>
-            <a:r>
-              <a:rPr lang="it-IT" dirty="0" err="1"/>
-              <a:t>tree</a:t>
-            </a:r>
-            <a:r>
-              <a:rPr lang="it-IT" dirty="0"/>
-              <a:t> collegano i </a:t>
-            </a:r>
-            <a:r>
-              <a:rPr lang="it-IT" dirty="0" err="1"/>
-              <a:t>cutpoint</a:t>
-            </a:r>
-            <a:r>
-              <a:rPr lang="it-IT" dirty="0"/>
-              <a:t> ai blocchi a cui questi appartengono. L'albero viene radicato a un blocco arbitrario, e l'algoritmo cerca eventuali conflitti, vedremo più avanti in cosa consiste la ricerca di questi conflitti.</a:t>
-            </a:r>
+            <a:endParaRPr lang="it-IT" dirty="0"/>
           </a:p>
         </p:txBody>
       </p:sp>
@@ -6575,7 +6141,7 @@
           <p:nvPr/>
         </p:nvPicPr>
         <p:blipFill>
-          <a:blip r:embed="rId5">
+          <a:blip r:embed="rId4">
             <a:extLst>
               <a:ext uri="{28A0092B-C50C-407E-A947-70E740481C1C}">
                 <a14:useLocalDpi xmlns:a14="http://schemas.microsoft.com/office/drawing/2010/main" val="0"/>
@@ -13587,7 +13153,7 @@
         <p:spPr>
           <a:xfrm>
             <a:off x="527410" y="1337593"/>
-            <a:ext cx="9025804" cy="2246769"/>
+            <a:ext cx="9025804" cy="2862322"/>
           </a:xfrm>
           <a:prstGeom prst="rect">
             <a:avLst/>
@@ -13608,7 +13174,19 @@
               <a:rPr lang="it-IT" sz="2000" dirty="0">
                 <a:latin typeface="TeX Gyre Cursor"/>
               </a:rPr>
-              <a:t>Realizzare un algoritmo per l’enumerazione di tutti i possibili 1-page book embedding di un grafo diretto aciclico (DAG)</a:t>
+              <a:t>Realizzare un algoritmo per l’enumerazione di tutti i possibili 1-page book embedding di un grafo diretto aciclico (DAG) con </a:t>
+            </a:r>
+            <a:r>
+              <a:rPr lang="it-IT" sz="2000" dirty="0" err="1">
+                <a:latin typeface="TeX Gyre Cursor"/>
+              </a:rPr>
+              <a:t>worst</a:t>
+            </a:r>
+            <a:r>
+              <a:rPr lang="it-IT" sz="2000" dirty="0">
+                <a:latin typeface="TeX Gyre Cursor"/>
+              </a:rPr>
+              <a:t>-case delay lineare</a:t>
             </a:r>
           </a:p>
           <a:p>
@@ -13625,7 +13203,28 @@
               <a:rPr lang="it-IT" sz="2000" dirty="0">
                 <a:latin typeface="TeX Gyre Cursor"/>
               </a:rPr>
-              <a:t>Sviluppare un tool che consente di eseguire l’algoritmo su una pagina web</a:t>
+              <a:t>Sviluppare l’algoritmo in C++ e creare delle API che ne consentono l’utilizzo</a:t>
+            </a:r>
+          </a:p>
+          <a:p>
+            <a:pPr marL="342900" indent="-342900">
+              <a:buFont typeface="Arial" panose="020B0604020202020204" pitchFamily="34" charset="0"/>
+              <a:buChar char="•"/>
+            </a:pPr>
+            <a:endParaRPr lang="it-IT" sz="2000" dirty="0">
+              <a:latin typeface="TeX Gyre Cursor"/>
+            </a:endParaRPr>
+          </a:p>
+          <a:p>
+            <a:pPr marL="342900" indent="-342900">
+              <a:buFont typeface="Arial" panose="020B0604020202020204" pitchFamily="34" charset="0"/>
+              <a:buChar char="•"/>
+            </a:pPr>
+            <a:r>
+              <a:rPr lang="it-IT" sz="2000" dirty="0">
+                <a:latin typeface="TeX Gyre Cursor"/>
+              </a:rPr>
+              <a:t>Implementare un tool che consente di eseguire l’algoritmo su una pagina web</a:t>
             </a:r>
           </a:p>
           <a:p>
@@ -16644,6 +16243,1371 @@
 </file>
 
 <file path=ppt/slides/slide27.xml><?xml version="1.0" encoding="utf-8"?>
+<p:sld xmlns:a="http://schemas.openxmlformats.org/drawingml/2006/main" xmlns:r="http://schemas.openxmlformats.org/officeDocument/2006/relationships" xmlns:p="http://schemas.openxmlformats.org/presentationml/2006/main">
+  <p:cSld>
+    <p:spTree>
+      <p:nvGrpSpPr>
+        <p:cNvPr id="1" name=""/>
+        <p:cNvGrpSpPr/>
+        <p:nvPr/>
+      </p:nvGrpSpPr>
+      <p:grpSpPr>
+        <a:xfrm>
+          <a:off x="0" y="0"/>
+          <a:ext cx="0" cy="0"/>
+          <a:chOff x="0" y="0"/>
+          <a:chExt cx="0" cy="0"/>
+        </a:xfrm>
+      </p:grpSpPr>
+      <p:pic>
+        <p:nvPicPr>
+          <p:cNvPr id="40" name="Immagine 42"/>
+          <p:cNvPicPr/>
+          <p:nvPr/>
+        </p:nvPicPr>
+        <p:blipFill>
+          <a:blip r:embed="rId3"/>
+          <a:stretch/>
+        </p:blipFill>
+        <p:spPr>
+          <a:xfrm>
+            <a:off x="0" y="0"/>
+            <a:ext cx="1455276" cy="801045"/>
+          </a:xfrm>
+          <a:prstGeom prst="rect">
+            <a:avLst/>
+          </a:prstGeom>
+          <a:ln>
+            <a:noFill/>
+          </a:ln>
+        </p:spPr>
+      </p:pic>
+      <p:sp>
+        <p:nvSpPr>
+          <p:cNvPr id="2" name="Titolo 1">
+            <a:extLst>
+              <a:ext uri="{FF2B5EF4-FFF2-40B4-BE49-F238E27FC236}">
+                <a16:creationId xmlns:a16="http://schemas.microsoft.com/office/drawing/2014/main" id="{52AA3639-CF5B-EE61-DD4C-CEDC7A0140CC}"/>
+              </a:ext>
+            </a:extLst>
+          </p:cNvPr>
+          <p:cNvSpPr>
+            <a:spLocks noGrp="1"/>
+          </p:cNvSpPr>
+          <p:nvPr>
+            <p:ph type="title"/>
+          </p:nvPr>
+        </p:nvSpPr>
+        <p:spPr>
+          <a:xfrm>
+            <a:off x="0" y="0"/>
+            <a:ext cx="10080625" cy="801045"/>
+          </a:xfrm>
+        </p:spPr>
+        <p:txBody>
+          <a:bodyPr/>
+          <a:lstStyle/>
+          <a:p>
+            <a:pPr algn="ctr"/>
+            <a:r>
+              <a:rPr lang="it-IT" sz="3200" b="1" dirty="0">
+                <a:latin typeface="TeX Gyre Cursor"/>
+              </a:rPr>
+              <a:t>Risultati teorici della tesi</a:t>
+            </a:r>
+            <a:endParaRPr lang="it-IT" sz="3200" dirty="0"/>
+          </a:p>
+        </p:txBody>
+      </p:sp>
+      <p:sp>
+        <p:nvSpPr>
+          <p:cNvPr id="19" name="Rettangolo 18">
+            <a:extLst>
+              <a:ext uri="{FF2B5EF4-FFF2-40B4-BE49-F238E27FC236}">
+                <a16:creationId xmlns:a16="http://schemas.microsoft.com/office/drawing/2014/main" id="{27A0A061-A527-1863-2156-155AA134331C}"/>
+              </a:ext>
+            </a:extLst>
+          </p:cNvPr>
+          <p:cNvSpPr/>
+          <p:nvPr/>
+        </p:nvSpPr>
+        <p:spPr>
+          <a:xfrm>
+            <a:off x="0" y="5343979"/>
+            <a:ext cx="10080625" cy="326571"/>
+          </a:xfrm>
+          <a:prstGeom prst="rect">
+            <a:avLst/>
+          </a:prstGeom>
+          <a:solidFill>
+            <a:srgbClr val="062C56"/>
+          </a:solidFill>
+          <a:ln>
+            <a:noFill/>
+          </a:ln>
+        </p:spPr>
+        <p:style>
+          <a:lnRef idx="2">
+            <a:schemeClr val="accent1">
+              <a:shade val="15000"/>
+            </a:schemeClr>
+          </a:lnRef>
+          <a:fillRef idx="1">
+            <a:schemeClr val="accent1"/>
+          </a:fillRef>
+          <a:effectRef idx="0">
+            <a:schemeClr val="accent1"/>
+          </a:effectRef>
+          <a:fontRef idx="minor">
+            <a:schemeClr val="lt1"/>
+          </a:fontRef>
+        </p:style>
+        <p:txBody>
+          <a:bodyPr rtlCol="0" anchor="ctr"/>
+          <a:lstStyle/>
+          <a:p>
+            <a:pPr algn="ctr"/>
+            <a:r>
+              <a:rPr lang="it-IT" sz="1400" dirty="0">
+                <a:latin typeface="TeX Gyre Cursor"/>
+              </a:rPr>
+              <a:t>Enumerazione di 1-Page Book Embedding di Grafi Diretti Aciclici - Ivan Carlini</a:t>
+            </a:r>
+          </a:p>
+        </p:txBody>
+      </p:sp>
+      <p:sp>
+        <p:nvSpPr>
+          <p:cNvPr id="20" name="Rettangolo 19">
+            <a:extLst>
+              <a:ext uri="{FF2B5EF4-FFF2-40B4-BE49-F238E27FC236}">
+                <a16:creationId xmlns:a16="http://schemas.microsoft.com/office/drawing/2014/main" id="{396607E9-3F2D-16CB-C677-39126F093E3D}"/>
+              </a:ext>
+            </a:extLst>
+          </p:cNvPr>
+          <p:cNvSpPr/>
+          <p:nvPr/>
+        </p:nvSpPr>
+        <p:spPr>
+          <a:xfrm>
+            <a:off x="0" y="5308026"/>
+            <a:ext cx="10080625" cy="71906"/>
+          </a:xfrm>
+          <a:prstGeom prst="rect">
+            <a:avLst/>
+          </a:prstGeom>
+          <a:solidFill>
+            <a:srgbClr val="0A5898"/>
+          </a:solidFill>
+          <a:ln>
+            <a:noFill/>
+          </a:ln>
+        </p:spPr>
+        <p:style>
+          <a:lnRef idx="2">
+            <a:schemeClr val="accent1">
+              <a:shade val="15000"/>
+            </a:schemeClr>
+          </a:lnRef>
+          <a:fillRef idx="1">
+            <a:schemeClr val="accent1"/>
+          </a:fillRef>
+          <a:effectRef idx="0">
+            <a:schemeClr val="accent1"/>
+          </a:effectRef>
+          <a:fontRef idx="minor">
+            <a:schemeClr val="lt1"/>
+          </a:fontRef>
+        </p:style>
+        <p:txBody>
+          <a:bodyPr rtlCol="0" anchor="ctr"/>
+          <a:lstStyle/>
+          <a:p>
+            <a:pPr algn="ctr"/>
+            <a:endParaRPr lang="it-IT"/>
+          </a:p>
+        </p:txBody>
+      </p:sp>
+      <p:sp>
+        <p:nvSpPr>
+          <p:cNvPr id="3" name="Rettangolo 2">
+            <a:extLst>
+              <a:ext uri="{FF2B5EF4-FFF2-40B4-BE49-F238E27FC236}">
+                <a16:creationId xmlns:a16="http://schemas.microsoft.com/office/drawing/2014/main" id="{DEFEC6D5-F164-8373-5209-DC23262C53C1}"/>
+              </a:ext>
+            </a:extLst>
+          </p:cNvPr>
+          <p:cNvSpPr/>
+          <p:nvPr/>
+        </p:nvSpPr>
+        <p:spPr>
+          <a:xfrm>
+            <a:off x="1049948" y="1141768"/>
+            <a:ext cx="7980728" cy="833296"/>
+          </a:xfrm>
+          <a:prstGeom prst="rect">
+            <a:avLst/>
+          </a:prstGeom>
+          <a:solidFill>
+            <a:srgbClr val="FFC000"/>
+          </a:solidFill>
+          <a:ln>
+            <a:solidFill>
+              <a:schemeClr val="tx1"/>
+            </a:solidFill>
+          </a:ln>
+        </p:spPr>
+        <p:style>
+          <a:lnRef idx="2">
+            <a:schemeClr val="accent4">
+              <a:shade val="15000"/>
+            </a:schemeClr>
+          </a:lnRef>
+          <a:fillRef idx="1">
+            <a:schemeClr val="accent4"/>
+          </a:fillRef>
+          <a:effectRef idx="0">
+            <a:schemeClr val="accent4"/>
+          </a:effectRef>
+          <a:fontRef idx="minor">
+            <a:schemeClr val="lt1"/>
+          </a:fontRef>
+        </p:style>
+        <p:txBody>
+          <a:bodyPr rtlCol="0" anchor="ctr"/>
+          <a:lstStyle/>
+          <a:p>
+            <a:pPr algn="ctr"/>
+            <a:endParaRPr lang="it-IT" dirty="0"/>
+          </a:p>
+        </p:txBody>
+      </p:sp>
+      <p:sp>
+        <p:nvSpPr>
+          <p:cNvPr id="5" name="Sottotitolo 2">
+            <a:extLst>
+              <a:ext uri="{FF2B5EF4-FFF2-40B4-BE49-F238E27FC236}">
+                <a16:creationId xmlns:a16="http://schemas.microsoft.com/office/drawing/2014/main" id="{ABA29191-CE40-5B5F-2238-185FBC490E18}"/>
+              </a:ext>
+            </a:extLst>
+          </p:cNvPr>
+          <p:cNvSpPr txBox="1">
+            <a:spLocks/>
+          </p:cNvSpPr>
+          <p:nvPr/>
+        </p:nvSpPr>
+        <p:spPr>
+          <a:xfrm>
+            <a:off x="1049945" y="1229621"/>
+            <a:ext cx="7980729" cy="706704"/>
+          </a:xfrm>
+          <a:prstGeom prst="rect">
+            <a:avLst/>
+          </a:prstGeom>
+        </p:spPr>
+        <p:txBody>
+          <a:bodyPr vert="horz" lIns="91440" tIns="45720" rIns="91440" bIns="45720" rtlCol="0">
+            <a:noAutofit/>
+          </a:bodyPr>
+          <a:lstStyle>
+            <a:lvl1pPr marL="0" indent="0" algn="ctr" defTabSz="914400" rtl="0" eaLnBrk="1" latinLnBrk="0" hangingPunct="1">
+              <a:lnSpc>
+                <a:spcPct val="90000"/>
+              </a:lnSpc>
+              <a:spcBef>
+                <a:spcPts val="1000"/>
+              </a:spcBef>
+              <a:buFont typeface="Arial" panose="020B0604020202020204" pitchFamily="34" charset="0"/>
+              <a:buNone/>
+              <a:defRPr sz="2400" kern="1200">
+                <a:solidFill>
+                  <a:schemeClr val="tx1"/>
+                </a:solidFill>
+                <a:latin typeface="+mn-lt"/>
+                <a:ea typeface="+mn-ea"/>
+                <a:cs typeface="+mn-cs"/>
+              </a:defRPr>
+            </a:lvl1pPr>
+            <a:lvl2pPr marL="457200" indent="0" algn="ctr" defTabSz="914400" rtl="0" eaLnBrk="1" latinLnBrk="0" hangingPunct="1">
+              <a:lnSpc>
+                <a:spcPct val="90000"/>
+              </a:lnSpc>
+              <a:spcBef>
+                <a:spcPts val="500"/>
+              </a:spcBef>
+              <a:buFont typeface="Arial" panose="020B0604020202020204" pitchFamily="34" charset="0"/>
+              <a:buNone/>
+              <a:defRPr sz="2000" kern="1200">
+                <a:solidFill>
+                  <a:schemeClr val="tx1"/>
+                </a:solidFill>
+                <a:latin typeface="+mn-lt"/>
+                <a:ea typeface="+mn-ea"/>
+                <a:cs typeface="+mn-cs"/>
+              </a:defRPr>
+            </a:lvl2pPr>
+            <a:lvl3pPr marL="914400" indent="0" algn="ctr" defTabSz="914400" rtl="0" eaLnBrk="1" latinLnBrk="0" hangingPunct="1">
+              <a:lnSpc>
+                <a:spcPct val="90000"/>
+              </a:lnSpc>
+              <a:spcBef>
+                <a:spcPts val="500"/>
+              </a:spcBef>
+              <a:buFont typeface="Arial" panose="020B0604020202020204" pitchFamily="34" charset="0"/>
+              <a:buNone/>
+              <a:defRPr sz="1800" kern="1200">
+                <a:solidFill>
+                  <a:schemeClr val="tx1"/>
+                </a:solidFill>
+                <a:latin typeface="+mn-lt"/>
+                <a:ea typeface="+mn-ea"/>
+                <a:cs typeface="+mn-cs"/>
+              </a:defRPr>
+            </a:lvl3pPr>
+            <a:lvl4pPr marL="1371600" indent="0" algn="ctr" defTabSz="914400" rtl="0" eaLnBrk="1" latinLnBrk="0" hangingPunct="1">
+              <a:lnSpc>
+                <a:spcPct val="90000"/>
+              </a:lnSpc>
+              <a:spcBef>
+                <a:spcPts val="500"/>
+              </a:spcBef>
+              <a:buFont typeface="Arial" panose="020B0604020202020204" pitchFamily="34" charset="0"/>
+              <a:buNone/>
+              <a:defRPr sz="1600" kern="1200">
+                <a:solidFill>
+                  <a:schemeClr val="tx1"/>
+                </a:solidFill>
+                <a:latin typeface="+mn-lt"/>
+                <a:ea typeface="+mn-ea"/>
+                <a:cs typeface="+mn-cs"/>
+              </a:defRPr>
+            </a:lvl4pPr>
+            <a:lvl5pPr marL="1828800" indent="0" algn="ctr" defTabSz="914400" rtl="0" eaLnBrk="1" latinLnBrk="0" hangingPunct="1">
+              <a:lnSpc>
+                <a:spcPct val="90000"/>
+              </a:lnSpc>
+              <a:spcBef>
+                <a:spcPts val="500"/>
+              </a:spcBef>
+              <a:buFont typeface="Arial" panose="020B0604020202020204" pitchFamily="34" charset="0"/>
+              <a:buNone/>
+              <a:defRPr sz="1600" kern="1200">
+                <a:solidFill>
+                  <a:schemeClr val="tx1"/>
+                </a:solidFill>
+                <a:latin typeface="+mn-lt"/>
+                <a:ea typeface="+mn-ea"/>
+                <a:cs typeface="+mn-cs"/>
+              </a:defRPr>
+            </a:lvl5pPr>
+            <a:lvl6pPr marL="2286000" indent="0" algn="ctr" defTabSz="914400" rtl="0" eaLnBrk="1" latinLnBrk="0" hangingPunct="1">
+              <a:lnSpc>
+                <a:spcPct val="90000"/>
+              </a:lnSpc>
+              <a:spcBef>
+                <a:spcPts val="500"/>
+              </a:spcBef>
+              <a:buFont typeface="Arial" panose="020B0604020202020204" pitchFamily="34" charset="0"/>
+              <a:buNone/>
+              <a:defRPr sz="1600" kern="1200">
+                <a:solidFill>
+                  <a:schemeClr val="tx1"/>
+                </a:solidFill>
+                <a:latin typeface="+mn-lt"/>
+                <a:ea typeface="+mn-ea"/>
+                <a:cs typeface="+mn-cs"/>
+              </a:defRPr>
+            </a:lvl6pPr>
+            <a:lvl7pPr marL="2743200" indent="0" algn="ctr" defTabSz="914400" rtl="0" eaLnBrk="1" latinLnBrk="0" hangingPunct="1">
+              <a:lnSpc>
+                <a:spcPct val="90000"/>
+              </a:lnSpc>
+              <a:spcBef>
+                <a:spcPts val="500"/>
+              </a:spcBef>
+              <a:buFont typeface="Arial" panose="020B0604020202020204" pitchFamily="34" charset="0"/>
+              <a:buNone/>
+              <a:defRPr sz="1600" kern="1200">
+                <a:solidFill>
+                  <a:schemeClr val="tx1"/>
+                </a:solidFill>
+                <a:latin typeface="+mn-lt"/>
+                <a:ea typeface="+mn-ea"/>
+                <a:cs typeface="+mn-cs"/>
+              </a:defRPr>
+            </a:lvl7pPr>
+            <a:lvl8pPr marL="3200400" indent="0" algn="ctr" defTabSz="914400" rtl="0" eaLnBrk="1" latinLnBrk="0" hangingPunct="1">
+              <a:lnSpc>
+                <a:spcPct val="90000"/>
+              </a:lnSpc>
+              <a:spcBef>
+                <a:spcPts val="500"/>
+              </a:spcBef>
+              <a:buFont typeface="Arial" panose="020B0604020202020204" pitchFamily="34" charset="0"/>
+              <a:buNone/>
+              <a:defRPr sz="1600" kern="1200">
+                <a:solidFill>
+                  <a:schemeClr val="tx1"/>
+                </a:solidFill>
+                <a:latin typeface="+mn-lt"/>
+                <a:ea typeface="+mn-ea"/>
+                <a:cs typeface="+mn-cs"/>
+              </a:defRPr>
+            </a:lvl8pPr>
+            <a:lvl9pPr marL="3657600" indent="0" algn="ctr" defTabSz="914400" rtl="0" eaLnBrk="1" latinLnBrk="0" hangingPunct="1">
+              <a:lnSpc>
+                <a:spcPct val="90000"/>
+              </a:lnSpc>
+              <a:spcBef>
+                <a:spcPts val="500"/>
+              </a:spcBef>
+              <a:buFont typeface="Arial" panose="020B0604020202020204" pitchFamily="34" charset="0"/>
+              <a:buNone/>
+              <a:defRPr sz="1600" kern="1200">
+                <a:solidFill>
+                  <a:schemeClr val="tx1"/>
+                </a:solidFill>
+                <a:latin typeface="+mn-lt"/>
+                <a:ea typeface="+mn-ea"/>
+                <a:cs typeface="+mn-cs"/>
+              </a:defRPr>
+            </a:lvl9pPr>
+          </a:lstStyle>
+          <a:p>
+            <a:r>
+              <a:rPr lang="it-IT" sz="1800" b="1" dirty="0">
+                <a:latin typeface="TeX Gyre Cursor"/>
+                <a:cs typeface="Arial" panose="020B0604020202020204" pitchFamily="34" charset="0"/>
+              </a:rPr>
+              <a:t>TEOREMA</a:t>
+            </a:r>
+            <a:r>
+              <a:rPr lang="it-IT" sz="1800" dirty="0">
+                <a:latin typeface="TeX Gyre Cursor"/>
+                <a:cs typeface="Arial" panose="020B0604020202020204" pitchFamily="34" charset="0"/>
+              </a:rPr>
+              <a:t>: Esiste un algoritmo che consente di enumerare tutti i 1-page book </a:t>
+            </a:r>
+            <a:r>
+              <a:rPr lang="it-IT" sz="1800" dirty="0" err="1">
+                <a:latin typeface="TeX Gyre Cursor"/>
+                <a:cs typeface="Arial" panose="020B0604020202020204" pitchFamily="34" charset="0"/>
+              </a:rPr>
+              <a:t>embedding</a:t>
+            </a:r>
+            <a:r>
+              <a:rPr lang="it-IT" sz="1800" dirty="0">
+                <a:latin typeface="TeX Gyre Cursor"/>
+                <a:cs typeface="Arial" panose="020B0604020202020204" pitchFamily="34" charset="0"/>
+              </a:rPr>
+              <a:t> di un DAG senza ripetizioni con </a:t>
+            </a:r>
+            <a:r>
+              <a:rPr lang="it-IT" sz="1800" dirty="0" err="1">
+                <a:latin typeface="TeX Gyre Cursor"/>
+                <a:cs typeface="Arial" panose="020B0604020202020204" pitchFamily="34" charset="0"/>
+              </a:rPr>
+              <a:t>worst</a:t>
+            </a:r>
+            <a:r>
+              <a:rPr lang="it-IT" sz="1800" dirty="0">
+                <a:latin typeface="TeX Gyre Cursor"/>
+                <a:cs typeface="Arial" panose="020B0604020202020204" pitchFamily="34" charset="0"/>
+              </a:rPr>
+              <a:t>-case delay lineare.</a:t>
+            </a:r>
+            <a:endParaRPr lang="en-US" sz="1800" b="1" dirty="0">
+              <a:latin typeface="TeX Gyre Cursor"/>
+              <a:cs typeface="Arial" panose="020B0604020202020204" pitchFamily="34" charset="0"/>
+            </a:endParaRPr>
+          </a:p>
+        </p:txBody>
+      </p:sp>
+      <p:sp>
+        <p:nvSpPr>
+          <p:cNvPr id="6" name="Rettangolo 5">
+            <a:extLst>
+              <a:ext uri="{FF2B5EF4-FFF2-40B4-BE49-F238E27FC236}">
+                <a16:creationId xmlns:a16="http://schemas.microsoft.com/office/drawing/2014/main" id="{2955BF3E-EC4B-0B14-8859-4ED64E201F6E}"/>
+              </a:ext>
+            </a:extLst>
+          </p:cNvPr>
+          <p:cNvSpPr/>
+          <p:nvPr/>
+        </p:nvSpPr>
+        <p:spPr>
+          <a:xfrm>
+            <a:off x="1812268" y="2240609"/>
+            <a:ext cx="6456087" cy="833296"/>
+          </a:xfrm>
+          <a:prstGeom prst="rect">
+            <a:avLst/>
+          </a:prstGeom>
+          <a:solidFill>
+            <a:srgbClr val="FFEFBD"/>
+          </a:solidFill>
+          <a:ln>
+            <a:solidFill>
+              <a:schemeClr val="tx1"/>
+            </a:solidFill>
+          </a:ln>
+        </p:spPr>
+        <p:style>
+          <a:lnRef idx="2">
+            <a:schemeClr val="accent4">
+              <a:shade val="15000"/>
+            </a:schemeClr>
+          </a:lnRef>
+          <a:fillRef idx="1">
+            <a:schemeClr val="accent4"/>
+          </a:fillRef>
+          <a:effectRef idx="0">
+            <a:schemeClr val="accent4"/>
+          </a:effectRef>
+          <a:fontRef idx="minor">
+            <a:schemeClr val="lt1"/>
+          </a:fontRef>
+        </p:style>
+        <p:txBody>
+          <a:bodyPr rtlCol="0" anchor="ctr"/>
+          <a:lstStyle/>
+          <a:p>
+            <a:pPr algn="ctr"/>
+            <a:endParaRPr lang="it-IT" dirty="0"/>
+          </a:p>
+        </p:txBody>
+      </p:sp>
+      <p:sp>
+        <p:nvSpPr>
+          <p:cNvPr id="7" name="Sottotitolo 2">
+            <a:extLst>
+              <a:ext uri="{FF2B5EF4-FFF2-40B4-BE49-F238E27FC236}">
+                <a16:creationId xmlns:a16="http://schemas.microsoft.com/office/drawing/2014/main" id="{C8794155-6965-23E6-CC36-952D160C3E77}"/>
+              </a:ext>
+            </a:extLst>
+          </p:cNvPr>
+          <p:cNvSpPr txBox="1">
+            <a:spLocks/>
+          </p:cNvSpPr>
+          <p:nvPr/>
+        </p:nvSpPr>
+        <p:spPr>
+          <a:xfrm>
+            <a:off x="1812266" y="2328462"/>
+            <a:ext cx="6456088" cy="706704"/>
+          </a:xfrm>
+          <a:prstGeom prst="rect">
+            <a:avLst/>
+          </a:prstGeom>
+        </p:spPr>
+        <p:txBody>
+          <a:bodyPr vert="horz" lIns="91440" tIns="45720" rIns="91440" bIns="45720" rtlCol="0">
+            <a:noAutofit/>
+          </a:bodyPr>
+          <a:lstStyle>
+            <a:lvl1pPr marL="0" indent="0" algn="ctr" defTabSz="914400" rtl="0" eaLnBrk="1" latinLnBrk="0" hangingPunct="1">
+              <a:lnSpc>
+                <a:spcPct val="90000"/>
+              </a:lnSpc>
+              <a:spcBef>
+                <a:spcPts val="1000"/>
+              </a:spcBef>
+              <a:buFont typeface="Arial" panose="020B0604020202020204" pitchFamily="34" charset="0"/>
+              <a:buNone/>
+              <a:defRPr sz="2400" kern="1200">
+                <a:solidFill>
+                  <a:schemeClr val="tx1"/>
+                </a:solidFill>
+                <a:latin typeface="+mn-lt"/>
+                <a:ea typeface="+mn-ea"/>
+                <a:cs typeface="+mn-cs"/>
+              </a:defRPr>
+            </a:lvl1pPr>
+            <a:lvl2pPr marL="457200" indent="0" algn="ctr" defTabSz="914400" rtl="0" eaLnBrk="1" latinLnBrk="0" hangingPunct="1">
+              <a:lnSpc>
+                <a:spcPct val="90000"/>
+              </a:lnSpc>
+              <a:spcBef>
+                <a:spcPts val="500"/>
+              </a:spcBef>
+              <a:buFont typeface="Arial" panose="020B0604020202020204" pitchFamily="34" charset="0"/>
+              <a:buNone/>
+              <a:defRPr sz="2000" kern="1200">
+                <a:solidFill>
+                  <a:schemeClr val="tx1"/>
+                </a:solidFill>
+                <a:latin typeface="+mn-lt"/>
+                <a:ea typeface="+mn-ea"/>
+                <a:cs typeface="+mn-cs"/>
+              </a:defRPr>
+            </a:lvl2pPr>
+            <a:lvl3pPr marL="914400" indent="0" algn="ctr" defTabSz="914400" rtl="0" eaLnBrk="1" latinLnBrk="0" hangingPunct="1">
+              <a:lnSpc>
+                <a:spcPct val="90000"/>
+              </a:lnSpc>
+              <a:spcBef>
+                <a:spcPts val="500"/>
+              </a:spcBef>
+              <a:buFont typeface="Arial" panose="020B0604020202020204" pitchFamily="34" charset="0"/>
+              <a:buNone/>
+              <a:defRPr sz="1800" kern="1200">
+                <a:solidFill>
+                  <a:schemeClr val="tx1"/>
+                </a:solidFill>
+                <a:latin typeface="+mn-lt"/>
+                <a:ea typeface="+mn-ea"/>
+                <a:cs typeface="+mn-cs"/>
+              </a:defRPr>
+            </a:lvl3pPr>
+            <a:lvl4pPr marL="1371600" indent="0" algn="ctr" defTabSz="914400" rtl="0" eaLnBrk="1" latinLnBrk="0" hangingPunct="1">
+              <a:lnSpc>
+                <a:spcPct val="90000"/>
+              </a:lnSpc>
+              <a:spcBef>
+                <a:spcPts val="500"/>
+              </a:spcBef>
+              <a:buFont typeface="Arial" panose="020B0604020202020204" pitchFamily="34" charset="0"/>
+              <a:buNone/>
+              <a:defRPr sz="1600" kern="1200">
+                <a:solidFill>
+                  <a:schemeClr val="tx1"/>
+                </a:solidFill>
+                <a:latin typeface="+mn-lt"/>
+                <a:ea typeface="+mn-ea"/>
+                <a:cs typeface="+mn-cs"/>
+              </a:defRPr>
+            </a:lvl4pPr>
+            <a:lvl5pPr marL="1828800" indent="0" algn="ctr" defTabSz="914400" rtl="0" eaLnBrk="1" latinLnBrk="0" hangingPunct="1">
+              <a:lnSpc>
+                <a:spcPct val="90000"/>
+              </a:lnSpc>
+              <a:spcBef>
+                <a:spcPts val="500"/>
+              </a:spcBef>
+              <a:buFont typeface="Arial" panose="020B0604020202020204" pitchFamily="34" charset="0"/>
+              <a:buNone/>
+              <a:defRPr sz="1600" kern="1200">
+                <a:solidFill>
+                  <a:schemeClr val="tx1"/>
+                </a:solidFill>
+                <a:latin typeface="+mn-lt"/>
+                <a:ea typeface="+mn-ea"/>
+                <a:cs typeface="+mn-cs"/>
+              </a:defRPr>
+            </a:lvl5pPr>
+            <a:lvl6pPr marL="2286000" indent="0" algn="ctr" defTabSz="914400" rtl="0" eaLnBrk="1" latinLnBrk="0" hangingPunct="1">
+              <a:lnSpc>
+                <a:spcPct val="90000"/>
+              </a:lnSpc>
+              <a:spcBef>
+                <a:spcPts val="500"/>
+              </a:spcBef>
+              <a:buFont typeface="Arial" panose="020B0604020202020204" pitchFamily="34" charset="0"/>
+              <a:buNone/>
+              <a:defRPr sz="1600" kern="1200">
+                <a:solidFill>
+                  <a:schemeClr val="tx1"/>
+                </a:solidFill>
+                <a:latin typeface="+mn-lt"/>
+                <a:ea typeface="+mn-ea"/>
+                <a:cs typeface="+mn-cs"/>
+              </a:defRPr>
+            </a:lvl6pPr>
+            <a:lvl7pPr marL="2743200" indent="0" algn="ctr" defTabSz="914400" rtl="0" eaLnBrk="1" latinLnBrk="0" hangingPunct="1">
+              <a:lnSpc>
+                <a:spcPct val="90000"/>
+              </a:lnSpc>
+              <a:spcBef>
+                <a:spcPts val="500"/>
+              </a:spcBef>
+              <a:buFont typeface="Arial" panose="020B0604020202020204" pitchFamily="34" charset="0"/>
+              <a:buNone/>
+              <a:defRPr sz="1600" kern="1200">
+                <a:solidFill>
+                  <a:schemeClr val="tx1"/>
+                </a:solidFill>
+                <a:latin typeface="+mn-lt"/>
+                <a:ea typeface="+mn-ea"/>
+                <a:cs typeface="+mn-cs"/>
+              </a:defRPr>
+            </a:lvl7pPr>
+            <a:lvl8pPr marL="3200400" indent="0" algn="ctr" defTabSz="914400" rtl="0" eaLnBrk="1" latinLnBrk="0" hangingPunct="1">
+              <a:lnSpc>
+                <a:spcPct val="90000"/>
+              </a:lnSpc>
+              <a:spcBef>
+                <a:spcPts val="500"/>
+              </a:spcBef>
+              <a:buFont typeface="Arial" panose="020B0604020202020204" pitchFamily="34" charset="0"/>
+              <a:buNone/>
+              <a:defRPr sz="1600" kern="1200">
+                <a:solidFill>
+                  <a:schemeClr val="tx1"/>
+                </a:solidFill>
+                <a:latin typeface="+mn-lt"/>
+                <a:ea typeface="+mn-ea"/>
+                <a:cs typeface="+mn-cs"/>
+              </a:defRPr>
+            </a:lvl8pPr>
+            <a:lvl9pPr marL="3657600" indent="0" algn="ctr" defTabSz="914400" rtl="0" eaLnBrk="1" latinLnBrk="0" hangingPunct="1">
+              <a:lnSpc>
+                <a:spcPct val="90000"/>
+              </a:lnSpc>
+              <a:spcBef>
+                <a:spcPts val="500"/>
+              </a:spcBef>
+              <a:buFont typeface="Arial" panose="020B0604020202020204" pitchFamily="34" charset="0"/>
+              <a:buNone/>
+              <a:defRPr sz="1600" kern="1200">
+                <a:solidFill>
+                  <a:schemeClr val="tx1"/>
+                </a:solidFill>
+                <a:latin typeface="+mn-lt"/>
+                <a:ea typeface="+mn-ea"/>
+                <a:cs typeface="+mn-cs"/>
+              </a:defRPr>
+            </a:lvl9pPr>
+          </a:lstStyle>
+          <a:p>
+            <a:r>
+              <a:rPr lang="it-IT" sz="1800" b="1" dirty="0">
+                <a:latin typeface="TeX Gyre Cursor"/>
+                <a:cs typeface="Arial" panose="020B0604020202020204" pitchFamily="34" charset="0"/>
+              </a:rPr>
+              <a:t>LEMMA 1</a:t>
+            </a:r>
+            <a:r>
+              <a:rPr lang="it-IT" sz="1800" dirty="0">
+                <a:latin typeface="TeX Gyre Cursor"/>
+                <a:cs typeface="Arial" panose="020B0604020202020204" pitchFamily="34" charset="0"/>
+              </a:rPr>
+              <a:t>: Ogni 1-page book </a:t>
+            </a:r>
+            <a:r>
+              <a:rPr lang="it-IT" sz="1800" dirty="0" err="1">
+                <a:latin typeface="TeX Gyre Cursor"/>
+                <a:cs typeface="Arial" panose="020B0604020202020204" pitchFamily="34" charset="0"/>
+              </a:rPr>
+              <a:t>embedding</a:t>
+            </a:r>
+            <a:r>
+              <a:rPr lang="it-IT" sz="1800" dirty="0">
+                <a:latin typeface="TeX Gyre Cursor"/>
+                <a:cs typeface="Arial" panose="020B0604020202020204" pitchFamily="34" charset="0"/>
+              </a:rPr>
+              <a:t> generato dall’algoritmo proposto è un 1-page book </a:t>
+            </a:r>
+            <a:r>
+              <a:rPr lang="it-IT" sz="1800" dirty="0" err="1">
+                <a:latin typeface="TeX Gyre Cursor"/>
+                <a:cs typeface="Arial" panose="020B0604020202020204" pitchFamily="34" charset="0"/>
+              </a:rPr>
+              <a:t>embedding</a:t>
+            </a:r>
+            <a:r>
+              <a:rPr lang="it-IT" sz="1800" dirty="0">
+                <a:latin typeface="TeX Gyre Cursor"/>
+                <a:cs typeface="Arial" panose="020B0604020202020204" pitchFamily="34" charset="0"/>
+              </a:rPr>
+              <a:t> valido del DAG di input.</a:t>
+            </a:r>
+            <a:endParaRPr lang="en-US" sz="1800" b="1" dirty="0">
+              <a:latin typeface="TeX Gyre Cursor"/>
+              <a:cs typeface="Arial" panose="020B0604020202020204" pitchFamily="34" charset="0"/>
+            </a:endParaRPr>
+          </a:p>
+        </p:txBody>
+      </p:sp>
+      <p:sp>
+        <p:nvSpPr>
+          <p:cNvPr id="12" name="Rettangolo 11">
+            <a:extLst>
+              <a:ext uri="{FF2B5EF4-FFF2-40B4-BE49-F238E27FC236}">
+                <a16:creationId xmlns:a16="http://schemas.microsoft.com/office/drawing/2014/main" id="{F93ECC14-B400-201D-144D-A21A8728D2CA}"/>
+              </a:ext>
+            </a:extLst>
+          </p:cNvPr>
+          <p:cNvSpPr/>
+          <p:nvPr/>
+        </p:nvSpPr>
+        <p:spPr>
+          <a:xfrm>
+            <a:off x="1812270" y="3225533"/>
+            <a:ext cx="6456087" cy="833296"/>
+          </a:xfrm>
+          <a:prstGeom prst="rect">
+            <a:avLst/>
+          </a:prstGeom>
+          <a:solidFill>
+            <a:srgbClr val="FFEFBD"/>
+          </a:solidFill>
+          <a:ln>
+            <a:solidFill>
+              <a:schemeClr val="tx1"/>
+            </a:solidFill>
+          </a:ln>
+        </p:spPr>
+        <p:style>
+          <a:lnRef idx="2">
+            <a:schemeClr val="accent4">
+              <a:shade val="15000"/>
+            </a:schemeClr>
+          </a:lnRef>
+          <a:fillRef idx="1">
+            <a:schemeClr val="accent4"/>
+          </a:fillRef>
+          <a:effectRef idx="0">
+            <a:schemeClr val="accent4"/>
+          </a:effectRef>
+          <a:fontRef idx="minor">
+            <a:schemeClr val="lt1"/>
+          </a:fontRef>
+        </p:style>
+        <p:txBody>
+          <a:bodyPr rtlCol="0" anchor="ctr"/>
+          <a:lstStyle/>
+          <a:p>
+            <a:pPr algn="ctr"/>
+            <a:endParaRPr lang="it-IT" dirty="0"/>
+          </a:p>
+        </p:txBody>
+      </p:sp>
+      <p:sp>
+        <p:nvSpPr>
+          <p:cNvPr id="13" name="Sottotitolo 2">
+            <a:extLst>
+              <a:ext uri="{FF2B5EF4-FFF2-40B4-BE49-F238E27FC236}">
+                <a16:creationId xmlns:a16="http://schemas.microsoft.com/office/drawing/2014/main" id="{F279BE7D-90A7-F1F1-E656-EB04316C92F7}"/>
+              </a:ext>
+            </a:extLst>
+          </p:cNvPr>
+          <p:cNvSpPr txBox="1">
+            <a:spLocks/>
+          </p:cNvSpPr>
+          <p:nvPr/>
+        </p:nvSpPr>
+        <p:spPr>
+          <a:xfrm>
+            <a:off x="1812268" y="3313386"/>
+            <a:ext cx="6456088" cy="706704"/>
+          </a:xfrm>
+          <a:prstGeom prst="rect">
+            <a:avLst/>
+          </a:prstGeom>
+        </p:spPr>
+        <p:txBody>
+          <a:bodyPr vert="horz" lIns="91440" tIns="45720" rIns="91440" bIns="45720" rtlCol="0">
+            <a:noAutofit/>
+          </a:bodyPr>
+          <a:lstStyle>
+            <a:lvl1pPr marL="0" indent="0" algn="ctr" defTabSz="914400" rtl="0" eaLnBrk="1" latinLnBrk="0" hangingPunct="1">
+              <a:lnSpc>
+                <a:spcPct val="90000"/>
+              </a:lnSpc>
+              <a:spcBef>
+                <a:spcPts val="1000"/>
+              </a:spcBef>
+              <a:buFont typeface="Arial" panose="020B0604020202020204" pitchFamily="34" charset="0"/>
+              <a:buNone/>
+              <a:defRPr sz="2400" kern="1200">
+                <a:solidFill>
+                  <a:schemeClr val="tx1"/>
+                </a:solidFill>
+                <a:latin typeface="+mn-lt"/>
+                <a:ea typeface="+mn-ea"/>
+                <a:cs typeface="+mn-cs"/>
+              </a:defRPr>
+            </a:lvl1pPr>
+            <a:lvl2pPr marL="457200" indent="0" algn="ctr" defTabSz="914400" rtl="0" eaLnBrk="1" latinLnBrk="0" hangingPunct="1">
+              <a:lnSpc>
+                <a:spcPct val="90000"/>
+              </a:lnSpc>
+              <a:spcBef>
+                <a:spcPts val="500"/>
+              </a:spcBef>
+              <a:buFont typeface="Arial" panose="020B0604020202020204" pitchFamily="34" charset="0"/>
+              <a:buNone/>
+              <a:defRPr sz="2000" kern="1200">
+                <a:solidFill>
+                  <a:schemeClr val="tx1"/>
+                </a:solidFill>
+                <a:latin typeface="+mn-lt"/>
+                <a:ea typeface="+mn-ea"/>
+                <a:cs typeface="+mn-cs"/>
+              </a:defRPr>
+            </a:lvl2pPr>
+            <a:lvl3pPr marL="914400" indent="0" algn="ctr" defTabSz="914400" rtl="0" eaLnBrk="1" latinLnBrk="0" hangingPunct="1">
+              <a:lnSpc>
+                <a:spcPct val="90000"/>
+              </a:lnSpc>
+              <a:spcBef>
+                <a:spcPts val="500"/>
+              </a:spcBef>
+              <a:buFont typeface="Arial" panose="020B0604020202020204" pitchFamily="34" charset="0"/>
+              <a:buNone/>
+              <a:defRPr sz="1800" kern="1200">
+                <a:solidFill>
+                  <a:schemeClr val="tx1"/>
+                </a:solidFill>
+                <a:latin typeface="+mn-lt"/>
+                <a:ea typeface="+mn-ea"/>
+                <a:cs typeface="+mn-cs"/>
+              </a:defRPr>
+            </a:lvl3pPr>
+            <a:lvl4pPr marL="1371600" indent="0" algn="ctr" defTabSz="914400" rtl="0" eaLnBrk="1" latinLnBrk="0" hangingPunct="1">
+              <a:lnSpc>
+                <a:spcPct val="90000"/>
+              </a:lnSpc>
+              <a:spcBef>
+                <a:spcPts val="500"/>
+              </a:spcBef>
+              <a:buFont typeface="Arial" panose="020B0604020202020204" pitchFamily="34" charset="0"/>
+              <a:buNone/>
+              <a:defRPr sz="1600" kern="1200">
+                <a:solidFill>
+                  <a:schemeClr val="tx1"/>
+                </a:solidFill>
+                <a:latin typeface="+mn-lt"/>
+                <a:ea typeface="+mn-ea"/>
+                <a:cs typeface="+mn-cs"/>
+              </a:defRPr>
+            </a:lvl4pPr>
+            <a:lvl5pPr marL="1828800" indent="0" algn="ctr" defTabSz="914400" rtl="0" eaLnBrk="1" latinLnBrk="0" hangingPunct="1">
+              <a:lnSpc>
+                <a:spcPct val="90000"/>
+              </a:lnSpc>
+              <a:spcBef>
+                <a:spcPts val="500"/>
+              </a:spcBef>
+              <a:buFont typeface="Arial" panose="020B0604020202020204" pitchFamily="34" charset="0"/>
+              <a:buNone/>
+              <a:defRPr sz="1600" kern="1200">
+                <a:solidFill>
+                  <a:schemeClr val="tx1"/>
+                </a:solidFill>
+                <a:latin typeface="+mn-lt"/>
+                <a:ea typeface="+mn-ea"/>
+                <a:cs typeface="+mn-cs"/>
+              </a:defRPr>
+            </a:lvl5pPr>
+            <a:lvl6pPr marL="2286000" indent="0" algn="ctr" defTabSz="914400" rtl="0" eaLnBrk="1" latinLnBrk="0" hangingPunct="1">
+              <a:lnSpc>
+                <a:spcPct val="90000"/>
+              </a:lnSpc>
+              <a:spcBef>
+                <a:spcPts val="500"/>
+              </a:spcBef>
+              <a:buFont typeface="Arial" panose="020B0604020202020204" pitchFamily="34" charset="0"/>
+              <a:buNone/>
+              <a:defRPr sz="1600" kern="1200">
+                <a:solidFill>
+                  <a:schemeClr val="tx1"/>
+                </a:solidFill>
+                <a:latin typeface="+mn-lt"/>
+                <a:ea typeface="+mn-ea"/>
+                <a:cs typeface="+mn-cs"/>
+              </a:defRPr>
+            </a:lvl6pPr>
+            <a:lvl7pPr marL="2743200" indent="0" algn="ctr" defTabSz="914400" rtl="0" eaLnBrk="1" latinLnBrk="0" hangingPunct="1">
+              <a:lnSpc>
+                <a:spcPct val="90000"/>
+              </a:lnSpc>
+              <a:spcBef>
+                <a:spcPts val="500"/>
+              </a:spcBef>
+              <a:buFont typeface="Arial" panose="020B0604020202020204" pitchFamily="34" charset="0"/>
+              <a:buNone/>
+              <a:defRPr sz="1600" kern="1200">
+                <a:solidFill>
+                  <a:schemeClr val="tx1"/>
+                </a:solidFill>
+                <a:latin typeface="+mn-lt"/>
+                <a:ea typeface="+mn-ea"/>
+                <a:cs typeface="+mn-cs"/>
+              </a:defRPr>
+            </a:lvl7pPr>
+            <a:lvl8pPr marL="3200400" indent="0" algn="ctr" defTabSz="914400" rtl="0" eaLnBrk="1" latinLnBrk="0" hangingPunct="1">
+              <a:lnSpc>
+                <a:spcPct val="90000"/>
+              </a:lnSpc>
+              <a:spcBef>
+                <a:spcPts val="500"/>
+              </a:spcBef>
+              <a:buFont typeface="Arial" panose="020B0604020202020204" pitchFamily="34" charset="0"/>
+              <a:buNone/>
+              <a:defRPr sz="1600" kern="1200">
+                <a:solidFill>
+                  <a:schemeClr val="tx1"/>
+                </a:solidFill>
+                <a:latin typeface="+mn-lt"/>
+                <a:ea typeface="+mn-ea"/>
+                <a:cs typeface="+mn-cs"/>
+              </a:defRPr>
+            </a:lvl8pPr>
+            <a:lvl9pPr marL="3657600" indent="0" algn="ctr" defTabSz="914400" rtl="0" eaLnBrk="1" latinLnBrk="0" hangingPunct="1">
+              <a:lnSpc>
+                <a:spcPct val="90000"/>
+              </a:lnSpc>
+              <a:spcBef>
+                <a:spcPts val="500"/>
+              </a:spcBef>
+              <a:buFont typeface="Arial" panose="020B0604020202020204" pitchFamily="34" charset="0"/>
+              <a:buNone/>
+              <a:defRPr sz="1600" kern="1200">
+                <a:solidFill>
+                  <a:schemeClr val="tx1"/>
+                </a:solidFill>
+                <a:latin typeface="+mn-lt"/>
+                <a:ea typeface="+mn-ea"/>
+                <a:cs typeface="+mn-cs"/>
+              </a:defRPr>
+            </a:lvl9pPr>
+          </a:lstStyle>
+          <a:p>
+            <a:r>
+              <a:rPr lang="it-IT" sz="1800" b="1" dirty="0">
+                <a:latin typeface="TeX Gyre Cursor"/>
+                <a:cs typeface="Arial" panose="020B0604020202020204" pitchFamily="34" charset="0"/>
+              </a:rPr>
+              <a:t>LEMMA 2</a:t>
+            </a:r>
+            <a:r>
+              <a:rPr lang="it-IT" sz="1800" dirty="0">
+                <a:latin typeface="TeX Gyre Cursor"/>
+                <a:cs typeface="Arial" panose="020B0604020202020204" pitchFamily="34" charset="0"/>
+              </a:rPr>
+              <a:t>: L’algoritmo proposto non genera lo stesso 1-page book </a:t>
+            </a:r>
+            <a:r>
+              <a:rPr lang="it-IT" sz="1800" dirty="0" err="1">
+                <a:latin typeface="TeX Gyre Cursor"/>
+                <a:cs typeface="Arial" panose="020B0604020202020204" pitchFamily="34" charset="0"/>
+              </a:rPr>
+              <a:t>embedding</a:t>
+            </a:r>
+            <a:r>
+              <a:rPr lang="it-IT" sz="1800" dirty="0">
+                <a:latin typeface="TeX Gyre Cursor"/>
+                <a:cs typeface="Arial" panose="020B0604020202020204" pitchFamily="34" charset="0"/>
+              </a:rPr>
+              <a:t> più di una volta.</a:t>
+            </a:r>
+            <a:endParaRPr lang="en-US" sz="1800" b="1" dirty="0">
+              <a:latin typeface="TeX Gyre Cursor"/>
+              <a:cs typeface="Arial" panose="020B0604020202020204" pitchFamily="34" charset="0"/>
+            </a:endParaRPr>
+          </a:p>
+        </p:txBody>
+      </p:sp>
+      <p:sp>
+        <p:nvSpPr>
+          <p:cNvPr id="14" name="Rettangolo 13">
+            <a:extLst>
+              <a:ext uri="{FF2B5EF4-FFF2-40B4-BE49-F238E27FC236}">
+                <a16:creationId xmlns:a16="http://schemas.microsoft.com/office/drawing/2014/main" id="{1FFB0595-F2B1-5B3D-EE8B-CED8623907A6}"/>
+              </a:ext>
+            </a:extLst>
+          </p:cNvPr>
+          <p:cNvSpPr/>
+          <p:nvPr/>
+        </p:nvSpPr>
+        <p:spPr>
+          <a:xfrm>
+            <a:off x="1812268" y="4209185"/>
+            <a:ext cx="6456087" cy="833296"/>
+          </a:xfrm>
+          <a:prstGeom prst="rect">
+            <a:avLst/>
+          </a:prstGeom>
+          <a:solidFill>
+            <a:srgbClr val="FFEFBD"/>
+          </a:solidFill>
+          <a:ln>
+            <a:solidFill>
+              <a:schemeClr val="tx1"/>
+            </a:solidFill>
+          </a:ln>
+        </p:spPr>
+        <p:style>
+          <a:lnRef idx="2">
+            <a:schemeClr val="accent4">
+              <a:shade val="15000"/>
+            </a:schemeClr>
+          </a:lnRef>
+          <a:fillRef idx="1">
+            <a:schemeClr val="accent4"/>
+          </a:fillRef>
+          <a:effectRef idx="0">
+            <a:schemeClr val="accent4"/>
+          </a:effectRef>
+          <a:fontRef idx="minor">
+            <a:schemeClr val="lt1"/>
+          </a:fontRef>
+        </p:style>
+        <p:txBody>
+          <a:bodyPr rtlCol="0" anchor="ctr"/>
+          <a:lstStyle/>
+          <a:p>
+            <a:pPr algn="ctr"/>
+            <a:endParaRPr lang="it-IT" dirty="0"/>
+          </a:p>
+        </p:txBody>
+      </p:sp>
+      <p:sp>
+        <p:nvSpPr>
+          <p:cNvPr id="15" name="Sottotitolo 2">
+            <a:extLst>
+              <a:ext uri="{FF2B5EF4-FFF2-40B4-BE49-F238E27FC236}">
+                <a16:creationId xmlns:a16="http://schemas.microsoft.com/office/drawing/2014/main" id="{A58ABC14-4038-67BA-B670-C5B7DE12A896}"/>
+              </a:ext>
+            </a:extLst>
+          </p:cNvPr>
+          <p:cNvSpPr txBox="1">
+            <a:spLocks/>
+          </p:cNvSpPr>
+          <p:nvPr/>
+        </p:nvSpPr>
+        <p:spPr>
+          <a:xfrm>
+            <a:off x="1812266" y="4297038"/>
+            <a:ext cx="6456088" cy="706704"/>
+          </a:xfrm>
+          <a:prstGeom prst="rect">
+            <a:avLst/>
+          </a:prstGeom>
+        </p:spPr>
+        <p:txBody>
+          <a:bodyPr vert="horz" lIns="91440" tIns="45720" rIns="91440" bIns="45720" rtlCol="0">
+            <a:noAutofit/>
+          </a:bodyPr>
+          <a:lstStyle>
+            <a:lvl1pPr marL="0" indent="0" algn="ctr" defTabSz="914400" rtl="0" eaLnBrk="1" latinLnBrk="0" hangingPunct="1">
+              <a:lnSpc>
+                <a:spcPct val="90000"/>
+              </a:lnSpc>
+              <a:spcBef>
+                <a:spcPts val="1000"/>
+              </a:spcBef>
+              <a:buFont typeface="Arial" panose="020B0604020202020204" pitchFamily="34" charset="0"/>
+              <a:buNone/>
+              <a:defRPr sz="2400" kern="1200">
+                <a:solidFill>
+                  <a:schemeClr val="tx1"/>
+                </a:solidFill>
+                <a:latin typeface="+mn-lt"/>
+                <a:ea typeface="+mn-ea"/>
+                <a:cs typeface="+mn-cs"/>
+              </a:defRPr>
+            </a:lvl1pPr>
+            <a:lvl2pPr marL="457200" indent="0" algn="ctr" defTabSz="914400" rtl="0" eaLnBrk="1" latinLnBrk="0" hangingPunct="1">
+              <a:lnSpc>
+                <a:spcPct val="90000"/>
+              </a:lnSpc>
+              <a:spcBef>
+                <a:spcPts val="500"/>
+              </a:spcBef>
+              <a:buFont typeface="Arial" panose="020B0604020202020204" pitchFamily="34" charset="0"/>
+              <a:buNone/>
+              <a:defRPr sz="2000" kern="1200">
+                <a:solidFill>
+                  <a:schemeClr val="tx1"/>
+                </a:solidFill>
+                <a:latin typeface="+mn-lt"/>
+                <a:ea typeface="+mn-ea"/>
+                <a:cs typeface="+mn-cs"/>
+              </a:defRPr>
+            </a:lvl2pPr>
+            <a:lvl3pPr marL="914400" indent="0" algn="ctr" defTabSz="914400" rtl="0" eaLnBrk="1" latinLnBrk="0" hangingPunct="1">
+              <a:lnSpc>
+                <a:spcPct val="90000"/>
+              </a:lnSpc>
+              <a:spcBef>
+                <a:spcPts val="500"/>
+              </a:spcBef>
+              <a:buFont typeface="Arial" panose="020B0604020202020204" pitchFamily="34" charset="0"/>
+              <a:buNone/>
+              <a:defRPr sz="1800" kern="1200">
+                <a:solidFill>
+                  <a:schemeClr val="tx1"/>
+                </a:solidFill>
+                <a:latin typeface="+mn-lt"/>
+                <a:ea typeface="+mn-ea"/>
+                <a:cs typeface="+mn-cs"/>
+              </a:defRPr>
+            </a:lvl3pPr>
+            <a:lvl4pPr marL="1371600" indent="0" algn="ctr" defTabSz="914400" rtl="0" eaLnBrk="1" latinLnBrk="0" hangingPunct="1">
+              <a:lnSpc>
+                <a:spcPct val="90000"/>
+              </a:lnSpc>
+              <a:spcBef>
+                <a:spcPts val="500"/>
+              </a:spcBef>
+              <a:buFont typeface="Arial" panose="020B0604020202020204" pitchFamily="34" charset="0"/>
+              <a:buNone/>
+              <a:defRPr sz="1600" kern="1200">
+                <a:solidFill>
+                  <a:schemeClr val="tx1"/>
+                </a:solidFill>
+                <a:latin typeface="+mn-lt"/>
+                <a:ea typeface="+mn-ea"/>
+                <a:cs typeface="+mn-cs"/>
+              </a:defRPr>
+            </a:lvl4pPr>
+            <a:lvl5pPr marL="1828800" indent="0" algn="ctr" defTabSz="914400" rtl="0" eaLnBrk="1" latinLnBrk="0" hangingPunct="1">
+              <a:lnSpc>
+                <a:spcPct val="90000"/>
+              </a:lnSpc>
+              <a:spcBef>
+                <a:spcPts val="500"/>
+              </a:spcBef>
+              <a:buFont typeface="Arial" panose="020B0604020202020204" pitchFamily="34" charset="0"/>
+              <a:buNone/>
+              <a:defRPr sz="1600" kern="1200">
+                <a:solidFill>
+                  <a:schemeClr val="tx1"/>
+                </a:solidFill>
+                <a:latin typeface="+mn-lt"/>
+                <a:ea typeface="+mn-ea"/>
+                <a:cs typeface="+mn-cs"/>
+              </a:defRPr>
+            </a:lvl5pPr>
+            <a:lvl6pPr marL="2286000" indent="0" algn="ctr" defTabSz="914400" rtl="0" eaLnBrk="1" latinLnBrk="0" hangingPunct="1">
+              <a:lnSpc>
+                <a:spcPct val="90000"/>
+              </a:lnSpc>
+              <a:spcBef>
+                <a:spcPts val="500"/>
+              </a:spcBef>
+              <a:buFont typeface="Arial" panose="020B0604020202020204" pitchFamily="34" charset="0"/>
+              <a:buNone/>
+              <a:defRPr sz="1600" kern="1200">
+                <a:solidFill>
+                  <a:schemeClr val="tx1"/>
+                </a:solidFill>
+                <a:latin typeface="+mn-lt"/>
+                <a:ea typeface="+mn-ea"/>
+                <a:cs typeface="+mn-cs"/>
+              </a:defRPr>
+            </a:lvl6pPr>
+            <a:lvl7pPr marL="2743200" indent="0" algn="ctr" defTabSz="914400" rtl="0" eaLnBrk="1" latinLnBrk="0" hangingPunct="1">
+              <a:lnSpc>
+                <a:spcPct val="90000"/>
+              </a:lnSpc>
+              <a:spcBef>
+                <a:spcPts val="500"/>
+              </a:spcBef>
+              <a:buFont typeface="Arial" panose="020B0604020202020204" pitchFamily="34" charset="0"/>
+              <a:buNone/>
+              <a:defRPr sz="1600" kern="1200">
+                <a:solidFill>
+                  <a:schemeClr val="tx1"/>
+                </a:solidFill>
+                <a:latin typeface="+mn-lt"/>
+                <a:ea typeface="+mn-ea"/>
+                <a:cs typeface="+mn-cs"/>
+              </a:defRPr>
+            </a:lvl7pPr>
+            <a:lvl8pPr marL="3200400" indent="0" algn="ctr" defTabSz="914400" rtl="0" eaLnBrk="1" latinLnBrk="0" hangingPunct="1">
+              <a:lnSpc>
+                <a:spcPct val="90000"/>
+              </a:lnSpc>
+              <a:spcBef>
+                <a:spcPts val="500"/>
+              </a:spcBef>
+              <a:buFont typeface="Arial" panose="020B0604020202020204" pitchFamily="34" charset="0"/>
+              <a:buNone/>
+              <a:defRPr sz="1600" kern="1200">
+                <a:solidFill>
+                  <a:schemeClr val="tx1"/>
+                </a:solidFill>
+                <a:latin typeface="+mn-lt"/>
+                <a:ea typeface="+mn-ea"/>
+                <a:cs typeface="+mn-cs"/>
+              </a:defRPr>
+            </a:lvl8pPr>
+            <a:lvl9pPr marL="3657600" indent="0" algn="ctr" defTabSz="914400" rtl="0" eaLnBrk="1" latinLnBrk="0" hangingPunct="1">
+              <a:lnSpc>
+                <a:spcPct val="90000"/>
+              </a:lnSpc>
+              <a:spcBef>
+                <a:spcPts val="500"/>
+              </a:spcBef>
+              <a:buFont typeface="Arial" panose="020B0604020202020204" pitchFamily="34" charset="0"/>
+              <a:buNone/>
+              <a:defRPr sz="1600" kern="1200">
+                <a:solidFill>
+                  <a:schemeClr val="tx1"/>
+                </a:solidFill>
+                <a:latin typeface="+mn-lt"/>
+                <a:ea typeface="+mn-ea"/>
+                <a:cs typeface="+mn-cs"/>
+              </a:defRPr>
+            </a:lvl9pPr>
+          </a:lstStyle>
+          <a:p>
+            <a:r>
+              <a:rPr lang="it-IT" sz="1800" b="1" dirty="0">
+                <a:latin typeface="TeX Gyre Cursor"/>
+                <a:cs typeface="Arial" panose="020B0604020202020204" pitchFamily="34" charset="0"/>
+              </a:rPr>
+              <a:t>LEMMA 3</a:t>
+            </a:r>
+            <a:r>
+              <a:rPr lang="it-IT" sz="1800" dirty="0">
+                <a:latin typeface="TeX Gyre Cursor"/>
+                <a:cs typeface="Arial" panose="020B0604020202020204" pitchFamily="34" charset="0"/>
+              </a:rPr>
+              <a:t>: Se il DAG di input ammette un 1-page book </a:t>
+            </a:r>
+            <a:r>
+              <a:rPr lang="it-IT" sz="1800" dirty="0" err="1">
+                <a:latin typeface="TeX Gyre Cursor"/>
+                <a:cs typeface="Arial" panose="020B0604020202020204" pitchFamily="34" charset="0"/>
+              </a:rPr>
+              <a:t>embedding</a:t>
+            </a:r>
+            <a:r>
+              <a:rPr lang="it-IT" sz="1800" dirty="0">
+                <a:latin typeface="TeX Gyre Cursor"/>
+                <a:cs typeface="Arial" panose="020B0604020202020204" pitchFamily="34" charset="0"/>
+              </a:rPr>
+              <a:t>, allora questo </a:t>
+            </a:r>
+            <a:r>
+              <a:rPr lang="it-IT" sz="1800" dirty="0" err="1">
+                <a:latin typeface="TeX Gyre Cursor"/>
+                <a:cs typeface="Arial" panose="020B0604020202020204" pitchFamily="34" charset="0"/>
+              </a:rPr>
+              <a:t>embedding</a:t>
+            </a:r>
+            <a:r>
+              <a:rPr lang="it-IT" sz="1800" dirty="0">
+                <a:latin typeface="TeX Gyre Cursor"/>
+                <a:cs typeface="Arial" panose="020B0604020202020204" pitchFamily="34" charset="0"/>
+              </a:rPr>
+              <a:t> verrà generato dall’algoritmo proposto.</a:t>
+            </a:r>
+            <a:endParaRPr lang="en-US" sz="1800" b="1" dirty="0">
+              <a:latin typeface="TeX Gyre Cursor"/>
+              <a:cs typeface="Arial" panose="020B0604020202020204" pitchFamily="34" charset="0"/>
+            </a:endParaRPr>
+          </a:p>
+        </p:txBody>
+      </p:sp>
+    </p:spTree>
+    <p:extLst>
+      <p:ext uri="{BB962C8B-B14F-4D97-AF65-F5344CB8AC3E}">
+        <p14:creationId xmlns:p14="http://schemas.microsoft.com/office/powerpoint/2010/main" val="2234464662"/>
+      </p:ext>
+    </p:extLst>
+  </p:cSld>
+  <p:clrMapOvr>
+    <a:masterClrMapping/>
+  </p:clrMapOvr>
+</p:sld>
+</file>
+
+<file path=ppt/slides/slide28.xml><?xml version="1.0" encoding="utf-8"?>
 <p:sld xmlns:a="http://schemas.openxmlformats.org/drawingml/2006/main" xmlns:r="http://schemas.openxmlformats.org/officeDocument/2006/relationships" xmlns:p="http://schemas.openxmlformats.org/presentationml/2006/main">
   <p:cSld>
     <p:spTree>
@@ -17460,234 +18424,6 @@
 </p:sld>
 </file>
 
-<file path=ppt/slides/slide28.xml><?xml version="1.0" encoding="utf-8"?>
-<p:sld xmlns:a="http://schemas.openxmlformats.org/drawingml/2006/main" xmlns:r="http://schemas.openxmlformats.org/officeDocument/2006/relationships" xmlns:p="http://schemas.openxmlformats.org/presentationml/2006/main">
-  <p:cSld>
-    <p:spTree>
-      <p:nvGrpSpPr>
-        <p:cNvPr id="1" name=""/>
-        <p:cNvGrpSpPr/>
-        <p:nvPr/>
-      </p:nvGrpSpPr>
-      <p:grpSpPr>
-        <a:xfrm>
-          <a:off x="0" y="0"/>
-          <a:ext cx="0" cy="0"/>
-          <a:chOff x="0" y="0"/>
-          <a:chExt cx="0" cy="0"/>
-        </a:xfrm>
-      </p:grpSpPr>
-      <p:pic>
-        <p:nvPicPr>
-          <p:cNvPr id="40" name="Immagine 42"/>
-          <p:cNvPicPr/>
-          <p:nvPr/>
-        </p:nvPicPr>
-        <p:blipFill>
-          <a:blip r:embed="rId3"/>
-          <a:stretch/>
-        </p:blipFill>
-        <p:spPr>
-          <a:xfrm>
-            <a:off x="0" y="0"/>
-            <a:ext cx="1455276" cy="801045"/>
-          </a:xfrm>
-          <a:prstGeom prst="rect">
-            <a:avLst/>
-          </a:prstGeom>
-          <a:ln>
-            <a:noFill/>
-          </a:ln>
-        </p:spPr>
-      </p:pic>
-      <p:sp>
-        <p:nvSpPr>
-          <p:cNvPr id="2" name="Titolo 1">
-            <a:extLst>
-              <a:ext uri="{FF2B5EF4-FFF2-40B4-BE49-F238E27FC236}">
-                <a16:creationId xmlns:a16="http://schemas.microsoft.com/office/drawing/2014/main" id="{52AA3639-CF5B-EE61-DD4C-CEDC7A0140CC}"/>
-              </a:ext>
-            </a:extLst>
-          </p:cNvPr>
-          <p:cNvSpPr>
-            <a:spLocks noGrp="1"/>
-          </p:cNvSpPr>
-          <p:nvPr>
-            <p:ph type="title"/>
-          </p:nvPr>
-        </p:nvSpPr>
-        <p:spPr>
-          <a:xfrm>
-            <a:off x="0" y="0"/>
-            <a:ext cx="10080625" cy="801045"/>
-          </a:xfrm>
-        </p:spPr>
-        <p:txBody>
-          <a:bodyPr/>
-          <a:lstStyle/>
-          <a:p>
-            <a:pPr algn="ctr"/>
-            <a:r>
-              <a:rPr lang="it-IT" sz="3200" b="1" dirty="0">
-                <a:latin typeface="TeX Gyre Cursor"/>
-              </a:rPr>
-              <a:t>Tool web</a:t>
-            </a:r>
-            <a:endParaRPr lang="it-IT" sz="3200" dirty="0"/>
-          </a:p>
-        </p:txBody>
-      </p:sp>
-      <p:sp>
-        <p:nvSpPr>
-          <p:cNvPr id="19" name="Rettangolo 18">
-            <a:extLst>
-              <a:ext uri="{FF2B5EF4-FFF2-40B4-BE49-F238E27FC236}">
-                <a16:creationId xmlns:a16="http://schemas.microsoft.com/office/drawing/2014/main" id="{27A0A061-A527-1863-2156-155AA134331C}"/>
-              </a:ext>
-            </a:extLst>
-          </p:cNvPr>
-          <p:cNvSpPr/>
-          <p:nvPr/>
-        </p:nvSpPr>
-        <p:spPr>
-          <a:xfrm>
-            <a:off x="0" y="5343979"/>
-            <a:ext cx="10080625" cy="326571"/>
-          </a:xfrm>
-          <a:prstGeom prst="rect">
-            <a:avLst/>
-          </a:prstGeom>
-          <a:solidFill>
-            <a:srgbClr val="062C56"/>
-          </a:solidFill>
-          <a:ln>
-            <a:noFill/>
-          </a:ln>
-        </p:spPr>
-        <p:style>
-          <a:lnRef idx="2">
-            <a:schemeClr val="accent1">
-              <a:shade val="15000"/>
-            </a:schemeClr>
-          </a:lnRef>
-          <a:fillRef idx="1">
-            <a:schemeClr val="accent1"/>
-          </a:fillRef>
-          <a:effectRef idx="0">
-            <a:schemeClr val="accent1"/>
-          </a:effectRef>
-          <a:fontRef idx="minor">
-            <a:schemeClr val="lt1"/>
-          </a:fontRef>
-        </p:style>
-        <p:txBody>
-          <a:bodyPr rtlCol="0" anchor="ctr"/>
-          <a:lstStyle/>
-          <a:p>
-            <a:pPr algn="ctr"/>
-            <a:r>
-              <a:rPr lang="it-IT" sz="1400" dirty="0">
-                <a:latin typeface="TeX Gyre Cursor"/>
-              </a:rPr>
-              <a:t>Enumerazione di 1-Page Book Embedding di Grafi Diretti Aciclici - Ivan Carlini</a:t>
-            </a:r>
-          </a:p>
-        </p:txBody>
-      </p:sp>
-      <p:sp>
-        <p:nvSpPr>
-          <p:cNvPr id="20" name="Rettangolo 19">
-            <a:extLst>
-              <a:ext uri="{FF2B5EF4-FFF2-40B4-BE49-F238E27FC236}">
-                <a16:creationId xmlns:a16="http://schemas.microsoft.com/office/drawing/2014/main" id="{396607E9-3F2D-16CB-C677-39126F093E3D}"/>
-              </a:ext>
-            </a:extLst>
-          </p:cNvPr>
-          <p:cNvSpPr/>
-          <p:nvPr/>
-        </p:nvSpPr>
-        <p:spPr>
-          <a:xfrm>
-            <a:off x="0" y="5308026"/>
-            <a:ext cx="10080625" cy="71906"/>
-          </a:xfrm>
-          <a:prstGeom prst="rect">
-            <a:avLst/>
-          </a:prstGeom>
-          <a:solidFill>
-            <a:srgbClr val="0A5898"/>
-          </a:solidFill>
-          <a:ln>
-            <a:noFill/>
-          </a:ln>
-        </p:spPr>
-        <p:style>
-          <a:lnRef idx="2">
-            <a:schemeClr val="accent1">
-              <a:shade val="15000"/>
-            </a:schemeClr>
-          </a:lnRef>
-          <a:fillRef idx="1">
-            <a:schemeClr val="accent1"/>
-          </a:fillRef>
-          <a:effectRef idx="0">
-            <a:schemeClr val="accent1"/>
-          </a:effectRef>
-          <a:fontRef idx="minor">
-            <a:schemeClr val="lt1"/>
-          </a:fontRef>
-        </p:style>
-        <p:txBody>
-          <a:bodyPr rtlCol="0" anchor="ctr"/>
-          <a:lstStyle/>
-          <a:p>
-            <a:pPr algn="ctr"/>
-            <a:endParaRPr lang="it-IT"/>
-          </a:p>
-        </p:txBody>
-      </p:sp>
-      <p:pic>
-        <p:nvPicPr>
-          <p:cNvPr id="9" name="Immagine 8">
-            <a:extLst>
-              <a:ext uri="{FF2B5EF4-FFF2-40B4-BE49-F238E27FC236}">
-                <a16:creationId xmlns:a16="http://schemas.microsoft.com/office/drawing/2014/main" id="{62D3DC2F-E062-99AA-0B09-244247B509B8}"/>
-              </a:ext>
-            </a:extLst>
-          </p:cNvPr>
-          <p:cNvPicPr>
-            <a:picLocks noChangeAspect="1"/>
-          </p:cNvPicPr>
-          <p:nvPr/>
-        </p:nvPicPr>
-        <p:blipFill>
-          <a:blip r:embed="rId4"/>
-          <a:srcRect b="28223"/>
-          <a:stretch/>
-        </p:blipFill>
-        <p:spPr>
-          <a:xfrm>
-            <a:off x="216" y="1019580"/>
-            <a:ext cx="10080409" cy="4069910"/>
-          </a:xfrm>
-          <a:prstGeom prst="rect">
-            <a:avLst/>
-          </a:prstGeom>
-        </p:spPr>
-      </p:pic>
-    </p:spTree>
-    <p:extLst>
-      <p:ext uri="{BB962C8B-B14F-4D97-AF65-F5344CB8AC3E}">
-        <p14:creationId xmlns:p14="http://schemas.microsoft.com/office/powerpoint/2010/main" val="2165514395"/>
-      </p:ext>
-    </p:extLst>
-  </p:cSld>
-  <p:clrMapOvr>
-    <a:masterClrMapping/>
-  </p:clrMapOvr>
-</p:sld>
-</file>
-
 <file path=ppt/slides/slide29.xml><?xml version="1.0" encoding="utf-8"?>
 <p:sld xmlns:a="http://schemas.openxmlformats.org/drawingml/2006/main" xmlns:r="http://schemas.openxmlformats.org/officeDocument/2006/relationships" xmlns:p="http://schemas.openxmlformats.org/presentationml/2006/main">
   <p:cSld>
@@ -17876,10 +18612,10 @@
       </p:sp>
       <p:pic>
         <p:nvPicPr>
-          <p:cNvPr id="4" name="Immagine 3">
+          <p:cNvPr id="9" name="Immagine 8">
             <a:extLst>
               <a:ext uri="{FF2B5EF4-FFF2-40B4-BE49-F238E27FC236}">
-                <a16:creationId xmlns:a16="http://schemas.microsoft.com/office/drawing/2014/main" id="{5A4BE8D2-6D7E-20C9-606F-A852E0E88B0B}"/>
+                <a16:creationId xmlns:a16="http://schemas.microsoft.com/office/drawing/2014/main" id="{62D3DC2F-E062-99AA-0B09-244247B509B8}"/>
               </a:ext>
             </a:extLst>
           </p:cNvPr>
@@ -17895,8 +18631,8 @@
         </p:blipFill>
         <p:spPr>
           <a:xfrm>
-            <a:off x="0" y="1011839"/>
-            <a:ext cx="10081322" cy="4070278"/>
+            <a:off x="216" y="1019580"/>
+            <a:ext cx="10080409" cy="4069910"/>
           </a:xfrm>
           <a:prstGeom prst="rect">
             <a:avLst/>
@@ -17906,7 +18642,7 @@
     </p:spTree>
     <p:extLst>
       <p:ext uri="{BB962C8B-B14F-4D97-AF65-F5344CB8AC3E}">
-        <p14:creationId xmlns:p14="http://schemas.microsoft.com/office/powerpoint/2010/main" val="274047086"/>
+        <p14:creationId xmlns:p14="http://schemas.microsoft.com/office/powerpoint/2010/main" val="2165514395"/>
       </p:ext>
     </p:extLst>
   </p:cSld>
@@ -18380,6 +19116,234 @@
       </p:sp>
       <p:pic>
         <p:nvPicPr>
+          <p:cNvPr id="4" name="Immagine 3">
+            <a:extLst>
+              <a:ext uri="{FF2B5EF4-FFF2-40B4-BE49-F238E27FC236}">
+                <a16:creationId xmlns:a16="http://schemas.microsoft.com/office/drawing/2014/main" id="{5A4BE8D2-6D7E-20C9-606F-A852E0E88B0B}"/>
+              </a:ext>
+            </a:extLst>
+          </p:cNvPr>
+          <p:cNvPicPr>
+            <a:picLocks noChangeAspect="1"/>
+          </p:cNvPicPr>
+          <p:nvPr/>
+        </p:nvPicPr>
+        <p:blipFill>
+          <a:blip r:embed="rId4"/>
+          <a:srcRect b="28223"/>
+          <a:stretch/>
+        </p:blipFill>
+        <p:spPr>
+          <a:xfrm>
+            <a:off x="0" y="1011839"/>
+            <a:ext cx="10081322" cy="4070278"/>
+          </a:xfrm>
+          <a:prstGeom prst="rect">
+            <a:avLst/>
+          </a:prstGeom>
+        </p:spPr>
+      </p:pic>
+    </p:spTree>
+    <p:extLst>
+      <p:ext uri="{BB962C8B-B14F-4D97-AF65-F5344CB8AC3E}">
+        <p14:creationId xmlns:p14="http://schemas.microsoft.com/office/powerpoint/2010/main" val="274047086"/>
+      </p:ext>
+    </p:extLst>
+  </p:cSld>
+  <p:clrMapOvr>
+    <a:masterClrMapping/>
+  </p:clrMapOvr>
+</p:sld>
+</file>
+
+<file path=ppt/slides/slide31.xml><?xml version="1.0" encoding="utf-8"?>
+<p:sld xmlns:a="http://schemas.openxmlformats.org/drawingml/2006/main" xmlns:r="http://schemas.openxmlformats.org/officeDocument/2006/relationships" xmlns:p="http://schemas.openxmlformats.org/presentationml/2006/main">
+  <p:cSld>
+    <p:spTree>
+      <p:nvGrpSpPr>
+        <p:cNvPr id="1" name=""/>
+        <p:cNvGrpSpPr/>
+        <p:nvPr/>
+      </p:nvGrpSpPr>
+      <p:grpSpPr>
+        <a:xfrm>
+          <a:off x="0" y="0"/>
+          <a:ext cx="0" cy="0"/>
+          <a:chOff x="0" y="0"/>
+          <a:chExt cx="0" cy="0"/>
+        </a:xfrm>
+      </p:grpSpPr>
+      <p:pic>
+        <p:nvPicPr>
+          <p:cNvPr id="40" name="Immagine 42"/>
+          <p:cNvPicPr/>
+          <p:nvPr/>
+        </p:nvPicPr>
+        <p:blipFill>
+          <a:blip r:embed="rId3"/>
+          <a:stretch/>
+        </p:blipFill>
+        <p:spPr>
+          <a:xfrm>
+            <a:off x="0" y="0"/>
+            <a:ext cx="1455276" cy="801045"/>
+          </a:xfrm>
+          <a:prstGeom prst="rect">
+            <a:avLst/>
+          </a:prstGeom>
+          <a:ln>
+            <a:noFill/>
+          </a:ln>
+        </p:spPr>
+      </p:pic>
+      <p:sp>
+        <p:nvSpPr>
+          <p:cNvPr id="2" name="Titolo 1">
+            <a:extLst>
+              <a:ext uri="{FF2B5EF4-FFF2-40B4-BE49-F238E27FC236}">
+                <a16:creationId xmlns:a16="http://schemas.microsoft.com/office/drawing/2014/main" id="{52AA3639-CF5B-EE61-DD4C-CEDC7A0140CC}"/>
+              </a:ext>
+            </a:extLst>
+          </p:cNvPr>
+          <p:cNvSpPr>
+            <a:spLocks noGrp="1"/>
+          </p:cNvSpPr>
+          <p:nvPr>
+            <p:ph type="title"/>
+          </p:nvPr>
+        </p:nvSpPr>
+        <p:spPr>
+          <a:xfrm>
+            <a:off x="0" y="0"/>
+            <a:ext cx="10080625" cy="801045"/>
+          </a:xfrm>
+        </p:spPr>
+        <p:txBody>
+          <a:bodyPr/>
+          <a:lstStyle/>
+          <a:p>
+            <a:pPr algn="ctr"/>
+            <a:r>
+              <a:rPr lang="it-IT" sz="3200" b="1" dirty="0">
+                <a:latin typeface="TeX Gyre Cursor"/>
+              </a:rPr>
+              <a:t>Tool web</a:t>
+            </a:r>
+            <a:endParaRPr lang="it-IT" sz="3200" dirty="0"/>
+          </a:p>
+        </p:txBody>
+      </p:sp>
+      <p:sp>
+        <p:nvSpPr>
+          <p:cNvPr id="19" name="Rettangolo 18">
+            <a:extLst>
+              <a:ext uri="{FF2B5EF4-FFF2-40B4-BE49-F238E27FC236}">
+                <a16:creationId xmlns:a16="http://schemas.microsoft.com/office/drawing/2014/main" id="{27A0A061-A527-1863-2156-155AA134331C}"/>
+              </a:ext>
+            </a:extLst>
+          </p:cNvPr>
+          <p:cNvSpPr/>
+          <p:nvPr/>
+        </p:nvSpPr>
+        <p:spPr>
+          <a:xfrm>
+            <a:off x="0" y="5343979"/>
+            <a:ext cx="10080625" cy="326571"/>
+          </a:xfrm>
+          <a:prstGeom prst="rect">
+            <a:avLst/>
+          </a:prstGeom>
+          <a:solidFill>
+            <a:srgbClr val="062C56"/>
+          </a:solidFill>
+          <a:ln>
+            <a:noFill/>
+          </a:ln>
+        </p:spPr>
+        <p:style>
+          <a:lnRef idx="2">
+            <a:schemeClr val="accent1">
+              <a:shade val="15000"/>
+            </a:schemeClr>
+          </a:lnRef>
+          <a:fillRef idx="1">
+            <a:schemeClr val="accent1"/>
+          </a:fillRef>
+          <a:effectRef idx="0">
+            <a:schemeClr val="accent1"/>
+          </a:effectRef>
+          <a:fontRef idx="minor">
+            <a:schemeClr val="lt1"/>
+          </a:fontRef>
+        </p:style>
+        <p:txBody>
+          <a:bodyPr rtlCol="0" anchor="ctr"/>
+          <a:lstStyle/>
+          <a:p>
+            <a:pPr algn="ctr"/>
+            <a:r>
+              <a:rPr lang="it-IT" sz="1400" dirty="0">
+                <a:latin typeface="TeX Gyre Cursor"/>
+              </a:rPr>
+              <a:t>Enumerazione di 1-Page Book Embedding di Grafi Diretti Aciclici - Ivan Carlini</a:t>
+            </a:r>
+          </a:p>
+        </p:txBody>
+      </p:sp>
+      <p:sp>
+        <p:nvSpPr>
+          <p:cNvPr id="20" name="Rettangolo 19">
+            <a:extLst>
+              <a:ext uri="{FF2B5EF4-FFF2-40B4-BE49-F238E27FC236}">
+                <a16:creationId xmlns:a16="http://schemas.microsoft.com/office/drawing/2014/main" id="{396607E9-3F2D-16CB-C677-39126F093E3D}"/>
+              </a:ext>
+            </a:extLst>
+          </p:cNvPr>
+          <p:cNvSpPr/>
+          <p:nvPr/>
+        </p:nvSpPr>
+        <p:spPr>
+          <a:xfrm>
+            <a:off x="0" y="5308026"/>
+            <a:ext cx="10080625" cy="71906"/>
+          </a:xfrm>
+          <a:prstGeom prst="rect">
+            <a:avLst/>
+          </a:prstGeom>
+          <a:solidFill>
+            <a:srgbClr val="0A5898"/>
+          </a:solidFill>
+          <a:ln>
+            <a:noFill/>
+          </a:ln>
+        </p:spPr>
+        <p:style>
+          <a:lnRef idx="2">
+            <a:schemeClr val="accent1">
+              <a:shade val="15000"/>
+            </a:schemeClr>
+          </a:lnRef>
+          <a:fillRef idx="1">
+            <a:schemeClr val="accent1"/>
+          </a:fillRef>
+          <a:effectRef idx="0">
+            <a:schemeClr val="accent1"/>
+          </a:effectRef>
+          <a:fontRef idx="minor">
+            <a:schemeClr val="lt1"/>
+          </a:fontRef>
+        </p:style>
+        <p:txBody>
+          <a:bodyPr rtlCol="0" anchor="ctr"/>
+          <a:lstStyle/>
+          <a:p>
+            <a:pPr algn="ctr"/>
+            <a:endParaRPr lang="it-IT"/>
+          </a:p>
+        </p:txBody>
+      </p:sp>
+      <p:pic>
+        <p:nvPicPr>
           <p:cNvPr id="5" name="Immagine 4">
             <a:extLst>
               <a:ext uri="{FF2B5EF4-FFF2-40B4-BE49-F238E27FC236}">
@@ -18420,7 +19384,7 @@
 </p:sld>
 </file>
 
-<file path=ppt/slides/slide31.xml><?xml version="1.0" encoding="utf-8"?>
+<file path=ppt/slides/slide32.xml><?xml version="1.0" encoding="utf-8"?>
 <p:sld xmlns:a="http://schemas.openxmlformats.org/drawingml/2006/main" xmlns:r="http://schemas.openxmlformats.org/officeDocument/2006/relationships" xmlns:p="http://schemas.openxmlformats.org/presentationml/2006/main">
   <p:cSld>
     <p:spTree>
@@ -19773,6 +20737,82 @@
           </p:sp>
         </mc:Fallback>
       </mc:AlternateContent>
+      <p:sp>
+        <p:nvSpPr>
+          <p:cNvPr id="5" name="CasellaDiTesto 4">
+            <a:extLst>
+              <a:ext uri="{FF2B5EF4-FFF2-40B4-BE49-F238E27FC236}">
+                <a16:creationId xmlns:a16="http://schemas.microsoft.com/office/drawing/2014/main" id="{93424447-16AD-E381-7A1E-2BBFC3A7EE9D}"/>
+              </a:ext>
+            </a:extLst>
+          </p:cNvPr>
+          <p:cNvSpPr txBox="1"/>
+          <p:nvPr/>
+        </p:nvSpPr>
+        <p:spPr>
+          <a:xfrm>
+            <a:off x="2519085" y="4832742"/>
+            <a:ext cx="5042452" cy="276999"/>
+          </a:xfrm>
+          <a:prstGeom prst="rect">
+            <a:avLst/>
+          </a:prstGeom>
+          <a:noFill/>
+        </p:spPr>
+        <p:txBody>
+          <a:bodyPr wrap="square">
+            <a:spAutoFit/>
+          </a:bodyPr>
+          <a:lstStyle/>
+          <a:p>
+            <a:pPr algn="ctr"/>
+            <a:r>
+              <a:rPr lang="it-IT" sz="1200" b="0" i="0" u="sng" dirty="0">
+                <a:solidFill>
+                  <a:srgbClr val="3677B5"/>
+                </a:solidFill>
+                <a:effectLst/>
+                <a:latin typeface="TeX Gyre Cursor"/>
+                <a:hlinkClick r:id="rId5"/>
+              </a:rPr>
+              <a:t>https://doi.org/10.1137/S0097539795291550</a:t>
+            </a:r>
+            <a:endParaRPr lang="it-IT" sz="1200" dirty="0">
+              <a:latin typeface="TeX Gyre Cursor"/>
+            </a:endParaRPr>
+          </a:p>
+        </p:txBody>
+      </p:sp>
+      <p:pic>
+        <p:nvPicPr>
+          <p:cNvPr id="9" name="Immagine 8">
+            <a:extLst>
+              <a:ext uri="{FF2B5EF4-FFF2-40B4-BE49-F238E27FC236}">
+                <a16:creationId xmlns:a16="http://schemas.microsoft.com/office/drawing/2014/main" id="{42B89B33-E05F-7CA9-4BFC-2155D2558A10}"/>
+              </a:ext>
+            </a:extLst>
+          </p:cNvPr>
+          <p:cNvPicPr>
+            <a:picLocks noChangeAspect="1"/>
+          </p:cNvPicPr>
+          <p:nvPr/>
+        </p:nvPicPr>
+        <p:blipFill>
+          <a:blip r:embed="rId6"/>
+          <a:stretch>
+            <a:fillRect/>
+          </a:stretch>
+        </p:blipFill>
+        <p:spPr>
+          <a:xfrm>
+            <a:off x="2366153" y="3904169"/>
+            <a:ext cx="5348316" cy="761066"/>
+          </a:xfrm>
+          <a:prstGeom prst="rect">
+            <a:avLst/>
+          </a:prstGeom>
+        </p:spPr>
+      </p:pic>
     </p:spTree>
     <p:extLst>
       <p:ext uri="{BB962C8B-B14F-4D97-AF65-F5344CB8AC3E}">
@@ -21398,21 +22438,6 @@
 </file>
 
 <file path=customXml/item1.xml><?xml version="1.0" encoding="utf-8"?>
-<?mso-contentType ?>
-<FormTemplates xmlns="http://schemas.microsoft.com/sharepoint/v3/contenttype/forms">
-  <Display>DocumentLibraryForm</Display>
-  <Edit>DocumentLibraryForm</Edit>
-  <New>DocumentLibraryForm</New>
-</FormTemplates>
-</file>
-
-<file path=customXml/item2.xml><?xml version="1.0" encoding="utf-8"?>
-<p:properties xmlns:p="http://schemas.microsoft.com/office/2006/metadata/properties" xmlns:xsi="http://www.w3.org/2001/XMLSchema-instance" xmlns:pc="http://schemas.microsoft.com/office/infopath/2007/PartnerControls">
-  <documentManagement/>
-</p:properties>
-</file>
-
-<file path=customXml/item3.xml><?xml version="1.0" encoding="utf-8"?>
 <ct:contentTypeSchema xmlns:ct="http://schemas.microsoft.com/office/2006/metadata/contentType" xmlns:ma="http://schemas.microsoft.com/office/2006/metadata/properties/metaAttributes" ct:_="" ma:_="" ma:contentTypeName="Documento" ma:contentTypeID="0x01010090E25A177DBE194CA7DDF0CC303C92DA" ma:contentTypeVersion="10" ma:contentTypeDescription="Creare un nuovo documento." ma:contentTypeScope="" ma:versionID="05058989819870a140977de707ec0a06">
   <xsd:schema xmlns:xsd="http://www.w3.org/2001/XMLSchema" xmlns:xs="http://www.w3.org/2001/XMLSchema" xmlns:p="http://schemas.microsoft.com/office/2006/metadata/properties" xmlns:ns3="c8d8867b-9144-4820-a959-3365945bb6b6" xmlns:ns4="b7d7a78c-ebd1-4b8e-b94b-7acbb09560d1" targetNamespace="http://schemas.microsoft.com/office/2006/metadata/properties" ma:root="true" ma:fieldsID="cb63b33f685a06f3c93a2c5945a88841" ns3:_="" ns4:_="">
     <xsd:import namespace="c8d8867b-9144-4820-a959-3365945bb6b6"/>
@@ -21613,10 +22638,36 @@
 </ct:contentTypeSchema>
 </file>
 
+<file path=customXml/item2.xml><?xml version="1.0" encoding="utf-8"?>
+<p:properties xmlns:p="http://schemas.microsoft.com/office/2006/metadata/properties" xmlns:xsi="http://www.w3.org/2001/XMLSchema-instance" xmlns:pc="http://schemas.microsoft.com/office/infopath/2007/PartnerControls">
+  <documentManagement/>
+</p:properties>
+</file>
+
+<file path=customXml/item3.xml><?xml version="1.0" encoding="utf-8"?>
+<?mso-contentType ?>
+<FormTemplates xmlns="http://schemas.microsoft.com/sharepoint/v3/contenttype/forms">
+  <Display>DocumentLibraryForm</Display>
+  <Edit>DocumentLibraryForm</Edit>
+  <New>DocumentLibraryForm</New>
+</FormTemplates>
+</file>
+
 <file path=customXml/itemProps1.xml><?xml version="1.0" encoding="utf-8"?>
-<ds:datastoreItem xmlns:ds="http://schemas.openxmlformats.org/officeDocument/2006/customXml" ds:itemID="{B0E49FA3-402E-4649-B24F-B0ECF50FD8FF}">
+<ds:datastoreItem xmlns:ds="http://schemas.openxmlformats.org/officeDocument/2006/customXml" ds:itemID="{B62EAF85-E27C-4CFA-987C-F2FFC8626EBB}">
   <ds:schemaRefs>
-    <ds:schemaRef ds:uri="http://schemas.microsoft.com/sharepoint/v3/contenttype/forms"/>
+    <ds:schemaRef ds:uri="http://schemas.microsoft.com/office/2006/metadata/contentType"/>
+    <ds:schemaRef ds:uri="http://schemas.microsoft.com/office/2006/metadata/properties/metaAttributes"/>
+    <ds:schemaRef ds:uri="http://www.w3.org/2001/XMLSchema"/>
+    <ds:schemaRef ds:uri="http://schemas.microsoft.com/office/2006/metadata/properties"/>
+    <ds:schemaRef ds:uri="c8d8867b-9144-4820-a959-3365945bb6b6"/>
+    <ds:schemaRef ds:uri="b7d7a78c-ebd1-4b8e-b94b-7acbb09560d1"/>
+    <ds:schemaRef ds:uri="http://schemas.microsoft.com/office/2006/documentManagement/types"/>
+    <ds:schemaRef ds:uri="http://schemas.microsoft.com/office/infopath/2007/PartnerControls"/>
+    <ds:schemaRef ds:uri="http://schemas.openxmlformats.org/package/2006/metadata/core-properties"/>
+    <ds:schemaRef ds:uri="http://purl.org/dc/elements/1.1/"/>
+    <ds:schemaRef ds:uri="http://purl.org/dc/terms/"/>
+    <ds:schemaRef ds:uri="http://schemas.microsoft.com/internal/obd"/>
   </ds:schemaRefs>
 </ds:datastoreItem>
 </file>
@@ -21639,20 +22690,9 @@
 </file>
 
 <file path=customXml/itemProps3.xml><?xml version="1.0" encoding="utf-8"?>
-<ds:datastoreItem xmlns:ds="http://schemas.openxmlformats.org/officeDocument/2006/customXml" ds:itemID="{B62EAF85-E27C-4CFA-987C-F2FFC8626EBB}">
+<ds:datastoreItem xmlns:ds="http://schemas.openxmlformats.org/officeDocument/2006/customXml" ds:itemID="{B0E49FA3-402E-4649-B24F-B0ECF50FD8FF}">
   <ds:schemaRefs>
-    <ds:schemaRef ds:uri="http://schemas.microsoft.com/office/2006/metadata/contentType"/>
-    <ds:schemaRef ds:uri="http://schemas.microsoft.com/office/2006/metadata/properties/metaAttributes"/>
-    <ds:schemaRef ds:uri="http://www.w3.org/2001/XMLSchema"/>
-    <ds:schemaRef ds:uri="http://schemas.microsoft.com/office/2006/metadata/properties"/>
-    <ds:schemaRef ds:uri="c8d8867b-9144-4820-a959-3365945bb6b6"/>
-    <ds:schemaRef ds:uri="b7d7a78c-ebd1-4b8e-b94b-7acbb09560d1"/>
-    <ds:schemaRef ds:uri="http://schemas.microsoft.com/office/2006/documentManagement/types"/>
-    <ds:schemaRef ds:uri="http://schemas.microsoft.com/office/infopath/2007/PartnerControls"/>
-    <ds:schemaRef ds:uri="http://schemas.openxmlformats.org/package/2006/metadata/core-properties"/>
-    <ds:schemaRef ds:uri="http://purl.org/dc/elements/1.1/"/>
-    <ds:schemaRef ds:uri="http://purl.org/dc/terms/"/>
-    <ds:schemaRef ds:uri="http://schemas.microsoft.com/internal/obd"/>
+    <ds:schemaRef ds:uri="http://schemas.microsoft.com/sharepoint/v3/contenttype/forms"/>
   </ds:schemaRefs>
 </ds:datastoreItem>
 </file>
--- a/slides.pptx
+++ b/slides.pptx
@@ -6128,10 +6128,10 @@
       </mc:AlternateContent>
       <p:pic>
         <p:nvPicPr>
-          <p:cNvPr id="12" name="Immagine 11" descr="Immagine che contiene cerchio, diagramma, schizzo&#10;&#10;Descrizione generata automaticamente">
+          <p:cNvPr id="4" name="Immagine 3" descr="Immagine che contiene cerchio, diagramma, schizzo&#10;&#10;Descrizione generata automaticamente">
             <a:extLst>
               <a:ext uri="{FF2B5EF4-FFF2-40B4-BE49-F238E27FC236}">
-                <a16:creationId xmlns:a16="http://schemas.microsoft.com/office/drawing/2014/main" id="{2ABEA7C8-B40D-0C74-8798-5A37BD48578E}"/>
+                <a16:creationId xmlns:a16="http://schemas.microsoft.com/office/drawing/2014/main" id="{AADE44CC-0034-05CC-B20A-424B53D25CE6}"/>
               </a:ext>
             </a:extLst>
           </p:cNvPr>
@@ -6141,7 +6141,7 @@
           <p:nvPr/>
         </p:nvPicPr>
         <p:blipFill>
-          <a:blip r:embed="rId4">
+          <a:blip r:embed="rId5">
             <a:extLst>
               <a:ext uri="{28A0092B-C50C-407E-A947-70E740481C1C}">
                 <a14:useLocalDpi xmlns:a14="http://schemas.microsoft.com/office/drawing/2010/main" val="0"/>
@@ -13203,7 +13203,7 @@
               <a:rPr lang="it-IT" sz="2000" dirty="0">
                 <a:latin typeface="TeX Gyre Cursor"/>
               </a:rPr>
-              <a:t>Sviluppare l’algoritmo in C++ e creare delle API che ne consentono l’utilizzo</a:t>
+              <a:t>Sviluppare l’algoritmo in C++ e renderlo accessibile tramite delle API</a:t>
             </a:r>
           </a:p>
           <a:p>
@@ -20463,8 +20463,8 @@
           </a:p>
         </p:txBody>
       </p:sp>
-      <mc:AlternateContent xmlns:mc="http://schemas.openxmlformats.org/markup-compatibility/2006" xmlns:a14="http://schemas.microsoft.com/office/drawing/2010/main">
-        <mc:Choice Requires="a14">
+      <mc:AlternateContent xmlns:mc="http://schemas.openxmlformats.org/markup-compatibility/2006">
+        <mc:Choice xmlns:a14="http://schemas.microsoft.com/office/drawing/2010/main" Requires="a14">
           <p:sp>
             <p:nvSpPr>
               <p:cNvPr id="3" name="CasellaDiTesto 2">
@@ -20480,7 +20480,7 @@
             <p:spPr>
               <a:xfrm>
                 <a:off x="527409" y="1118386"/>
-                <a:ext cx="9025804" cy="1978362"/>
+                <a:ext cx="9025804" cy="2286139"/>
               </a:xfrm>
               <a:prstGeom prst="rect">
                 <a:avLst/>
@@ -20674,25 +20674,13 @@
                   <a:rPr lang="it-IT" sz="2000" dirty="0">
                     <a:latin typeface="TeX Gyre Cursor"/>
                   </a:rPr>
-                  <a:t>Prova a costruire un 1-page book </a:t>
-                </a:r>
-                <a:r>
-                  <a:rPr lang="it-IT" sz="2000" dirty="0" err="1">
-                    <a:latin typeface="TeX Gyre Cursor"/>
-                  </a:rPr>
-                  <a:t>embedding</a:t>
-                </a:r>
-                <a:r>
-                  <a:rPr lang="it-IT" sz="2000" dirty="0">
-                    <a:latin typeface="TeX Gyre Cursor"/>
-                  </a:rPr>
-                  <a:t> dell’intero DAG</a:t>
+                  <a:t>Prova a combinare gli embedding dei blocchi per costruire un 1-page book embedding dell’intero DAG</a:t>
                 </a:r>
               </a:p>
             </p:txBody>
           </p:sp>
         </mc:Choice>
-        <mc:Fallback xmlns="">
+        <mc:Fallback>
           <p:sp>
             <p:nvSpPr>
               <p:cNvPr id="3" name="CasellaDiTesto 2">
@@ -20710,7 +20698,7 @@
             <p:spPr>
               <a:xfrm>
                 <a:off x="527409" y="1118386"/>
-                <a:ext cx="9025804" cy="1978362"/>
+                <a:ext cx="9025804" cy="2286139"/>
               </a:xfrm>
               <a:prstGeom prst="rect">
                 <a:avLst/>
@@ -20718,7 +20706,7 @@
               <a:blipFill>
                 <a:blip r:embed="rId4"/>
                 <a:stretch>
-                  <a:fillRect l="-608" t="-4000" b="-4615"/>
+                  <a:fillRect l="-608" t="-3467" b="-3733"/>
                 </a:stretch>
               </a:blipFill>
             </p:spPr>
@@ -22438,6 +22426,21 @@
 </file>
 
 <file path=customXml/item1.xml><?xml version="1.0" encoding="utf-8"?>
+<?mso-contentType ?>
+<FormTemplates xmlns="http://schemas.microsoft.com/sharepoint/v3/contenttype/forms">
+  <Display>DocumentLibraryForm</Display>
+  <Edit>DocumentLibraryForm</Edit>
+  <New>DocumentLibraryForm</New>
+</FormTemplates>
+</file>
+
+<file path=customXml/item2.xml><?xml version="1.0" encoding="utf-8"?>
+<p:properties xmlns:p="http://schemas.microsoft.com/office/2006/metadata/properties" xmlns:xsi="http://www.w3.org/2001/XMLSchema-instance" xmlns:pc="http://schemas.microsoft.com/office/infopath/2007/PartnerControls">
+  <documentManagement/>
+</p:properties>
+</file>
+
+<file path=customXml/item3.xml><?xml version="1.0" encoding="utf-8"?>
 <ct:contentTypeSchema xmlns:ct="http://schemas.microsoft.com/office/2006/metadata/contentType" xmlns:ma="http://schemas.microsoft.com/office/2006/metadata/properties/metaAttributes" ct:_="" ma:_="" ma:contentTypeName="Documento" ma:contentTypeID="0x01010090E25A177DBE194CA7DDF0CC303C92DA" ma:contentTypeVersion="10" ma:contentTypeDescription="Creare un nuovo documento." ma:contentTypeScope="" ma:versionID="05058989819870a140977de707ec0a06">
   <xsd:schema xmlns:xsd="http://www.w3.org/2001/XMLSchema" xmlns:xs="http://www.w3.org/2001/XMLSchema" xmlns:p="http://schemas.microsoft.com/office/2006/metadata/properties" xmlns:ns3="c8d8867b-9144-4820-a959-3365945bb6b6" xmlns:ns4="b7d7a78c-ebd1-4b8e-b94b-7acbb09560d1" targetNamespace="http://schemas.microsoft.com/office/2006/metadata/properties" ma:root="true" ma:fieldsID="cb63b33f685a06f3c93a2c5945a88841" ns3:_="" ns4:_="">
     <xsd:import namespace="c8d8867b-9144-4820-a959-3365945bb6b6"/>
@@ -22638,36 +22641,10 @@
 </ct:contentTypeSchema>
 </file>
 
-<file path=customXml/item2.xml><?xml version="1.0" encoding="utf-8"?>
-<p:properties xmlns:p="http://schemas.microsoft.com/office/2006/metadata/properties" xmlns:xsi="http://www.w3.org/2001/XMLSchema-instance" xmlns:pc="http://schemas.microsoft.com/office/infopath/2007/PartnerControls">
-  <documentManagement/>
-</p:properties>
-</file>
-
-<file path=customXml/item3.xml><?xml version="1.0" encoding="utf-8"?>
-<?mso-contentType ?>
-<FormTemplates xmlns="http://schemas.microsoft.com/sharepoint/v3/contenttype/forms">
-  <Display>DocumentLibraryForm</Display>
-  <Edit>DocumentLibraryForm</Edit>
-  <New>DocumentLibraryForm</New>
-</FormTemplates>
-</file>
-
 <file path=customXml/itemProps1.xml><?xml version="1.0" encoding="utf-8"?>
-<ds:datastoreItem xmlns:ds="http://schemas.openxmlformats.org/officeDocument/2006/customXml" ds:itemID="{B62EAF85-E27C-4CFA-987C-F2FFC8626EBB}">
+<ds:datastoreItem xmlns:ds="http://schemas.openxmlformats.org/officeDocument/2006/customXml" ds:itemID="{B0E49FA3-402E-4649-B24F-B0ECF50FD8FF}">
   <ds:schemaRefs>
-    <ds:schemaRef ds:uri="http://schemas.microsoft.com/office/2006/metadata/contentType"/>
-    <ds:schemaRef ds:uri="http://schemas.microsoft.com/office/2006/metadata/properties/metaAttributes"/>
-    <ds:schemaRef ds:uri="http://www.w3.org/2001/XMLSchema"/>
-    <ds:schemaRef ds:uri="http://schemas.microsoft.com/office/2006/metadata/properties"/>
-    <ds:schemaRef ds:uri="c8d8867b-9144-4820-a959-3365945bb6b6"/>
-    <ds:schemaRef ds:uri="b7d7a78c-ebd1-4b8e-b94b-7acbb09560d1"/>
-    <ds:schemaRef ds:uri="http://schemas.microsoft.com/office/2006/documentManagement/types"/>
-    <ds:schemaRef ds:uri="http://schemas.microsoft.com/office/infopath/2007/PartnerControls"/>
-    <ds:schemaRef ds:uri="http://schemas.openxmlformats.org/package/2006/metadata/core-properties"/>
-    <ds:schemaRef ds:uri="http://purl.org/dc/elements/1.1/"/>
-    <ds:schemaRef ds:uri="http://purl.org/dc/terms/"/>
-    <ds:schemaRef ds:uri="http://schemas.microsoft.com/internal/obd"/>
+    <ds:schemaRef ds:uri="http://schemas.microsoft.com/sharepoint/v3/contenttype/forms"/>
   </ds:schemaRefs>
 </ds:datastoreItem>
 </file>
@@ -22690,9 +22667,20 @@
 </file>
 
 <file path=customXml/itemProps3.xml><?xml version="1.0" encoding="utf-8"?>
-<ds:datastoreItem xmlns:ds="http://schemas.openxmlformats.org/officeDocument/2006/customXml" ds:itemID="{B0E49FA3-402E-4649-B24F-B0ECF50FD8FF}">
+<ds:datastoreItem xmlns:ds="http://schemas.openxmlformats.org/officeDocument/2006/customXml" ds:itemID="{B62EAF85-E27C-4CFA-987C-F2FFC8626EBB}">
   <ds:schemaRefs>
-    <ds:schemaRef ds:uri="http://schemas.microsoft.com/sharepoint/v3/contenttype/forms"/>
+    <ds:schemaRef ds:uri="http://schemas.microsoft.com/office/2006/metadata/contentType"/>
+    <ds:schemaRef ds:uri="http://schemas.microsoft.com/office/2006/metadata/properties/metaAttributes"/>
+    <ds:schemaRef ds:uri="http://www.w3.org/2001/XMLSchema"/>
+    <ds:schemaRef ds:uri="http://schemas.microsoft.com/office/2006/metadata/properties"/>
+    <ds:schemaRef ds:uri="c8d8867b-9144-4820-a959-3365945bb6b6"/>
+    <ds:schemaRef ds:uri="b7d7a78c-ebd1-4b8e-b94b-7acbb09560d1"/>
+    <ds:schemaRef ds:uri="http://schemas.microsoft.com/office/2006/documentManagement/types"/>
+    <ds:schemaRef ds:uri="http://schemas.microsoft.com/office/infopath/2007/PartnerControls"/>
+    <ds:schemaRef ds:uri="http://schemas.openxmlformats.org/package/2006/metadata/core-properties"/>
+    <ds:schemaRef ds:uri="http://purl.org/dc/elements/1.1/"/>
+    <ds:schemaRef ds:uri="http://purl.org/dc/terms/"/>
+    <ds:schemaRef ds:uri="http://schemas.microsoft.com/internal/obd"/>
   </ds:schemaRefs>
 </ds:datastoreItem>
 </file>